--- a/about_me/BrandManagement.pptx
+++ b/about_me/BrandManagement.pptx
@@ -5250,6 +5250,13 @@
         </dgm:presLayoutVars>
       </dgm:prSet>
       <dgm:spPr/>
+      <dgm:t>
+        <a:bodyPr/>
+        <a:lstStyle/>
+        <a:p>
+          <a:endParaRPr lang="en-US"/>
+        </a:p>
+      </dgm:t>
     </dgm:pt>
     <dgm:pt modelId="{DE801391-6078-4642-A904-31F06D589410}" type="pres">
       <dgm:prSet presAssocID="{4F70F4CF-DD21-4008-B481-6BA6CFA8606F}" presName="composite" presStyleCnt="0"/>
@@ -5264,6 +5271,13 @@
         </dgm:presLayoutVars>
       </dgm:prSet>
       <dgm:spPr/>
+      <dgm:t>
+        <a:bodyPr/>
+        <a:lstStyle/>
+        <a:p>
+          <a:endParaRPr lang="en-US"/>
+        </a:p>
+      </dgm:t>
     </dgm:pt>
     <dgm:pt modelId="{C09B49A9-F287-466D-9FA8-2969A250D43B}" type="pres">
       <dgm:prSet presAssocID="{4F70F4CF-DD21-4008-B481-6BA6CFA8606F}" presName="desTx" presStyleLbl="alignAccFollowNode1" presStyleIdx="0" presStyleCnt="1">
@@ -5275,8 +5289,8 @@
     </dgm:pt>
   </dgm:ptLst>
   <dgm:cxnLst>
+    <dgm:cxn modelId="{0D15C02F-34DA-45EB-896A-D87CF4722274}" type="presOf" srcId="{63340D2B-A71D-43C4-97F7-17D296365ACA}" destId="{7FD6EACB-80AA-4660-88F3-3F7E496F0178}" srcOrd="0" destOrd="0" presId="urn:microsoft.com/office/officeart/2005/8/layout/hList1"/>
     <dgm:cxn modelId="{FC1B8E0B-E31D-49F7-9332-4213C24337DB}" type="presOf" srcId="{4F70F4CF-DD21-4008-B481-6BA6CFA8606F}" destId="{164972D1-934A-430E-8C24-4713175A720E}" srcOrd="0" destOrd="0" presId="urn:microsoft.com/office/officeart/2005/8/layout/hList1"/>
-    <dgm:cxn modelId="{0D15C02F-34DA-45EB-896A-D87CF4722274}" type="presOf" srcId="{63340D2B-A71D-43C4-97F7-17D296365ACA}" destId="{7FD6EACB-80AA-4660-88F3-3F7E496F0178}" srcOrd="0" destOrd="0" presId="urn:microsoft.com/office/officeart/2005/8/layout/hList1"/>
     <dgm:cxn modelId="{3DDF73A3-C317-4EF4-9B97-ADDAFA89B7FC}" srcId="{63340D2B-A71D-43C4-97F7-17D296365ACA}" destId="{4F70F4CF-DD21-4008-B481-6BA6CFA8606F}" srcOrd="0" destOrd="0" parTransId="{A4D417E5-0CF4-443E-AFE1-7A8972450414}" sibTransId="{EF243263-BB19-4C5B-BE3D-A3FA03F223DD}"/>
     <dgm:cxn modelId="{AE793B27-3CDB-4E0B-B3E7-261288901B16}" type="presParOf" srcId="{7FD6EACB-80AA-4660-88F3-3F7E496F0178}" destId="{DE801391-6078-4642-A904-31F06D589410}" srcOrd="0" destOrd="0" presId="urn:microsoft.com/office/officeart/2005/8/layout/hList1"/>
     <dgm:cxn modelId="{79CAFD43-48E0-4224-9DDF-E43EDADF7415}" type="presParOf" srcId="{DE801391-6078-4642-A904-31F06D589410}" destId="{164972D1-934A-430E-8C24-4713175A720E}" srcOrd="0" destOrd="0" presId="urn:microsoft.com/office/officeart/2005/8/layout/hList1"/>
@@ -5351,6 +5365,13 @@
         </dgm:presLayoutVars>
       </dgm:prSet>
       <dgm:spPr/>
+      <dgm:t>
+        <a:bodyPr/>
+        <a:lstStyle/>
+        <a:p>
+          <a:endParaRPr lang="en-US"/>
+        </a:p>
+      </dgm:t>
     </dgm:pt>
     <dgm:pt modelId="{DE801391-6078-4642-A904-31F06D589410}" type="pres">
       <dgm:prSet presAssocID="{4F70F4CF-DD21-4008-B481-6BA6CFA8606F}" presName="composite" presStyleCnt="0"/>
@@ -5365,6 +5386,13 @@
         </dgm:presLayoutVars>
       </dgm:prSet>
       <dgm:spPr/>
+      <dgm:t>
+        <a:bodyPr/>
+        <a:lstStyle/>
+        <a:p>
+          <a:endParaRPr lang="en-US"/>
+        </a:p>
+      </dgm:t>
     </dgm:pt>
     <dgm:pt modelId="{C09B49A9-F287-466D-9FA8-2969A250D43B}" type="pres">
       <dgm:prSet presAssocID="{4F70F4CF-DD21-4008-B481-6BA6CFA8606F}" presName="desTx" presStyleLbl="alignAccFollowNode1" presStyleIdx="0" presStyleCnt="1">
@@ -5376,8 +5404,8 @@
     </dgm:pt>
   </dgm:ptLst>
   <dgm:cxnLst>
+    <dgm:cxn modelId="{0D15C02F-34DA-45EB-896A-D87CF4722274}" type="presOf" srcId="{63340D2B-A71D-43C4-97F7-17D296365ACA}" destId="{7FD6EACB-80AA-4660-88F3-3F7E496F0178}" srcOrd="0" destOrd="0" presId="urn:microsoft.com/office/officeart/2005/8/layout/hList1"/>
     <dgm:cxn modelId="{FC1B8E0B-E31D-49F7-9332-4213C24337DB}" type="presOf" srcId="{4F70F4CF-DD21-4008-B481-6BA6CFA8606F}" destId="{164972D1-934A-430E-8C24-4713175A720E}" srcOrd="0" destOrd="0" presId="urn:microsoft.com/office/officeart/2005/8/layout/hList1"/>
-    <dgm:cxn modelId="{0D15C02F-34DA-45EB-896A-D87CF4722274}" type="presOf" srcId="{63340D2B-A71D-43C4-97F7-17D296365ACA}" destId="{7FD6EACB-80AA-4660-88F3-3F7E496F0178}" srcOrd="0" destOrd="0" presId="urn:microsoft.com/office/officeart/2005/8/layout/hList1"/>
     <dgm:cxn modelId="{3DDF73A3-C317-4EF4-9B97-ADDAFA89B7FC}" srcId="{63340D2B-A71D-43C4-97F7-17D296365ACA}" destId="{4F70F4CF-DD21-4008-B481-6BA6CFA8606F}" srcOrd="0" destOrd="0" parTransId="{A4D417E5-0CF4-443E-AFE1-7A8972450414}" sibTransId="{EF243263-BB19-4C5B-BE3D-A3FA03F223DD}"/>
     <dgm:cxn modelId="{AE793B27-3CDB-4E0B-B3E7-261288901B16}" type="presParOf" srcId="{7FD6EACB-80AA-4660-88F3-3F7E496F0178}" destId="{DE801391-6078-4642-A904-31F06D589410}" srcOrd="0" destOrd="0" presId="urn:microsoft.com/office/officeart/2005/8/layout/hList1"/>
     <dgm:cxn modelId="{79CAFD43-48E0-4224-9DDF-E43EDADF7415}" type="presParOf" srcId="{DE801391-6078-4642-A904-31F06D589410}" destId="{164972D1-934A-430E-8C24-4713175A720E}" srcOrd="0" destOrd="0" presId="urn:microsoft.com/office/officeart/2005/8/layout/hList1"/>
@@ -5452,6 +5480,13 @@
         </dgm:presLayoutVars>
       </dgm:prSet>
       <dgm:spPr/>
+      <dgm:t>
+        <a:bodyPr/>
+        <a:lstStyle/>
+        <a:p>
+          <a:endParaRPr lang="en-US"/>
+        </a:p>
+      </dgm:t>
     </dgm:pt>
     <dgm:pt modelId="{DE801391-6078-4642-A904-31F06D589410}" type="pres">
       <dgm:prSet presAssocID="{4F70F4CF-DD21-4008-B481-6BA6CFA8606F}" presName="composite" presStyleCnt="0"/>
@@ -5466,6 +5501,13 @@
         </dgm:presLayoutVars>
       </dgm:prSet>
       <dgm:spPr/>
+      <dgm:t>
+        <a:bodyPr/>
+        <a:lstStyle/>
+        <a:p>
+          <a:endParaRPr lang="en-US"/>
+        </a:p>
+      </dgm:t>
     </dgm:pt>
     <dgm:pt modelId="{C09B49A9-F287-466D-9FA8-2969A250D43B}" type="pres">
       <dgm:prSet presAssocID="{4F70F4CF-DD21-4008-B481-6BA6CFA8606F}" presName="desTx" presStyleLbl="alignAccFollowNode1" presStyleIdx="0" presStyleCnt="1">
@@ -5477,8 +5519,8 @@
     </dgm:pt>
   </dgm:ptLst>
   <dgm:cxnLst>
+    <dgm:cxn modelId="{0D15C02F-34DA-45EB-896A-D87CF4722274}" type="presOf" srcId="{63340D2B-A71D-43C4-97F7-17D296365ACA}" destId="{7FD6EACB-80AA-4660-88F3-3F7E496F0178}" srcOrd="0" destOrd="0" presId="urn:microsoft.com/office/officeart/2005/8/layout/hList1"/>
     <dgm:cxn modelId="{FC1B8E0B-E31D-49F7-9332-4213C24337DB}" type="presOf" srcId="{4F70F4CF-DD21-4008-B481-6BA6CFA8606F}" destId="{164972D1-934A-430E-8C24-4713175A720E}" srcOrd="0" destOrd="0" presId="urn:microsoft.com/office/officeart/2005/8/layout/hList1"/>
-    <dgm:cxn modelId="{0D15C02F-34DA-45EB-896A-D87CF4722274}" type="presOf" srcId="{63340D2B-A71D-43C4-97F7-17D296365ACA}" destId="{7FD6EACB-80AA-4660-88F3-3F7E496F0178}" srcOrd="0" destOrd="0" presId="urn:microsoft.com/office/officeart/2005/8/layout/hList1"/>
     <dgm:cxn modelId="{3DDF73A3-C317-4EF4-9B97-ADDAFA89B7FC}" srcId="{63340D2B-A71D-43C4-97F7-17D296365ACA}" destId="{4F70F4CF-DD21-4008-B481-6BA6CFA8606F}" srcOrd="0" destOrd="0" parTransId="{A4D417E5-0CF4-443E-AFE1-7A8972450414}" sibTransId="{EF243263-BB19-4C5B-BE3D-A3FA03F223DD}"/>
     <dgm:cxn modelId="{AE793B27-3CDB-4E0B-B3E7-261288901B16}" type="presParOf" srcId="{7FD6EACB-80AA-4660-88F3-3F7E496F0178}" destId="{DE801391-6078-4642-A904-31F06D589410}" srcOrd="0" destOrd="0" presId="urn:microsoft.com/office/officeart/2005/8/layout/hList1"/>
     <dgm:cxn modelId="{79CAFD43-48E0-4224-9DDF-E43EDADF7415}" type="presParOf" srcId="{DE801391-6078-4642-A904-31F06D589410}" destId="{164972D1-934A-430E-8C24-4713175A720E}" srcOrd="0" destOrd="0" presId="urn:microsoft.com/office/officeart/2005/8/layout/hList1"/>
@@ -5553,6 +5595,13 @@
         </dgm:presLayoutVars>
       </dgm:prSet>
       <dgm:spPr/>
+      <dgm:t>
+        <a:bodyPr/>
+        <a:lstStyle/>
+        <a:p>
+          <a:endParaRPr lang="en-US"/>
+        </a:p>
+      </dgm:t>
     </dgm:pt>
     <dgm:pt modelId="{DE801391-6078-4642-A904-31F06D589410}" type="pres">
       <dgm:prSet presAssocID="{4F70F4CF-DD21-4008-B481-6BA6CFA8606F}" presName="composite" presStyleCnt="0"/>
@@ -5567,6 +5616,13 @@
         </dgm:presLayoutVars>
       </dgm:prSet>
       <dgm:spPr/>
+      <dgm:t>
+        <a:bodyPr/>
+        <a:lstStyle/>
+        <a:p>
+          <a:endParaRPr lang="en-US"/>
+        </a:p>
+      </dgm:t>
     </dgm:pt>
     <dgm:pt modelId="{C09B49A9-F287-466D-9FA8-2969A250D43B}" type="pres">
       <dgm:prSet presAssocID="{4F70F4CF-DD21-4008-B481-6BA6CFA8606F}" presName="desTx" presStyleLbl="alignAccFollowNode1" presStyleIdx="0" presStyleCnt="1">
@@ -5578,8 +5634,8 @@
     </dgm:pt>
   </dgm:ptLst>
   <dgm:cxnLst>
+    <dgm:cxn modelId="{0D15C02F-34DA-45EB-896A-D87CF4722274}" type="presOf" srcId="{63340D2B-A71D-43C4-97F7-17D296365ACA}" destId="{7FD6EACB-80AA-4660-88F3-3F7E496F0178}" srcOrd="0" destOrd="0" presId="urn:microsoft.com/office/officeart/2005/8/layout/hList1"/>
     <dgm:cxn modelId="{FC1B8E0B-E31D-49F7-9332-4213C24337DB}" type="presOf" srcId="{4F70F4CF-DD21-4008-B481-6BA6CFA8606F}" destId="{164972D1-934A-430E-8C24-4713175A720E}" srcOrd="0" destOrd="0" presId="urn:microsoft.com/office/officeart/2005/8/layout/hList1"/>
-    <dgm:cxn modelId="{0D15C02F-34DA-45EB-896A-D87CF4722274}" type="presOf" srcId="{63340D2B-A71D-43C4-97F7-17D296365ACA}" destId="{7FD6EACB-80AA-4660-88F3-3F7E496F0178}" srcOrd="0" destOrd="0" presId="urn:microsoft.com/office/officeart/2005/8/layout/hList1"/>
     <dgm:cxn modelId="{3DDF73A3-C317-4EF4-9B97-ADDAFA89B7FC}" srcId="{63340D2B-A71D-43C4-97F7-17D296365ACA}" destId="{4F70F4CF-DD21-4008-B481-6BA6CFA8606F}" srcOrd="0" destOrd="0" parTransId="{A4D417E5-0CF4-443E-AFE1-7A8972450414}" sibTransId="{EF243263-BB19-4C5B-BE3D-A3FA03F223DD}"/>
     <dgm:cxn modelId="{AE793B27-3CDB-4E0B-B3E7-261288901B16}" type="presParOf" srcId="{7FD6EACB-80AA-4660-88F3-3F7E496F0178}" destId="{DE801391-6078-4642-A904-31F06D589410}" srcOrd="0" destOrd="0" presId="urn:microsoft.com/office/officeart/2005/8/layout/hList1"/>
     <dgm:cxn modelId="{79CAFD43-48E0-4224-9DDF-E43EDADF7415}" type="presParOf" srcId="{DE801391-6078-4642-A904-31F06D589410}" destId="{164972D1-934A-430E-8C24-4713175A720E}" srcOrd="0" destOrd="0" presId="urn:microsoft.com/office/officeart/2005/8/layout/hList1"/>
@@ -5655,6 +5711,13 @@
         </dgm:presLayoutVars>
       </dgm:prSet>
       <dgm:spPr/>
+      <dgm:t>
+        <a:bodyPr/>
+        <a:lstStyle/>
+        <a:p>
+          <a:endParaRPr lang="en-US"/>
+        </a:p>
+      </dgm:t>
     </dgm:pt>
     <dgm:pt modelId="{C3375C94-53B5-4709-ACB6-7EB8DCBBC6E4}" type="pres">
       <dgm:prSet presAssocID="{98112BB7-05EE-4D64-A617-C6DFF9B3C9A2}" presName="composite" presStyleCnt="0"/>
@@ -5669,6 +5732,13 @@
         </dgm:presLayoutVars>
       </dgm:prSet>
       <dgm:spPr/>
+      <dgm:t>
+        <a:bodyPr/>
+        <a:lstStyle/>
+        <a:p>
+          <a:endParaRPr lang="en-US"/>
+        </a:p>
+      </dgm:t>
     </dgm:pt>
     <dgm:pt modelId="{3C2515C0-51EE-43F7-B816-E9E9B76C7F4D}" type="pres">
       <dgm:prSet presAssocID="{98112BB7-05EE-4D64-A617-C6DFF9B3C9A2}" presName="Image" presStyleLbl="bgImgPlace1" presStyleIdx="0" presStyleCnt="1"/>
@@ -5787,6 +5857,13 @@
         </dgm:presLayoutVars>
       </dgm:prSet>
       <dgm:spPr/>
+      <dgm:t>
+        <a:bodyPr/>
+        <a:lstStyle/>
+        <a:p>
+          <a:endParaRPr lang="en-US"/>
+        </a:p>
+      </dgm:t>
     </dgm:pt>
     <dgm:pt modelId="{C3375C94-53B5-4709-ACB6-7EB8DCBBC6E4}" type="pres">
       <dgm:prSet presAssocID="{98112BB7-05EE-4D64-A617-C6DFF9B3C9A2}" presName="composite" presStyleCnt="0"/>
@@ -5801,6 +5878,13 @@
         </dgm:presLayoutVars>
       </dgm:prSet>
       <dgm:spPr/>
+      <dgm:t>
+        <a:bodyPr/>
+        <a:lstStyle/>
+        <a:p>
+          <a:endParaRPr lang="en-US"/>
+        </a:p>
+      </dgm:t>
     </dgm:pt>
     <dgm:pt modelId="{3C2515C0-51EE-43F7-B816-E9E9B76C7F4D}" type="pres">
       <dgm:prSet presAssocID="{98112BB7-05EE-4D64-A617-C6DFF9B3C9A2}" presName="Image" presStyleLbl="bgImgPlace1" presStyleIdx="0" presStyleCnt="1"/>
@@ -5866,7 +5950,7 @@
       </dsp:nvSpPr>
       <dsp:spPr>
         <a:xfrm>
-          <a:off x="0" y="165513"/>
+          <a:off x="0" y="143553"/>
           <a:ext cx="2173635" cy="418586"/>
         </a:xfrm>
         <a:prstGeom prst="rect">
@@ -5908,12 +5992,12 @@
         </a:fontRef>
       </dsp:style>
       <dsp:txBody>
-        <a:bodyPr spcFirstLastPara="0" vert="horz" wrap="square" lIns="128016" tIns="73152" rIns="128016" bIns="73152" numCol="1" spcCol="1270" anchor="ctr" anchorCtr="0">
+        <a:bodyPr spcFirstLastPara="0" vert="horz" wrap="square" lIns="135128" tIns="77216" rIns="135128" bIns="77216" numCol="1" spcCol="1270" anchor="ctr" anchorCtr="0">
           <a:noAutofit/>
         </a:bodyPr>
         <a:lstStyle/>
         <a:p>
-          <a:pPr marL="0" lvl="0" indent="0" algn="ctr" defTabSz="800100">
+          <a:pPr lvl="0" algn="ctr" defTabSz="844550">
             <a:lnSpc>
               <a:spcPct val="90000"/>
             </a:lnSpc>
@@ -5923,16 +6007,15 @@
             <a:spcAft>
               <a:spcPct val="35000"/>
             </a:spcAft>
-            <a:buNone/>
           </a:pPr>
           <a:r>
-            <a:rPr lang="de-CH" sz="1800" b="1" kern="1200"/>
+            <a:rPr lang="de-CH" sz="1900" b="1" kern="1200"/>
             <a:t>Request</a:t>
           </a:r>
         </a:p>
       </dsp:txBody>
       <dsp:txXfrm>
-        <a:off x="0" y="165513"/>
+        <a:off x="0" y="143553"/>
         <a:ext cx="2173635" cy="418586"/>
       </dsp:txXfrm>
     </dsp:sp>
@@ -5943,8 +6026,8 @@
       </dsp:nvSpPr>
       <dsp:spPr>
         <a:xfrm>
-          <a:off x="0" y="542135"/>
-          <a:ext cx="2173635" cy="966240"/>
+          <a:off x="0" y="520175"/>
+          <a:ext cx="2173635" cy="1010160"/>
         </a:xfrm>
         <a:prstGeom prst="rect">
           <a:avLst/>
@@ -6006,7 +6089,7 @@
       </dsp:nvSpPr>
       <dsp:spPr>
         <a:xfrm>
-          <a:off x="0" y="134166"/>
+          <a:off x="0" y="112206"/>
           <a:ext cx="2173635" cy="418586"/>
         </a:xfrm>
         <a:prstGeom prst="rect">
@@ -6048,12 +6131,12 @@
         </a:fontRef>
       </dsp:style>
       <dsp:txBody>
-        <a:bodyPr spcFirstLastPara="0" vert="horz" wrap="square" lIns="128016" tIns="73152" rIns="128016" bIns="73152" numCol="1" spcCol="1270" anchor="ctr" anchorCtr="0">
+        <a:bodyPr spcFirstLastPara="0" vert="horz" wrap="square" lIns="135128" tIns="77216" rIns="135128" bIns="77216" numCol="1" spcCol="1270" anchor="ctr" anchorCtr="0">
           <a:noAutofit/>
         </a:bodyPr>
         <a:lstStyle/>
         <a:p>
-          <a:pPr marL="0" lvl="0" indent="0" algn="ctr" defTabSz="800100">
+          <a:pPr lvl="0" algn="ctr" defTabSz="844550">
             <a:lnSpc>
               <a:spcPct val="90000"/>
             </a:lnSpc>
@@ -6063,16 +6146,15 @@
             <a:spcAft>
               <a:spcPct val="35000"/>
             </a:spcAft>
-            <a:buNone/>
           </a:pPr>
           <a:r>
-            <a:rPr lang="de-CH" sz="1800" b="1" kern="1200"/>
+            <a:rPr lang="de-CH" sz="1900" b="1" kern="1200"/>
             <a:t>Response</a:t>
           </a:r>
         </a:p>
       </dsp:txBody>
       <dsp:txXfrm>
-        <a:off x="0" y="134166"/>
+        <a:off x="0" y="112206"/>
         <a:ext cx="2173635" cy="418586"/>
       </dsp:txXfrm>
     </dsp:sp>
@@ -6083,8 +6165,8 @@
       </dsp:nvSpPr>
       <dsp:spPr>
         <a:xfrm>
-          <a:off x="0" y="510788"/>
-          <a:ext cx="2173635" cy="966240"/>
+          <a:off x="0" y="488828"/>
+          <a:ext cx="2173635" cy="1010160"/>
         </a:xfrm>
         <a:prstGeom prst="rect">
           <a:avLst/>
@@ -6193,7 +6275,7 @@
         </a:bodyPr>
         <a:lstStyle/>
         <a:p>
-          <a:pPr marL="0" lvl="0" indent="0" algn="ctr" defTabSz="577850">
+          <a:pPr lvl="0" algn="ctr" defTabSz="577850">
             <a:lnSpc>
               <a:spcPct val="90000"/>
             </a:lnSpc>
@@ -6203,7 +6285,6 @@
             <a:spcAft>
               <a:spcPct val="35000"/>
             </a:spcAft>
-            <a:buNone/>
           </a:pPr>
           <a:r>
             <a:rPr lang="de-CH" sz="1300" b="1" kern="1200"/>
@@ -6333,7 +6414,7 @@
         </a:bodyPr>
         <a:lstStyle/>
         <a:p>
-          <a:pPr marL="0" lvl="0" indent="0" algn="ctr" defTabSz="577850">
+          <a:pPr lvl="0" algn="ctr" defTabSz="577850">
             <a:lnSpc>
               <a:spcPct val="90000"/>
             </a:lnSpc>
@@ -6343,7 +6424,6 @@
             <a:spcAft>
               <a:spcPct val="35000"/>
             </a:spcAft>
-            <a:buNone/>
           </a:pPr>
           <a:r>
             <a:rPr lang="de-CH" sz="1300" b="1" kern="1200"/>
@@ -6515,12 +6595,12 @@
         </a:fontRef>
       </dsp:style>
       <dsp:txBody>
-        <a:bodyPr spcFirstLastPara="0" vert="horz" wrap="square" lIns="45720" tIns="45720" rIns="45720" bIns="45720" numCol="1" spcCol="1270" anchor="ctr" anchorCtr="0">
+        <a:bodyPr spcFirstLastPara="0" vert="horz" wrap="square" lIns="49530" tIns="49530" rIns="49530" bIns="49530" numCol="1" spcCol="1270" anchor="ctr" anchorCtr="0">
           <a:noAutofit/>
         </a:bodyPr>
         <a:lstStyle/>
         <a:p>
-          <a:pPr marL="0" lvl="0" indent="0" algn="ctr" defTabSz="533400">
+          <a:pPr lvl="0" algn="ctr" defTabSz="577850">
             <a:lnSpc>
               <a:spcPct val="90000"/>
             </a:lnSpc>
@@ -6530,10 +6610,9 @@
             <a:spcAft>
               <a:spcPct val="35000"/>
             </a:spcAft>
-            <a:buNone/>
           </a:pPr>
           <a:r>
-            <a:rPr lang="de-CH" sz="1200" kern="1200"/>
+            <a:rPr lang="de-CH" sz="1300" kern="1200"/>
             <a:t>Input: Brand Image</a:t>
           </a:r>
         </a:p>
@@ -6642,12 +6721,12 @@
         </a:fontRef>
       </dsp:style>
       <dsp:txBody>
-        <a:bodyPr spcFirstLastPara="0" vert="horz" wrap="square" lIns="45720" tIns="45720" rIns="45720" bIns="45720" numCol="1" spcCol="1270" anchor="ctr" anchorCtr="0">
+        <a:bodyPr spcFirstLastPara="0" vert="horz" wrap="square" lIns="49530" tIns="49530" rIns="49530" bIns="49530" numCol="1" spcCol="1270" anchor="ctr" anchorCtr="0">
           <a:noAutofit/>
         </a:bodyPr>
         <a:lstStyle/>
         <a:p>
-          <a:pPr marL="0" lvl="0" indent="0" algn="ctr" defTabSz="533400">
+          <a:pPr lvl="0" algn="ctr" defTabSz="577850">
             <a:lnSpc>
               <a:spcPct val="90000"/>
             </a:lnSpc>
@@ -6657,10 +6736,9 @@
             <a:spcAft>
               <a:spcPct val="35000"/>
             </a:spcAft>
-            <a:buNone/>
           </a:pPr>
           <a:r>
-            <a:rPr lang="de-CH" sz="1200" kern="1200"/>
+            <a:rPr lang="de-CH" sz="1300" kern="1200"/>
             <a:t>Output: Class Label</a:t>
           </a:r>
         </a:p>
@@ -14477,7 +14555,7 @@
             <a:fld id="{B97C6CC3-1B99-CC41-8C4F-FD94DC1E3784}" type="slidenum">
               <a:rPr lang="en-US"/>
               <a:pPr/>
-              <a:t>‹Nr.›</a:t>
+              <a:t>‹#›</a:t>
             </a:fld>
             <a:endParaRPr lang="en-US"/>
           </a:p>
@@ -14764,7 +14842,7 @@
             <a:fld id="{2A9D45BF-071E-7C44-BE90-B011D0240A3E}" type="slidenum">
               <a:rPr lang="en-US"/>
               <a:pPr/>
-              <a:t>‹Nr.›</a:t>
+              <a:t>‹#›</a:t>
             </a:fld>
             <a:endParaRPr lang="en-US"/>
           </a:p>
@@ -15937,20 +16015,20 @@
               <a:t> in </a:t>
             </a:r>
             <a:r>
-              <a:rPr lang="de-CH" baseline="0" dirty="0" err="1"/>
+              <a:rPr lang="de-CH" baseline="0" err="1"/>
               <a:t>the</a:t>
             </a:r>
             <a:r>
-              <a:rPr lang="de-CH" baseline="0" dirty="0"/>
-              <a:t> </a:t>
-            </a:r>
-            <a:r>
-              <a:rPr lang="de-CH" baseline="0" dirty="0" err="1"/>
-              <a:t>future</a:t>
-            </a:r>
-            <a:r>
-              <a:rPr lang="de-CH" baseline="0" dirty="0"/>
-              <a:t> will </a:t>
+              <a:rPr lang="de-CH" baseline="0"/>
+              <a:t> </a:t>
+            </a:r>
+            <a:r>
+              <a:rPr lang="de-CH" baseline="0" smtClean="0"/>
+              <a:t>future which </a:t>
+            </a:r>
+            <a:r>
+              <a:rPr lang="de-CH" baseline="0" dirty="0"/>
+              <a:t>will </a:t>
             </a:r>
             <a:r>
               <a:rPr lang="de-CH" baseline="0" dirty="0" err="1"/>
@@ -16383,7 +16461,7 @@
               <a:t> </a:t>
             </a:r>
             <a:r>
-              <a:rPr lang="de-CH" dirty="0" err="1">
+              <a:rPr lang="de-CH" err="1">
                 <a:latin typeface="Source Sans Pro Light" charset="0"/>
                 <a:ea typeface="ヒラギノ角ゴ ProN W3" charset="0"/>
                 <a:cs typeface="Source Sans Pro Light" charset="0"/>
@@ -16391,7 +16469,7 @@
               <a:t>to</a:t>
             </a:r>
             <a:r>
-              <a:rPr lang="de-CH" dirty="0">
+              <a:rPr lang="de-CH">
                 <a:latin typeface="Source Sans Pro Light" charset="0"/>
                 <a:ea typeface="ヒラギノ角ゴ ProN W3" charset="0"/>
                 <a:cs typeface="Source Sans Pro Light" charset="0"/>
@@ -16399,20 +16477,12 @@
               <a:t> </a:t>
             </a:r>
             <a:r>
-              <a:rPr lang="de-CH" dirty="0" err="1">
+              <a:rPr lang="de-CH" smtClean="0">
                 <a:latin typeface="Source Sans Pro Light" charset="0"/>
                 <a:ea typeface="ヒラギノ角ゴ ProN W3" charset="0"/>
                 <a:cs typeface="Source Sans Pro Light" charset="0"/>
               </a:rPr>
-              <a:t>categorise</a:t>
-            </a:r>
-            <a:r>
-              <a:rPr lang="de-CH" dirty="0">
-                <a:latin typeface="Source Sans Pro Light" charset="0"/>
-                <a:ea typeface="ヒラギノ角ゴ ProN W3" charset="0"/>
-                <a:cs typeface="Source Sans Pro Light" charset="0"/>
-              </a:rPr>
-              <a:t> </a:t>
+              <a:t>categorize </a:t>
             </a:r>
             <a:r>
               <a:rPr lang="de-CH" dirty="0" err="1">
@@ -19154,20 +19224,20 @@
               <a:t> </a:t>
             </a:r>
             <a:r>
-              <a:rPr lang="de-CH" baseline="0" dirty="0" err="1"/>
+              <a:rPr lang="de-CH" baseline="0" err="1"/>
               <a:t>getting</a:t>
             </a:r>
             <a:r>
-              <a:rPr lang="de-CH" baseline="0" dirty="0"/>
-              <a:t> </a:t>
-            </a:r>
-            <a:r>
-              <a:rPr lang="de-CH" baseline="0" dirty="0" err="1"/>
-              <a:t>the</a:t>
-            </a:r>
-            <a:r>
-              <a:rPr lang="de-CH" baseline="0" dirty="0"/>
-              <a:t> Pinterest API </a:t>
+              <a:rPr lang="de-CH" baseline="0"/>
+              <a:t> </a:t>
+            </a:r>
+            <a:r>
+              <a:rPr lang="de-CH" baseline="0" smtClean="0"/>
+              <a:t>the Twitter and </a:t>
+            </a:r>
+            <a:r>
+              <a:rPr lang="de-CH" baseline="0" dirty="0"/>
+              <a:t>Pinterest API </a:t>
             </a:r>
             <a:r>
               <a:rPr lang="de-CH" baseline="0" dirty="0" err="1"/>
@@ -21501,7 +21571,7 @@
           </a:ln>
           <a:extLst>
             <a:ext uri="{91240B29-F687-4f45-9708-019B960494DF}">
-              <a14:hiddenLine xmlns:a14="http://schemas.microsoft.com/office/drawing/2010/main" xmlns="" w="9525">
+              <a14:hiddenLine xmlns="" xmlns:a14="http://schemas.microsoft.com/office/drawing/2010/main" w="9525">
                 <a:solidFill>
                   <a:srgbClr val="000000"/>
                 </a:solidFill>
@@ -21661,7 +21731,7 @@
           <a:graphicData uri="http://schemas.openxmlformats.org/presentationml/2006/ole">
             <mc:AlternateContent xmlns:mc="http://schemas.openxmlformats.org/markup-compatibility/2006">
               <mc:Choice xmlns:v="urn:schemas-microsoft-com:vml" Requires="v">
-                <p:oleObj spid="_x0000_s1026" name="think-cell Slide" r:id="rId7" imgW="38100" imgH="38100" progId="TCLayout.ActiveDocument.1">
+                <p:oleObj spid="_x0000_s1031" name="think-cell Slide" r:id="rId7" imgW="38100" imgH="38100" progId="TCLayout.ActiveDocument.1">
                   <p:embed/>
                 </p:oleObj>
               </mc:Choice>
@@ -21703,14 +21773,14 @@
                       </a:ln>
                       <a:extLst>
                         <a:ext uri="{909E8E84-426E-40dd-AFC4-6F175D3DCCD1}">
-                          <a14:hiddenFill xmlns:a14="http://schemas.microsoft.com/office/drawing/2010/main" xmlns="">
+                          <a14:hiddenFill xmlns="" xmlns:a14="http://schemas.microsoft.com/office/drawing/2010/main">
                             <a:solidFill>
                               <a:srgbClr val="FFFFFF"/>
                             </a:solidFill>
                           </a14:hiddenFill>
                         </a:ext>
                         <a:ext uri="{91240B29-F687-4f45-9708-019B960494DF}">
-                          <a14:hiddenLine xmlns:a14="http://schemas.microsoft.com/office/drawing/2010/main" xmlns="" w="9525">
+                          <a14:hiddenLine xmlns="" xmlns:a14="http://schemas.microsoft.com/office/drawing/2010/main" w="9525">
                             <a:solidFill>
                               <a:srgbClr val="000000"/>
                             </a:solidFill>
@@ -22193,14 +22263,14 @@
           </a:ln>
           <a:extLst>
             <a:ext uri="{909E8E84-426E-40dd-AFC4-6F175D3DCCD1}">
-              <a14:hiddenFill xmlns:a14="http://schemas.microsoft.com/office/drawing/2010/main" xmlns="">
+              <a14:hiddenFill xmlns="" xmlns:a14="http://schemas.microsoft.com/office/drawing/2010/main">
                 <a:solidFill>
                   <a:srgbClr val="FFFFFF"/>
                 </a:solidFill>
               </a14:hiddenFill>
             </a:ext>
             <a:ext uri="{91240B29-F687-4f45-9708-019B960494DF}">
-              <a14:hiddenLine xmlns:a14="http://schemas.microsoft.com/office/drawing/2010/main" xmlns="" w="9525">
+              <a14:hiddenLine xmlns="" xmlns:a14="http://schemas.microsoft.com/office/drawing/2010/main" w="9525">
                 <a:solidFill>
                   <a:srgbClr val="000000"/>
                 </a:solidFill>
@@ -22391,7 +22461,7 @@
           </a:ln>
           <a:extLst>
             <a:ext uri="{91240B29-F687-4f45-9708-019B960494DF}">
-              <a14:hiddenLine xmlns:a14="http://schemas.microsoft.com/office/drawing/2010/main" xmlns="" w="9525">
+              <a14:hiddenLine xmlns="" xmlns:a14="http://schemas.microsoft.com/office/drawing/2010/main" w="9525">
                 <a:solidFill>
                   <a:srgbClr val="000000"/>
                 </a:solidFill>
@@ -22551,7 +22621,7 @@
           <a:graphicData uri="http://schemas.openxmlformats.org/presentationml/2006/ole">
             <mc:AlternateContent xmlns:mc="http://schemas.openxmlformats.org/markup-compatibility/2006">
               <mc:Choice xmlns:v="urn:schemas-microsoft-com:vml" Requires="v">
-                <p:oleObj spid="_x0000_s2050" name="think-cell Slide" r:id="rId7" imgW="38100" imgH="38100" progId="TCLayout.ActiveDocument.1">
+                <p:oleObj spid="_x0000_s2055" name="think-cell Slide" r:id="rId7" imgW="38100" imgH="38100" progId="TCLayout.ActiveDocument.1">
                   <p:embed/>
                 </p:oleObj>
               </mc:Choice>
@@ -22593,14 +22663,14 @@
                       </a:ln>
                       <a:extLst>
                         <a:ext uri="{909E8E84-426E-40dd-AFC4-6F175D3DCCD1}">
-                          <a14:hiddenFill xmlns:a14="http://schemas.microsoft.com/office/drawing/2010/main" xmlns="">
+                          <a14:hiddenFill xmlns="" xmlns:a14="http://schemas.microsoft.com/office/drawing/2010/main">
                             <a:solidFill>
                               <a:srgbClr val="FFFFFF"/>
                             </a:solidFill>
                           </a14:hiddenFill>
                         </a:ext>
                         <a:ext uri="{91240B29-F687-4f45-9708-019B960494DF}">
-                          <a14:hiddenLine xmlns:a14="http://schemas.microsoft.com/office/drawing/2010/main" xmlns="" w="9525">
+                          <a14:hiddenLine xmlns="" xmlns:a14="http://schemas.microsoft.com/office/drawing/2010/main" w="9525">
                             <a:solidFill>
                               <a:srgbClr val="000000"/>
                             </a:solidFill>
@@ -23083,14 +23153,14 @@
           </a:ln>
           <a:extLst>
             <a:ext uri="{909E8E84-426E-40dd-AFC4-6F175D3DCCD1}">
-              <a14:hiddenFill xmlns:a14="http://schemas.microsoft.com/office/drawing/2010/main" xmlns="">
+              <a14:hiddenFill xmlns="" xmlns:a14="http://schemas.microsoft.com/office/drawing/2010/main">
                 <a:solidFill>
                   <a:srgbClr val="FFFFFF"/>
                 </a:solidFill>
               </a14:hiddenFill>
             </a:ext>
             <a:ext uri="{91240B29-F687-4f45-9708-019B960494DF}">
-              <a14:hiddenLine xmlns:a14="http://schemas.microsoft.com/office/drawing/2010/main" xmlns="" w="9525">
+              <a14:hiddenLine xmlns="" xmlns:a14="http://schemas.microsoft.com/office/drawing/2010/main" w="9525">
                 <a:solidFill>
                   <a:srgbClr val="000000"/>
                 </a:solidFill>
@@ -23295,14 +23365,14 @@
           </a:ln>
           <a:extLst>
             <a:ext uri="{909E8E84-426E-40dd-AFC4-6F175D3DCCD1}">
-              <a14:hiddenFill xmlns:a14="http://schemas.microsoft.com/office/drawing/2010/main" xmlns="">
+              <a14:hiddenFill xmlns="" xmlns:a14="http://schemas.microsoft.com/office/drawing/2010/main">
                 <a:solidFill>
                   <a:srgbClr val="FFFFFF"/>
                 </a:solidFill>
               </a14:hiddenFill>
             </a:ext>
             <a:ext uri="{91240B29-F687-4f45-9708-019B960494DF}">
-              <a14:hiddenLine xmlns:a14="http://schemas.microsoft.com/office/drawing/2010/main" xmlns="" w="9525">
+              <a14:hiddenLine xmlns="" xmlns:a14="http://schemas.microsoft.com/office/drawing/2010/main" w="9525">
                 <a:solidFill>
                   <a:srgbClr val="000000"/>
                 </a:solidFill>
@@ -25180,7 +25250,7 @@
                 <a:latin typeface="Neutraface Text Bold" charset="0"/>
               </a:rPr>
               <a:pPr algn="r" eaLnBrk="1" hangingPunct="1"/>
-              <a:t>‹Nr.›</a:t>
+              <a:t>‹#›</a:t>
             </a:fld>
             <a:endParaRPr lang="en-US" sz="2800" b="1">
               <a:solidFill>
@@ -26410,14 +26480,14 @@
           </a:ln>
           <a:extLst>
             <a:ext uri="{909E8E84-426E-40dd-AFC4-6F175D3DCCD1}">
-              <a14:hiddenFill xmlns:a14="http://schemas.microsoft.com/office/drawing/2010/main" xmlns="">
+              <a14:hiddenFill xmlns="" xmlns:a14="http://schemas.microsoft.com/office/drawing/2010/main">
                 <a:solidFill>
                   <a:srgbClr val="FFFFFF"/>
                 </a:solidFill>
               </a14:hiddenFill>
             </a:ext>
             <a:ext uri="{91240B29-F687-4f45-9708-019B960494DF}">
-              <a14:hiddenLine xmlns:a14="http://schemas.microsoft.com/office/drawing/2010/main" xmlns="" w="9525">
+              <a14:hiddenLine xmlns="" xmlns:a14="http://schemas.microsoft.com/office/drawing/2010/main" w="9525">
                 <a:solidFill>
                   <a:srgbClr val="000000"/>
                 </a:solidFill>
@@ -27112,7 +27182,7 @@
           </a:xfrm>
           <a:extLst>
             <a:ext uri="{91240B29-F687-4f45-9708-019B960494DF}">
-              <a14:hiddenLine xmlns:a14="http://schemas.microsoft.com/office/drawing/2010/main" xmlns="" w="9525">
+              <a14:hiddenLine xmlns="" xmlns:a14="http://schemas.microsoft.com/office/drawing/2010/main" w="9525">
                 <a:solidFill>
                   <a:srgbClr val="000000"/>
                 </a:solidFill>
@@ -27210,14 +27280,14 @@
           <a:noFill/>
           <a:extLst>
             <a:ext uri="{909E8E84-426E-40dd-AFC4-6F175D3DCCD1}">
-              <a14:hiddenFill xmlns:a14="http://schemas.microsoft.com/office/drawing/2010/main" xmlns="">
+              <a14:hiddenFill xmlns="" xmlns:a14="http://schemas.microsoft.com/office/drawing/2010/main">
                 <a:solidFill>
                   <a:srgbClr val="FFFFFF"/>
                 </a:solidFill>
               </a14:hiddenFill>
             </a:ext>
             <a:ext uri="{91240B29-F687-4f45-9708-019B960494DF}">
-              <a14:hiddenLine xmlns:a14="http://schemas.microsoft.com/office/drawing/2010/main" xmlns="" w="9525">
+              <a14:hiddenLine xmlns="" xmlns:a14="http://schemas.microsoft.com/office/drawing/2010/main" w="9525">
                 <a:solidFill>
                   <a:srgbClr val="000000"/>
                 </a:solidFill>
@@ -27227,7 +27297,7 @@
               </a14:hiddenLine>
             </a:ext>
             <a:ext uri="{FAA26D3D-D897-4be2-8F04-BA451C77F1D7}">
-              <ma14:placeholderFlag xmlns:ma14="http://schemas.microsoft.com/office/mac/drawingml/2011/main" xmlns="" val="1"/>
+              <ma14:placeholderFlag xmlns="" xmlns:ma14="http://schemas.microsoft.com/office/mac/drawingml/2011/main" val="1"/>
             </a:ext>
           </a:extLst>
         </p:spPr>
@@ -27277,14 +27347,14 @@
           <a:noFill/>
           <a:extLst>
             <a:ext uri="{909E8E84-426E-40dd-AFC4-6F175D3DCCD1}">
-              <a14:hiddenFill xmlns:a14="http://schemas.microsoft.com/office/drawing/2010/main" xmlns="">
+              <a14:hiddenFill xmlns="" xmlns:a14="http://schemas.microsoft.com/office/drawing/2010/main">
                 <a:solidFill>
                   <a:srgbClr val="FFFFFF"/>
                 </a:solidFill>
               </a14:hiddenFill>
             </a:ext>
             <a:ext uri="{91240B29-F687-4f45-9708-019B960494DF}">
-              <a14:hiddenLine xmlns:a14="http://schemas.microsoft.com/office/drawing/2010/main" xmlns="" w="9525">
+              <a14:hiddenLine xmlns="" xmlns:a14="http://schemas.microsoft.com/office/drawing/2010/main" w="9525">
                 <a:solidFill>
                   <a:srgbClr val="000000"/>
                 </a:solidFill>
@@ -27348,7 +27418,7 @@
           <a:effectLst/>
           <a:extLst>
             <a:ext uri="{AF507438-7753-43e0-B8FC-AC1667EBCBE1}">
-              <a14:hiddenEffects xmlns:a14="http://schemas.microsoft.com/office/drawing/2010/main" xmlns="">
+              <a14:hiddenEffects xmlns="" xmlns:a14="http://schemas.microsoft.com/office/drawing/2010/main">
                 <a:effectLst>
                   <a:outerShdw blurRad="63500" dist="38099" dir="2700000" algn="ctr" rotWithShape="0">
                     <a:schemeClr val="bg2">
@@ -27477,14 +27547,14 @@
           <a:noFill/>
           <a:extLst>
             <a:ext uri="{909E8E84-426E-40dd-AFC4-6F175D3DCCD1}">
-              <a14:hiddenFill xmlns:a14="http://schemas.microsoft.com/office/drawing/2010/main" xmlns="">
+              <a14:hiddenFill xmlns="" xmlns:a14="http://schemas.microsoft.com/office/drawing/2010/main">
                 <a:solidFill>
                   <a:srgbClr val="FFFFFF"/>
                 </a:solidFill>
               </a14:hiddenFill>
             </a:ext>
             <a:ext uri="{91240B29-F687-4f45-9708-019B960494DF}">
-              <a14:hiddenLine xmlns:a14="http://schemas.microsoft.com/office/drawing/2010/main" xmlns="" w="9525">
+              <a14:hiddenLine xmlns="" xmlns:a14="http://schemas.microsoft.com/office/drawing/2010/main" w="9525">
                 <a:solidFill>
                   <a:srgbClr val="000000"/>
                 </a:solidFill>
@@ -27537,14 +27607,14 @@
           <a:noFill/>
           <a:extLst>
             <a:ext uri="{909E8E84-426E-40dd-AFC4-6F175D3DCCD1}">
-              <a14:hiddenFill xmlns:a14="http://schemas.microsoft.com/office/drawing/2010/main" xmlns="">
+              <a14:hiddenFill xmlns="" xmlns:a14="http://schemas.microsoft.com/office/drawing/2010/main">
                 <a:solidFill>
                   <a:srgbClr val="FFFFFF"/>
                 </a:solidFill>
               </a14:hiddenFill>
             </a:ext>
             <a:ext uri="{91240B29-F687-4f45-9708-019B960494DF}">
-              <a14:hiddenLine xmlns:a14="http://schemas.microsoft.com/office/drawing/2010/main" xmlns="" w="9525">
+              <a14:hiddenLine xmlns="" xmlns:a14="http://schemas.microsoft.com/office/drawing/2010/main" w="9525">
                 <a:solidFill>
                   <a:srgbClr val="000000"/>
                 </a:solidFill>
@@ -27942,14 +28012,14 @@
           <a:noFill/>
           <a:extLst>
             <a:ext uri="{909E8E84-426E-40dd-AFC4-6F175D3DCCD1}">
-              <a14:hiddenFill xmlns:a14="http://schemas.microsoft.com/office/drawing/2010/main" xmlns="">
+              <a14:hiddenFill xmlns="" xmlns:a14="http://schemas.microsoft.com/office/drawing/2010/main">
                 <a:solidFill>
                   <a:srgbClr val="FFFFFF"/>
                 </a:solidFill>
               </a14:hiddenFill>
             </a:ext>
             <a:ext uri="{91240B29-F687-4f45-9708-019B960494DF}">
-              <a14:hiddenLine xmlns:a14="http://schemas.microsoft.com/office/drawing/2010/main" xmlns="" w="9525">
+              <a14:hiddenLine xmlns="" xmlns:a14="http://schemas.microsoft.com/office/drawing/2010/main" w="9525">
                 <a:solidFill>
                   <a:srgbClr val="000000"/>
                 </a:solidFill>
@@ -27959,7 +28029,7 @@
               </a14:hiddenLine>
             </a:ext>
             <a:ext uri="{FAA26D3D-D897-4be2-8F04-BA451C77F1D7}">
-              <ma14:placeholderFlag xmlns:ma14="http://schemas.microsoft.com/office/mac/drawingml/2011/main" xmlns="" val="1"/>
+              <ma14:placeholderFlag xmlns="" xmlns:ma14="http://schemas.microsoft.com/office/mac/drawingml/2011/main" val="1"/>
             </a:ext>
           </a:extLst>
         </p:spPr>
@@ -28038,14 +28108,14 @@
           <a:noFill/>
           <a:extLst>
             <a:ext uri="{909E8E84-426E-40dd-AFC4-6F175D3DCCD1}">
-              <a14:hiddenFill xmlns:a14="http://schemas.microsoft.com/office/drawing/2010/main" xmlns="">
+              <a14:hiddenFill xmlns="" xmlns:a14="http://schemas.microsoft.com/office/drawing/2010/main">
                 <a:solidFill>
                   <a:srgbClr val="FFFFFF"/>
                 </a:solidFill>
               </a14:hiddenFill>
             </a:ext>
             <a:ext uri="{91240B29-F687-4f45-9708-019B960494DF}">
-              <a14:hiddenLine xmlns:a14="http://schemas.microsoft.com/office/drawing/2010/main" xmlns="" w="9525">
+              <a14:hiddenLine xmlns="" xmlns:a14="http://schemas.microsoft.com/office/drawing/2010/main" w="9525">
                 <a:solidFill>
                   <a:srgbClr val="000000"/>
                 </a:solidFill>
@@ -28093,14 +28163,14 @@
           <a:noFill/>
           <a:extLst>
             <a:ext uri="{909E8E84-426E-40dd-AFC4-6F175D3DCCD1}">
-              <a14:hiddenFill xmlns:a14="http://schemas.microsoft.com/office/drawing/2010/main" xmlns="">
+              <a14:hiddenFill xmlns="" xmlns:a14="http://schemas.microsoft.com/office/drawing/2010/main">
                 <a:solidFill>
                   <a:srgbClr val="FFFFFF"/>
                 </a:solidFill>
               </a14:hiddenFill>
             </a:ext>
             <a:ext uri="{91240B29-F687-4f45-9708-019B960494DF}">
-              <a14:hiddenLine xmlns:a14="http://schemas.microsoft.com/office/drawing/2010/main" xmlns="" w="9525">
+              <a14:hiddenLine xmlns="" xmlns:a14="http://schemas.microsoft.com/office/drawing/2010/main" w="9525">
                 <a:solidFill>
                   <a:srgbClr val="000000"/>
                 </a:solidFill>
@@ -28140,28 +28210,28 @@
               <a:t>Task</a:t>
             </a:r>
             <a:r>
+              <a:rPr lang="en-US">
+                <a:latin typeface="Source Sans Pro Light" charset="0"/>
+                <a:ea typeface="ヒラギノ角ゴ ProN W3" charset="0"/>
+                <a:cs typeface="Source Sans Pro Light" charset="0"/>
+              </a:rPr>
+              <a:t>: </a:t>
+            </a:r>
+            <a:r>
+              <a:rPr lang="en-US" smtClean="0">
+                <a:latin typeface="Source Sans Pro Light" charset="0"/>
+                <a:ea typeface="ヒラギノ角ゴ ProN W3" charset="0"/>
+                <a:cs typeface="Source Sans Pro Light" charset="0"/>
+              </a:rPr>
+              <a:t>Categorize </a:t>
+            </a:r>
+            <a:r>
               <a:rPr lang="en-US" dirty="0">
                 <a:latin typeface="Source Sans Pro Light" charset="0"/>
                 <a:ea typeface="ヒラギノ角ゴ ProN W3" charset="0"/>
                 <a:cs typeface="Source Sans Pro Light" charset="0"/>
               </a:rPr>
-              <a:t>: </a:t>
-            </a:r>
-            <a:r>
-              <a:rPr lang="en-US" dirty="0" err="1">
-                <a:latin typeface="Source Sans Pro Light" charset="0"/>
-                <a:ea typeface="ヒラギノ角ゴ ProN W3" charset="0"/>
-                <a:cs typeface="Source Sans Pro Light" charset="0"/>
-              </a:rPr>
-              <a:t>Categorise</a:t>
-            </a:r>
-            <a:r>
-              <a:rPr lang="en-US" dirty="0">
-                <a:latin typeface="Source Sans Pro Light" charset="0"/>
-                <a:ea typeface="ヒラギノ角ゴ ProN W3" charset="0"/>
-                <a:cs typeface="Source Sans Pro Light" charset="0"/>
-              </a:rPr>
-              <a:t> and compare official and unofficial social media brand images to measure how these brands are portrayed on the respective social media platform</a:t>
+              <a:t>and compare official and unofficial social media brand images to measure how these brands are portrayed on the respective social media platform</a:t>
             </a:r>
           </a:p>
           <a:p>
@@ -28241,13 +28311,13 @@
           <p:nvPr>
             <p:extLst>
               <p:ext uri="{D42A27DB-BD31-4B8C-83A1-F6EECF244321}">
-                <p14:modId xmlns:p14="http://schemas.microsoft.com/office/powerpoint/2010/main" val="2764603965"/>
+                <p14:modId xmlns:p14="http://schemas.microsoft.com/office/powerpoint/2010/main" val="2744619593"/>
               </p:ext>
             </p:extLst>
           </p:nvPr>
         </p:nvGraphicFramePr>
         <p:xfrm>
-          <a:off x="619125" y="3533783"/>
+          <a:off x="641145" y="3864692"/>
           <a:ext cx="2173635" cy="1673889"/>
         </p:xfrm>
         <a:graphic>
@@ -28271,13 +28341,13 @@
           <p:nvPr>
             <p:extLst>
               <p:ext uri="{D42A27DB-BD31-4B8C-83A1-F6EECF244321}">
-                <p14:modId xmlns:p14="http://schemas.microsoft.com/office/powerpoint/2010/main" val="2947203165"/>
+                <p14:modId xmlns:p14="http://schemas.microsoft.com/office/powerpoint/2010/main" val="1884614399"/>
               </p:ext>
             </p:extLst>
           </p:nvPr>
         </p:nvGraphicFramePr>
         <p:xfrm>
-          <a:off x="7099443" y="3533783"/>
+          <a:off x="7121463" y="3864692"/>
           <a:ext cx="2173635" cy="1611195"/>
         </p:xfrm>
         <a:graphic>
@@ -28301,13 +28371,13 @@
           <p:nvPr>
             <p:extLst>
               <p:ext uri="{D42A27DB-BD31-4B8C-83A1-F6EECF244321}">
-                <p14:modId xmlns:p14="http://schemas.microsoft.com/office/powerpoint/2010/main" val="1301867484"/>
+                <p14:modId xmlns:p14="http://schemas.microsoft.com/office/powerpoint/2010/main" val="4145561681"/>
               </p:ext>
             </p:extLst>
           </p:nvPr>
         </p:nvGraphicFramePr>
         <p:xfrm>
-          <a:off x="3859284" y="3502692"/>
+          <a:off x="3881304" y="3833601"/>
           <a:ext cx="2173635" cy="973573"/>
         </p:xfrm>
         <a:graphic>
@@ -28331,13 +28401,13 @@
           <p:nvPr>
             <p:extLst>
               <p:ext uri="{D42A27DB-BD31-4B8C-83A1-F6EECF244321}">
-                <p14:modId xmlns:p14="http://schemas.microsoft.com/office/powerpoint/2010/main" val="182136728"/>
+                <p14:modId xmlns:p14="http://schemas.microsoft.com/office/powerpoint/2010/main" val="1274403121"/>
               </p:ext>
             </p:extLst>
           </p:nvPr>
         </p:nvGraphicFramePr>
         <p:xfrm>
-          <a:off x="3866182" y="4777992"/>
+          <a:off x="3888202" y="5108901"/>
           <a:ext cx="2173635" cy="973573"/>
         </p:xfrm>
         <a:graphic>
@@ -28364,7 +28434,7 @@
           <a:blip r:embed="rId23">
             <a:extLst>
               <a:ext uri="{96DAC541-7B7A-43D3-8B79-37D633B846F1}">
-                <asvg:svgBlip xmlns:asvg="http://schemas.microsoft.com/office/drawing/2016/SVG/main" r:embed="rId24"/>
+                <asvg:svgBlip xmlns:asvg="http://schemas.microsoft.com/office/drawing/2016/SVG/main" xmlns="" r:embed="rId24"/>
               </a:ext>
             </a:extLst>
           </a:blip>
@@ -28374,7 +28444,7 @@
         </p:blipFill>
         <p:spPr>
           <a:xfrm rot="21087087">
-            <a:off x="2897324" y="3665937"/>
+            <a:off x="2919344" y="3996846"/>
             <a:ext cx="720000" cy="720000"/>
           </a:xfrm>
           <a:prstGeom prst="rect">
@@ -28400,7 +28470,7 @@
           <a:blip r:embed="rId23">
             <a:extLst>
               <a:ext uri="{96DAC541-7B7A-43D3-8B79-37D633B846F1}">
-                <asvg:svgBlip xmlns:asvg="http://schemas.microsoft.com/office/drawing/2016/SVG/main" r:embed="rId24"/>
+                <asvg:svgBlip xmlns:asvg="http://schemas.microsoft.com/office/drawing/2016/SVG/main" xmlns="" r:embed="rId24"/>
               </a:ext>
             </a:extLst>
           </a:blip>
@@ -28410,7 +28480,7 @@
         </p:blipFill>
         <p:spPr>
           <a:xfrm rot="3292379">
-            <a:off x="6319537" y="3626014"/>
+            <a:off x="6341557" y="3956923"/>
             <a:ext cx="720000" cy="720000"/>
           </a:xfrm>
           <a:prstGeom prst="rect">
@@ -28436,7 +28506,7 @@
           <a:blip r:embed="rId25">
             <a:extLst>
               <a:ext uri="{96DAC541-7B7A-43D3-8B79-37D633B846F1}">
-                <asvg:svgBlip xmlns:asvg="http://schemas.microsoft.com/office/drawing/2016/SVG/main" r:embed="rId26"/>
+                <asvg:svgBlip xmlns:asvg="http://schemas.microsoft.com/office/drawing/2016/SVG/main" xmlns="" r:embed="rId26"/>
               </a:ext>
             </a:extLst>
           </a:blip>
@@ -28446,7 +28516,7 @@
         </p:blipFill>
         <p:spPr>
           <a:xfrm>
-            <a:off x="1355959" y="4245693"/>
+            <a:off x="1377979" y="4576602"/>
             <a:ext cx="720000" cy="720000"/>
           </a:xfrm>
           <a:prstGeom prst="rect">
@@ -28472,7 +28542,7 @@
           <a:blip r:embed="rId27">
             <a:extLst>
               <a:ext uri="{96DAC541-7B7A-43D3-8B79-37D633B846F1}">
-                <asvg:svgBlip xmlns:asvg="http://schemas.microsoft.com/office/drawing/2016/SVG/main" r:embed="rId28"/>
+                <asvg:svgBlip xmlns:asvg="http://schemas.microsoft.com/office/drawing/2016/SVG/main" xmlns="" r:embed="rId28"/>
               </a:ext>
             </a:extLst>
           </a:blip>
@@ -28482,7 +28552,7 @@
         </p:blipFill>
         <p:spPr>
           <a:xfrm>
-            <a:off x="7826260" y="4195650"/>
+            <a:off x="7848280" y="4526559"/>
             <a:ext cx="720000" cy="720000"/>
           </a:xfrm>
           <a:prstGeom prst="rect">
@@ -28508,7 +28578,7 @@
           <a:blip r:embed="rId29">
             <a:extLst>
               <a:ext uri="{96DAC541-7B7A-43D3-8B79-37D633B846F1}">
-                <asvg:svgBlip xmlns:asvg="http://schemas.microsoft.com/office/drawing/2016/SVG/main" r:embed="rId30"/>
+                <asvg:svgBlip xmlns:asvg="http://schemas.microsoft.com/office/drawing/2016/SVG/main" xmlns="" r:embed="rId30"/>
               </a:ext>
             </a:extLst>
           </a:blip>
@@ -28518,7 +28588,7 @@
         </p:blipFill>
         <p:spPr>
           <a:xfrm>
-            <a:off x="4586101" y="3747519"/>
+            <a:off x="4608121" y="4078428"/>
             <a:ext cx="720000" cy="720000"/>
           </a:xfrm>
           <a:prstGeom prst="rect">
@@ -28544,7 +28614,7 @@
           <a:blip r:embed="rId31">
             <a:extLst>
               <a:ext uri="{96DAC541-7B7A-43D3-8B79-37D633B846F1}">
-                <asvg:svgBlip xmlns:asvg="http://schemas.microsoft.com/office/drawing/2016/SVG/main" r:embed="rId32"/>
+                <asvg:svgBlip xmlns:asvg="http://schemas.microsoft.com/office/drawing/2016/SVG/main" xmlns="" r:embed="rId32"/>
               </a:ext>
             </a:extLst>
           </a:blip>
@@ -28554,7 +28624,7 @@
         </p:blipFill>
         <p:spPr>
           <a:xfrm>
-            <a:off x="4682999" y="5157192"/>
+            <a:off x="4705019" y="5488101"/>
             <a:ext cx="540000" cy="540000"/>
           </a:xfrm>
           <a:prstGeom prst="rect">
@@ -28576,7 +28646,7 @@
         </p:nvSpPr>
         <p:spPr bwMode="auto">
           <a:xfrm>
-            <a:off x="176782" y="5144978"/>
+            <a:off x="198802" y="5475887"/>
             <a:ext cx="2557091" cy="696290"/>
           </a:xfrm>
           <a:prstGeom prst="wedgeRoundRectCallout">
@@ -28599,7 +28669,7 @@
           <a:effectLst/>
           <a:extLst>
             <a:ext uri="{AF507438-7753-43e0-B8FC-AC1667EBCBE1}">
-              <a14:hiddenEffects xmlns:a14="http://schemas.microsoft.com/office/drawing/2010/main" xmlns="">
+              <a14:hiddenEffects xmlns="" xmlns:a14="http://schemas.microsoft.com/office/drawing/2010/main">
                 <a:effectLst>
                   <a:outerShdw blurRad="63500" dist="38099" dir="2700000" algn="ctr" rotWithShape="0">
                     <a:schemeClr val="bg2">
@@ -28759,7 +28829,7 @@
         </p:nvSpPr>
         <p:spPr bwMode="auto">
           <a:xfrm>
-            <a:off x="5550796" y="4462782"/>
+            <a:off x="5572816" y="4793691"/>
             <a:ext cx="1405813" cy="280096"/>
           </a:xfrm>
           <a:prstGeom prst="wedgeRoundRectCallout">
@@ -28782,7 +28852,7 @@
           <a:effectLst/>
           <a:extLst>
             <a:ext uri="{AF507438-7753-43e0-B8FC-AC1667EBCBE1}">
-              <a14:hiddenEffects xmlns:a14="http://schemas.microsoft.com/office/drawing/2010/main" xmlns="">
+              <a14:hiddenEffects xmlns="" xmlns:a14="http://schemas.microsoft.com/office/drawing/2010/main">
                 <a:effectLst>
                   <a:outerShdw blurRad="63500" dist="38099" dir="2700000" algn="ctr" rotWithShape="0">
                     <a:schemeClr val="bg2">
@@ -28851,7 +28921,7 @@
         </p:nvSpPr>
         <p:spPr bwMode="auto">
           <a:xfrm>
-            <a:off x="8114729" y="5144977"/>
+            <a:off x="8136749" y="5475886"/>
             <a:ext cx="1710490" cy="696291"/>
           </a:xfrm>
           <a:prstGeom prst="wedgeRoundRectCallout">
@@ -28874,7 +28944,7 @@
           <a:effectLst/>
           <a:extLst>
             <a:ext uri="{AF507438-7753-43e0-B8FC-AC1667EBCBE1}">
-              <a14:hiddenEffects xmlns:a14="http://schemas.microsoft.com/office/drawing/2010/main" xmlns="">
+              <a14:hiddenEffects xmlns="" xmlns:a14="http://schemas.microsoft.com/office/drawing/2010/main">
                 <a:effectLst>
                   <a:outerShdw blurRad="63500" dist="38099" dir="2700000" algn="ctr" rotWithShape="0">
                     <a:schemeClr val="bg2">
@@ -28979,7 +29049,7 @@
           <a:blip r:embed="rId33">
             <a:extLst>
               <a:ext uri="{96DAC541-7B7A-43D3-8B79-37D633B846F1}">
-                <asvg:svgBlip xmlns:asvg="http://schemas.microsoft.com/office/drawing/2016/SVG/main" r:embed="rId34"/>
+                <asvg:svgBlip xmlns:asvg="http://schemas.microsoft.com/office/drawing/2016/SVG/main" xmlns="" r:embed="rId34"/>
               </a:ext>
             </a:extLst>
           </a:blip>
@@ -28989,7 +29059,7 @@
         </p:blipFill>
         <p:spPr>
           <a:xfrm rot="5400000">
-            <a:off x="4830067" y="4452053"/>
+            <a:off x="4852087" y="4782962"/>
             <a:ext cx="245866" cy="360000"/>
           </a:xfrm>
           <a:prstGeom prst="rect">
@@ -29016,14 +29086,14 @@
           <a:noFill/>
           <a:extLst>
             <a:ext uri="{909E8E84-426E-40dd-AFC4-6F175D3DCCD1}">
-              <a14:hiddenFill xmlns:a14="http://schemas.microsoft.com/office/drawing/2010/main" xmlns="">
+              <a14:hiddenFill xmlns="" xmlns:a14="http://schemas.microsoft.com/office/drawing/2010/main">
                 <a:solidFill>
                   <a:srgbClr val="FFFFFF"/>
                 </a:solidFill>
               </a14:hiddenFill>
             </a:ext>
             <a:ext uri="{91240B29-F687-4f45-9708-019B960494DF}">
-              <a14:hiddenLine xmlns:a14="http://schemas.microsoft.com/office/drawing/2010/main" xmlns="" w="9525">
+              <a14:hiddenLine xmlns="" xmlns:a14="http://schemas.microsoft.com/office/drawing/2010/main" w="9525">
                 <a:solidFill>
                   <a:srgbClr val="000000"/>
                 </a:solidFill>
@@ -29033,7 +29103,7 @@
               </a14:hiddenLine>
             </a:ext>
             <a:ext uri="{FAA26D3D-D897-4be2-8F04-BA451C77F1D7}">
-              <ma14:placeholderFlag xmlns:ma14="http://schemas.microsoft.com/office/mac/drawingml/2011/main" xmlns="" val="1"/>
+              <ma14:placeholderFlag xmlns="" xmlns:ma14="http://schemas.microsoft.com/office/mac/drawingml/2011/main" val="1"/>
             </a:ext>
           </a:extLst>
         </p:spPr>
@@ -29317,7 +29387,7 @@
         </p:blipFill>
         <p:spPr>
           <a:xfrm>
-            <a:off x="6659470" y="4733347"/>
+            <a:off x="6681490" y="5064256"/>
             <a:ext cx="439972" cy="438321"/>
           </a:xfrm>
           <a:prstGeom prst="rect">
@@ -29340,7 +29410,7 @@
         </p:blipFill>
         <p:spPr>
           <a:xfrm>
-            <a:off x="6158051" y="4720664"/>
+            <a:off x="6180071" y="5051573"/>
             <a:ext cx="452621" cy="449250"/>
           </a:xfrm>
           <a:prstGeom prst="rect">
@@ -29364,7 +29434,7 @@
         </p:blipFill>
         <p:spPr>
           <a:xfrm>
-            <a:off x="3893075" y="3190279"/>
+            <a:off x="3915095" y="3521188"/>
             <a:ext cx="525280" cy="294157"/>
           </a:xfrm>
           <a:prstGeom prst="rect">
@@ -29387,7 +29457,7 @@
         </p:blipFill>
         <p:spPr>
           <a:xfrm>
-            <a:off x="2514297" y="3190396"/>
+            <a:off x="2536317" y="3521305"/>
             <a:ext cx="433852" cy="439885"/>
           </a:xfrm>
           <a:prstGeom prst="rect">
@@ -29411,7 +29481,7 @@
         </p:blipFill>
         <p:spPr>
           <a:xfrm>
-            <a:off x="1511722" y="3202712"/>
+            <a:off x="1533742" y="3533621"/>
             <a:ext cx="985466" cy="422343"/>
           </a:xfrm>
           <a:prstGeom prst="rect">
@@ -29435,7 +29505,7 @@
         </p:blipFill>
         <p:spPr>
           <a:xfrm>
-            <a:off x="2800634" y="5051277"/>
+            <a:off x="2822654" y="5382186"/>
             <a:ext cx="1007413" cy="426325"/>
           </a:xfrm>
           <a:prstGeom prst="rect">
@@ -29458,7 +29528,7 @@
         </p:blipFill>
         <p:spPr>
           <a:xfrm>
-            <a:off x="6975694" y="5119584"/>
+            <a:off x="6997714" y="5450493"/>
             <a:ext cx="1113034" cy="408993"/>
           </a:xfrm>
           <a:prstGeom prst="rect">
@@ -29482,7 +29552,7 @@
         </p:blipFill>
         <p:spPr>
           <a:xfrm>
-            <a:off x="2970874" y="4699790"/>
+            <a:off x="2992894" y="5030699"/>
             <a:ext cx="751134" cy="292921"/>
           </a:xfrm>
           <a:prstGeom prst="rect">
@@ -29506,7 +29576,7 @@
         </p:blipFill>
         <p:spPr>
           <a:xfrm>
-            <a:off x="3030813" y="5477602"/>
+            <a:off x="3052833" y="5808511"/>
             <a:ext cx="745059" cy="301823"/>
           </a:xfrm>
           <a:prstGeom prst="rect">
@@ -29529,7 +29599,7 @@
         </p:blipFill>
         <p:spPr>
           <a:xfrm>
-            <a:off x="275695" y="3209167"/>
+            <a:off x="297715" y="3540076"/>
             <a:ext cx="1222499" cy="415888"/>
           </a:xfrm>
           <a:prstGeom prst="rect">
@@ -29553,7 +29623,7 @@
         </p:blipFill>
         <p:spPr>
           <a:xfrm>
-            <a:off x="2992984" y="3212995"/>
+            <a:off x="3015004" y="3543904"/>
             <a:ext cx="740557" cy="362204"/>
           </a:xfrm>
           <a:prstGeom prst="rect">
@@ -29577,7 +29647,7 @@
         </p:blipFill>
         <p:spPr>
           <a:xfrm>
-            <a:off x="3004036" y="4255556"/>
+            <a:off x="3026056" y="4586465"/>
             <a:ext cx="591468" cy="318929"/>
           </a:xfrm>
           <a:prstGeom prst="rect">
@@ -29601,7 +29671,7 @@
         </p:blipFill>
         <p:spPr>
           <a:xfrm>
-            <a:off x="4572396" y="3151272"/>
+            <a:off x="4594416" y="3482181"/>
             <a:ext cx="918986" cy="342123"/>
           </a:xfrm>
           <a:prstGeom prst="rect">
@@ -29624,7 +29694,7 @@
         </p:blipFill>
         <p:spPr>
           <a:xfrm>
-            <a:off x="6117347" y="5218678"/>
+            <a:off x="6139367" y="5549587"/>
             <a:ext cx="770607" cy="318294"/>
           </a:xfrm>
           <a:prstGeom prst="rect">
@@ -29647,14 +29717,14 @@
           <p:nvPr>
             <p:extLst>
               <p:ext uri="{D42A27DB-BD31-4B8C-83A1-F6EECF244321}">
-                <p14:modId xmlns:p14="http://schemas.microsoft.com/office/powerpoint/2010/main" val="4104520085"/>
+                <p14:modId xmlns:p14="http://schemas.microsoft.com/office/powerpoint/2010/main" val="988352026"/>
               </p:ext>
             </p:extLst>
           </p:nvPr>
         </p:nvGraphicFramePr>
         <p:xfrm>
-          <a:off x="6616771" y="2499498"/>
-          <a:ext cx="2656307" cy="821490"/>
+          <a:off x="6638791" y="2830407"/>
+          <a:ext cx="2656307" cy="975360"/>
         </p:xfrm>
         <a:graphic>
           <a:graphicData uri="http://schemas.openxmlformats.org/drawingml/2006/table">
@@ -29920,14 +29990,14 @@
           <a:noFill/>
           <a:extLst>
             <a:ext uri="{909E8E84-426E-40dd-AFC4-6F175D3DCCD1}">
-              <a14:hiddenFill xmlns:a14="http://schemas.microsoft.com/office/drawing/2010/main" xmlns="">
+              <a14:hiddenFill xmlns="" xmlns:a14="http://schemas.microsoft.com/office/drawing/2010/main">
                 <a:solidFill>
                   <a:srgbClr val="FFFFFF"/>
                 </a:solidFill>
               </a14:hiddenFill>
             </a:ext>
             <a:ext uri="{91240B29-F687-4f45-9708-019B960494DF}">
-              <a14:hiddenLine xmlns:a14="http://schemas.microsoft.com/office/drawing/2010/main" xmlns="" w="9525">
+              <a14:hiddenLine xmlns="" xmlns:a14="http://schemas.microsoft.com/office/drawing/2010/main" w="9525">
                 <a:solidFill>
                   <a:srgbClr val="000000"/>
                 </a:solidFill>
@@ -30019,14 +30089,14 @@
           <a:noFill/>
           <a:extLst>
             <a:ext uri="{909E8E84-426E-40dd-AFC4-6F175D3DCCD1}">
-              <a14:hiddenFill xmlns:a14="http://schemas.microsoft.com/office/drawing/2010/main" xmlns="">
+              <a14:hiddenFill xmlns="" xmlns:a14="http://schemas.microsoft.com/office/drawing/2010/main">
                 <a:solidFill>
                   <a:srgbClr val="FFFFFF"/>
                 </a:solidFill>
               </a14:hiddenFill>
             </a:ext>
             <a:ext uri="{91240B29-F687-4f45-9708-019B960494DF}">
-              <a14:hiddenLine xmlns:a14="http://schemas.microsoft.com/office/drawing/2010/main" xmlns="" w="9525">
+              <a14:hiddenLine xmlns="" xmlns:a14="http://schemas.microsoft.com/office/drawing/2010/main" w="9525">
                 <a:solidFill>
                   <a:srgbClr val="000000"/>
                 </a:solidFill>
@@ -30036,7 +30106,7 @@
               </a14:hiddenLine>
             </a:ext>
             <a:ext uri="{FAA26D3D-D897-4be2-8F04-BA451C77F1D7}">
-              <ma14:placeholderFlag xmlns:ma14="http://schemas.microsoft.com/office/mac/drawingml/2011/main" xmlns="" val="1"/>
+              <ma14:placeholderFlag xmlns="" xmlns:ma14="http://schemas.microsoft.com/office/mac/drawingml/2011/main" val="1"/>
             </a:ext>
           </a:extLst>
         </p:spPr>
@@ -31086,7 +31156,7 @@
                   <a14:useLocalDpi xmlns:a14="http://schemas.microsoft.com/office/drawing/2010/main" val="0"/>
                 </a:ext>
                 <a:ext uri="{96DAC541-7B7A-43D3-8B79-37D633B846F1}">
-                  <asvg:svgBlip xmlns:asvg="http://schemas.microsoft.com/office/drawing/2016/SVG/main" r:embed="rId4"/>
+                  <asvg:svgBlip xmlns:asvg="http://schemas.microsoft.com/office/drawing/2016/SVG/main" xmlns="" r:embed="rId4"/>
                 </a:ext>
               </a:extLst>
             </a:blip>
@@ -31149,7 +31219,7 @@
                   <a14:useLocalDpi xmlns:a14="http://schemas.microsoft.com/office/drawing/2010/main" val="0"/>
                 </a:ext>
                 <a:ext uri="{96DAC541-7B7A-43D3-8B79-37D633B846F1}">
-                  <asvg:svgBlip xmlns:asvg="http://schemas.microsoft.com/office/drawing/2016/SVG/main" r:embed="rId6"/>
+                  <asvg:svgBlip xmlns:asvg="http://schemas.microsoft.com/office/drawing/2016/SVG/main" xmlns="" r:embed="rId6"/>
                 </a:ext>
               </a:extLst>
             </a:blip>
@@ -31212,7 +31282,7 @@
                   <a14:useLocalDpi xmlns:a14="http://schemas.microsoft.com/office/drawing/2010/main" val="0"/>
                 </a:ext>
                 <a:ext uri="{96DAC541-7B7A-43D3-8B79-37D633B846F1}">
-                  <asvg:svgBlip xmlns:asvg="http://schemas.microsoft.com/office/drawing/2016/SVG/main" r:embed="rId8"/>
+                  <asvg:svgBlip xmlns:asvg="http://schemas.microsoft.com/office/drawing/2016/SVG/main" xmlns="" r:embed="rId8"/>
                 </a:ext>
               </a:extLst>
             </a:blip>
@@ -31492,14 +31562,14 @@
           <a:noFill/>
           <a:extLst>
             <a:ext uri="{909E8E84-426E-40dd-AFC4-6F175D3DCCD1}">
-              <a14:hiddenFill xmlns:a14="http://schemas.microsoft.com/office/drawing/2010/main" xmlns="">
+              <a14:hiddenFill xmlns="" xmlns:a14="http://schemas.microsoft.com/office/drawing/2010/main">
                 <a:solidFill>
                   <a:srgbClr val="FFFFFF"/>
                 </a:solidFill>
               </a14:hiddenFill>
             </a:ext>
             <a:ext uri="{91240B29-F687-4f45-9708-019B960494DF}">
-              <a14:hiddenLine xmlns:a14="http://schemas.microsoft.com/office/drawing/2010/main" xmlns="" w="9525">
+              <a14:hiddenLine xmlns="" xmlns:a14="http://schemas.microsoft.com/office/drawing/2010/main" w="9525">
                 <a:solidFill>
                   <a:srgbClr val="000000"/>
                 </a:solidFill>
@@ -31885,7 +31955,7 @@
           <a:effectLst/>
           <a:extLst>
             <a:ext uri="{AF507438-7753-43e0-B8FC-AC1667EBCBE1}">
-              <a14:hiddenEffects xmlns:a14="http://schemas.microsoft.com/office/drawing/2010/main" xmlns="">
+              <a14:hiddenEffects xmlns="" xmlns:a14="http://schemas.microsoft.com/office/drawing/2010/main">
                 <a:effectLst>
                   <a:outerShdw blurRad="63500" dist="38099" dir="2700000" algn="ctr" rotWithShape="0">
                     <a:schemeClr val="bg2">
@@ -32012,14 +32082,14 @@
           <a:noFill/>
           <a:extLst>
             <a:ext uri="{909E8E84-426E-40dd-AFC4-6F175D3DCCD1}">
-              <a14:hiddenFill xmlns:a14="http://schemas.microsoft.com/office/drawing/2010/main" xmlns="">
+              <a14:hiddenFill xmlns="" xmlns:a14="http://schemas.microsoft.com/office/drawing/2010/main">
                 <a:solidFill>
                   <a:srgbClr val="FFFFFF"/>
                 </a:solidFill>
               </a14:hiddenFill>
             </a:ext>
             <a:ext uri="{91240B29-F687-4f45-9708-019B960494DF}">
-              <a14:hiddenLine xmlns:a14="http://schemas.microsoft.com/office/drawing/2010/main" xmlns="" w="9525">
+              <a14:hiddenLine xmlns="" xmlns:a14="http://schemas.microsoft.com/office/drawing/2010/main" w="9525">
                 <a:solidFill>
                   <a:srgbClr val="000000"/>
                 </a:solidFill>
@@ -32029,7 +32099,7 @@
               </a14:hiddenLine>
             </a:ext>
             <a:ext uri="{FAA26D3D-D897-4be2-8F04-BA451C77F1D7}">
-              <ma14:placeholderFlag xmlns:ma14="http://schemas.microsoft.com/office/mac/drawingml/2011/main" xmlns="" val="1"/>
+              <ma14:placeholderFlag xmlns="" xmlns:ma14="http://schemas.microsoft.com/office/mac/drawingml/2011/main" val="1"/>
             </a:ext>
           </a:extLst>
         </p:spPr>
@@ -32346,14 +32416,14 @@
           <a:noFill/>
           <a:extLst>
             <a:ext uri="{909E8E84-426E-40dd-AFC4-6F175D3DCCD1}">
-              <a14:hiddenFill xmlns:a14="http://schemas.microsoft.com/office/drawing/2010/main" xmlns="">
+              <a14:hiddenFill xmlns="" xmlns:a14="http://schemas.microsoft.com/office/drawing/2010/main">
                 <a:solidFill>
                   <a:srgbClr val="FFFFFF"/>
                 </a:solidFill>
               </a14:hiddenFill>
             </a:ext>
             <a:ext uri="{91240B29-F687-4f45-9708-019B960494DF}">
-              <a14:hiddenLine xmlns:a14="http://schemas.microsoft.com/office/drawing/2010/main" xmlns="" w="9525">
+              <a14:hiddenLine xmlns="" xmlns:a14="http://schemas.microsoft.com/office/drawing/2010/main" w="9525">
                 <a:solidFill>
                   <a:srgbClr val="000000"/>
                 </a:solidFill>
@@ -32512,7 +32582,7 @@
           <a:effectLst/>
           <a:extLst>
             <a:ext uri="{AF507438-7753-43e0-B8FC-AC1667EBCBE1}">
-              <a14:hiddenEffects xmlns:a14="http://schemas.microsoft.com/office/drawing/2010/main" xmlns="">
+              <a14:hiddenEffects xmlns="" xmlns:a14="http://schemas.microsoft.com/office/drawing/2010/main">
                 <a:effectLst>
                   <a:outerShdw blurRad="63500" dist="38099" dir="2700000" algn="ctr" rotWithShape="0">
                     <a:schemeClr val="bg2">
@@ -32665,7 +32735,7 @@
           <a:effectLst/>
           <a:extLst>
             <a:ext uri="{AF507438-7753-43e0-B8FC-AC1667EBCBE1}">
-              <a14:hiddenEffects xmlns:a14="http://schemas.microsoft.com/office/drawing/2010/main" xmlns="">
+              <a14:hiddenEffects xmlns="" xmlns:a14="http://schemas.microsoft.com/office/drawing/2010/main">
                 <a:effectLst>
                   <a:outerShdw blurRad="63500" dist="38099" dir="2700000" algn="ctr" rotWithShape="0">
                     <a:schemeClr val="bg2">
@@ -32756,7 +32826,7 @@
           <a:effectLst/>
           <a:extLst>
             <a:ext uri="{AF507438-7753-43e0-B8FC-AC1667EBCBE1}">
-              <a14:hiddenEffects xmlns:a14="http://schemas.microsoft.com/office/drawing/2010/main" xmlns="">
+              <a14:hiddenEffects xmlns="" xmlns:a14="http://schemas.microsoft.com/office/drawing/2010/main">
                 <a:effectLst>
                   <a:outerShdw blurRad="63500" dist="38099" dir="2700000" algn="ctr" rotWithShape="0">
                     <a:schemeClr val="bg2">
@@ -32847,7 +32917,7 @@
           <a:effectLst/>
           <a:extLst>
             <a:ext uri="{AF507438-7753-43e0-B8FC-AC1667EBCBE1}">
-              <a14:hiddenEffects xmlns:a14="http://schemas.microsoft.com/office/drawing/2010/main" xmlns="">
+              <a14:hiddenEffects xmlns="" xmlns:a14="http://schemas.microsoft.com/office/drawing/2010/main">
                 <a:effectLst>
                   <a:outerShdw blurRad="63500" dist="38099" dir="2700000" algn="ctr" rotWithShape="0">
                     <a:schemeClr val="bg2">
@@ -32938,7 +33008,7 @@
           <a:effectLst/>
           <a:extLst>
             <a:ext uri="{AF507438-7753-43e0-B8FC-AC1667EBCBE1}">
-              <a14:hiddenEffects xmlns:a14="http://schemas.microsoft.com/office/drawing/2010/main" xmlns="">
+              <a14:hiddenEffects xmlns="" xmlns:a14="http://schemas.microsoft.com/office/drawing/2010/main">
                 <a:effectLst>
                   <a:outerShdw blurRad="63500" dist="38099" dir="2700000" algn="ctr" rotWithShape="0">
                     <a:schemeClr val="bg2">
@@ -33029,7 +33099,7 @@
           <a:effectLst/>
           <a:extLst>
             <a:ext uri="{AF507438-7753-43e0-B8FC-AC1667EBCBE1}">
-              <a14:hiddenEffects xmlns:a14="http://schemas.microsoft.com/office/drawing/2010/main" xmlns="">
+              <a14:hiddenEffects xmlns="" xmlns:a14="http://schemas.microsoft.com/office/drawing/2010/main">
                 <a:effectLst>
                   <a:outerShdw blurRad="63500" dist="38099" dir="2700000" algn="ctr" rotWithShape="0">
                     <a:schemeClr val="bg2">
@@ -33121,7 +33191,7 @@
           <a:effectLst/>
           <a:extLst>
             <a:ext uri="{AF507438-7753-43e0-B8FC-AC1667EBCBE1}">
-              <a14:hiddenEffects xmlns:a14="http://schemas.microsoft.com/office/drawing/2010/main" xmlns="">
+              <a14:hiddenEffects xmlns="" xmlns:a14="http://schemas.microsoft.com/office/drawing/2010/main">
                 <a:effectLst>
                   <a:outerShdw blurRad="63500" dist="38099" dir="2700000" algn="ctr" rotWithShape="0">
                     <a:schemeClr val="bg2">
@@ -33272,7 +33342,7 @@
           <a:effectLst/>
           <a:extLst>
             <a:ext uri="{AF507438-7753-43e0-B8FC-AC1667EBCBE1}">
-              <a14:hiddenEffects xmlns:a14="http://schemas.microsoft.com/office/drawing/2010/main" xmlns="">
+              <a14:hiddenEffects xmlns="" xmlns:a14="http://schemas.microsoft.com/office/drawing/2010/main">
                 <a:effectLst>
                   <a:outerShdw blurRad="63500" dist="38099" dir="2700000" algn="ctr" rotWithShape="0">
                     <a:schemeClr val="bg2">
@@ -33363,7 +33433,7 @@
           <a:effectLst/>
           <a:extLst>
             <a:ext uri="{AF507438-7753-43e0-B8FC-AC1667EBCBE1}">
-              <a14:hiddenEffects xmlns:a14="http://schemas.microsoft.com/office/drawing/2010/main" xmlns="">
+              <a14:hiddenEffects xmlns="" xmlns:a14="http://schemas.microsoft.com/office/drawing/2010/main">
                 <a:effectLst>
                   <a:outerShdw blurRad="63500" dist="38099" dir="2700000" algn="ctr" rotWithShape="0">
                     <a:schemeClr val="bg2">
@@ -33450,7 +33520,7 @@
           <a:effectLst/>
           <a:extLst>
             <a:ext uri="{AF507438-7753-43e0-B8FC-AC1667EBCBE1}">
-              <a14:hiddenEffects xmlns:a14="http://schemas.microsoft.com/office/drawing/2010/main" xmlns="">
+              <a14:hiddenEffects xmlns="" xmlns:a14="http://schemas.microsoft.com/office/drawing/2010/main">
                 <a:effectLst>
                   <a:outerShdw blurRad="63500" dist="38099" dir="2700000" algn="ctr" rotWithShape="0">
                     <a:schemeClr val="bg2">
@@ -33539,7 +33609,7 @@
           <a:effectLst/>
           <a:extLst>
             <a:ext uri="{AF507438-7753-43e0-B8FC-AC1667EBCBE1}">
-              <a14:hiddenEffects xmlns:a14="http://schemas.microsoft.com/office/drawing/2010/main" xmlns="">
+              <a14:hiddenEffects xmlns="" xmlns:a14="http://schemas.microsoft.com/office/drawing/2010/main">
                 <a:effectLst>
                   <a:outerShdw blurRad="63500" dist="38099" dir="2700000" algn="ctr" rotWithShape="0">
                     <a:schemeClr val="bg2">
@@ -33587,7 +33657,7 @@
           <a:effectLst/>
           <a:extLst>
             <a:ext uri="{AF507438-7753-43e0-B8FC-AC1667EBCBE1}">
-              <a14:hiddenEffects xmlns:a14="http://schemas.microsoft.com/office/drawing/2010/main" xmlns="">
+              <a14:hiddenEffects xmlns="" xmlns:a14="http://schemas.microsoft.com/office/drawing/2010/main">
                 <a:effectLst>
                   <a:outerShdw blurRad="63500" dist="38099" dir="2700000" algn="ctr" rotWithShape="0">
                     <a:schemeClr val="bg2">
@@ -33638,7 +33708,7 @@
           <a:effectLst/>
           <a:extLst>
             <a:ext uri="{AF507438-7753-43e0-B8FC-AC1667EBCBE1}">
-              <a14:hiddenEffects xmlns:a14="http://schemas.microsoft.com/office/drawing/2010/main" xmlns="">
+              <a14:hiddenEffects xmlns="" xmlns:a14="http://schemas.microsoft.com/office/drawing/2010/main">
                 <a:effectLst>
                   <a:outerShdw blurRad="63500" dist="38099" dir="2700000" algn="ctr" rotWithShape="0">
                     <a:schemeClr val="bg2">
@@ -33688,7 +33758,7 @@
           <a:effectLst/>
           <a:extLst>
             <a:ext uri="{AF507438-7753-43e0-B8FC-AC1667EBCBE1}">
-              <a14:hiddenEffects xmlns:a14="http://schemas.microsoft.com/office/drawing/2010/main" xmlns="">
+              <a14:hiddenEffects xmlns="" xmlns:a14="http://schemas.microsoft.com/office/drawing/2010/main">
                 <a:effectLst>
                   <a:outerShdw blurRad="63500" dist="38099" dir="2700000" algn="ctr" rotWithShape="0">
                     <a:schemeClr val="bg2">
@@ -33738,7 +33808,7 @@
           <a:effectLst/>
           <a:extLst>
             <a:ext uri="{AF507438-7753-43e0-B8FC-AC1667EBCBE1}">
-              <a14:hiddenEffects xmlns:a14="http://schemas.microsoft.com/office/drawing/2010/main" xmlns="">
+              <a14:hiddenEffects xmlns="" xmlns:a14="http://schemas.microsoft.com/office/drawing/2010/main">
                 <a:effectLst>
                   <a:outerShdw blurRad="63500" dist="38099" dir="2700000" algn="ctr" rotWithShape="0">
                     <a:schemeClr val="bg2">
@@ -33789,7 +33859,7 @@
           <a:effectLst/>
           <a:extLst>
             <a:ext uri="{AF507438-7753-43e0-B8FC-AC1667EBCBE1}">
-              <a14:hiddenEffects xmlns:a14="http://schemas.microsoft.com/office/drawing/2010/main" xmlns="">
+              <a14:hiddenEffects xmlns="" xmlns:a14="http://schemas.microsoft.com/office/drawing/2010/main">
                 <a:effectLst>
                   <a:outerShdw blurRad="63500" dist="38099" dir="2700000" algn="ctr" rotWithShape="0">
                     <a:schemeClr val="bg2">
@@ -33840,7 +33910,7 @@
           <a:effectLst/>
           <a:extLst>
             <a:ext uri="{AF507438-7753-43e0-B8FC-AC1667EBCBE1}">
-              <a14:hiddenEffects xmlns:a14="http://schemas.microsoft.com/office/drawing/2010/main" xmlns="">
+              <a14:hiddenEffects xmlns="" xmlns:a14="http://schemas.microsoft.com/office/drawing/2010/main">
                 <a:effectLst>
                   <a:outerShdw blurRad="63500" dist="38099" dir="2700000" algn="ctr" rotWithShape="0">
                     <a:schemeClr val="bg2">
@@ -33888,7 +33958,7 @@
           <a:effectLst/>
           <a:extLst>
             <a:ext uri="{AF507438-7753-43e0-B8FC-AC1667EBCBE1}">
-              <a14:hiddenEffects xmlns:a14="http://schemas.microsoft.com/office/drawing/2010/main" xmlns="">
+              <a14:hiddenEffects xmlns="" xmlns:a14="http://schemas.microsoft.com/office/drawing/2010/main">
                 <a:effectLst>
                   <a:outerShdw blurRad="63500" dist="38099" dir="2700000" algn="ctr" rotWithShape="0">
                     <a:schemeClr val="bg2">
@@ -33975,7 +34045,7 @@
           <a:effectLst/>
           <a:extLst>
             <a:ext uri="{AF507438-7753-43e0-B8FC-AC1667EBCBE1}">
-              <a14:hiddenEffects xmlns:a14="http://schemas.microsoft.com/office/drawing/2010/main" xmlns="">
+              <a14:hiddenEffects xmlns="" xmlns:a14="http://schemas.microsoft.com/office/drawing/2010/main">
                 <a:effectLst>
                   <a:outerShdw blurRad="63500" dist="38099" dir="2700000" algn="ctr" rotWithShape="0">
                     <a:schemeClr val="bg2">
@@ -34064,7 +34134,7 @@
           <a:effectLst/>
           <a:extLst>
             <a:ext uri="{AF507438-7753-43e0-B8FC-AC1667EBCBE1}">
-              <a14:hiddenEffects xmlns:a14="http://schemas.microsoft.com/office/drawing/2010/main" xmlns="">
+              <a14:hiddenEffects xmlns="" xmlns:a14="http://schemas.microsoft.com/office/drawing/2010/main">
                 <a:effectLst>
                   <a:outerShdw blurRad="63500" dist="38099" dir="2700000" algn="ctr" rotWithShape="0">
                     <a:schemeClr val="bg2">
@@ -34425,7 +34495,7 @@
           <a:effectLst/>
           <a:extLst>
             <a:ext uri="{AF507438-7753-43e0-B8FC-AC1667EBCBE1}">
-              <a14:hiddenEffects xmlns:a14="http://schemas.microsoft.com/office/drawing/2010/main" xmlns="">
+              <a14:hiddenEffects xmlns="" xmlns:a14="http://schemas.microsoft.com/office/drawing/2010/main">
                 <a:effectLst>
                   <a:outerShdw blurRad="63500" dist="38099" dir="2700000" algn="ctr" rotWithShape="0">
                     <a:schemeClr val="bg2">
@@ -34560,14 +34630,14 @@
           <a:noFill/>
           <a:extLst>
             <a:ext uri="{909E8E84-426E-40dd-AFC4-6F175D3DCCD1}">
-              <a14:hiddenFill xmlns:a14="http://schemas.microsoft.com/office/drawing/2010/main" xmlns="">
+              <a14:hiddenFill xmlns="" xmlns:a14="http://schemas.microsoft.com/office/drawing/2010/main">
                 <a:solidFill>
                   <a:srgbClr val="FFFFFF"/>
                 </a:solidFill>
               </a14:hiddenFill>
             </a:ext>
             <a:ext uri="{91240B29-F687-4f45-9708-019B960494DF}">
-              <a14:hiddenLine xmlns:a14="http://schemas.microsoft.com/office/drawing/2010/main" xmlns="" w="9525">
+              <a14:hiddenLine xmlns="" xmlns:a14="http://schemas.microsoft.com/office/drawing/2010/main" w="9525">
                 <a:solidFill>
                   <a:srgbClr val="000000"/>
                 </a:solidFill>
@@ -34577,7 +34647,7 @@
               </a14:hiddenLine>
             </a:ext>
             <a:ext uri="{FAA26D3D-D897-4be2-8F04-BA451C77F1D7}">
-              <ma14:placeholderFlag xmlns:ma14="http://schemas.microsoft.com/office/mac/drawingml/2011/main" xmlns="" val="1"/>
+              <ma14:placeholderFlag xmlns="" xmlns:ma14="http://schemas.microsoft.com/office/mac/drawingml/2011/main" val="1"/>
             </a:ext>
           </a:extLst>
         </p:spPr>
@@ -35057,14 +35127,14 @@
           <a:noFill/>
           <a:extLst>
             <a:ext uri="{909E8E84-426E-40dd-AFC4-6F175D3DCCD1}">
-              <a14:hiddenFill xmlns:a14="http://schemas.microsoft.com/office/drawing/2010/main" xmlns="">
+              <a14:hiddenFill xmlns="" xmlns:a14="http://schemas.microsoft.com/office/drawing/2010/main">
                 <a:solidFill>
                   <a:srgbClr val="FFFFFF"/>
                 </a:solidFill>
               </a14:hiddenFill>
             </a:ext>
             <a:ext uri="{91240B29-F687-4f45-9708-019B960494DF}">
-              <a14:hiddenLine xmlns:a14="http://schemas.microsoft.com/office/drawing/2010/main" xmlns="" w="9525">
+              <a14:hiddenLine xmlns="" xmlns:a14="http://schemas.microsoft.com/office/drawing/2010/main" w="9525">
                 <a:solidFill>
                   <a:srgbClr val="000000"/>
                 </a:solidFill>
@@ -35074,7 +35144,7 @@
               </a14:hiddenLine>
             </a:ext>
             <a:ext uri="{FAA26D3D-D897-4be2-8F04-BA451C77F1D7}">
-              <ma14:placeholderFlag xmlns:ma14="http://schemas.microsoft.com/office/mac/drawingml/2011/main" xmlns="" val="1"/>
+              <ma14:placeholderFlag xmlns="" xmlns:ma14="http://schemas.microsoft.com/office/mac/drawingml/2011/main" val="1"/>
             </a:ext>
           </a:extLst>
         </p:spPr>
@@ -35173,6 +35243,10 @@
               <a:rPr lang="de-CH" b="1" dirty="0" err="1"/>
               <a:t>collection</a:t>
             </a:r>
+            <a:r>
+              <a:rPr lang="de-CH" b="1" dirty="0"/>
+              <a:t/>
+            </a:r>
             <a:br>
               <a:rPr lang="de-CH" b="1" dirty="0"/>
             </a:br>
@@ -35302,6 +35376,10 @@
               <a:rPr lang="de-CH" b="1" dirty="0" err="1"/>
               <a:t>selection</a:t>
             </a:r>
+            <a:r>
+              <a:rPr lang="de-CH" b="1" dirty="0"/>
+              <a:t/>
+            </a:r>
             <a:br>
               <a:rPr lang="de-CH" b="1" dirty="0"/>
             </a:br>
@@ -35355,6 +35433,10 @@
               <a:rPr lang="de-CH" b="1" dirty="0" err="1"/>
               <a:t>copyright</a:t>
             </a:r>
+            <a:r>
+              <a:rPr lang="de-CH" b="1" dirty="0"/>
+              <a:t/>
+            </a:r>
             <a:br>
               <a:rPr lang="de-CH" b="1" dirty="0"/>
             </a:br>
@@ -35512,6 +35594,10 @@
             <a:r>
               <a:rPr lang="de-CH" b="1" dirty="0" err="1"/>
               <a:t>Deployment</a:t>
+            </a:r>
+            <a:r>
+              <a:rPr lang="de-CH" b="1" dirty="0"/>
+              <a:t/>
             </a:r>
             <a:br>
               <a:rPr lang="de-CH" b="1" dirty="0"/>
@@ -35629,14 +35715,14 @@
           <a:noFill/>
           <a:extLst>
             <a:ext uri="{909E8E84-426E-40dd-AFC4-6F175D3DCCD1}">
-              <a14:hiddenFill xmlns:a14="http://schemas.microsoft.com/office/drawing/2010/main" xmlns="">
+              <a14:hiddenFill xmlns="" xmlns:a14="http://schemas.microsoft.com/office/drawing/2010/main">
                 <a:solidFill>
                   <a:srgbClr val="FFFFFF"/>
                 </a:solidFill>
               </a14:hiddenFill>
             </a:ext>
             <a:ext uri="{91240B29-F687-4f45-9708-019B960494DF}">
-              <a14:hiddenLine xmlns:a14="http://schemas.microsoft.com/office/drawing/2010/main" xmlns="" w="9525">
+              <a14:hiddenLine xmlns="" xmlns:a14="http://schemas.microsoft.com/office/drawing/2010/main" w="9525">
                 <a:solidFill>
                   <a:srgbClr val="000000"/>
                 </a:solidFill>
@@ -35646,7 +35732,7 @@
               </a14:hiddenLine>
             </a:ext>
             <a:ext uri="{FAA26D3D-D897-4be2-8F04-BA451C77F1D7}">
-              <ma14:placeholderFlag xmlns:ma14="http://schemas.microsoft.com/office/mac/drawingml/2011/main" xmlns="" val="1"/>
+              <ma14:placeholderFlag xmlns="" xmlns:ma14="http://schemas.microsoft.com/office/mac/drawingml/2011/main" val="1"/>
             </a:ext>
           </a:extLst>
         </p:spPr>
@@ -35725,14 +35811,14 @@
           <a:noFill/>
           <a:extLst>
             <a:ext uri="{909E8E84-426E-40dd-AFC4-6F175D3DCCD1}">
-              <a14:hiddenFill xmlns:a14="http://schemas.microsoft.com/office/drawing/2010/main" xmlns="">
+              <a14:hiddenFill xmlns="" xmlns:a14="http://schemas.microsoft.com/office/drawing/2010/main">
                 <a:solidFill>
                   <a:srgbClr val="FFFFFF"/>
                 </a:solidFill>
               </a14:hiddenFill>
             </a:ext>
             <a:ext uri="{91240B29-F687-4f45-9708-019B960494DF}">
-              <a14:hiddenLine xmlns:a14="http://schemas.microsoft.com/office/drawing/2010/main" xmlns="" w="9525">
+              <a14:hiddenLine xmlns="" xmlns:a14="http://schemas.microsoft.com/office/drawing/2010/main" w="9525">
                 <a:solidFill>
                   <a:srgbClr val="000000"/>
                 </a:solidFill>
@@ -35815,14 +35901,14 @@
           <a:noFill/>
           <a:extLst>
             <a:ext uri="{909E8E84-426E-40dd-AFC4-6F175D3DCCD1}">
-              <a14:hiddenFill xmlns:a14="http://schemas.microsoft.com/office/drawing/2010/main" xmlns="">
+              <a14:hiddenFill xmlns="" xmlns:a14="http://schemas.microsoft.com/office/drawing/2010/main">
                 <a:solidFill>
                   <a:srgbClr val="FFFFFF"/>
                 </a:solidFill>
               </a14:hiddenFill>
             </a:ext>
             <a:ext uri="{91240B29-F687-4f45-9708-019B960494DF}">
-              <a14:hiddenLine xmlns:a14="http://schemas.microsoft.com/office/drawing/2010/main" xmlns="" w="9525">
+              <a14:hiddenLine xmlns="" xmlns:a14="http://schemas.microsoft.com/office/drawing/2010/main" w="9525">
                 <a:solidFill>
                   <a:srgbClr val="000000"/>
                 </a:solidFill>
@@ -36161,7 +36247,7 @@
         <a:effectLst/>
         <a:extLst>
           <a:ext uri="{AF507438-7753-43e0-B8FC-AC1667EBCBE1}">
-            <a14:hiddenEffects xmlns:a14="http://schemas.microsoft.com/office/drawing/2010/main" xmlns="">
+            <a14:hiddenEffects xmlns="" xmlns:a14="http://schemas.microsoft.com/office/drawing/2010/main">
               <a:effectLst>
                 <a:outerShdw blurRad="63500" dist="38099" dir="2700000" algn="ctr" rotWithShape="0">
                   <a:schemeClr val="bg2">
@@ -36239,7 +36325,7 @@
         <a:effectLst/>
         <a:extLst>
           <a:ext uri="{AF507438-7753-43e0-B8FC-AC1667EBCBE1}">
-            <a14:hiddenEffects xmlns:a14="http://schemas.microsoft.com/office/drawing/2010/main" xmlns="">
+            <a14:hiddenEffects xmlns="" xmlns:a14="http://schemas.microsoft.com/office/drawing/2010/main">
               <a:effectLst>
                 <a:outerShdw blurRad="63500" dist="38099" dir="2700000" algn="ctr" rotWithShape="0">
                   <a:schemeClr val="bg2">

--- a/about_me/BrandManagement.pptx
+++ b/about_me/BrandManagement.pptx
@@ -256,445 +256,6 @@
 </p:cmAuthorLst>
 </file>
 
-<file path=ppt/revisionInfo.xml><?xml version="1.0" encoding="utf-8"?>
-<p1510:revInfo xmlns:a="http://schemas.openxmlformats.org/drawingml/2006/main" xmlns:r="http://schemas.openxmlformats.org/officeDocument/2006/relationships" xmlns:p1510="http://schemas.microsoft.com/office/powerpoint/2015/10/main">
-  <p1510:revLst>
-    <p1510:client id="{B89BE772-EAE1-454D-8D55-7315A0DE9F19}" v="48" dt="2020-04-25T10:33:36.087"/>
-  </p1510:revLst>
-</p1510:revInfo>
-</file>
-
-<file path=ppt/changesInfos/changesInfo1.xml><?xml version="1.0" encoding="utf-8"?>
-<pc:chgInfo xmlns:a="http://schemas.openxmlformats.org/drawingml/2006/main" xmlns:r="http://schemas.openxmlformats.org/officeDocument/2006/relationships" xmlns:ac="http://schemas.microsoft.com/office/drawing/2013/main/command" xmlns:pc="http://schemas.microsoft.com/office/powerpoint/2013/main/command">
-  <pc:docChgLst>
-    <pc:chgData name="Vincent Rüegge" userId="ac3338584e172575" providerId="LiveId" clId="{B89BE772-EAE1-454D-8D55-7315A0DE9F19}"/>
-    <pc:docChg chg="undo custSel modSld">
-      <pc:chgData name="Vincent Rüegge" userId="ac3338584e172575" providerId="LiveId" clId="{B89BE772-EAE1-454D-8D55-7315A0DE9F19}" dt="2020-04-25T10:46:10.469" v="6725" actId="20577"/>
-      <pc:docMkLst>
-        <pc:docMk/>
-      </pc:docMkLst>
-      <pc:sldChg chg="modNotesTx">
-        <pc:chgData name="Vincent Rüegge" userId="ac3338584e172575" providerId="LiveId" clId="{B89BE772-EAE1-454D-8D55-7315A0DE9F19}" dt="2020-04-25T10:18:51.548" v="4750" actId="20577"/>
-        <pc:sldMkLst>
-          <pc:docMk/>
-          <pc:sldMk cId="0" sldId="832"/>
-        </pc:sldMkLst>
-      </pc:sldChg>
-      <pc:sldChg chg="delSp modNotesTx">
-        <pc:chgData name="Vincent Rüegge" userId="ac3338584e172575" providerId="LiveId" clId="{B89BE772-EAE1-454D-8D55-7315A0DE9F19}" dt="2020-04-25T10:42:10.565" v="6535" actId="20577"/>
-        <pc:sldMkLst>
-          <pc:docMk/>
-          <pc:sldMk cId="0" sldId="848"/>
-        </pc:sldMkLst>
-        <pc:spChg chg="del">
-          <ac:chgData name="Vincent Rüegge" userId="ac3338584e172575" providerId="LiveId" clId="{B89BE772-EAE1-454D-8D55-7315A0DE9F19}" dt="2020-04-25T08:59:13.291" v="0" actId="478"/>
-          <ac:spMkLst>
-            <pc:docMk/>
-            <pc:sldMk cId="0" sldId="848"/>
-            <ac:spMk id="4" creationId="{00000000-0000-0000-0000-000000000000}"/>
-          </ac:spMkLst>
-        </pc:spChg>
-      </pc:sldChg>
-      <pc:sldChg chg="modSp modNotesTx">
-        <pc:chgData name="Vincent Rüegge" userId="ac3338584e172575" providerId="LiveId" clId="{B89BE772-EAE1-454D-8D55-7315A0DE9F19}" dt="2020-04-25T10:46:10.469" v="6725" actId="20577"/>
-        <pc:sldMkLst>
-          <pc:docMk/>
-          <pc:sldMk cId="0" sldId="849"/>
-        </pc:sldMkLst>
-        <pc:spChg chg="mod">
-          <ac:chgData name="Vincent Rüegge" userId="ac3338584e172575" providerId="LiveId" clId="{B89BE772-EAE1-454D-8D55-7315A0DE9F19}" dt="2020-04-25T10:45:20.594" v="6682" actId="20577"/>
-          <ac:spMkLst>
-            <pc:docMk/>
-            <pc:sldMk cId="0" sldId="849"/>
-            <ac:spMk id="8195" creationId="{00000000-0000-0000-0000-000000000000}"/>
-          </ac:spMkLst>
-        </pc:spChg>
-      </pc:sldChg>
-      <pc:sldChg chg="modSp modNotesTx">
-        <pc:chgData name="Vincent Rüegge" userId="ac3338584e172575" providerId="LiveId" clId="{B89BE772-EAE1-454D-8D55-7315A0DE9F19}" dt="2020-04-25T10:40:47.457" v="6463" actId="20577"/>
-        <pc:sldMkLst>
-          <pc:docMk/>
-          <pc:sldMk cId="0" sldId="861"/>
-        </pc:sldMkLst>
-        <pc:spChg chg="mod">
-          <ac:chgData name="Vincent Rüegge" userId="ac3338584e172575" providerId="LiveId" clId="{B89BE772-EAE1-454D-8D55-7315A0DE9F19}" dt="2020-04-25T10:40:28.464" v="6454" actId="20577"/>
-          <ac:spMkLst>
-            <pc:docMk/>
-            <pc:sldMk cId="0" sldId="861"/>
-            <ac:spMk id="3" creationId="{C68C283B-8D8F-4AD8-8AA8-F611770EA319}"/>
-          </ac:spMkLst>
-        </pc:spChg>
-      </pc:sldChg>
-      <pc:sldChg chg="modSp modNotesTx">
-        <pc:chgData name="Vincent Rüegge" userId="ac3338584e172575" providerId="LiveId" clId="{B89BE772-EAE1-454D-8D55-7315A0DE9F19}" dt="2020-04-25T09:40:48.402" v="1499" actId="20577"/>
-        <pc:sldMkLst>
-          <pc:docMk/>
-          <pc:sldMk cId="1110433661" sldId="862"/>
-        </pc:sldMkLst>
-        <pc:spChg chg="mod">
-          <ac:chgData name="Vincent Rüegge" userId="ac3338584e172575" providerId="LiveId" clId="{B89BE772-EAE1-454D-8D55-7315A0DE9F19}" dt="2020-04-25T09:07:27.981" v="268" actId="1036"/>
-          <ac:spMkLst>
-            <pc:docMk/>
-            <pc:sldMk cId="1110433661" sldId="862"/>
-            <ac:spMk id="37" creationId="{C7978CCC-B0F8-4DFE-B757-D4A28B982001}"/>
-          </ac:spMkLst>
-        </pc:spChg>
-        <pc:spChg chg="mod">
-          <ac:chgData name="Vincent Rüegge" userId="ac3338584e172575" providerId="LiveId" clId="{B89BE772-EAE1-454D-8D55-7315A0DE9F19}" dt="2020-04-25T09:07:59.412" v="305" actId="1076"/>
-          <ac:spMkLst>
-            <pc:docMk/>
-            <pc:sldMk cId="1110433661" sldId="862"/>
-            <ac:spMk id="38" creationId="{0386E3AD-425A-4D6C-BDB8-C2DF4F4A4E85}"/>
-          </ac:spMkLst>
-        </pc:spChg>
-        <pc:spChg chg="mod">
-          <ac:chgData name="Vincent Rüegge" userId="ac3338584e172575" providerId="LiveId" clId="{B89BE772-EAE1-454D-8D55-7315A0DE9F19}" dt="2020-04-25T09:07:27.981" v="268" actId="1036"/>
-          <ac:spMkLst>
-            <pc:docMk/>
-            <pc:sldMk cId="1110433661" sldId="862"/>
-            <ac:spMk id="39" creationId="{67A61387-6880-4592-B1F1-9059BFFEBB2E}"/>
-          </ac:spMkLst>
-        </pc:spChg>
-        <pc:spChg chg="mod">
-          <ac:chgData name="Vincent Rüegge" userId="ac3338584e172575" providerId="LiveId" clId="{B89BE772-EAE1-454D-8D55-7315A0DE9F19}" dt="2020-04-25T09:02:20.275" v="15" actId="20577"/>
-          <ac:spMkLst>
-            <pc:docMk/>
-            <pc:sldMk cId="1110433661" sldId="862"/>
-            <ac:spMk id="11266" creationId="{00000000-0000-0000-0000-000000000000}"/>
-          </ac:spMkLst>
-        </pc:spChg>
-        <pc:spChg chg="mod">
-          <ac:chgData name="Vincent Rüegge" userId="ac3338584e172575" providerId="LiveId" clId="{B89BE772-EAE1-454D-8D55-7315A0DE9F19}" dt="2020-04-25T09:27:18.710" v="476" actId="20577"/>
-          <ac:spMkLst>
-            <pc:docMk/>
-            <pc:sldMk cId="1110433661" sldId="862"/>
-            <ac:spMk id="11267" creationId="{00000000-0000-0000-0000-000000000000}"/>
-          </ac:spMkLst>
-        </pc:spChg>
-        <pc:graphicFrameChg chg="mod">
-          <ac:chgData name="Vincent Rüegge" userId="ac3338584e172575" providerId="LiveId" clId="{B89BE772-EAE1-454D-8D55-7315A0DE9F19}" dt="2020-04-25T09:07:27.981" v="268" actId="1036"/>
-          <ac:graphicFrameMkLst>
-            <pc:docMk/>
-            <pc:sldMk cId="1110433661" sldId="862"/>
-            <ac:graphicFrameMk id="13" creationId="{67E4525E-CAF9-42CF-889E-5CCD0758630D}"/>
-          </ac:graphicFrameMkLst>
-        </pc:graphicFrameChg>
-        <pc:graphicFrameChg chg="mod">
-          <ac:chgData name="Vincent Rüegge" userId="ac3338584e172575" providerId="LiveId" clId="{B89BE772-EAE1-454D-8D55-7315A0DE9F19}" dt="2020-04-25T09:07:27.981" v="268" actId="1036"/>
-          <ac:graphicFrameMkLst>
-            <pc:docMk/>
-            <pc:sldMk cId="1110433661" sldId="862"/>
-            <ac:graphicFrameMk id="14" creationId="{8539A56D-7A8E-40A2-BE2C-577547F816E3}"/>
-          </ac:graphicFrameMkLst>
-        </pc:graphicFrameChg>
-        <pc:graphicFrameChg chg="mod">
-          <ac:chgData name="Vincent Rüegge" userId="ac3338584e172575" providerId="LiveId" clId="{B89BE772-EAE1-454D-8D55-7315A0DE9F19}" dt="2020-04-25T09:07:27.981" v="268" actId="1036"/>
-          <ac:graphicFrameMkLst>
-            <pc:docMk/>
-            <pc:sldMk cId="1110433661" sldId="862"/>
-            <ac:graphicFrameMk id="15" creationId="{8C17DF7A-7CC6-4C43-8B9F-0FFCCB5447A1}"/>
-          </ac:graphicFrameMkLst>
-        </pc:graphicFrameChg>
-        <pc:graphicFrameChg chg="mod">
-          <ac:chgData name="Vincent Rüegge" userId="ac3338584e172575" providerId="LiveId" clId="{B89BE772-EAE1-454D-8D55-7315A0DE9F19}" dt="2020-04-25T09:07:37.720" v="286" actId="1035"/>
-          <ac:graphicFrameMkLst>
-            <pc:docMk/>
-            <pc:sldMk cId="1110433661" sldId="862"/>
-            <ac:graphicFrameMk id="18" creationId="{50FC43FD-6FCD-44FF-967A-9C8A564617F9}"/>
-          </ac:graphicFrameMkLst>
-        </pc:graphicFrameChg>
-        <pc:graphicFrameChg chg="mod modGraphic">
-          <ac:chgData name="Vincent Rüegge" userId="ac3338584e172575" providerId="LiveId" clId="{B89BE772-EAE1-454D-8D55-7315A0DE9F19}" dt="2020-04-25T09:26:55.227" v="457" actId="1036"/>
-          <ac:graphicFrameMkLst>
-            <pc:docMk/>
-            <pc:sldMk cId="1110433661" sldId="862"/>
-            <ac:graphicFrameMk id="34" creationId="{44C93209-B695-43BD-9134-3616C4710206}"/>
-          </ac:graphicFrameMkLst>
-        </pc:graphicFrameChg>
-        <pc:picChg chg="mod">
-          <ac:chgData name="Vincent Rüegge" userId="ac3338584e172575" providerId="LiveId" clId="{B89BE772-EAE1-454D-8D55-7315A0DE9F19}" dt="2020-04-25T09:07:37.720" v="286" actId="1035"/>
-          <ac:picMkLst>
-            <pc:docMk/>
-            <pc:sldMk cId="1110433661" sldId="862"/>
-            <ac:picMk id="3" creationId="{E16066A5-10E3-4351-A3D8-AE2B131F06DE}"/>
-          </ac:picMkLst>
-        </pc:picChg>
-        <pc:picChg chg="mod">
-          <ac:chgData name="Vincent Rüegge" userId="ac3338584e172575" providerId="LiveId" clId="{B89BE772-EAE1-454D-8D55-7315A0DE9F19}" dt="2020-04-25T09:07:27.981" v="268" actId="1036"/>
-          <ac:picMkLst>
-            <pc:docMk/>
-            <pc:sldMk cId="1110433661" sldId="862"/>
-            <ac:picMk id="6" creationId="{00000000-0000-0000-0000-000000000000}"/>
-          </ac:picMkLst>
-        </pc:picChg>
-        <pc:picChg chg="mod">
-          <ac:chgData name="Vincent Rüegge" userId="ac3338584e172575" providerId="LiveId" clId="{B89BE772-EAE1-454D-8D55-7315A0DE9F19}" dt="2020-04-25T09:07:27.981" v="268" actId="1036"/>
-          <ac:picMkLst>
-            <pc:docMk/>
-            <pc:sldMk cId="1110433661" sldId="862"/>
-            <ac:picMk id="7" creationId="{00000000-0000-0000-0000-000000000000}"/>
-          </ac:picMkLst>
-        </pc:picChg>
-        <pc:picChg chg="mod">
-          <ac:chgData name="Vincent Rüegge" userId="ac3338584e172575" providerId="LiveId" clId="{B89BE772-EAE1-454D-8D55-7315A0DE9F19}" dt="2020-04-25T09:07:27.981" v="268" actId="1036"/>
-          <ac:picMkLst>
-            <pc:docMk/>
-            <pc:sldMk cId="1110433661" sldId="862"/>
-            <ac:picMk id="8" creationId="{00000000-0000-0000-0000-000000000000}"/>
-          </ac:picMkLst>
-        </pc:picChg>
-        <pc:picChg chg="mod">
-          <ac:chgData name="Vincent Rüegge" userId="ac3338584e172575" providerId="LiveId" clId="{B89BE772-EAE1-454D-8D55-7315A0DE9F19}" dt="2020-04-25T09:07:27.981" v="268" actId="1036"/>
-          <ac:picMkLst>
-            <pc:docMk/>
-            <pc:sldMk cId="1110433661" sldId="862"/>
-            <ac:picMk id="10" creationId="{00000000-0000-0000-0000-000000000000}"/>
-          </ac:picMkLst>
-        </pc:picChg>
-        <pc:picChg chg="mod">
-          <ac:chgData name="Vincent Rüegge" userId="ac3338584e172575" providerId="LiveId" clId="{B89BE772-EAE1-454D-8D55-7315A0DE9F19}" dt="2020-04-25T09:07:27.981" v="268" actId="1036"/>
-          <ac:picMkLst>
-            <pc:docMk/>
-            <pc:sldMk cId="1110433661" sldId="862"/>
-            <ac:picMk id="11" creationId="{00000000-0000-0000-0000-000000000000}"/>
-          </ac:picMkLst>
-        </pc:picChg>
-        <pc:picChg chg="mod">
-          <ac:chgData name="Vincent Rüegge" userId="ac3338584e172575" providerId="LiveId" clId="{B89BE772-EAE1-454D-8D55-7315A0DE9F19}" dt="2020-04-25T09:07:27.981" v="268" actId="1036"/>
-          <ac:picMkLst>
-            <pc:docMk/>
-            <pc:sldMk cId="1110433661" sldId="862"/>
-            <ac:picMk id="12" creationId="{00000000-0000-0000-0000-000000000000}"/>
-          </ac:picMkLst>
-        </pc:picChg>
-        <pc:picChg chg="mod">
-          <ac:chgData name="Vincent Rüegge" userId="ac3338584e172575" providerId="LiveId" clId="{B89BE772-EAE1-454D-8D55-7315A0DE9F19}" dt="2020-04-25T09:07:27.981" v="268" actId="1036"/>
-          <ac:picMkLst>
-            <pc:docMk/>
-            <pc:sldMk cId="1110433661" sldId="862"/>
-            <ac:picMk id="16" creationId="{00000000-0000-0000-0000-000000000000}"/>
-          </ac:picMkLst>
-        </pc:picChg>
-        <pc:picChg chg="mod">
-          <ac:chgData name="Vincent Rüegge" userId="ac3338584e172575" providerId="LiveId" clId="{B89BE772-EAE1-454D-8D55-7315A0DE9F19}" dt="2020-04-25T09:07:27.981" v="268" actId="1036"/>
-          <ac:picMkLst>
-            <pc:docMk/>
-            <pc:sldMk cId="1110433661" sldId="862"/>
-            <ac:picMk id="17" creationId="{00000000-0000-0000-0000-000000000000}"/>
-          </ac:picMkLst>
-        </pc:picChg>
-        <pc:picChg chg="mod">
-          <ac:chgData name="Vincent Rüegge" userId="ac3338584e172575" providerId="LiveId" clId="{B89BE772-EAE1-454D-8D55-7315A0DE9F19}" dt="2020-04-25T09:07:27.981" v="268" actId="1036"/>
-          <ac:picMkLst>
-            <pc:docMk/>
-            <pc:sldMk cId="1110433661" sldId="862"/>
-            <ac:picMk id="19" creationId="{00000000-0000-0000-0000-000000000000}"/>
-          </ac:picMkLst>
-        </pc:picChg>
-        <pc:picChg chg="mod">
-          <ac:chgData name="Vincent Rüegge" userId="ac3338584e172575" providerId="LiveId" clId="{B89BE772-EAE1-454D-8D55-7315A0DE9F19}" dt="2020-04-25T09:07:27.981" v="268" actId="1036"/>
-          <ac:picMkLst>
-            <pc:docMk/>
-            <pc:sldMk cId="1110433661" sldId="862"/>
-            <ac:picMk id="20" creationId="{00000000-0000-0000-0000-000000000000}"/>
-          </ac:picMkLst>
-        </pc:picChg>
-        <pc:picChg chg="mod">
-          <ac:chgData name="Vincent Rüegge" userId="ac3338584e172575" providerId="LiveId" clId="{B89BE772-EAE1-454D-8D55-7315A0DE9F19}" dt="2020-04-25T09:07:27.981" v="268" actId="1036"/>
-          <ac:picMkLst>
-            <pc:docMk/>
-            <pc:sldMk cId="1110433661" sldId="862"/>
-            <ac:picMk id="21" creationId="{1235F239-8337-4F0A-AF87-A2DB5562EF4C}"/>
-          </ac:picMkLst>
-        </pc:picChg>
-        <pc:picChg chg="mod">
-          <ac:chgData name="Vincent Rüegge" userId="ac3338584e172575" providerId="LiveId" clId="{B89BE772-EAE1-454D-8D55-7315A0DE9F19}" dt="2020-04-25T09:07:27.981" v="268" actId="1036"/>
-          <ac:picMkLst>
-            <pc:docMk/>
-            <pc:sldMk cId="1110433661" sldId="862"/>
-            <ac:picMk id="23" creationId="{00000000-0000-0000-0000-000000000000}"/>
-          </ac:picMkLst>
-        </pc:picChg>
-        <pc:picChg chg="mod">
-          <ac:chgData name="Vincent Rüegge" userId="ac3338584e172575" providerId="LiveId" clId="{B89BE772-EAE1-454D-8D55-7315A0DE9F19}" dt="2020-04-25T09:07:27.981" v="268" actId="1036"/>
-          <ac:picMkLst>
-            <pc:docMk/>
-            <pc:sldMk cId="1110433661" sldId="862"/>
-            <ac:picMk id="24" creationId="{00000000-0000-0000-0000-000000000000}"/>
-          </ac:picMkLst>
-        </pc:picChg>
-        <pc:picChg chg="mod">
-          <ac:chgData name="Vincent Rüegge" userId="ac3338584e172575" providerId="LiveId" clId="{B89BE772-EAE1-454D-8D55-7315A0DE9F19}" dt="2020-04-25T09:07:27.981" v="268" actId="1036"/>
-          <ac:picMkLst>
-            <pc:docMk/>
-            <pc:sldMk cId="1110433661" sldId="862"/>
-            <ac:picMk id="25" creationId="{00000000-0000-0000-0000-000000000000}"/>
-          </ac:picMkLst>
-        </pc:picChg>
-        <pc:picChg chg="mod">
-          <ac:chgData name="Vincent Rüegge" userId="ac3338584e172575" providerId="LiveId" clId="{B89BE772-EAE1-454D-8D55-7315A0DE9F19}" dt="2020-04-25T09:07:27.981" v="268" actId="1036"/>
-          <ac:picMkLst>
-            <pc:docMk/>
-            <pc:sldMk cId="1110433661" sldId="862"/>
-            <ac:picMk id="26" creationId="{00000000-0000-0000-0000-000000000000}"/>
-          </ac:picMkLst>
-        </pc:picChg>
-        <pc:picChg chg="mod">
-          <ac:chgData name="Vincent Rüegge" userId="ac3338584e172575" providerId="LiveId" clId="{B89BE772-EAE1-454D-8D55-7315A0DE9F19}" dt="2020-04-25T09:07:27.981" v="268" actId="1036"/>
-          <ac:picMkLst>
-            <pc:docMk/>
-            <pc:sldMk cId="1110433661" sldId="862"/>
-            <ac:picMk id="30" creationId="{AD27084D-8696-4F1E-8939-12CC604DA47E}"/>
-          </ac:picMkLst>
-        </pc:picChg>
-        <pc:picChg chg="mod">
-          <ac:chgData name="Vincent Rüegge" userId="ac3338584e172575" providerId="LiveId" clId="{B89BE772-EAE1-454D-8D55-7315A0DE9F19}" dt="2020-04-25T09:07:27.981" v="268" actId="1036"/>
-          <ac:picMkLst>
-            <pc:docMk/>
-            <pc:sldMk cId="1110433661" sldId="862"/>
-            <ac:picMk id="31" creationId="{4FF9548A-CF48-43F3-A99C-68923567E03F}"/>
-          </ac:picMkLst>
-        </pc:picChg>
-        <pc:picChg chg="mod">
-          <ac:chgData name="Vincent Rüegge" userId="ac3338584e172575" providerId="LiveId" clId="{B89BE772-EAE1-454D-8D55-7315A0DE9F19}" dt="2020-04-25T09:07:27.981" v="268" actId="1036"/>
-          <ac:picMkLst>
-            <pc:docMk/>
-            <pc:sldMk cId="1110433661" sldId="862"/>
-            <ac:picMk id="32" creationId="{FE34B65D-35C3-4506-A1DA-BD840CE415E0}"/>
-          </ac:picMkLst>
-        </pc:picChg>
-        <pc:picChg chg="mod">
-          <ac:chgData name="Vincent Rüegge" userId="ac3338584e172575" providerId="LiveId" clId="{B89BE772-EAE1-454D-8D55-7315A0DE9F19}" dt="2020-04-25T09:07:51.834" v="304" actId="1076"/>
-          <ac:picMkLst>
-            <pc:docMk/>
-            <pc:sldMk cId="1110433661" sldId="862"/>
-            <ac:picMk id="35" creationId="{E1D98BE6-BB07-40A2-9BF3-3B387461D794}"/>
-          </ac:picMkLst>
-        </pc:picChg>
-        <pc:picChg chg="mod">
-          <ac:chgData name="Vincent Rüegge" userId="ac3338584e172575" providerId="LiveId" clId="{B89BE772-EAE1-454D-8D55-7315A0DE9F19}" dt="2020-04-25T09:07:44.493" v="303" actId="1035"/>
-          <ac:picMkLst>
-            <pc:docMk/>
-            <pc:sldMk cId="1110433661" sldId="862"/>
-            <ac:picMk id="36" creationId="{9BBC5126-35AB-431F-8DEA-61557D201FD0}"/>
-          </ac:picMkLst>
-        </pc:picChg>
-      </pc:sldChg>
-      <pc:sldChg chg="modSp modNotesTx">
-        <pc:chgData name="Vincent Rüegge" userId="ac3338584e172575" providerId="LiveId" clId="{B89BE772-EAE1-454D-8D55-7315A0DE9F19}" dt="2020-04-25T10:16:51.551" v="4747" actId="20577"/>
-        <pc:sldMkLst>
-          <pc:docMk/>
-          <pc:sldMk cId="266091653" sldId="866"/>
-        </pc:sldMkLst>
-        <pc:spChg chg="mod">
-          <ac:chgData name="Vincent Rüegge" userId="ac3338584e172575" providerId="LiveId" clId="{B89BE772-EAE1-454D-8D55-7315A0DE9F19}" dt="2020-04-25T10:05:48.393" v="2897" actId="5793"/>
-          <ac:spMkLst>
-            <pc:docMk/>
-            <pc:sldMk cId="266091653" sldId="866"/>
-            <ac:spMk id="11266" creationId="{00000000-0000-0000-0000-000000000000}"/>
-          </ac:spMkLst>
-        </pc:spChg>
-      </pc:sldChg>
-      <pc:sldChg chg="addSp delSp modSp modNotesTx">
-        <pc:chgData name="Vincent Rüegge" userId="ac3338584e172575" providerId="LiveId" clId="{B89BE772-EAE1-454D-8D55-7315A0DE9F19}" dt="2020-04-25T10:00:53.154" v="2539" actId="20577"/>
-        <pc:sldMkLst>
-          <pc:docMk/>
-          <pc:sldMk cId="2017870631" sldId="868"/>
-        </pc:sldMkLst>
-        <pc:spChg chg="add del mod">
-          <ac:chgData name="Vincent Rüegge" userId="ac3338584e172575" providerId="LiveId" clId="{B89BE772-EAE1-454D-8D55-7315A0DE9F19}" dt="2020-04-25T09:54:58.412" v="2024" actId="20577"/>
-          <ac:spMkLst>
-            <pc:docMk/>
-            <pc:sldMk cId="2017870631" sldId="868"/>
-            <ac:spMk id="6" creationId="{00000000-0000-0000-0000-000000000000}"/>
-          </ac:spMkLst>
-        </pc:spChg>
-        <pc:spChg chg="mod">
-          <ac:chgData name="Vincent Rüegge" userId="ac3338584e172575" providerId="LiveId" clId="{B89BE772-EAE1-454D-8D55-7315A0DE9F19}" dt="2020-04-25T09:50:34.256" v="1872" actId="20577"/>
-          <ac:spMkLst>
-            <pc:docMk/>
-            <pc:sldMk cId="2017870631" sldId="868"/>
-            <ac:spMk id="11" creationId="{00000000-0000-0000-0000-000000000000}"/>
-          </ac:spMkLst>
-        </pc:spChg>
-        <pc:spChg chg="mod">
-          <ac:chgData name="Vincent Rüegge" userId="ac3338584e172575" providerId="LiveId" clId="{B89BE772-EAE1-454D-8D55-7315A0DE9F19}" dt="2020-04-25T09:39:48.593" v="1426" actId="1076"/>
-          <ac:spMkLst>
-            <pc:docMk/>
-            <pc:sldMk cId="2017870631" sldId="868"/>
-            <ac:spMk id="13" creationId="{00000000-0000-0000-0000-000000000000}"/>
-          </ac:spMkLst>
-        </pc:spChg>
-        <pc:spChg chg="mod">
-          <ac:chgData name="Vincent Rüegge" userId="ac3338584e172575" providerId="LiveId" clId="{B89BE772-EAE1-454D-8D55-7315A0DE9F19}" dt="2020-04-25T09:39:48.355" v="1425" actId="1076"/>
-          <ac:spMkLst>
-            <pc:docMk/>
-            <pc:sldMk cId="2017870631" sldId="868"/>
-            <ac:spMk id="14" creationId="{00000000-0000-0000-0000-000000000000}"/>
-          </ac:spMkLst>
-        </pc:spChg>
-        <pc:spChg chg="add del mod">
-          <ac:chgData name="Vincent Rüegge" userId="ac3338584e172575" providerId="LiveId" clId="{B89BE772-EAE1-454D-8D55-7315A0DE9F19}" dt="2020-04-25T09:51:36.712" v="1877" actId="478"/>
-          <ac:spMkLst>
-            <pc:docMk/>
-            <pc:sldMk cId="2017870631" sldId="868"/>
-            <ac:spMk id="17" creationId="{00000000-0000-0000-0000-000000000000}"/>
-          </ac:spMkLst>
-        </pc:spChg>
-        <pc:spChg chg="add del mod">
-          <ac:chgData name="Vincent Rüegge" userId="ac3338584e172575" providerId="LiveId" clId="{B89BE772-EAE1-454D-8D55-7315A0DE9F19}" dt="2020-04-25T09:51:35.203" v="1876" actId="478"/>
-          <ac:spMkLst>
-            <pc:docMk/>
-            <pc:sldMk cId="2017870631" sldId="868"/>
-            <ac:spMk id="21" creationId="{00000000-0000-0000-0000-000000000000}"/>
-          </ac:spMkLst>
-        </pc:spChg>
-        <pc:spChg chg="add del mod">
-          <ac:chgData name="Vincent Rüegge" userId="ac3338584e172575" providerId="LiveId" clId="{B89BE772-EAE1-454D-8D55-7315A0DE9F19}" dt="2020-04-25T09:51:41.557" v="1879" actId="478"/>
-          <ac:spMkLst>
-            <pc:docMk/>
-            <pc:sldMk cId="2017870631" sldId="868"/>
-            <ac:spMk id="22" creationId="{00000000-0000-0000-0000-000000000000}"/>
-          </ac:spMkLst>
-        </pc:spChg>
-        <pc:picChg chg="del mod">
-          <ac:chgData name="Vincent Rüegge" userId="ac3338584e172575" providerId="LiveId" clId="{B89BE772-EAE1-454D-8D55-7315A0DE9F19}" dt="2020-04-25T09:42:34.513" v="1539" actId="478"/>
-          <ac:picMkLst>
-            <pc:docMk/>
-            <pc:sldMk cId="2017870631" sldId="868"/>
-            <ac:picMk id="7" creationId="{00000000-0000-0000-0000-000000000000}"/>
-          </ac:picMkLst>
-        </pc:picChg>
-        <pc:picChg chg="del mod">
-          <ac:chgData name="Vincent Rüegge" userId="ac3338584e172575" providerId="LiveId" clId="{B89BE772-EAE1-454D-8D55-7315A0DE9F19}" dt="2020-04-25T09:42:32.808" v="1538" actId="478"/>
-          <ac:picMkLst>
-            <pc:docMk/>
-            <pc:sldMk cId="2017870631" sldId="868"/>
-            <ac:picMk id="12" creationId="{00000000-0000-0000-0000-000000000000}"/>
-          </ac:picMkLst>
-        </pc:picChg>
-        <pc:picChg chg="add del mod">
-          <ac:chgData name="Vincent Rüegge" userId="ac3338584e172575" providerId="LiveId" clId="{B89BE772-EAE1-454D-8D55-7315A0DE9F19}" dt="2020-04-25T09:51:38.394" v="1878" actId="478"/>
-          <ac:picMkLst>
-            <pc:docMk/>
-            <pc:sldMk cId="2017870631" sldId="868"/>
-            <ac:picMk id="16" creationId="{00000000-0000-0000-0000-000000000000}"/>
-          </ac:picMkLst>
-        </pc:picChg>
-        <pc:picChg chg="add del mod">
-          <ac:chgData name="Vincent Rüegge" userId="ac3338584e172575" providerId="LiveId" clId="{B89BE772-EAE1-454D-8D55-7315A0DE9F19}" dt="2020-04-25T09:51:29.954" v="1875" actId="1076"/>
-          <ac:picMkLst>
-            <pc:docMk/>
-            <pc:sldMk cId="2017870631" sldId="868"/>
-            <ac:picMk id="20" creationId="{00000000-0000-0000-0000-000000000000}"/>
-          </ac:picMkLst>
-        </pc:picChg>
-      </pc:sldChg>
-    </pc:docChg>
-  </pc:docChgLst>
-</pc:chgInfo>
-</file>
-
 <file path=ppt/comments/comment1.xml><?xml version="1.0" encoding="utf-8"?>
 <p:cmLst xmlns:a="http://schemas.openxmlformats.org/drawingml/2006/main" xmlns:r="http://schemas.openxmlformats.org/officeDocument/2006/relationships" xmlns:p="http://schemas.openxmlformats.org/presentationml/2006/main">
   <p:cm authorId="2" dt="2020-04-21T12:14:57.124" idx="1">
@@ -5250,13 +4811,6 @@
         </dgm:presLayoutVars>
       </dgm:prSet>
       <dgm:spPr/>
-      <dgm:t>
-        <a:bodyPr/>
-        <a:lstStyle/>
-        <a:p>
-          <a:endParaRPr lang="en-US"/>
-        </a:p>
-      </dgm:t>
     </dgm:pt>
     <dgm:pt modelId="{DE801391-6078-4642-A904-31F06D589410}" type="pres">
       <dgm:prSet presAssocID="{4F70F4CF-DD21-4008-B481-6BA6CFA8606F}" presName="composite" presStyleCnt="0"/>
@@ -5271,13 +4825,6 @@
         </dgm:presLayoutVars>
       </dgm:prSet>
       <dgm:spPr/>
-      <dgm:t>
-        <a:bodyPr/>
-        <a:lstStyle/>
-        <a:p>
-          <a:endParaRPr lang="en-US"/>
-        </a:p>
-      </dgm:t>
     </dgm:pt>
     <dgm:pt modelId="{C09B49A9-F287-466D-9FA8-2969A250D43B}" type="pres">
       <dgm:prSet presAssocID="{4F70F4CF-DD21-4008-B481-6BA6CFA8606F}" presName="desTx" presStyleLbl="alignAccFollowNode1" presStyleIdx="0" presStyleCnt="1">
@@ -5289,8 +4836,8 @@
     </dgm:pt>
   </dgm:ptLst>
   <dgm:cxnLst>
+    <dgm:cxn modelId="{FC1B8E0B-E31D-49F7-9332-4213C24337DB}" type="presOf" srcId="{4F70F4CF-DD21-4008-B481-6BA6CFA8606F}" destId="{164972D1-934A-430E-8C24-4713175A720E}" srcOrd="0" destOrd="0" presId="urn:microsoft.com/office/officeart/2005/8/layout/hList1"/>
     <dgm:cxn modelId="{0D15C02F-34DA-45EB-896A-D87CF4722274}" type="presOf" srcId="{63340D2B-A71D-43C4-97F7-17D296365ACA}" destId="{7FD6EACB-80AA-4660-88F3-3F7E496F0178}" srcOrd="0" destOrd="0" presId="urn:microsoft.com/office/officeart/2005/8/layout/hList1"/>
-    <dgm:cxn modelId="{FC1B8E0B-E31D-49F7-9332-4213C24337DB}" type="presOf" srcId="{4F70F4CF-DD21-4008-B481-6BA6CFA8606F}" destId="{164972D1-934A-430E-8C24-4713175A720E}" srcOrd="0" destOrd="0" presId="urn:microsoft.com/office/officeart/2005/8/layout/hList1"/>
     <dgm:cxn modelId="{3DDF73A3-C317-4EF4-9B97-ADDAFA89B7FC}" srcId="{63340D2B-A71D-43C4-97F7-17D296365ACA}" destId="{4F70F4CF-DD21-4008-B481-6BA6CFA8606F}" srcOrd="0" destOrd="0" parTransId="{A4D417E5-0CF4-443E-AFE1-7A8972450414}" sibTransId="{EF243263-BB19-4C5B-BE3D-A3FA03F223DD}"/>
     <dgm:cxn modelId="{AE793B27-3CDB-4E0B-B3E7-261288901B16}" type="presParOf" srcId="{7FD6EACB-80AA-4660-88F3-3F7E496F0178}" destId="{DE801391-6078-4642-A904-31F06D589410}" srcOrd="0" destOrd="0" presId="urn:microsoft.com/office/officeart/2005/8/layout/hList1"/>
     <dgm:cxn modelId="{79CAFD43-48E0-4224-9DDF-E43EDADF7415}" type="presParOf" srcId="{DE801391-6078-4642-A904-31F06D589410}" destId="{164972D1-934A-430E-8C24-4713175A720E}" srcOrd="0" destOrd="0" presId="urn:microsoft.com/office/officeart/2005/8/layout/hList1"/>
@@ -5365,13 +4912,6 @@
         </dgm:presLayoutVars>
       </dgm:prSet>
       <dgm:spPr/>
-      <dgm:t>
-        <a:bodyPr/>
-        <a:lstStyle/>
-        <a:p>
-          <a:endParaRPr lang="en-US"/>
-        </a:p>
-      </dgm:t>
     </dgm:pt>
     <dgm:pt modelId="{DE801391-6078-4642-A904-31F06D589410}" type="pres">
       <dgm:prSet presAssocID="{4F70F4CF-DD21-4008-B481-6BA6CFA8606F}" presName="composite" presStyleCnt="0"/>
@@ -5386,13 +4926,6 @@
         </dgm:presLayoutVars>
       </dgm:prSet>
       <dgm:spPr/>
-      <dgm:t>
-        <a:bodyPr/>
-        <a:lstStyle/>
-        <a:p>
-          <a:endParaRPr lang="en-US"/>
-        </a:p>
-      </dgm:t>
     </dgm:pt>
     <dgm:pt modelId="{C09B49A9-F287-466D-9FA8-2969A250D43B}" type="pres">
       <dgm:prSet presAssocID="{4F70F4CF-DD21-4008-B481-6BA6CFA8606F}" presName="desTx" presStyleLbl="alignAccFollowNode1" presStyleIdx="0" presStyleCnt="1">
@@ -5404,8 +4937,8 @@
     </dgm:pt>
   </dgm:ptLst>
   <dgm:cxnLst>
+    <dgm:cxn modelId="{FC1B8E0B-E31D-49F7-9332-4213C24337DB}" type="presOf" srcId="{4F70F4CF-DD21-4008-B481-6BA6CFA8606F}" destId="{164972D1-934A-430E-8C24-4713175A720E}" srcOrd="0" destOrd="0" presId="urn:microsoft.com/office/officeart/2005/8/layout/hList1"/>
     <dgm:cxn modelId="{0D15C02F-34DA-45EB-896A-D87CF4722274}" type="presOf" srcId="{63340D2B-A71D-43C4-97F7-17D296365ACA}" destId="{7FD6EACB-80AA-4660-88F3-3F7E496F0178}" srcOrd="0" destOrd="0" presId="urn:microsoft.com/office/officeart/2005/8/layout/hList1"/>
-    <dgm:cxn modelId="{FC1B8E0B-E31D-49F7-9332-4213C24337DB}" type="presOf" srcId="{4F70F4CF-DD21-4008-B481-6BA6CFA8606F}" destId="{164972D1-934A-430E-8C24-4713175A720E}" srcOrd="0" destOrd="0" presId="urn:microsoft.com/office/officeart/2005/8/layout/hList1"/>
     <dgm:cxn modelId="{3DDF73A3-C317-4EF4-9B97-ADDAFA89B7FC}" srcId="{63340D2B-A71D-43C4-97F7-17D296365ACA}" destId="{4F70F4CF-DD21-4008-B481-6BA6CFA8606F}" srcOrd="0" destOrd="0" parTransId="{A4D417E5-0CF4-443E-AFE1-7A8972450414}" sibTransId="{EF243263-BB19-4C5B-BE3D-A3FA03F223DD}"/>
     <dgm:cxn modelId="{AE793B27-3CDB-4E0B-B3E7-261288901B16}" type="presParOf" srcId="{7FD6EACB-80AA-4660-88F3-3F7E496F0178}" destId="{DE801391-6078-4642-A904-31F06D589410}" srcOrd="0" destOrd="0" presId="urn:microsoft.com/office/officeart/2005/8/layout/hList1"/>
     <dgm:cxn modelId="{79CAFD43-48E0-4224-9DDF-E43EDADF7415}" type="presParOf" srcId="{DE801391-6078-4642-A904-31F06D589410}" destId="{164972D1-934A-430E-8C24-4713175A720E}" srcOrd="0" destOrd="0" presId="urn:microsoft.com/office/officeart/2005/8/layout/hList1"/>
@@ -5480,13 +5013,6 @@
         </dgm:presLayoutVars>
       </dgm:prSet>
       <dgm:spPr/>
-      <dgm:t>
-        <a:bodyPr/>
-        <a:lstStyle/>
-        <a:p>
-          <a:endParaRPr lang="en-US"/>
-        </a:p>
-      </dgm:t>
     </dgm:pt>
     <dgm:pt modelId="{DE801391-6078-4642-A904-31F06D589410}" type="pres">
       <dgm:prSet presAssocID="{4F70F4CF-DD21-4008-B481-6BA6CFA8606F}" presName="composite" presStyleCnt="0"/>
@@ -5501,13 +5027,6 @@
         </dgm:presLayoutVars>
       </dgm:prSet>
       <dgm:spPr/>
-      <dgm:t>
-        <a:bodyPr/>
-        <a:lstStyle/>
-        <a:p>
-          <a:endParaRPr lang="en-US"/>
-        </a:p>
-      </dgm:t>
     </dgm:pt>
     <dgm:pt modelId="{C09B49A9-F287-466D-9FA8-2969A250D43B}" type="pres">
       <dgm:prSet presAssocID="{4F70F4CF-DD21-4008-B481-6BA6CFA8606F}" presName="desTx" presStyleLbl="alignAccFollowNode1" presStyleIdx="0" presStyleCnt="1">
@@ -5519,8 +5038,8 @@
     </dgm:pt>
   </dgm:ptLst>
   <dgm:cxnLst>
+    <dgm:cxn modelId="{FC1B8E0B-E31D-49F7-9332-4213C24337DB}" type="presOf" srcId="{4F70F4CF-DD21-4008-B481-6BA6CFA8606F}" destId="{164972D1-934A-430E-8C24-4713175A720E}" srcOrd="0" destOrd="0" presId="urn:microsoft.com/office/officeart/2005/8/layout/hList1"/>
     <dgm:cxn modelId="{0D15C02F-34DA-45EB-896A-D87CF4722274}" type="presOf" srcId="{63340D2B-A71D-43C4-97F7-17D296365ACA}" destId="{7FD6EACB-80AA-4660-88F3-3F7E496F0178}" srcOrd="0" destOrd="0" presId="urn:microsoft.com/office/officeart/2005/8/layout/hList1"/>
-    <dgm:cxn modelId="{FC1B8E0B-E31D-49F7-9332-4213C24337DB}" type="presOf" srcId="{4F70F4CF-DD21-4008-B481-6BA6CFA8606F}" destId="{164972D1-934A-430E-8C24-4713175A720E}" srcOrd="0" destOrd="0" presId="urn:microsoft.com/office/officeart/2005/8/layout/hList1"/>
     <dgm:cxn modelId="{3DDF73A3-C317-4EF4-9B97-ADDAFA89B7FC}" srcId="{63340D2B-A71D-43C4-97F7-17D296365ACA}" destId="{4F70F4CF-DD21-4008-B481-6BA6CFA8606F}" srcOrd="0" destOrd="0" parTransId="{A4D417E5-0CF4-443E-AFE1-7A8972450414}" sibTransId="{EF243263-BB19-4C5B-BE3D-A3FA03F223DD}"/>
     <dgm:cxn modelId="{AE793B27-3CDB-4E0B-B3E7-261288901B16}" type="presParOf" srcId="{7FD6EACB-80AA-4660-88F3-3F7E496F0178}" destId="{DE801391-6078-4642-A904-31F06D589410}" srcOrd="0" destOrd="0" presId="urn:microsoft.com/office/officeart/2005/8/layout/hList1"/>
     <dgm:cxn modelId="{79CAFD43-48E0-4224-9DDF-E43EDADF7415}" type="presParOf" srcId="{DE801391-6078-4642-A904-31F06D589410}" destId="{164972D1-934A-430E-8C24-4713175A720E}" srcOrd="0" destOrd="0" presId="urn:microsoft.com/office/officeart/2005/8/layout/hList1"/>
@@ -5595,13 +5114,6 @@
         </dgm:presLayoutVars>
       </dgm:prSet>
       <dgm:spPr/>
-      <dgm:t>
-        <a:bodyPr/>
-        <a:lstStyle/>
-        <a:p>
-          <a:endParaRPr lang="en-US"/>
-        </a:p>
-      </dgm:t>
     </dgm:pt>
     <dgm:pt modelId="{DE801391-6078-4642-A904-31F06D589410}" type="pres">
       <dgm:prSet presAssocID="{4F70F4CF-DD21-4008-B481-6BA6CFA8606F}" presName="composite" presStyleCnt="0"/>
@@ -5616,13 +5128,6 @@
         </dgm:presLayoutVars>
       </dgm:prSet>
       <dgm:spPr/>
-      <dgm:t>
-        <a:bodyPr/>
-        <a:lstStyle/>
-        <a:p>
-          <a:endParaRPr lang="en-US"/>
-        </a:p>
-      </dgm:t>
     </dgm:pt>
     <dgm:pt modelId="{C09B49A9-F287-466D-9FA8-2969A250D43B}" type="pres">
       <dgm:prSet presAssocID="{4F70F4CF-DD21-4008-B481-6BA6CFA8606F}" presName="desTx" presStyleLbl="alignAccFollowNode1" presStyleIdx="0" presStyleCnt="1">
@@ -5634,8 +5139,8 @@
     </dgm:pt>
   </dgm:ptLst>
   <dgm:cxnLst>
+    <dgm:cxn modelId="{FC1B8E0B-E31D-49F7-9332-4213C24337DB}" type="presOf" srcId="{4F70F4CF-DD21-4008-B481-6BA6CFA8606F}" destId="{164972D1-934A-430E-8C24-4713175A720E}" srcOrd="0" destOrd="0" presId="urn:microsoft.com/office/officeart/2005/8/layout/hList1"/>
     <dgm:cxn modelId="{0D15C02F-34DA-45EB-896A-D87CF4722274}" type="presOf" srcId="{63340D2B-A71D-43C4-97F7-17D296365ACA}" destId="{7FD6EACB-80AA-4660-88F3-3F7E496F0178}" srcOrd="0" destOrd="0" presId="urn:microsoft.com/office/officeart/2005/8/layout/hList1"/>
-    <dgm:cxn modelId="{FC1B8E0B-E31D-49F7-9332-4213C24337DB}" type="presOf" srcId="{4F70F4CF-DD21-4008-B481-6BA6CFA8606F}" destId="{164972D1-934A-430E-8C24-4713175A720E}" srcOrd="0" destOrd="0" presId="urn:microsoft.com/office/officeart/2005/8/layout/hList1"/>
     <dgm:cxn modelId="{3DDF73A3-C317-4EF4-9B97-ADDAFA89B7FC}" srcId="{63340D2B-A71D-43C4-97F7-17D296365ACA}" destId="{4F70F4CF-DD21-4008-B481-6BA6CFA8606F}" srcOrd="0" destOrd="0" parTransId="{A4D417E5-0CF4-443E-AFE1-7A8972450414}" sibTransId="{EF243263-BB19-4C5B-BE3D-A3FA03F223DD}"/>
     <dgm:cxn modelId="{AE793B27-3CDB-4E0B-B3E7-261288901B16}" type="presParOf" srcId="{7FD6EACB-80AA-4660-88F3-3F7E496F0178}" destId="{DE801391-6078-4642-A904-31F06D589410}" srcOrd="0" destOrd="0" presId="urn:microsoft.com/office/officeart/2005/8/layout/hList1"/>
     <dgm:cxn modelId="{79CAFD43-48E0-4224-9DDF-E43EDADF7415}" type="presParOf" srcId="{DE801391-6078-4642-A904-31F06D589410}" destId="{164972D1-934A-430E-8C24-4713175A720E}" srcOrd="0" destOrd="0" presId="urn:microsoft.com/office/officeart/2005/8/layout/hList1"/>
@@ -5711,13 +5216,6 @@
         </dgm:presLayoutVars>
       </dgm:prSet>
       <dgm:spPr/>
-      <dgm:t>
-        <a:bodyPr/>
-        <a:lstStyle/>
-        <a:p>
-          <a:endParaRPr lang="en-US"/>
-        </a:p>
-      </dgm:t>
     </dgm:pt>
     <dgm:pt modelId="{C3375C94-53B5-4709-ACB6-7EB8DCBBC6E4}" type="pres">
       <dgm:prSet presAssocID="{98112BB7-05EE-4D64-A617-C6DFF9B3C9A2}" presName="composite" presStyleCnt="0"/>
@@ -5732,13 +5230,6 @@
         </dgm:presLayoutVars>
       </dgm:prSet>
       <dgm:spPr/>
-      <dgm:t>
-        <a:bodyPr/>
-        <a:lstStyle/>
-        <a:p>
-          <a:endParaRPr lang="en-US"/>
-        </a:p>
-      </dgm:t>
     </dgm:pt>
     <dgm:pt modelId="{3C2515C0-51EE-43F7-B816-E9E9B76C7F4D}" type="pres">
       <dgm:prSet presAssocID="{98112BB7-05EE-4D64-A617-C6DFF9B3C9A2}" presName="Image" presStyleLbl="bgImgPlace1" presStyleIdx="0" presStyleCnt="1"/>
@@ -5857,13 +5348,6 @@
         </dgm:presLayoutVars>
       </dgm:prSet>
       <dgm:spPr/>
-      <dgm:t>
-        <a:bodyPr/>
-        <a:lstStyle/>
-        <a:p>
-          <a:endParaRPr lang="en-US"/>
-        </a:p>
-      </dgm:t>
     </dgm:pt>
     <dgm:pt modelId="{C3375C94-53B5-4709-ACB6-7EB8DCBBC6E4}" type="pres">
       <dgm:prSet presAssocID="{98112BB7-05EE-4D64-A617-C6DFF9B3C9A2}" presName="composite" presStyleCnt="0"/>
@@ -5878,13 +5362,6 @@
         </dgm:presLayoutVars>
       </dgm:prSet>
       <dgm:spPr/>
-      <dgm:t>
-        <a:bodyPr/>
-        <a:lstStyle/>
-        <a:p>
-          <a:endParaRPr lang="en-US"/>
-        </a:p>
-      </dgm:t>
     </dgm:pt>
     <dgm:pt modelId="{3C2515C0-51EE-43F7-B816-E9E9B76C7F4D}" type="pres">
       <dgm:prSet presAssocID="{98112BB7-05EE-4D64-A617-C6DFF9B3C9A2}" presName="Image" presStyleLbl="bgImgPlace1" presStyleIdx="0" presStyleCnt="1"/>
@@ -5950,7 +5427,7 @@
       </dsp:nvSpPr>
       <dsp:spPr>
         <a:xfrm>
-          <a:off x="0" y="143553"/>
+          <a:off x="0" y="165513"/>
           <a:ext cx="2173635" cy="418586"/>
         </a:xfrm>
         <a:prstGeom prst="rect">
@@ -5992,12 +5469,12 @@
         </a:fontRef>
       </dsp:style>
       <dsp:txBody>
-        <a:bodyPr spcFirstLastPara="0" vert="horz" wrap="square" lIns="135128" tIns="77216" rIns="135128" bIns="77216" numCol="1" spcCol="1270" anchor="ctr" anchorCtr="0">
+        <a:bodyPr spcFirstLastPara="0" vert="horz" wrap="square" lIns="128016" tIns="73152" rIns="128016" bIns="73152" numCol="1" spcCol="1270" anchor="ctr" anchorCtr="0">
           <a:noAutofit/>
         </a:bodyPr>
         <a:lstStyle/>
         <a:p>
-          <a:pPr lvl="0" algn="ctr" defTabSz="844550">
+          <a:pPr marL="0" lvl="0" indent="0" algn="ctr" defTabSz="800100">
             <a:lnSpc>
               <a:spcPct val="90000"/>
             </a:lnSpc>
@@ -6007,15 +5484,16 @@
             <a:spcAft>
               <a:spcPct val="35000"/>
             </a:spcAft>
+            <a:buNone/>
           </a:pPr>
           <a:r>
-            <a:rPr lang="de-CH" sz="1900" b="1" kern="1200"/>
+            <a:rPr lang="de-CH" sz="1800" b="1" kern="1200"/>
             <a:t>Request</a:t>
           </a:r>
         </a:p>
       </dsp:txBody>
       <dsp:txXfrm>
-        <a:off x="0" y="143553"/>
+        <a:off x="0" y="165513"/>
         <a:ext cx="2173635" cy="418586"/>
       </dsp:txXfrm>
     </dsp:sp>
@@ -6026,8 +5504,8 @@
       </dsp:nvSpPr>
       <dsp:spPr>
         <a:xfrm>
-          <a:off x="0" y="520175"/>
-          <a:ext cx="2173635" cy="1010160"/>
+          <a:off x="0" y="542135"/>
+          <a:ext cx="2173635" cy="966240"/>
         </a:xfrm>
         <a:prstGeom prst="rect">
           <a:avLst/>
@@ -6089,7 +5567,7 @@
       </dsp:nvSpPr>
       <dsp:spPr>
         <a:xfrm>
-          <a:off x="0" y="112206"/>
+          <a:off x="0" y="134166"/>
           <a:ext cx="2173635" cy="418586"/>
         </a:xfrm>
         <a:prstGeom prst="rect">
@@ -6131,12 +5609,12 @@
         </a:fontRef>
       </dsp:style>
       <dsp:txBody>
-        <a:bodyPr spcFirstLastPara="0" vert="horz" wrap="square" lIns="135128" tIns="77216" rIns="135128" bIns="77216" numCol="1" spcCol="1270" anchor="ctr" anchorCtr="0">
+        <a:bodyPr spcFirstLastPara="0" vert="horz" wrap="square" lIns="128016" tIns="73152" rIns="128016" bIns="73152" numCol="1" spcCol="1270" anchor="ctr" anchorCtr="0">
           <a:noAutofit/>
         </a:bodyPr>
         <a:lstStyle/>
         <a:p>
-          <a:pPr lvl="0" algn="ctr" defTabSz="844550">
+          <a:pPr marL="0" lvl="0" indent="0" algn="ctr" defTabSz="800100">
             <a:lnSpc>
               <a:spcPct val="90000"/>
             </a:lnSpc>
@@ -6146,15 +5624,16 @@
             <a:spcAft>
               <a:spcPct val="35000"/>
             </a:spcAft>
+            <a:buNone/>
           </a:pPr>
           <a:r>
-            <a:rPr lang="de-CH" sz="1900" b="1" kern="1200"/>
+            <a:rPr lang="de-CH" sz="1800" b="1" kern="1200"/>
             <a:t>Response</a:t>
           </a:r>
         </a:p>
       </dsp:txBody>
       <dsp:txXfrm>
-        <a:off x="0" y="112206"/>
+        <a:off x="0" y="134166"/>
         <a:ext cx="2173635" cy="418586"/>
       </dsp:txXfrm>
     </dsp:sp>
@@ -6165,8 +5644,8 @@
       </dsp:nvSpPr>
       <dsp:spPr>
         <a:xfrm>
-          <a:off x="0" y="488828"/>
-          <a:ext cx="2173635" cy="1010160"/>
+          <a:off x="0" y="510788"/>
+          <a:ext cx="2173635" cy="966240"/>
         </a:xfrm>
         <a:prstGeom prst="rect">
           <a:avLst/>
@@ -6275,7 +5754,7 @@
         </a:bodyPr>
         <a:lstStyle/>
         <a:p>
-          <a:pPr lvl="0" algn="ctr" defTabSz="577850">
+          <a:pPr marL="0" lvl="0" indent="0" algn="ctr" defTabSz="577850">
             <a:lnSpc>
               <a:spcPct val="90000"/>
             </a:lnSpc>
@@ -6285,6 +5764,7 @@
             <a:spcAft>
               <a:spcPct val="35000"/>
             </a:spcAft>
+            <a:buNone/>
           </a:pPr>
           <a:r>
             <a:rPr lang="de-CH" sz="1300" b="1" kern="1200"/>
@@ -6414,7 +5894,7 @@
         </a:bodyPr>
         <a:lstStyle/>
         <a:p>
-          <a:pPr lvl="0" algn="ctr" defTabSz="577850">
+          <a:pPr marL="0" lvl="0" indent="0" algn="ctr" defTabSz="577850">
             <a:lnSpc>
               <a:spcPct val="90000"/>
             </a:lnSpc>
@@ -6424,6 +5904,7 @@
             <a:spcAft>
               <a:spcPct val="35000"/>
             </a:spcAft>
+            <a:buNone/>
           </a:pPr>
           <a:r>
             <a:rPr lang="de-CH" sz="1300" b="1" kern="1200"/>
@@ -6595,12 +6076,12 @@
         </a:fontRef>
       </dsp:style>
       <dsp:txBody>
-        <a:bodyPr spcFirstLastPara="0" vert="horz" wrap="square" lIns="49530" tIns="49530" rIns="49530" bIns="49530" numCol="1" spcCol="1270" anchor="ctr" anchorCtr="0">
+        <a:bodyPr spcFirstLastPara="0" vert="horz" wrap="square" lIns="45720" tIns="45720" rIns="45720" bIns="45720" numCol="1" spcCol="1270" anchor="ctr" anchorCtr="0">
           <a:noAutofit/>
         </a:bodyPr>
         <a:lstStyle/>
         <a:p>
-          <a:pPr lvl="0" algn="ctr" defTabSz="577850">
+          <a:pPr marL="0" lvl="0" indent="0" algn="ctr" defTabSz="533400">
             <a:lnSpc>
               <a:spcPct val="90000"/>
             </a:lnSpc>
@@ -6610,9 +6091,10 @@
             <a:spcAft>
               <a:spcPct val="35000"/>
             </a:spcAft>
+            <a:buNone/>
           </a:pPr>
           <a:r>
-            <a:rPr lang="de-CH" sz="1300" kern="1200"/>
+            <a:rPr lang="de-CH" sz="1200" kern="1200"/>
             <a:t>Input: Brand Image</a:t>
           </a:r>
         </a:p>
@@ -6721,12 +6203,12 @@
         </a:fontRef>
       </dsp:style>
       <dsp:txBody>
-        <a:bodyPr spcFirstLastPara="0" vert="horz" wrap="square" lIns="49530" tIns="49530" rIns="49530" bIns="49530" numCol="1" spcCol="1270" anchor="ctr" anchorCtr="0">
+        <a:bodyPr spcFirstLastPara="0" vert="horz" wrap="square" lIns="45720" tIns="45720" rIns="45720" bIns="45720" numCol="1" spcCol="1270" anchor="ctr" anchorCtr="0">
           <a:noAutofit/>
         </a:bodyPr>
         <a:lstStyle/>
         <a:p>
-          <a:pPr lvl="0" algn="ctr" defTabSz="577850">
+          <a:pPr marL="0" lvl="0" indent="0" algn="ctr" defTabSz="533400">
             <a:lnSpc>
               <a:spcPct val="90000"/>
             </a:lnSpc>
@@ -6736,9 +6218,10 @@
             <a:spcAft>
               <a:spcPct val="35000"/>
             </a:spcAft>
+            <a:buNone/>
           </a:pPr>
           <a:r>
-            <a:rPr lang="de-CH" sz="1300" kern="1200"/>
+            <a:rPr lang="de-CH" sz="1200" kern="1200"/>
             <a:t>Output: Class Label</a:t>
           </a:r>
         </a:p>
@@ -14478,7 +13961,7 @@
             <a:fld id="{1766B9EA-E083-A94D-96A5-C5476B884CFE}" type="datetime1">
               <a:rPr lang="en-US"/>
               <a:pPr/>
-              <a:t>4/25/2020</a:t>
+              <a:t>4/26/2020</a:t>
             </a:fld>
             <a:endParaRPr lang="en-US"/>
           </a:p>
@@ -14669,7 +14152,7 @@
             <a:fld id="{3598794E-35F3-8D48-B244-F21DA91EADA9}" type="datetime1">
               <a:rPr lang="en-US"/>
               <a:pPr/>
-              <a:t>4/25/2020</a:t>
+              <a:t>4/26/2020</a:t>
             </a:fld>
             <a:endParaRPr lang="en-US"/>
           </a:p>
@@ -16015,20 +15498,20 @@
               <a:t> in </a:t>
             </a:r>
             <a:r>
-              <a:rPr lang="de-CH" baseline="0" err="1"/>
+              <a:rPr lang="de-CH" baseline="0" dirty="0" err="1"/>
               <a:t>the</a:t>
             </a:r>
             <a:r>
-              <a:rPr lang="de-CH" baseline="0"/>
-              <a:t> </a:t>
-            </a:r>
-            <a:r>
-              <a:rPr lang="de-CH" baseline="0" smtClean="0"/>
-              <a:t>future which </a:t>
-            </a:r>
-            <a:r>
-              <a:rPr lang="de-CH" baseline="0" dirty="0"/>
-              <a:t>will </a:t>
+              <a:rPr lang="de-CH" baseline="0" dirty="0"/>
+              <a:t> </a:t>
+            </a:r>
+            <a:r>
+              <a:rPr lang="de-CH" baseline="0" dirty="0" err="1"/>
+              <a:t>future</a:t>
+            </a:r>
+            <a:r>
+              <a:rPr lang="de-CH" baseline="0" dirty="0"/>
+              <a:t> will </a:t>
             </a:r>
             <a:r>
               <a:rPr lang="de-CH" baseline="0" dirty="0" err="1"/>
@@ -16461,7 +15944,7 @@
               <a:t> </a:t>
             </a:r>
             <a:r>
-              <a:rPr lang="de-CH" err="1">
+              <a:rPr lang="de-CH" dirty="0" err="1">
                 <a:latin typeface="Source Sans Pro Light" charset="0"/>
                 <a:ea typeface="ヒラギノ角ゴ ProN W3" charset="0"/>
                 <a:cs typeface="Source Sans Pro Light" charset="0"/>
@@ -16469,7 +15952,7 @@
               <a:t>to</a:t>
             </a:r>
             <a:r>
-              <a:rPr lang="de-CH">
+              <a:rPr lang="de-CH" dirty="0">
                 <a:latin typeface="Source Sans Pro Light" charset="0"/>
                 <a:ea typeface="ヒラギノ角ゴ ProN W3" charset="0"/>
                 <a:cs typeface="Source Sans Pro Light" charset="0"/>
@@ -16477,12 +15960,20 @@
               <a:t> </a:t>
             </a:r>
             <a:r>
-              <a:rPr lang="de-CH" smtClean="0">
+              <a:rPr lang="de-CH" dirty="0" err="1">
                 <a:latin typeface="Source Sans Pro Light" charset="0"/>
                 <a:ea typeface="ヒラギノ角ゴ ProN W3" charset="0"/>
                 <a:cs typeface="Source Sans Pro Light" charset="0"/>
               </a:rPr>
-              <a:t>categorize </a:t>
+              <a:t>categorise</a:t>
+            </a:r>
+            <a:r>
+              <a:rPr lang="de-CH" dirty="0">
+                <a:latin typeface="Source Sans Pro Light" charset="0"/>
+                <a:ea typeface="ヒラギノ角ゴ ProN W3" charset="0"/>
+                <a:cs typeface="Source Sans Pro Light" charset="0"/>
+              </a:rPr>
+              <a:t> </a:t>
             </a:r>
             <a:r>
               <a:rPr lang="de-CH" dirty="0" err="1">
@@ -19224,20 +18715,20 @@
               <a:t> </a:t>
             </a:r>
             <a:r>
-              <a:rPr lang="de-CH" baseline="0" err="1"/>
+              <a:rPr lang="de-CH" baseline="0" dirty="0" err="1"/>
               <a:t>getting</a:t>
             </a:r>
             <a:r>
-              <a:rPr lang="de-CH" baseline="0"/>
-              <a:t> </a:t>
-            </a:r>
-            <a:r>
-              <a:rPr lang="de-CH" baseline="0" smtClean="0"/>
-              <a:t>the Twitter and </a:t>
-            </a:r>
-            <a:r>
-              <a:rPr lang="de-CH" baseline="0" dirty="0"/>
-              <a:t>Pinterest API </a:t>
+              <a:rPr lang="de-CH" baseline="0" dirty="0"/>
+              <a:t> </a:t>
+            </a:r>
+            <a:r>
+              <a:rPr lang="de-CH" baseline="0" dirty="0" err="1"/>
+              <a:t>the</a:t>
+            </a:r>
+            <a:r>
+              <a:rPr lang="de-CH" baseline="0" dirty="0"/>
+              <a:t> Pinterest API </a:t>
             </a:r>
             <a:r>
               <a:rPr lang="de-CH" baseline="0" dirty="0" err="1"/>
@@ -21571,7 +21062,7 @@
           </a:ln>
           <a:extLst>
             <a:ext uri="{91240B29-F687-4f45-9708-019B960494DF}">
-              <a14:hiddenLine xmlns="" xmlns:a14="http://schemas.microsoft.com/office/drawing/2010/main" w="9525">
+              <a14:hiddenLine xmlns:a14="http://schemas.microsoft.com/office/drawing/2010/main" xmlns="" w="9525">
                 <a:solidFill>
                   <a:srgbClr val="000000"/>
                 </a:solidFill>
@@ -21731,7 +21222,7 @@
           <a:graphicData uri="http://schemas.openxmlformats.org/presentationml/2006/ole">
             <mc:AlternateContent xmlns:mc="http://schemas.openxmlformats.org/markup-compatibility/2006">
               <mc:Choice xmlns:v="urn:schemas-microsoft-com:vml" Requires="v">
-                <p:oleObj spid="_x0000_s1031" name="think-cell Slide" r:id="rId7" imgW="38100" imgH="38100" progId="TCLayout.ActiveDocument.1">
+                <p:oleObj spid="_x0000_s1030" name="think-cell Slide" r:id="rId7" imgW="38100" imgH="38100" progId="TCLayout.ActiveDocument.1">
                   <p:embed/>
                 </p:oleObj>
               </mc:Choice>
@@ -21773,14 +21264,14 @@
                       </a:ln>
                       <a:extLst>
                         <a:ext uri="{909E8E84-426E-40dd-AFC4-6F175D3DCCD1}">
-                          <a14:hiddenFill xmlns="" xmlns:a14="http://schemas.microsoft.com/office/drawing/2010/main">
+                          <a14:hiddenFill xmlns:a14="http://schemas.microsoft.com/office/drawing/2010/main" xmlns="">
                             <a:solidFill>
                               <a:srgbClr val="FFFFFF"/>
                             </a:solidFill>
                           </a14:hiddenFill>
                         </a:ext>
                         <a:ext uri="{91240B29-F687-4f45-9708-019B960494DF}">
-                          <a14:hiddenLine xmlns="" xmlns:a14="http://schemas.microsoft.com/office/drawing/2010/main" w="9525">
+                          <a14:hiddenLine xmlns:a14="http://schemas.microsoft.com/office/drawing/2010/main" xmlns="" w="9525">
                             <a:solidFill>
                               <a:srgbClr val="000000"/>
                             </a:solidFill>
@@ -22263,14 +21754,14 @@
           </a:ln>
           <a:extLst>
             <a:ext uri="{909E8E84-426E-40dd-AFC4-6F175D3DCCD1}">
-              <a14:hiddenFill xmlns="" xmlns:a14="http://schemas.microsoft.com/office/drawing/2010/main">
+              <a14:hiddenFill xmlns:a14="http://schemas.microsoft.com/office/drawing/2010/main" xmlns="">
                 <a:solidFill>
                   <a:srgbClr val="FFFFFF"/>
                 </a:solidFill>
               </a14:hiddenFill>
             </a:ext>
             <a:ext uri="{91240B29-F687-4f45-9708-019B960494DF}">
-              <a14:hiddenLine xmlns="" xmlns:a14="http://schemas.microsoft.com/office/drawing/2010/main" w="9525">
+              <a14:hiddenLine xmlns:a14="http://schemas.microsoft.com/office/drawing/2010/main" xmlns="" w="9525">
                 <a:solidFill>
                   <a:srgbClr val="000000"/>
                 </a:solidFill>
@@ -22461,7 +21952,7 @@
           </a:ln>
           <a:extLst>
             <a:ext uri="{91240B29-F687-4f45-9708-019B960494DF}">
-              <a14:hiddenLine xmlns="" xmlns:a14="http://schemas.microsoft.com/office/drawing/2010/main" w="9525">
+              <a14:hiddenLine xmlns:a14="http://schemas.microsoft.com/office/drawing/2010/main" xmlns="" w="9525">
                 <a:solidFill>
                   <a:srgbClr val="000000"/>
                 </a:solidFill>
@@ -22621,7 +22112,7 @@
           <a:graphicData uri="http://schemas.openxmlformats.org/presentationml/2006/ole">
             <mc:AlternateContent xmlns:mc="http://schemas.openxmlformats.org/markup-compatibility/2006">
               <mc:Choice xmlns:v="urn:schemas-microsoft-com:vml" Requires="v">
-                <p:oleObj spid="_x0000_s2055" name="think-cell Slide" r:id="rId7" imgW="38100" imgH="38100" progId="TCLayout.ActiveDocument.1">
+                <p:oleObj spid="_x0000_s2054" name="think-cell Slide" r:id="rId7" imgW="38100" imgH="38100" progId="TCLayout.ActiveDocument.1">
                   <p:embed/>
                 </p:oleObj>
               </mc:Choice>
@@ -22663,14 +22154,14 @@
                       </a:ln>
                       <a:extLst>
                         <a:ext uri="{909E8E84-426E-40dd-AFC4-6F175D3DCCD1}">
-                          <a14:hiddenFill xmlns="" xmlns:a14="http://schemas.microsoft.com/office/drawing/2010/main">
+                          <a14:hiddenFill xmlns:a14="http://schemas.microsoft.com/office/drawing/2010/main" xmlns="">
                             <a:solidFill>
                               <a:srgbClr val="FFFFFF"/>
                             </a:solidFill>
                           </a14:hiddenFill>
                         </a:ext>
                         <a:ext uri="{91240B29-F687-4f45-9708-019B960494DF}">
-                          <a14:hiddenLine xmlns="" xmlns:a14="http://schemas.microsoft.com/office/drawing/2010/main" w="9525">
+                          <a14:hiddenLine xmlns:a14="http://schemas.microsoft.com/office/drawing/2010/main" xmlns="" w="9525">
                             <a:solidFill>
                               <a:srgbClr val="000000"/>
                             </a:solidFill>
@@ -23153,14 +22644,14 @@
           </a:ln>
           <a:extLst>
             <a:ext uri="{909E8E84-426E-40dd-AFC4-6F175D3DCCD1}">
-              <a14:hiddenFill xmlns="" xmlns:a14="http://schemas.microsoft.com/office/drawing/2010/main">
+              <a14:hiddenFill xmlns:a14="http://schemas.microsoft.com/office/drawing/2010/main" xmlns="">
                 <a:solidFill>
                   <a:srgbClr val="FFFFFF"/>
                 </a:solidFill>
               </a14:hiddenFill>
             </a:ext>
             <a:ext uri="{91240B29-F687-4f45-9708-019B960494DF}">
-              <a14:hiddenLine xmlns="" xmlns:a14="http://schemas.microsoft.com/office/drawing/2010/main" w="9525">
+              <a14:hiddenLine xmlns:a14="http://schemas.microsoft.com/office/drawing/2010/main" xmlns="" w="9525">
                 <a:solidFill>
                   <a:srgbClr val="000000"/>
                 </a:solidFill>
@@ -23365,14 +22856,14 @@
           </a:ln>
           <a:extLst>
             <a:ext uri="{909E8E84-426E-40dd-AFC4-6F175D3DCCD1}">
-              <a14:hiddenFill xmlns="" xmlns:a14="http://schemas.microsoft.com/office/drawing/2010/main">
+              <a14:hiddenFill xmlns:a14="http://schemas.microsoft.com/office/drawing/2010/main" xmlns="">
                 <a:solidFill>
                   <a:srgbClr val="FFFFFF"/>
                 </a:solidFill>
               </a14:hiddenFill>
             </a:ext>
             <a:ext uri="{91240B29-F687-4f45-9708-019B960494DF}">
-              <a14:hiddenLine xmlns="" xmlns:a14="http://schemas.microsoft.com/office/drawing/2010/main" w="9525">
+              <a14:hiddenLine xmlns:a14="http://schemas.microsoft.com/office/drawing/2010/main" xmlns="" w="9525">
                 <a:solidFill>
                   <a:srgbClr val="000000"/>
                 </a:solidFill>
@@ -26480,14 +25971,14 @@
           </a:ln>
           <a:extLst>
             <a:ext uri="{909E8E84-426E-40dd-AFC4-6F175D3DCCD1}">
-              <a14:hiddenFill xmlns="" xmlns:a14="http://schemas.microsoft.com/office/drawing/2010/main">
+              <a14:hiddenFill xmlns:a14="http://schemas.microsoft.com/office/drawing/2010/main" xmlns="">
                 <a:solidFill>
                   <a:srgbClr val="FFFFFF"/>
                 </a:solidFill>
               </a14:hiddenFill>
             </a:ext>
             <a:ext uri="{91240B29-F687-4f45-9708-019B960494DF}">
-              <a14:hiddenLine xmlns="" xmlns:a14="http://schemas.microsoft.com/office/drawing/2010/main" w="9525">
+              <a14:hiddenLine xmlns:a14="http://schemas.microsoft.com/office/drawing/2010/main" xmlns="" w="9525">
                 <a:solidFill>
                   <a:srgbClr val="000000"/>
                 </a:solidFill>
@@ -27182,7 +26673,7 @@
           </a:xfrm>
           <a:extLst>
             <a:ext uri="{91240B29-F687-4f45-9708-019B960494DF}">
-              <a14:hiddenLine xmlns="" xmlns:a14="http://schemas.microsoft.com/office/drawing/2010/main" w="9525">
+              <a14:hiddenLine xmlns:a14="http://schemas.microsoft.com/office/drawing/2010/main" xmlns="" w="9525">
                 <a:solidFill>
                   <a:srgbClr val="000000"/>
                 </a:solidFill>
@@ -27280,14 +26771,14 @@
           <a:noFill/>
           <a:extLst>
             <a:ext uri="{909E8E84-426E-40dd-AFC4-6F175D3DCCD1}">
-              <a14:hiddenFill xmlns="" xmlns:a14="http://schemas.microsoft.com/office/drawing/2010/main">
+              <a14:hiddenFill xmlns:a14="http://schemas.microsoft.com/office/drawing/2010/main" xmlns="">
                 <a:solidFill>
                   <a:srgbClr val="FFFFFF"/>
                 </a:solidFill>
               </a14:hiddenFill>
             </a:ext>
             <a:ext uri="{91240B29-F687-4f45-9708-019B960494DF}">
-              <a14:hiddenLine xmlns="" xmlns:a14="http://schemas.microsoft.com/office/drawing/2010/main" w="9525">
+              <a14:hiddenLine xmlns:a14="http://schemas.microsoft.com/office/drawing/2010/main" xmlns="" w="9525">
                 <a:solidFill>
                   <a:srgbClr val="000000"/>
                 </a:solidFill>
@@ -27297,7 +26788,7 @@
               </a14:hiddenLine>
             </a:ext>
             <a:ext uri="{FAA26D3D-D897-4be2-8F04-BA451C77F1D7}">
-              <ma14:placeholderFlag xmlns="" xmlns:ma14="http://schemas.microsoft.com/office/mac/drawingml/2011/main" val="1"/>
+              <ma14:placeholderFlag xmlns:ma14="http://schemas.microsoft.com/office/mac/drawingml/2011/main" xmlns="" val="1"/>
             </a:ext>
           </a:extLst>
         </p:spPr>
@@ -27347,14 +26838,14 @@
           <a:noFill/>
           <a:extLst>
             <a:ext uri="{909E8E84-426E-40dd-AFC4-6F175D3DCCD1}">
-              <a14:hiddenFill xmlns="" xmlns:a14="http://schemas.microsoft.com/office/drawing/2010/main">
+              <a14:hiddenFill xmlns:a14="http://schemas.microsoft.com/office/drawing/2010/main" xmlns="">
                 <a:solidFill>
                   <a:srgbClr val="FFFFFF"/>
                 </a:solidFill>
               </a14:hiddenFill>
             </a:ext>
             <a:ext uri="{91240B29-F687-4f45-9708-019B960494DF}">
-              <a14:hiddenLine xmlns="" xmlns:a14="http://schemas.microsoft.com/office/drawing/2010/main" w="9525">
+              <a14:hiddenLine xmlns:a14="http://schemas.microsoft.com/office/drawing/2010/main" xmlns="" w="9525">
                 <a:solidFill>
                   <a:srgbClr val="000000"/>
                 </a:solidFill>
@@ -27418,7 +26909,7 @@
           <a:effectLst/>
           <a:extLst>
             <a:ext uri="{AF507438-7753-43e0-B8FC-AC1667EBCBE1}">
-              <a14:hiddenEffects xmlns="" xmlns:a14="http://schemas.microsoft.com/office/drawing/2010/main">
+              <a14:hiddenEffects xmlns:a14="http://schemas.microsoft.com/office/drawing/2010/main" xmlns="">
                 <a:effectLst>
                   <a:outerShdw blurRad="63500" dist="38099" dir="2700000" algn="ctr" rotWithShape="0">
                     <a:schemeClr val="bg2">
@@ -27547,14 +27038,14 @@
           <a:noFill/>
           <a:extLst>
             <a:ext uri="{909E8E84-426E-40dd-AFC4-6F175D3DCCD1}">
-              <a14:hiddenFill xmlns="" xmlns:a14="http://schemas.microsoft.com/office/drawing/2010/main">
+              <a14:hiddenFill xmlns:a14="http://schemas.microsoft.com/office/drawing/2010/main" xmlns="">
                 <a:solidFill>
                   <a:srgbClr val="FFFFFF"/>
                 </a:solidFill>
               </a14:hiddenFill>
             </a:ext>
             <a:ext uri="{91240B29-F687-4f45-9708-019B960494DF}">
-              <a14:hiddenLine xmlns="" xmlns:a14="http://schemas.microsoft.com/office/drawing/2010/main" w="9525">
+              <a14:hiddenLine xmlns:a14="http://schemas.microsoft.com/office/drawing/2010/main" xmlns="" w="9525">
                 <a:solidFill>
                   <a:srgbClr val="000000"/>
                 </a:solidFill>
@@ -27607,14 +27098,14 @@
           <a:noFill/>
           <a:extLst>
             <a:ext uri="{909E8E84-426E-40dd-AFC4-6F175D3DCCD1}">
-              <a14:hiddenFill xmlns="" xmlns:a14="http://schemas.microsoft.com/office/drawing/2010/main">
+              <a14:hiddenFill xmlns:a14="http://schemas.microsoft.com/office/drawing/2010/main" xmlns="">
                 <a:solidFill>
                   <a:srgbClr val="FFFFFF"/>
                 </a:solidFill>
               </a14:hiddenFill>
             </a:ext>
             <a:ext uri="{91240B29-F687-4f45-9708-019B960494DF}">
-              <a14:hiddenLine xmlns="" xmlns:a14="http://schemas.microsoft.com/office/drawing/2010/main" w="9525">
+              <a14:hiddenLine xmlns:a14="http://schemas.microsoft.com/office/drawing/2010/main" xmlns="" w="9525">
                 <a:solidFill>
                   <a:srgbClr val="000000"/>
                 </a:solidFill>
@@ -28012,14 +27503,14 @@
           <a:noFill/>
           <a:extLst>
             <a:ext uri="{909E8E84-426E-40dd-AFC4-6F175D3DCCD1}">
-              <a14:hiddenFill xmlns="" xmlns:a14="http://schemas.microsoft.com/office/drawing/2010/main">
+              <a14:hiddenFill xmlns:a14="http://schemas.microsoft.com/office/drawing/2010/main" xmlns="">
                 <a:solidFill>
                   <a:srgbClr val="FFFFFF"/>
                 </a:solidFill>
               </a14:hiddenFill>
             </a:ext>
             <a:ext uri="{91240B29-F687-4f45-9708-019B960494DF}">
-              <a14:hiddenLine xmlns="" xmlns:a14="http://schemas.microsoft.com/office/drawing/2010/main" w="9525">
+              <a14:hiddenLine xmlns:a14="http://schemas.microsoft.com/office/drawing/2010/main" xmlns="" w="9525">
                 <a:solidFill>
                   <a:srgbClr val="000000"/>
                 </a:solidFill>
@@ -28029,7 +27520,7 @@
               </a14:hiddenLine>
             </a:ext>
             <a:ext uri="{FAA26D3D-D897-4be2-8F04-BA451C77F1D7}">
-              <ma14:placeholderFlag xmlns="" xmlns:ma14="http://schemas.microsoft.com/office/mac/drawingml/2011/main" val="1"/>
+              <ma14:placeholderFlag xmlns:ma14="http://schemas.microsoft.com/office/mac/drawingml/2011/main" xmlns="" val="1"/>
             </a:ext>
           </a:extLst>
         </p:spPr>
@@ -28108,14 +27599,14 @@
           <a:noFill/>
           <a:extLst>
             <a:ext uri="{909E8E84-426E-40dd-AFC4-6F175D3DCCD1}">
-              <a14:hiddenFill xmlns="" xmlns:a14="http://schemas.microsoft.com/office/drawing/2010/main">
+              <a14:hiddenFill xmlns:a14="http://schemas.microsoft.com/office/drawing/2010/main" xmlns="">
                 <a:solidFill>
                   <a:srgbClr val="FFFFFF"/>
                 </a:solidFill>
               </a14:hiddenFill>
             </a:ext>
             <a:ext uri="{91240B29-F687-4f45-9708-019B960494DF}">
-              <a14:hiddenLine xmlns="" xmlns:a14="http://schemas.microsoft.com/office/drawing/2010/main" w="9525">
+              <a14:hiddenLine xmlns:a14="http://schemas.microsoft.com/office/drawing/2010/main" xmlns="" w="9525">
                 <a:solidFill>
                   <a:srgbClr val="000000"/>
                 </a:solidFill>
@@ -28163,14 +27654,14 @@
           <a:noFill/>
           <a:extLst>
             <a:ext uri="{909E8E84-426E-40dd-AFC4-6F175D3DCCD1}">
-              <a14:hiddenFill xmlns="" xmlns:a14="http://schemas.microsoft.com/office/drawing/2010/main">
+              <a14:hiddenFill xmlns:a14="http://schemas.microsoft.com/office/drawing/2010/main" xmlns="">
                 <a:solidFill>
                   <a:srgbClr val="FFFFFF"/>
                 </a:solidFill>
               </a14:hiddenFill>
             </a:ext>
             <a:ext uri="{91240B29-F687-4f45-9708-019B960494DF}">
-              <a14:hiddenLine xmlns="" xmlns:a14="http://schemas.microsoft.com/office/drawing/2010/main" w="9525">
+              <a14:hiddenLine xmlns:a14="http://schemas.microsoft.com/office/drawing/2010/main" xmlns="" w="9525">
                 <a:solidFill>
                   <a:srgbClr val="000000"/>
                 </a:solidFill>
@@ -28210,7 +27701,7 @@
               <a:t>Task</a:t>
             </a:r>
             <a:r>
-              <a:rPr lang="en-US">
+              <a:rPr lang="en-US" dirty="0">
                 <a:latin typeface="Source Sans Pro Light" charset="0"/>
                 <a:ea typeface="ヒラギノ角ゴ ProN W3" charset="0"/>
                 <a:cs typeface="Source Sans Pro Light" charset="0"/>
@@ -28218,12 +27709,12 @@
               <a:t>: </a:t>
             </a:r>
             <a:r>
-              <a:rPr lang="en-US" smtClean="0">
+              <a:rPr lang="en-US" dirty="0" err="1">
                 <a:latin typeface="Source Sans Pro Light" charset="0"/>
                 <a:ea typeface="ヒラギノ角ゴ ProN W3" charset="0"/>
                 <a:cs typeface="Source Sans Pro Light" charset="0"/>
               </a:rPr>
-              <a:t>Categorize </a:t>
+              <a:t>Categorise</a:t>
             </a:r>
             <a:r>
               <a:rPr lang="en-US" dirty="0">
@@ -28231,7 +27722,7 @@
                 <a:ea typeface="ヒラギノ角ゴ ProN W3" charset="0"/>
                 <a:cs typeface="Source Sans Pro Light" charset="0"/>
               </a:rPr>
-              <a:t>and compare official and unofficial social media brand images to measure how these brands are portrayed on the respective social media platform</a:t>
+              <a:t> and compare official and unofficial social media brand images to measure how these brands are portrayed on the respective social media platform</a:t>
             </a:r>
           </a:p>
           <a:p>
@@ -28311,13 +27802,13 @@
           <p:nvPr>
             <p:extLst>
               <p:ext uri="{D42A27DB-BD31-4B8C-83A1-F6EECF244321}">
-                <p14:modId xmlns:p14="http://schemas.microsoft.com/office/powerpoint/2010/main" val="2744619593"/>
+                <p14:modId xmlns:p14="http://schemas.microsoft.com/office/powerpoint/2010/main" val="2764603965"/>
               </p:ext>
             </p:extLst>
           </p:nvPr>
         </p:nvGraphicFramePr>
         <p:xfrm>
-          <a:off x="641145" y="3864692"/>
+          <a:off x="619125" y="3533783"/>
           <a:ext cx="2173635" cy="1673889"/>
         </p:xfrm>
         <a:graphic>
@@ -28341,13 +27832,13 @@
           <p:nvPr>
             <p:extLst>
               <p:ext uri="{D42A27DB-BD31-4B8C-83A1-F6EECF244321}">
-                <p14:modId xmlns:p14="http://schemas.microsoft.com/office/powerpoint/2010/main" val="1884614399"/>
+                <p14:modId xmlns:p14="http://schemas.microsoft.com/office/powerpoint/2010/main" val="2947203165"/>
               </p:ext>
             </p:extLst>
           </p:nvPr>
         </p:nvGraphicFramePr>
         <p:xfrm>
-          <a:off x="7121463" y="3864692"/>
+          <a:off x="7099443" y="3533783"/>
           <a:ext cx="2173635" cy="1611195"/>
         </p:xfrm>
         <a:graphic>
@@ -28371,13 +27862,13 @@
           <p:nvPr>
             <p:extLst>
               <p:ext uri="{D42A27DB-BD31-4B8C-83A1-F6EECF244321}">
-                <p14:modId xmlns:p14="http://schemas.microsoft.com/office/powerpoint/2010/main" val="4145561681"/>
+                <p14:modId xmlns:p14="http://schemas.microsoft.com/office/powerpoint/2010/main" val="1301867484"/>
               </p:ext>
             </p:extLst>
           </p:nvPr>
         </p:nvGraphicFramePr>
         <p:xfrm>
-          <a:off x="3881304" y="3833601"/>
+          <a:off x="3859284" y="3502692"/>
           <a:ext cx="2173635" cy="973573"/>
         </p:xfrm>
         <a:graphic>
@@ -28401,13 +27892,13 @@
           <p:nvPr>
             <p:extLst>
               <p:ext uri="{D42A27DB-BD31-4B8C-83A1-F6EECF244321}">
-                <p14:modId xmlns:p14="http://schemas.microsoft.com/office/powerpoint/2010/main" val="1274403121"/>
+                <p14:modId xmlns:p14="http://schemas.microsoft.com/office/powerpoint/2010/main" val="182136728"/>
               </p:ext>
             </p:extLst>
           </p:nvPr>
         </p:nvGraphicFramePr>
         <p:xfrm>
-          <a:off x="3888202" y="5108901"/>
+          <a:off x="3866182" y="4777992"/>
           <a:ext cx="2173635" cy="973573"/>
         </p:xfrm>
         <a:graphic>
@@ -28434,7 +27925,7 @@
           <a:blip r:embed="rId23">
             <a:extLst>
               <a:ext uri="{96DAC541-7B7A-43D3-8B79-37D633B846F1}">
-                <asvg:svgBlip xmlns:asvg="http://schemas.microsoft.com/office/drawing/2016/SVG/main" xmlns="" r:embed="rId24"/>
+                <asvg:svgBlip xmlns:asvg="http://schemas.microsoft.com/office/drawing/2016/SVG/main" r:embed="rId24"/>
               </a:ext>
             </a:extLst>
           </a:blip>
@@ -28444,7 +27935,7 @@
         </p:blipFill>
         <p:spPr>
           <a:xfrm rot="21087087">
-            <a:off x="2919344" y="3996846"/>
+            <a:off x="2897324" y="3665937"/>
             <a:ext cx="720000" cy="720000"/>
           </a:xfrm>
           <a:prstGeom prst="rect">
@@ -28470,7 +27961,7 @@
           <a:blip r:embed="rId23">
             <a:extLst>
               <a:ext uri="{96DAC541-7B7A-43D3-8B79-37D633B846F1}">
-                <asvg:svgBlip xmlns:asvg="http://schemas.microsoft.com/office/drawing/2016/SVG/main" xmlns="" r:embed="rId24"/>
+                <asvg:svgBlip xmlns:asvg="http://schemas.microsoft.com/office/drawing/2016/SVG/main" r:embed="rId24"/>
               </a:ext>
             </a:extLst>
           </a:blip>
@@ -28480,7 +27971,7 @@
         </p:blipFill>
         <p:spPr>
           <a:xfrm rot="3292379">
-            <a:off x="6341557" y="3956923"/>
+            <a:off x="6319537" y="3626014"/>
             <a:ext cx="720000" cy="720000"/>
           </a:xfrm>
           <a:prstGeom prst="rect">
@@ -28506,7 +27997,7 @@
           <a:blip r:embed="rId25">
             <a:extLst>
               <a:ext uri="{96DAC541-7B7A-43D3-8B79-37D633B846F1}">
-                <asvg:svgBlip xmlns:asvg="http://schemas.microsoft.com/office/drawing/2016/SVG/main" xmlns="" r:embed="rId26"/>
+                <asvg:svgBlip xmlns:asvg="http://schemas.microsoft.com/office/drawing/2016/SVG/main" r:embed="rId26"/>
               </a:ext>
             </a:extLst>
           </a:blip>
@@ -28516,7 +28007,7 @@
         </p:blipFill>
         <p:spPr>
           <a:xfrm>
-            <a:off x="1377979" y="4576602"/>
+            <a:off x="1355959" y="4245693"/>
             <a:ext cx="720000" cy="720000"/>
           </a:xfrm>
           <a:prstGeom prst="rect">
@@ -28542,7 +28033,7 @@
           <a:blip r:embed="rId27">
             <a:extLst>
               <a:ext uri="{96DAC541-7B7A-43D3-8B79-37D633B846F1}">
-                <asvg:svgBlip xmlns:asvg="http://schemas.microsoft.com/office/drawing/2016/SVG/main" xmlns="" r:embed="rId28"/>
+                <asvg:svgBlip xmlns:asvg="http://schemas.microsoft.com/office/drawing/2016/SVG/main" r:embed="rId28"/>
               </a:ext>
             </a:extLst>
           </a:blip>
@@ -28552,7 +28043,7 @@
         </p:blipFill>
         <p:spPr>
           <a:xfrm>
-            <a:off x="7848280" y="4526559"/>
+            <a:off x="7826260" y="4195650"/>
             <a:ext cx="720000" cy="720000"/>
           </a:xfrm>
           <a:prstGeom prst="rect">
@@ -28578,7 +28069,7 @@
           <a:blip r:embed="rId29">
             <a:extLst>
               <a:ext uri="{96DAC541-7B7A-43D3-8B79-37D633B846F1}">
-                <asvg:svgBlip xmlns:asvg="http://schemas.microsoft.com/office/drawing/2016/SVG/main" xmlns="" r:embed="rId30"/>
+                <asvg:svgBlip xmlns:asvg="http://schemas.microsoft.com/office/drawing/2016/SVG/main" r:embed="rId30"/>
               </a:ext>
             </a:extLst>
           </a:blip>
@@ -28588,7 +28079,7 @@
         </p:blipFill>
         <p:spPr>
           <a:xfrm>
-            <a:off x="4608121" y="4078428"/>
+            <a:off x="4586101" y="3747519"/>
             <a:ext cx="720000" cy="720000"/>
           </a:xfrm>
           <a:prstGeom prst="rect">
@@ -28614,7 +28105,7 @@
           <a:blip r:embed="rId31">
             <a:extLst>
               <a:ext uri="{96DAC541-7B7A-43D3-8B79-37D633B846F1}">
-                <asvg:svgBlip xmlns:asvg="http://schemas.microsoft.com/office/drawing/2016/SVG/main" xmlns="" r:embed="rId32"/>
+                <asvg:svgBlip xmlns:asvg="http://schemas.microsoft.com/office/drawing/2016/SVG/main" r:embed="rId32"/>
               </a:ext>
             </a:extLst>
           </a:blip>
@@ -28624,7 +28115,7 @@
         </p:blipFill>
         <p:spPr>
           <a:xfrm>
-            <a:off x="4705019" y="5488101"/>
+            <a:off x="4682999" y="5157192"/>
             <a:ext cx="540000" cy="540000"/>
           </a:xfrm>
           <a:prstGeom prst="rect">
@@ -28646,7 +28137,7 @@
         </p:nvSpPr>
         <p:spPr bwMode="auto">
           <a:xfrm>
-            <a:off x="198802" y="5475887"/>
+            <a:off x="176782" y="5144978"/>
             <a:ext cx="2557091" cy="696290"/>
           </a:xfrm>
           <a:prstGeom prst="wedgeRoundRectCallout">
@@ -28669,7 +28160,7 @@
           <a:effectLst/>
           <a:extLst>
             <a:ext uri="{AF507438-7753-43e0-B8FC-AC1667EBCBE1}">
-              <a14:hiddenEffects xmlns="" xmlns:a14="http://schemas.microsoft.com/office/drawing/2010/main">
+              <a14:hiddenEffects xmlns:a14="http://schemas.microsoft.com/office/drawing/2010/main" xmlns="">
                 <a:effectLst>
                   <a:outerShdw blurRad="63500" dist="38099" dir="2700000" algn="ctr" rotWithShape="0">
                     <a:schemeClr val="bg2">
@@ -28829,7 +28320,7 @@
         </p:nvSpPr>
         <p:spPr bwMode="auto">
           <a:xfrm>
-            <a:off x="5572816" y="4793691"/>
+            <a:off x="5550796" y="4462782"/>
             <a:ext cx="1405813" cy="280096"/>
           </a:xfrm>
           <a:prstGeom prst="wedgeRoundRectCallout">
@@ -28852,7 +28343,7 @@
           <a:effectLst/>
           <a:extLst>
             <a:ext uri="{AF507438-7753-43e0-B8FC-AC1667EBCBE1}">
-              <a14:hiddenEffects xmlns="" xmlns:a14="http://schemas.microsoft.com/office/drawing/2010/main">
+              <a14:hiddenEffects xmlns:a14="http://schemas.microsoft.com/office/drawing/2010/main" xmlns="">
                 <a:effectLst>
                   <a:outerShdw blurRad="63500" dist="38099" dir="2700000" algn="ctr" rotWithShape="0">
                     <a:schemeClr val="bg2">
@@ -28921,7 +28412,7 @@
         </p:nvSpPr>
         <p:spPr bwMode="auto">
           <a:xfrm>
-            <a:off x="8136749" y="5475886"/>
+            <a:off x="8114729" y="5144977"/>
             <a:ext cx="1710490" cy="696291"/>
           </a:xfrm>
           <a:prstGeom prst="wedgeRoundRectCallout">
@@ -28944,7 +28435,7 @@
           <a:effectLst/>
           <a:extLst>
             <a:ext uri="{AF507438-7753-43e0-B8FC-AC1667EBCBE1}">
-              <a14:hiddenEffects xmlns="" xmlns:a14="http://schemas.microsoft.com/office/drawing/2010/main">
+              <a14:hiddenEffects xmlns:a14="http://schemas.microsoft.com/office/drawing/2010/main" xmlns="">
                 <a:effectLst>
                   <a:outerShdw blurRad="63500" dist="38099" dir="2700000" algn="ctr" rotWithShape="0">
                     <a:schemeClr val="bg2">
@@ -29049,7 +28540,7 @@
           <a:blip r:embed="rId33">
             <a:extLst>
               <a:ext uri="{96DAC541-7B7A-43D3-8B79-37D633B846F1}">
-                <asvg:svgBlip xmlns:asvg="http://schemas.microsoft.com/office/drawing/2016/SVG/main" xmlns="" r:embed="rId34"/>
+                <asvg:svgBlip xmlns:asvg="http://schemas.microsoft.com/office/drawing/2016/SVG/main" r:embed="rId34"/>
               </a:ext>
             </a:extLst>
           </a:blip>
@@ -29059,7 +28550,7 @@
         </p:blipFill>
         <p:spPr>
           <a:xfrm rot="5400000">
-            <a:off x="4852087" y="4782962"/>
+            <a:off x="4830067" y="4452053"/>
             <a:ext cx="245866" cy="360000"/>
           </a:xfrm>
           <a:prstGeom prst="rect">
@@ -29086,14 +28577,14 @@
           <a:noFill/>
           <a:extLst>
             <a:ext uri="{909E8E84-426E-40dd-AFC4-6F175D3DCCD1}">
-              <a14:hiddenFill xmlns="" xmlns:a14="http://schemas.microsoft.com/office/drawing/2010/main">
+              <a14:hiddenFill xmlns:a14="http://schemas.microsoft.com/office/drawing/2010/main" xmlns="">
                 <a:solidFill>
                   <a:srgbClr val="FFFFFF"/>
                 </a:solidFill>
               </a14:hiddenFill>
             </a:ext>
             <a:ext uri="{91240B29-F687-4f45-9708-019B960494DF}">
-              <a14:hiddenLine xmlns="" xmlns:a14="http://schemas.microsoft.com/office/drawing/2010/main" w="9525">
+              <a14:hiddenLine xmlns:a14="http://schemas.microsoft.com/office/drawing/2010/main" xmlns="" w="9525">
                 <a:solidFill>
                   <a:srgbClr val="000000"/>
                 </a:solidFill>
@@ -29103,7 +28594,7 @@
               </a14:hiddenLine>
             </a:ext>
             <a:ext uri="{FAA26D3D-D897-4be2-8F04-BA451C77F1D7}">
-              <ma14:placeholderFlag xmlns="" xmlns:ma14="http://schemas.microsoft.com/office/mac/drawingml/2011/main" val="1"/>
+              <ma14:placeholderFlag xmlns:ma14="http://schemas.microsoft.com/office/mac/drawingml/2011/main" xmlns="" val="1"/>
             </a:ext>
           </a:extLst>
         </p:spPr>
@@ -29387,7 +28878,7 @@
         </p:blipFill>
         <p:spPr>
           <a:xfrm>
-            <a:off x="6681490" y="5064256"/>
+            <a:off x="6659470" y="4733347"/>
             <a:ext cx="439972" cy="438321"/>
           </a:xfrm>
           <a:prstGeom prst="rect">
@@ -29410,7 +28901,7 @@
         </p:blipFill>
         <p:spPr>
           <a:xfrm>
-            <a:off x="6180071" y="5051573"/>
+            <a:off x="6158051" y="4720664"/>
             <a:ext cx="452621" cy="449250"/>
           </a:xfrm>
           <a:prstGeom prst="rect">
@@ -29434,7 +28925,7 @@
         </p:blipFill>
         <p:spPr>
           <a:xfrm>
-            <a:off x="3915095" y="3521188"/>
+            <a:off x="3893075" y="3190279"/>
             <a:ext cx="525280" cy="294157"/>
           </a:xfrm>
           <a:prstGeom prst="rect">
@@ -29457,7 +28948,7 @@
         </p:blipFill>
         <p:spPr>
           <a:xfrm>
-            <a:off x="2536317" y="3521305"/>
+            <a:off x="2514297" y="3190396"/>
             <a:ext cx="433852" cy="439885"/>
           </a:xfrm>
           <a:prstGeom prst="rect">
@@ -29481,7 +28972,7 @@
         </p:blipFill>
         <p:spPr>
           <a:xfrm>
-            <a:off x="1533742" y="3533621"/>
+            <a:off x="1511722" y="3202712"/>
             <a:ext cx="985466" cy="422343"/>
           </a:xfrm>
           <a:prstGeom prst="rect">
@@ -29505,7 +28996,7 @@
         </p:blipFill>
         <p:spPr>
           <a:xfrm>
-            <a:off x="2822654" y="5382186"/>
+            <a:off x="2800634" y="5051277"/>
             <a:ext cx="1007413" cy="426325"/>
           </a:xfrm>
           <a:prstGeom prst="rect">
@@ -29528,7 +29019,7 @@
         </p:blipFill>
         <p:spPr>
           <a:xfrm>
-            <a:off x="6997714" y="5450493"/>
+            <a:off x="6975694" y="5119584"/>
             <a:ext cx="1113034" cy="408993"/>
           </a:xfrm>
           <a:prstGeom prst="rect">
@@ -29552,7 +29043,7 @@
         </p:blipFill>
         <p:spPr>
           <a:xfrm>
-            <a:off x="2992894" y="5030699"/>
+            <a:off x="2970874" y="4699790"/>
             <a:ext cx="751134" cy="292921"/>
           </a:xfrm>
           <a:prstGeom prst="rect">
@@ -29576,7 +29067,7 @@
         </p:blipFill>
         <p:spPr>
           <a:xfrm>
-            <a:off x="3052833" y="5808511"/>
+            <a:off x="3030813" y="5477602"/>
             <a:ext cx="745059" cy="301823"/>
           </a:xfrm>
           <a:prstGeom prst="rect">
@@ -29599,7 +29090,7 @@
         </p:blipFill>
         <p:spPr>
           <a:xfrm>
-            <a:off x="297715" y="3540076"/>
+            <a:off x="275695" y="3209167"/>
             <a:ext cx="1222499" cy="415888"/>
           </a:xfrm>
           <a:prstGeom prst="rect">
@@ -29623,7 +29114,7 @@
         </p:blipFill>
         <p:spPr>
           <a:xfrm>
-            <a:off x="3015004" y="3543904"/>
+            <a:off x="2992984" y="3212995"/>
             <a:ext cx="740557" cy="362204"/>
           </a:xfrm>
           <a:prstGeom prst="rect">
@@ -29647,7 +29138,7 @@
         </p:blipFill>
         <p:spPr>
           <a:xfrm>
-            <a:off x="3026056" y="4586465"/>
+            <a:off x="3004036" y="4255556"/>
             <a:ext cx="591468" cy="318929"/>
           </a:xfrm>
           <a:prstGeom prst="rect">
@@ -29671,7 +29162,7 @@
         </p:blipFill>
         <p:spPr>
           <a:xfrm>
-            <a:off x="4594416" y="3482181"/>
+            <a:off x="4572396" y="3151272"/>
             <a:ext cx="918986" cy="342123"/>
           </a:xfrm>
           <a:prstGeom prst="rect">
@@ -29694,7 +29185,7 @@
         </p:blipFill>
         <p:spPr>
           <a:xfrm>
-            <a:off x="6139367" y="5549587"/>
+            <a:off x="6117347" y="5218678"/>
             <a:ext cx="770607" cy="318294"/>
           </a:xfrm>
           <a:prstGeom prst="rect">
@@ -29717,14 +29208,14 @@
           <p:nvPr>
             <p:extLst>
               <p:ext uri="{D42A27DB-BD31-4B8C-83A1-F6EECF244321}">
-                <p14:modId xmlns:p14="http://schemas.microsoft.com/office/powerpoint/2010/main" val="988352026"/>
+                <p14:modId xmlns:p14="http://schemas.microsoft.com/office/powerpoint/2010/main" val="4104520085"/>
               </p:ext>
             </p:extLst>
           </p:nvPr>
         </p:nvGraphicFramePr>
         <p:xfrm>
-          <a:off x="6638791" y="2830407"/>
-          <a:ext cx="2656307" cy="975360"/>
+          <a:off x="6616771" y="2499498"/>
+          <a:ext cx="2656307" cy="821490"/>
         </p:xfrm>
         <a:graphic>
           <a:graphicData uri="http://schemas.openxmlformats.org/drawingml/2006/table">
@@ -29990,14 +29481,14 @@
           <a:noFill/>
           <a:extLst>
             <a:ext uri="{909E8E84-426E-40dd-AFC4-6F175D3DCCD1}">
-              <a14:hiddenFill xmlns="" xmlns:a14="http://schemas.microsoft.com/office/drawing/2010/main">
+              <a14:hiddenFill xmlns:a14="http://schemas.microsoft.com/office/drawing/2010/main" xmlns="">
                 <a:solidFill>
                   <a:srgbClr val="FFFFFF"/>
                 </a:solidFill>
               </a14:hiddenFill>
             </a:ext>
             <a:ext uri="{91240B29-F687-4f45-9708-019B960494DF}">
-              <a14:hiddenLine xmlns="" xmlns:a14="http://schemas.microsoft.com/office/drawing/2010/main" w="9525">
+              <a14:hiddenLine xmlns:a14="http://schemas.microsoft.com/office/drawing/2010/main" xmlns="" w="9525">
                 <a:solidFill>
                   <a:srgbClr val="000000"/>
                 </a:solidFill>
@@ -30089,14 +29580,14 @@
           <a:noFill/>
           <a:extLst>
             <a:ext uri="{909E8E84-426E-40dd-AFC4-6F175D3DCCD1}">
-              <a14:hiddenFill xmlns="" xmlns:a14="http://schemas.microsoft.com/office/drawing/2010/main">
+              <a14:hiddenFill xmlns:a14="http://schemas.microsoft.com/office/drawing/2010/main" xmlns="">
                 <a:solidFill>
                   <a:srgbClr val="FFFFFF"/>
                 </a:solidFill>
               </a14:hiddenFill>
             </a:ext>
             <a:ext uri="{91240B29-F687-4f45-9708-019B960494DF}">
-              <a14:hiddenLine xmlns="" xmlns:a14="http://schemas.microsoft.com/office/drawing/2010/main" w="9525">
+              <a14:hiddenLine xmlns:a14="http://schemas.microsoft.com/office/drawing/2010/main" xmlns="" w="9525">
                 <a:solidFill>
                   <a:srgbClr val="000000"/>
                 </a:solidFill>
@@ -30106,7 +29597,7 @@
               </a14:hiddenLine>
             </a:ext>
             <a:ext uri="{FAA26D3D-D897-4be2-8F04-BA451C77F1D7}">
-              <ma14:placeholderFlag xmlns="" xmlns:ma14="http://schemas.microsoft.com/office/mac/drawingml/2011/main" val="1"/>
+              <ma14:placeholderFlag xmlns:ma14="http://schemas.microsoft.com/office/mac/drawingml/2011/main" xmlns="" val="1"/>
             </a:ext>
           </a:extLst>
         </p:spPr>
@@ -31156,7 +30647,7 @@
                   <a14:useLocalDpi xmlns:a14="http://schemas.microsoft.com/office/drawing/2010/main" val="0"/>
                 </a:ext>
                 <a:ext uri="{96DAC541-7B7A-43D3-8B79-37D633B846F1}">
-                  <asvg:svgBlip xmlns:asvg="http://schemas.microsoft.com/office/drawing/2016/SVG/main" xmlns="" r:embed="rId4"/>
+                  <asvg:svgBlip xmlns:asvg="http://schemas.microsoft.com/office/drawing/2016/SVG/main" r:embed="rId4"/>
                 </a:ext>
               </a:extLst>
             </a:blip>
@@ -31219,7 +30710,7 @@
                   <a14:useLocalDpi xmlns:a14="http://schemas.microsoft.com/office/drawing/2010/main" val="0"/>
                 </a:ext>
                 <a:ext uri="{96DAC541-7B7A-43D3-8B79-37D633B846F1}">
-                  <asvg:svgBlip xmlns:asvg="http://schemas.microsoft.com/office/drawing/2016/SVG/main" xmlns="" r:embed="rId6"/>
+                  <asvg:svgBlip xmlns:asvg="http://schemas.microsoft.com/office/drawing/2016/SVG/main" r:embed="rId6"/>
                 </a:ext>
               </a:extLst>
             </a:blip>
@@ -31282,7 +30773,7 @@
                   <a14:useLocalDpi xmlns:a14="http://schemas.microsoft.com/office/drawing/2010/main" val="0"/>
                 </a:ext>
                 <a:ext uri="{96DAC541-7B7A-43D3-8B79-37D633B846F1}">
-                  <asvg:svgBlip xmlns:asvg="http://schemas.microsoft.com/office/drawing/2016/SVG/main" xmlns="" r:embed="rId8"/>
+                  <asvg:svgBlip xmlns:asvg="http://schemas.microsoft.com/office/drawing/2016/SVG/main" r:embed="rId8"/>
                 </a:ext>
               </a:extLst>
             </a:blip>
@@ -31562,14 +31053,14 @@
           <a:noFill/>
           <a:extLst>
             <a:ext uri="{909E8E84-426E-40dd-AFC4-6F175D3DCCD1}">
-              <a14:hiddenFill xmlns="" xmlns:a14="http://schemas.microsoft.com/office/drawing/2010/main">
+              <a14:hiddenFill xmlns:a14="http://schemas.microsoft.com/office/drawing/2010/main" xmlns="">
                 <a:solidFill>
                   <a:srgbClr val="FFFFFF"/>
                 </a:solidFill>
               </a14:hiddenFill>
             </a:ext>
             <a:ext uri="{91240B29-F687-4f45-9708-019B960494DF}">
-              <a14:hiddenLine xmlns="" xmlns:a14="http://schemas.microsoft.com/office/drawing/2010/main" w="9525">
+              <a14:hiddenLine xmlns:a14="http://schemas.microsoft.com/office/drawing/2010/main" xmlns="" w="9525">
                 <a:solidFill>
                   <a:srgbClr val="000000"/>
                 </a:solidFill>
@@ -31697,8 +31188,20 @@
               <a:buChar char="•"/>
             </a:pPr>
             <a:r>
-              <a:rPr lang="de-CH" b="1"/>
-              <a:t>OneVsRest Multiclass Image Classification Problem</a:t>
+              <a:rPr lang="de-CH" b="1" dirty="0" err="1"/>
+              <a:t>OneVsRest</a:t>
+            </a:r>
+            <a:r>
+              <a:rPr lang="de-CH" b="1" dirty="0"/>
+              <a:t> </a:t>
+            </a:r>
+            <a:r>
+              <a:rPr lang="de-CH" b="1" dirty="0" err="1"/>
+              <a:t>Multiclass</a:t>
+            </a:r>
+            <a:r>
+              <a:rPr lang="de-CH" b="1" dirty="0"/>
+              <a:t> Image Classification Problem</a:t>
             </a:r>
           </a:p>
           <a:p>
@@ -31706,8 +31209,164 @@
               <a:buNone/>
             </a:pPr>
             <a:r>
-              <a:rPr lang="de-CH"/>
-              <a:t>Classified manually annotated 16.000 images downloaded from Flickr using Linux-on-Windows into one of the following 4 attributes (+ their antonyms + UNK classes) taking the argmax probability : </a:t>
+              <a:rPr lang="de-CH" dirty="0" err="1"/>
+              <a:t>Classified</a:t>
+            </a:r>
+            <a:r>
+              <a:rPr lang="de-CH" dirty="0"/>
+              <a:t> </a:t>
+            </a:r>
+            <a:r>
+              <a:rPr lang="de-CH" dirty="0" err="1"/>
+              <a:t>manually</a:t>
+            </a:r>
+            <a:r>
+              <a:rPr lang="de-CH" dirty="0"/>
+              <a:t> </a:t>
+            </a:r>
+            <a:r>
+              <a:rPr lang="de-CH" dirty="0" err="1"/>
+              <a:t>annotated</a:t>
+            </a:r>
+            <a:r>
+              <a:rPr lang="de-CH" dirty="0"/>
+              <a:t> </a:t>
+            </a:r>
+            <a:r>
+              <a:rPr lang="de-CH" dirty="0" err="1"/>
+              <a:t>images</a:t>
+            </a:r>
+            <a:r>
+              <a:rPr lang="de-CH" dirty="0"/>
+              <a:t> </a:t>
+            </a:r>
+            <a:r>
+              <a:rPr lang="de-CH" dirty="0" err="1"/>
+              <a:t>downloaded</a:t>
+            </a:r>
+            <a:r>
+              <a:rPr lang="de-CH" dirty="0"/>
+              <a:t> </a:t>
+            </a:r>
+            <a:r>
+              <a:rPr lang="de-CH" dirty="0" err="1"/>
+              <a:t>from</a:t>
+            </a:r>
+            <a:r>
+              <a:rPr lang="de-CH" dirty="0"/>
+              <a:t> Flickr </a:t>
+            </a:r>
+            <a:r>
+              <a:rPr lang="de-CH" dirty="0" err="1"/>
+              <a:t>using</a:t>
+            </a:r>
+            <a:r>
+              <a:rPr lang="de-CH" dirty="0"/>
+              <a:t> Linux-on-Windows </a:t>
+            </a:r>
+            <a:r>
+              <a:rPr lang="de-CH" dirty="0" err="1"/>
+              <a:t>into</a:t>
+            </a:r>
+            <a:r>
+              <a:rPr lang="de-CH" dirty="0"/>
+              <a:t> </a:t>
+            </a:r>
+            <a:r>
+              <a:rPr lang="de-CH" dirty="0" err="1"/>
+              <a:t>one</a:t>
+            </a:r>
+            <a:r>
+              <a:rPr lang="de-CH" dirty="0"/>
+              <a:t> </a:t>
+            </a:r>
+            <a:r>
+              <a:rPr lang="de-CH" dirty="0" err="1"/>
+              <a:t>of</a:t>
+            </a:r>
+            <a:r>
+              <a:rPr lang="de-CH" dirty="0"/>
+              <a:t> </a:t>
+            </a:r>
+            <a:r>
+              <a:rPr lang="de-CH" dirty="0" err="1"/>
+              <a:t>the</a:t>
+            </a:r>
+            <a:r>
+              <a:rPr lang="de-CH" dirty="0"/>
+              <a:t> </a:t>
+            </a:r>
+            <a:r>
+              <a:rPr lang="de-CH" dirty="0" err="1"/>
+              <a:t>following</a:t>
+            </a:r>
+            <a:r>
+              <a:rPr lang="de-CH" dirty="0"/>
+              <a:t> 4 </a:t>
+            </a:r>
+            <a:r>
+              <a:rPr lang="de-CH" dirty="0" err="1"/>
+              <a:t>attributes</a:t>
+            </a:r>
+            <a:r>
+              <a:rPr lang="de-CH" dirty="0"/>
+              <a:t> (+ </a:t>
+            </a:r>
+            <a:r>
+              <a:rPr lang="de-CH" dirty="0" err="1"/>
+              <a:t>their</a:t>
+            </a:r>
+            <a:r>
+              <a:rPr lang="de-CH" dirty="0"/>
+              <a:t> </a:t>
+            </a:r>
+            <a:r>
+              <a:rPr lang="de-CH" dirty="0" err="1"/>
+              <a:t>antonyms</a:t>
+            </a:r>
+            <a:r>
+              <a:rPr lang="de-CH" dirty="0"/>
+              <a:t> + UNK </a:t>
+            </a:r>
+            <a:r>
+              <a:rPr lang="de-CH" dirty="0" err="1"/>
+              <a:t>classes</a:t>
+            </a:r>
+            <a:r>
+              <a:rPr lang="de-CH" dirty="0"/>
+              <a:t>) </a:t>
+            </a:r>
+            <a:r>
+              <a:rPr lang="de-CH" dirty="0" err="1"/>
+              <a:t>taking</a:t>
+            </a:r>
+            <a:r>
+              <a:rPr lang="de-CH" dirty="0"/>
+              <a:t> </a:t>
+            </a:r>
+            <a:r>
+              <a:rPr lang="de-CH" dirty="0" err="1"/>
+              <a:t>the</a:t>
+            </a:r>
+            <a:r>
+              <a:rPr lang="de-CH" dirty="0"/>
+              <a:t> </a:t>
+            </a:r>
+            <a:r>
+              <a:rPr lang="de-CH" dirty="0" err="1"/>
+              <a:t>argmax</a:t>
+            </a:r>
+            <a:r>
+              <a:rPr lang="de-CH" dirty="0"/>
+              <a:t> </a:t>
+            </a:r>
+            <a:r>
+              <a:rPr lang="de-CH" dirty="0" err="1"/>
+              <a:t>probability</a:t>
+            </a:r>
+            <a:r>
+              <a:rPr lang="de-CH" dirty="0"/>
+              <a:t> : </a:t>
             </a:r>
           </a:p>
           <a:p>
@@ -31716,7 +31375,7 @@
               <a:buChar char="•"/>
             </a:pPr>
             <a:r>
-              <a:rPr lang="de-CH" b="1"/>
+              <a:rPr lang="de-CH" b="1" dirty="0"/>
               <a:t>Transfer Learning Approach</a:t>
             </a:r>
           </a:p>
@@ -31725,8 +31384,84 @@
               <a:buNone/>
             </a:pPr>
             <a:r>
-              <a:rPr lang="de-CH"/>
-              <a:t>Used pre-trained «ResNet50» model (CNN) with 500k parameters and added our own last fully connected classifier layer.</a:t>
+              <a:rPr lang="de-CH" dirty="0" err="1"/>
+              <a:t>Used</a:t>
+            </a:r>
+            <a:r>
+              <a:rPr lang="de-CH" dirty="0"/>
+              <a:t> </a:t>
+            </a:r>
+            <a:r>
+              <a:rPr lang="de-CH" dirty="0" err="1"/>
+              <a:t>pre-trained</a:t>
+            </a:r>
+            <a:r>
+              <a:rPr lang="de-CH" dirty="0"/>
+              <a:t> «ResNet50» </a:t>
+            </a:r>
+            <a:r>
+              <a:rPr lang="de-CH" dirty="0" err="1"/>
+              <a:t>model</a:t>
+            </a:r>
+            <a:r>
+              <a:rPr lang="de-CH" dirty="0"/>
+              <a:t> (CNN) </a:t>
+            </a:r>
+            <a:r>
+              <a:rPr lang="de-CH" dirty="0" err="1"/>
+              <a:t>with</a:t>
+            </a:r>
+            <a:r>
+              <a:rPr lang="de-CH" dirty="0"/>
+              <a:t> 500k </a:t>
+            </a:r>
+            <a:r>
+              <a:rPr lang="de-CH" dirty="0" err="1"/>
+              <a:t>parameters</a:t>
+            </a:r>
+            <a:r>
+              <a:rPr lang="de-CH" dirty="0"/>
+              <a:t> and </a:t>
+            </a:r>
+            <a:r>
+              <a:rPr lang="de-CH" dirty="0" err="1"/>
+              <a:t>added</a:t>
+            </a:r>
+            <a:r>
+              <a:rPr lang="de-CH" dirty="0"/>
+              <a:t> </a:t>
+            </a:r>
+            <a:r>
+              <a:rPr lang="de-CH" dirty="0" err="1"/>
+              <a:t>our</a:t>
+            </a:r>
+            <a:r>
+              <a:rPr lang="de-CH" dirty="0"/>
+              <a:t> own last fully </a:t>
+            </a:r>
+            <a:r>
+              <a:rPr lang="de-CH" dirty="0" err="1"/>
+              <a:t>connected</a:t>
+            </a:r>
+            <a:r>
+              <a:rPr lang="de-CH" dirty="0"/>
+              <a:t> </a:t>
+            </a:r>
+            <a:r>
+              <a:rPr lang="de-CH" dirty="0" err="1"/>
+              <a:t>classifier</a:t>
+            </a:r>
+            <a:r>
+              <a:rPr lang="de-CH" dirty="0"/>
+              <a:t> </a:t>
+            </a:r>
+            <a:r>
+              <a:rPr lang="de-CH" dirty="0" err="1"/>
+              <a:t>layer</a:t>
+            </a:r>
+            <a:r>
+              <a:rPr lang="de-CH" dirty="0"/>
+              <a:t>.</a:t>
             </a:r>
           </a:p>
           <a:p>
@@ -31735,18 +31470,66 @@
               <a:buChar char="•"/>
             </a:pPr>
             <a:r>
-              <a:rPr lang="de-CH" b="1"/>
-              <a:t>Model Prediction</a:t>
-            </a:r>
-            <a:endParaRPr lang="de-CH"/>
+              <a:rPr lang="de-CH" b="1" dirty="0"/>
+              <a:t>Model </a:t>
+            </a:r>
+            <a:r>
+              <a:rPr lang="de-CH" b="1" dirty="0" err="1"/>
+              <a:t>Prediction</a:t>
+            </a:r>
+            <a:endParaRPr lang="de-CH" dirty="0"/>
           </a:p>
           <a:p>
             <a:pPr marL="0" indent="0">
               <a:buNone/>
             </a:pPr>
             <a:r>
-              <a:rPr lang="de-CH"/>
-              <a:t>Predicted class label for brand images.</a:t>
+              <a:rPr lang="de-CH" dirty="0" err="1"/>
+              <a:t>Predicted</a:t>
+            </a:r>
+            <a:r>
+              <a:rPr lang="de-CH" dirty="0"/>
+              <a:t> </a:t>
+            </a:r>
+            <a:r>
+              <a:rPr lang="de-CH" dirty="0" err="1"/>
+              <a:t>class</a:t>
+            </a:r>
+            <a:r>
+              <a:rPr lang="de-CH" dirty="0"/>
+              <a:t> </a:t>
+            </a:r>
+            <a:r>
+              <a:rPr lang="de-CH" dirty="0" err="1"/>
+              <a:t>label</a:t>
+            </a:r>
+            <a:r>
+              <a:rPr lang="de-CH" dirty="0"/>
+              <a:t> </a:t>
+            </a:r>
+            <a:r>
+              <a:rPr lang="de-CH" dirty="0" err="1"/>
+              <a:t>for</a:t>
+            </a:r>
+            <a:r>
+              <a:rPr lang="de-CH" dirty="0"/>
+              <a:t> </a:t>
+            </a:r>
+            <a:r>
+              <a:rPr lang="de-CH" dirty="0" err="1"/>
+              <a:t>brand</a:t>
+            </a:r>
+            <a:r>
+              <a:rPr lang="de-CH" dirty="0"/>
+              <a:t> </a:t>
+            </a:r>
+            <a:r>
+              <a:rPr lang="de-CH" dirty="0" err="1"/>
+              <a:t>images</a:t>
+            </a:r>
+            <a:r>
+              <a:rPr lang="de-CH" dirty="0"/>
+              <a:t>.</a:t>
             </a:r>
           </a:p>
           <a:p>
@@ -31754,8 +31537,12 @@
               <a:buNone/>
             </a:pPr>
             <a:r>
-              <a:rPr lang="de-CH"/>
-              <a:t>Example: Brand «DAR-VIDA» </a:t>
+              <a:rPr lang="de-CH" dirty="0" err="1"/>
+              <a:t>Example</a:t>
+            </a:r>
+            <a:r>
+              <a:rPr lang="de-CH" dirty="0"/>
+              <a:t>: Brand «DAR-VIDA» </a:t>
             </a:r>
           </a:p>
         </p:txBody>
@@ -31955,7 +31742,7 @@
           <a:effectLst/>
           <a:extLst>
             <a:ext uri="{AF507438-7753-43e0-B8FC-AC1667EBCBE1}">
-              <a14:hiddenEffects xmlns="" xmlns:a14="http://schemas.microsoft.com/office/drawing/2010/main">
+              <a14:hiddenEffects xmlns:a14="http://schemas.microsoft.com/office/drawing/2010/main" xmlns="">
                 <a:effectLst>
                   <a:outerShdw blurRad="63500" dist="38099" dir="2700000" algn="ctr" rotWithShape="0">
                     <a:schemeClr val="bg2">
@@ -32082,14 +31869,14 @@
           <a:noFill/>
           <a:extLst>
             <a:ext uri="{909E8E84-426E-40dd-AFC4-6F175D3DCCD1}">
-              <a14:hiddenFill xmlns="" xmlns:a14="http://schemas.microsoft.com/office/drawing/2010/main">
+              <a14:hiddenFill xmlns:a14="http://schemas.microsoft.com/office/drawing/2010/main" xmlns="">
                 <a:solidFill>
                   <a:srgbClr val="FFFFFF"/>
                 </a:solidFill>
               </a14:hiddenFill>
             </a:ext>
             <a:ext uri="{91240B29-F687-4f45-9708-019B960494DF}">
-              <a14:hiddenLine xmlns="" xmlns:a14="http://schemas.microsoft.com/office/drawing/2010/main" w="9525">
+              <a14:hiddenLine xmlns:a14="http://schemas.microsoft.com/office/drawing/2010/main" xmlns="" w="9525">
                 <a:solidFill>
                   <a:srgbClr val="000000"/>
                 </a:solidFill>
@@ -32099,7 +31886,7 @@
               </a14:hiddenLine>
             </a:ext>
             <a:ext uri="{FAA26D3D-D897-4be2-8F04-BA451C77F1D7}">
-              <ma14:placeholderFlag xmlns="" xmlns:ma14="http://schemas.microsoft.com/office/mac/drawingml/2011/main" val="1"/>
+              <ma14:placeholderFlag xmlns:ma14="http://schemas.microsoft.com/office/mac/drawingml/2011/main" xmlns="" val="1"/>
             </a:ext>
           </a:extLst>
         </p:spPr>
@@ -32416,14 +32203,14 @@
           <a:noFill/>
           <a:extLst>
             <a:ext uri="{909E8E84-426E-40dd-AFC4-6F175D3DCCD1}">
-              <a14:hiddenFill xmlns="" xmlns:a14="http://schemas.microsoft.com/office/drawing/2010/main">
+              <a14:hiddenFill xmlns:a14="http://schemas.microsoft.com/office/drawing/2010/main" xmlns="">
                 <a:solidFill>
                   <a:srgbClr val="FFFFFF"/>
                 </a:solidFill>
               </a14:hiddenFill>
             </a:ext>
             <a:ext uri="{91240B29-F687-4f45-9708-019B960494DF}">
-              <a14:hiddenLine xmlns="" xmlns:a14="http://schemas.microsoft.com/office/drawing/2010/main" w="9525">
+              <a14:hiddenLine xmlns:a14="http://schemas.microsoft.com/office/drawing/2010/main" xmlns="" w="9525">
                 <a:solidFill>
                   <a:srgbClr val="000000"/>
                 </a:solidFill>
@@ -32582,7 +32369,7 @@
           <a:effectLst/>
           <a:extLst>
             <a:ext uri="{AF507438-7753-43e0-B8FC-AC1667EBCBE1}">
-              <a14:hiddenEffects xmlns="" xmlns:a14="http://schemas.microsoft.com/office/drawing/2010/main">
+              <a14:hiddenEffects xmlns:a14="http://schemas.microsoft.com/office/drawing/2010/main" xmlns="">
                 <a:effectLst>
                   <a:outerShdw blurRad="63500" dist="38099" dir="2700000" algn="ctr" rotWithShape="0">
                     <a:schemeClr val="bg2">
@@ -32735,7 +32522,7 @@
           <a:effectLst/>
           <a:extLst>
             <a:ext uri="{AF507438-7753-43e0-B8FC-AC1667EBCBE1}">
-              <a14:hiddenEffects xmlns="" xmlns:a14="http://schemas.microsoft.com/office/drawing/2010/main">
+              <a14:hiddenEffects xmlns:a14="http://schemas.microsoft.com/office/drawing/2010/main" xmlns="">
                 <a:effectLst>
                   <a:outerShdw blurRad="63500" dist="38099" dir="2700000" algn="ctr" rotWithShape="0">
                     <a:schemeClr val="bg2">
@@ -32826,7 +32613,7 @@
           <a:effectLst/>
           <a:extLst>
             <a:ext uri="{AF507438-7753-43e0-B8FC-AC1667EBCBE1}">
-              <a14:hiddenEffects xmlns="" xmlns:a14="http://schemas.microsoft.com/office/drawing/2010/main">
+              <a14:hiddenEffects xmlns:a14="http://schemas.microsoft.com/office/drawing/2010/main" xmlns="">
                 <a:effectLst>
                   <a:outerShdw blurRad="63500" dist="38099" dir="2700000" algn="ctr" rotWithShape="0">
                     <a:schemeClr val="bg2">
@@ -32917,7 +32704,7 @@
           <a:effectLst/>
           <a:extLst>
             <a:ext uri="{AF507438-7753-43e0-B8FC-AC1667EBCBE1}">
-              <a14:hiddenEffects xmlns="" xmlns:a14="http://schemas.microsoft.com/office/drawing/2010/main">
+              <a14:hiddenEffects xmlns:a14="http://schemas.microsoft.com/office/drawing/2010/main" xmlns="">
                 <a:effectLst>
                   <a:outerShdw blurRad="63500" dist="38099" dir="2700000" algn="ctr" rotWithShape="0">
                     <a:schemeClr val="bg2">
@@ -33008,7 +32795,7 @@
           <a:effectLst/>
           <a:extLst>
             <a:ext uri="{AF507438-7753-43e0-B8FC-AC1667EBCBE1}">
-              <a14:hiddenEffects xmlns="" xmlns:a14="http://schemas.microsoft.com/office/drawing/2010/main">
+              <a14:hiddenEffects xmlns:a14="http://schemas.microsoft.com/office/drawing/2010/main" xmlns="">
                 <a:effectLst>
                   <a:outerShdw blurRad="63500" dist="38099" dir="2700000" algn="ctr" rotWithShape="0">
                     <a:schemeClr val="bg2">
@@ -33099,7 +32886,7 @@
           <a:effectLst/>
           <a:extLst>
             <a:ext uri="{AF507438-7753-43e0-B8FC-AC1667EBCBE1}">
-              <a14:hiddenEffects xmlns="" xmlns:a14="http://schemas.microsoft.com/office/drawing/2010/main">
+              <a14:hiddenEffects xmlns:a14="http://schemas.microsoft.com/office/drawing/2010/main" xmlns="">
                 <a:effectLst>
                   <a:outerShdw blurRad="63500" dist="38099" dir="2700000" algn="ctr" rotWithShape="0">
                     <a:schemeClr val="bg2">
@@ -33191,7 +32978,7 @@
           <a:effectLst/>
           <a:extLst>
             <a:ext uri="{AF507438-7753-43e0-B8FC-AC1667EBCBE1}">
-              <a14:hiddenEffects xmlns="" xmlns:a14="http://schemas.microsoft.com/office/drawing/2010/main">
+              <a14:hiddenEffects xmlns:a14="http://schemas.microsoft.com/office/drawing/2010/main" xmlns="">
                 <a:effectLst>
                   <a:outerShdw blurRad="63500" dist="38099" dir="2700000" algn="ctr" rotWithShape="0">
                     <a:schemeClr val="bg2">
@@ -33342,7 +33129,7 @@
           <a:effectLst/>
           <a:extLst>
             <a:ext uri="{AF507438-7753-43e0-B8FC-AC1667EBCBE1}">
-              <a14:hiddenEffects xmlns="" xmlns:a14="http://schemas.microsoft.com/office/drawing/2010/main">
+              <a14:hiddenEffects xmlns:a14="http://schemas.microsoft.com/office/drawing/2010/main" xmlns="">
                 <a:effectLst>
                   <a:outerShdw blurRad="63500" dist="38099" dir="2700000" algn="ctr" rotWithShape="0">
                     <a:schemeClr val="bg2">
@@ -33433,7 +33220,7 @@
           <a:effectLst/>
           <a:extLst>
             <a:ext uri="{AF507438-7753-43e0-B8FC-AC1667EBCBE1}">
-              <a14:hiddenEffects xmlns="" xmlns:a14="http://schemas.microsoft.com/office/drawing/2010/main">
+              <a14:hiddenEffects xmlns:a14="http://schemas.microsoft.com/office/drawing/2010/main" xmlns="">
                 <a:effectLst>
                   <a:outerShdw blurRad="63500" dist="38099" dir="2700000" algn="ctr" rotWithShape="0">
                     <a:schemeClr val="bg2">
@@ -33520,7 +33307,7 @@
           <a:effectLst/>
           <a:extLst>
             <a:ext uri="{AF507438-7753-43e0-B8FC-AC1667EBCBE1}">
-              <a14:hiddenEffects xmlns="" xmlns:a14="http://schemas.microsoft.com/office/drawing/2010/main">
+              <a14:hiddenEffects xmlns:a14="http://schemas.microsoft.com/office/drawing/2010/main" xmlns="">
                 <a:effectLst>
                   <a:outerShdw blurRad="63500" dist="38099" dir="2700000" algn="ctr" rotWithShape="0">
                     <a:schemeClr val="bg2">
@@ -33609,7 +33396,7 @@
           <a:effectLst/>
           <a:extLst>
             <a:ext uri="{AF507438-7753-43e0-B8FC-AC1667EBCBE1}">
-              <a14:hiddenEffects xmlns="" xmlns:a14="http://schemas.microsoft.com/office/drawing/2010/main">
+              <a14:hiddenEffects xmlns:a14="http://schemas.microsoft.com/office/drawing/2010/main" xmlns="">
                 <a:effectLst>
                   <a:outerShdw blurRad="63500" dist="38099" dir="2700000" algn="ctr" rotWithShape="0">
                     <a:schemeClr val="bg2">
@@ -33657,7 +33444,7 @@
           <a:effectLst/>
           <a:extLst>
             <a:ext uri="{AF507438-7753-43e0-B8FC-AC1667EBCBE1}">
-              <a14:hiddenEffects xmlns="" xmlns:a14="http://schemas.microsoft.com/office/drawing/2010/main">
+              <a14:hiddenEffects xmlns:a14="http://schemas.microsoft.com/office/drawing/2010/main" xmlns="">
                 <a:effectLst>
                   <a:outerShdw blurRad="63500" dist="38099" dir="2700000" algn="ctr" rotWithShape="0">
                     <a:schemeClr val="bg2">
@@ -33708,7 +33495,7 @@
           <a:effectLst/>
           <a:extLst>
             <a:ext uri="{AF507438-7753-43e0-B8FC-AC1667EBCBE1}">
-              <a14:hiddenEffects xmlns="" xmlns:a14="http://schemas.microsoft.com/office/drawing/2010/main">
+              <a14:hiddenEffects xmlns:a14="http://schemas.microsoft.com/office/drawing/2010/main" xmlns="">
                 <a:effectLst>
                   <a:outerShdw blurRad="63500" dist="38099" dir="2700000" algn="ctr" rotWithShape="0">
                     <a:schemeClr val="bg2">
@@ -33758,7 +33545,7 @@
           <a:effectLst/>
           <a:extLst>
             <a:ext uri="{AF507438-7753-43e0-B8FC-AC1667EBCBE1}">
-              <a14:hiddenEffects xmlns="" xmlns:a14="http://schemas.microsoft.com/office/drawing/2010/main">
+              <a14:hiddenEffects xmlns:a14="http://schemas.microsoft.com/office/drawing/2010/main" xmlns="">
                 <a:effectLst>
                   <a:outerShdw blurRad="63500" dist="38099" dir="2700000" algn="ctr" rotWithShape="0">
                     <a:schemeClr val="bg2">
@@ -33808,7 +33595,7 @@
           <a:effectLst/>
           <a:extLst>
             <a:ext uri="{AF507438-7753-43e0-B8FC-AC1667EBCBE1}">
-              <a14:hiddenEffects xmlns="" xmlns:a14="http://schemas.microsoft.com/office/drawing/2010/main">
+              <a14:hiddenEffects xmlns:a14="http://schemas.microsoft.com/office/drawing/2010/main" xmlns="">
                 <a:effectLst>
                   <a:outerShdw blurRad="63500" dist="38099" dir="2700000" algn="ctr" rotWithShape="0">
                     <a:schemeClr val="bg2">
@@ -33859,7 +33646,7 @@
           <a:effectLst/>
           <a:extLst>
             <a:ext uri="{AF507438-7753-43e0-B8FC-AC1667EBCBE1}">
-              <a14:hiddenEffects xmlns="" xmlns:a14="http://schemas.microsoft.com/office/drawing/2010/main">
+              <a14:hiddenEffects xmlns:a14="http://schemas.microsoft.com/office/drawing/2010/main" xmlns="">
                 <a:effectLst>
                   <a:outerShdw blurRad="63500" dist="38099" dir="2700000" algn="ctr" rotWithShape="0">
                     <a:schemeClr val="bg2">
@@ -33910,7 +33697,7 @@
           <a:effectLst/>
           <a:extLst>
             <a:ext uri="{AF507438-7753-43e0-B8FC-AC1667EBCBE1}">
-              <a14:hiddenEffects xmlns="" xmlns:a14="http://schemas.microsoft.com/office/drawing/2010/main">
+              <a14:hiddenEffects xmlns:a14="http://schemas.microsoft.com/office/drawing/2010/main" xmlns="">
                 <a:effectLst>
                   <a:outerShdw blurRad="63500" dist="38099" dir="2700000" algn="ctr" rotWithShape="0">
                     <a:schemeClr val="bg2">
@@ -33958,7 +33745,7 @@
           <a:effectLst/>
           <a:extLst>
             <a:ext uri="{AF507438-7753-43e0-B8FC-AC1667EBCBE1}">
-              <a14:hiddenEffects xmlns="" xmlns:a14="http://schemas.microsoft.com/office/drawing/2010/main">
+              <a14:hiddenEffects xmlns:a14="http://schemas.microsoft.com/office/drawing/2010/main" xmlns="">
                 <a:effectLst>
                   <a:outerShdw blurRad="63500" dist="38099" dir="2700000" algn="ctr" rotWithShape="0">
                     <a:schemeClr val="bg2">
@@ -34045,7 +33832,7 @@
           <a:effectLst/>
           <a:extLst>
             <a:ext uri="{AF507438-7753-43e0-B8FC-AC1667EBCBE1}">
-              <a14:hiddenEffects xmlns="" xmlns:a14="http://schemas.microsoft.com/office/drawing/2010/main">
+              <a14:hiddenEffects xmlns:a14="http://schemas.microsoft.com/office/drawing/2010/main" xmlns="">
                 <a:effectLst>
                   <a:outerShdw blurRad="63500" dist="38099" dir="2700000" algn="ctr" rotWithShape="0">
                     <a:schemeClr val="bg2">
@@ -34134,7 +33921,7 @@
           <a:effectLst/>
           <a:extLst>
             <a:ext uri="{AF507438-7753-43e0-B8FC-AC1667EBCBE1}">
-              <a14:hiddenEffects xmlns="" xmlns:a14="http://schemas.microsoft.com/office/drawing/2010/main">
+              <a14:hiddenEffects xmlns:a14="http://schemas.microsoft.com/office/drawing/2010/main" xmlns="">
                 <a:effectLst>
                   <a:outerShdw blurRad="63500" dist="38099" dir="2700000" algn="ctr" rotWithShape="0">
                     <a:schemeClr val="bg2">
@@ -34495,7 +34282,7 @@
           <a:effectLst/>
           <a:extLst>
             <a:ext uri="{AF507438-7753-43e0-B8FC-AC1667EBCBE1}">
-              <a14:hiddenEffects xmlns="" xmlns:a14="http://schemas.microsoft.com/office/drawing/2010/main">
+              <a14:hiddenEffects xmlns:a14="http://schemas.microsoft.com/office/drawing/2010/main" xmlns="">
                 <a:effectLst>
                   <a:outerShdw blurRad="63500" dist="38099" dir="2700000" algn="ctr" rotWithShape="0">
                     <a:schemeClr val="bg2">
@@ -34630,14 +34417,14 @@
           <a:noFill/>
           <a:extLst>
             <a:ext uri="{909E8E84-426E-40dd-AFC4-6F175D3DCCD1}">
-              <a14:hiddenFill xmlns="" xmlns:a14="http://schemas.microsoft.com/office/drawing/2010/main">
+              <a14:hiddenFill xmlns:a14="http://schemas.microsoft.com/office/drawing/2010/main" xmlns="">
                 <a:solidFill>
                   <a:srgbClr val="FFFFFF"/>
                 </a:solidFill>
               </a14:hiddenFill>
             </a:ext>
             <a:ext uri="{91240B29-F687-4f45-9708-019B960494DF}">
-              <a14:hiddenLine xmlns="" xmlns:a14="http://schemas.microsoft.com/office/drawing/2010/main" w="9525">
+              <a14:hiddenLine xmlns:a14="http://schemas.microsoft.com/office/drawing/2010/main" xmlns="" w="9525">
                 <a:solidFill>
                   <a:srgbClr val="000000"/>
                 </a:solidFill>
@@ -34647,7 +34434,7 @@
               </a14:hiddenLine>
             </a:ext>
             <a:ext uri="{FAA26D3D-D897-4be2-8F04-BA451C77F1D7}">
-              <ma14:placeholderFlag xmlns="" xmlns:ma14="http://schemas.microsoft.com/office/mac/drawingml/2011/main" val="1"/>
+              <ma14:placeholderFlag xmlns:ma14="http://schemas.microsoft.com/office/mac/drawingml/2011/main" xmlns="" val="1"/>
             </a:ext>
           </a:extLst>
         </p:spPr>
@@ -35127,14 +34914,14 @@
           <a:noFill/>
           <a:extLst>
             <a:ext uri="{909E8E84-426E-40dd-AFC4-6F175D3DCCD1}">
-              <a14:hiddenFill xmlns="" xmlns:a14="http://schemas.microsoft.com/office/drawing/2010/main">
+              <a14:hiddenFill xmlns:a14="http://schemas.microsoft.com/office/drawing/2010/main" xmlns="">
                 <a:solidFill>
                   <a:srgbClr val="FFFFFF"/>
                 </a:solidFill>
               </a14:hiddenFill>
             </a:ext>
             <a:ext uri="{91240B29-F687-4f45-9708-019B960494DF}">
-              <a14:hiddenLine xmlns="" xmlns:a14="http://schemas.microsoft.com/office/drawing/2010/main" w="9525">
+              <a14:hiddenLine xmlns:a14="http://schemas.microsoft.com/office/drawing/2010/main" xmlns="" w="9525">
                 <a:solidFill>
                   <a:srgbClr val="000000"/>
                 </a:solidFill>
@@ -35144,7 +34931,7 @@
               </a14:hiddenLine>
             </a:ext>
             <a:ext uri="{FAA26D3D-D897-4be2-8F04-BA451C77F1D7}">
-              <ma14:placeholderFlag xmlns="" xmlns:ma14="http://schemas.microsoft.com/office/mac/drawingml/2011/main" val="1"/>
+              <ma14:placeholderFlag xmlns:ma14="http://schemas.microsoft.com/office/mac/drawingml/2011/main" xmlns="" val="1"/>
             </a:ext>
           </a:extLst>
         </p:spPr>
@@ -35221,7 +35008,7 @@
         <p:spPr>
           <a:xfrm>
             <a:off x="395344" y="1236078"/>
-            <a:ext cx="9118241" cy="4628321"/>
+            <a:ext cx="9118241" cy="5424662"/>
           </a:xfrm>
         </p:spPr>
         <p:txBody>
@@ -35243,10 +35030,6 @@
               <a:rPr lang="de-CH" b="1" dirty="0" err="1"/>
               <a:t>collection</a:t>
             </a:r>
-            <a:r>
-              <a:rPr lang="de-CH" b="1" dirty="0"/>
-              <a:t/>
-            </a:r>
             <a:br>
               <a:rPr lang="de-CH" b="1" dirty="0"/>
             </a:br>
@@ -35376,10 +35159,6 @@
               <a:rPr lang="de-CH" b="1" dirty="0" err="1"/>
               <a:t>selection</a:t>
             </a:r>
-            <a:r>
-              <a:rPr lang="de-CH" b="1" dirty="0"/>
-              <a:t/>
-            </a:r>
             <a:br>
               <a:rPr lang="de-CH" b="1" dirty="0"/>
             </a:br>
@@ -35433,10 +35212,6 @@
               <a:rPr lang="de-CH" b="1" dirty="0" err="1"/>
               <a:t>copyright</a:t>
             </a:r>
-            <a:r>
-              <a:rPr lang="de-CH" b="1" dirty="0"/>
-              <a:t/>
-            </a:r>
             <a:br>
               <a:rPr lang="de-CH" b="1" dirty="0"/>
             </a:br>
@@ -35506,11 +35281,255 @@
             </a:br>
             <a:r>
               <a:rPr lang="de-CH" b="1" dirty="0"/>
-              <a:t>@</a:t>
+              <a:t>Hyper-Parameter Tuning </a:t>
             </a:r>
             <a:r>
               <a:rPr lang="de-CH" b="1" dirty="0" err="1"/>
-              <a:t>Neeraj</a:t>
+              <a:t>to</a:t>
+            </a:r>
+            <a:r>
+              <a:rPr lang="de-CH" b="1" dirty="0"/>
+              <a:t> find out </a:t>
+            </a:r>
+            <a:r>
+              <a:rPr lang="de-CH" b="1" dirty="0" err="1"/>
+              <a:t>the</a:t>
+            </a:r>
+            <a:r>
+              <a:rPr lang="de-CH" b="1" dirty="0"/>
+              <a:t> </a:t>
+            </a:r>
+            <a:r>
+              <a:rPr lang="de-CH" b="1" dirty="0" err="1"/>
+              <a:t>best</a:t>
+            </a:r>
+            <a:r>
+              <a:rPr lang="de-CH" b="1" dirty="0"/>
+              <a:t> </a:t>
+            </a:r>
+            <a:r>
+              <a:rPr lang="de-CH" b="1" dirty="0" err="1"/>
+              <a:t>parameters</a:t>
+            </a:r>
+            <a:r>
+              <a:rPr lang="de-CH" b="1" dirty="0"/>
+              <a:t> </a:t>
+            </a:r>
+            <a:r>
+              <a:rPr lang="de-CH" b="1" dirty="0" err="1"/>
+              <a:t>for</a:t>
+            </a:r>
+            <a:r>
+              <a:rPr lang="de-CH" b="1" dirty="0"/>
+              <a:t> </a:t>
+            </a:r>
+            <a:r>
+              <a:rPr lang="de-CH" b="1" dirty="0" err="1"/>
+              <a:t>the</a:t>
+            </a:r>
+            <a:r>
+              <a:rPr lang="de-CH" b="1" dirty="0"/>
+              <a:t> </a:t>
+            </a:r>
+            <a:r>
+              <a:rPr lang="de-CH" b="1" dirty="0" err="1"/>
+              <a:t>models</a:t>
+            </a:r>
+            <a:r>
+              <a:rPr lang="de-CH" b="1" dirty="0"/>
+              <a:t>, </a:t>
+            </a:r>
+            <a:r>
+              <a:rPr lang="de-CH" b="1" dirty="0" err="1"/>
+              <a:t>i.e</a:t>
+            </a:r>
+            <a:r>
+              <a:rPr lang="de-CH" b="1" dirty="0"/>
+              <a:t> Optimizer, Loss </a:t>
+            </a:r>
+            <a:r>
+              <a:rPr lang="de-CH" b="1" dirty="0" err="1"/>
+              <a:t>Function</a:t>
+            </a:r>
+            <a:r>
+              <a:rPr lang="de-CH" b="1" dirty="0"/>
+              <a:t>, Numbers </a:t>
+            </a:r>
+            <a:r>
+              <a:rPr lang="de-CH" b="1" dirty="0" err="1"/>
+              <a:t>of</a:t>
+            </a:r>
+            <a:r>
+              <a:rPr lang="de-CH" b="1" dirty="0"/>
+              <a:t> </a:t>
+            </a:r>
+            <a:r>
+              <a:rPr lang="de-CH" b="1" dirty="0" err="1"/>
+              <a:t>layers</a:t>
+            </a:r>
+            <a:r>
+              <a:rPr lang="de-CH" b="1" dirty="0"/>
+              <a:t> </a:t>
+            </a:r>
+            <a:r>
+              <a:rPr lang="de-CH" b="1" dirty="0" err="1"/>
+              <a:t>to</a:t>
+            </a:r>
+            <a:r>
+              <a:rPr lang="de-CH" b="1" dirty="0"/>
+              <a:t> </a:t>
+            </a:r>
+            <a:r>
+              <a:rPr lang="de-CH" b="1" dirty="0" err="1"/>
+              <a:t>fine</a:t>
+            </a:r>
+            <a:r>
+              <a:rPr lang="de-CH" b="1" dirty="0"/>
+              <a:t> tune. </a:t>
+            </a:r>
+          </a:p>
+          <a:p>
+            <a:pPr marL="0" indent="0">
+              <a:lnSpc>
+                <a:spcPct val="100000"/>
+              </a:lnSpc>
+              <a:buNone/>
+            </a:pPr>
+            <a:r>
+              <a:rPr lang="de-CH" b="1" dirty="0"/>
+              <a:t>       Multilabel Classification : </a:t>
+            </a:r>
+            <a:r>
+              <a:rPr lang="de-CH" b="1" dirty="0" err="1"/>
+              <a:t>Associating</a:t>
+            </a:r>
+            <a:r>
+              <a:rPr lang="de-CH" b="1" dirty="0"/>
+              <a:t> an </a:t>
+            </a:r>
+            <a:r>
+              <a:rPr lang="de-CH" b="1" dirty="0" err="1"/>
+              <a:t>image</a:t>
+            </a:r>
+            <a:r>
+              <a:rPr lang="de-CH" b="1" dirty="0"/>
+              <a:t> </a:t>
+            </a:r>
+            <a:r>
+              <a:rPr lang="de-CH" b="1" dirty="0" err="1"/>
+              <a:t>with</a:t>
+            </a:r>
+            <a:r>
+              <a:rPr lang="de-CH" b="1" dirty="0"/>
+              <a:t> multiple </a:t>
+            </a:r>
+            <a:r>
+              <a:rPr lang="de-CH" b="1" dirty="0" err="1"/>
+              <a:t>attributes</a:t>
+            </a:r>
+            <a:r>
+              <a:rPr lang="de-CH" b="1" dirty="0"/>
+              <a:t>, </a:t>
+            </a:r>
+            <a:r>
+              <a:rPr lang="de-CH" b="1" dirty="0" err="1"/>
+              <a:t>inseatd</a:t>
+            </a:r>
+            <a:r>
+              <a:rPr lang="de-CH" b="1" dirty="0"/>
+              <a:t> </a:t>
+            </a:r>
+            <a:r>
+              <a:rPr lang="de-CH" b="1" dirty="0" err="1"/>
+              <a:t>of</a:t>
+            </a:r>
+            <a:r>
+              <a:rPr lang="de-CH" b="1" dirty="0"/>
+              <a:t> </a:t>
+            </a:r>
+            <a:r>
+              <a:rPr lang="de-CH" b="1" dirty="0" err="1"/>
+              <a:t>single</a:t>
+            </a:r>
+            <a:r>
+              <a:rPr lang="de-CH" b="1" dirty="0"/>
+              <a:t> 	</a:t>
+            </a:r>
+            <a:r>
+              <a:rPr lang="de-CH" b="1" dirty="0" err="1"/>
+              <a:t>attribute</a:t>
+            </a:r>
+            <a:r>
+              <a:rPr lang="de-CH" b="1" dirty="0"/>
+              <a:t>. </a:t>
+            </a:r>
+          </a:p>
+          <a:p>
+            <a:pPr marL="285750" indent="-285750">
+              <a:lnSpc>
+                <a:spcPct val="100000"/>
+              </a:lnSpc>
+              <a:buFont typeface="Arial" panose="020B0604020202020204" pitchFamily="34" charset="0"/>
+              <a:buChar char="•"/>
+            </a:pPr>
+            <a:r>
+              <a:rPr lang="de-CH" b="1" dirty="0"/>
+              <a:t>Web App</a:t>
+            </a:r>
+            <a:br>
+              <a:rPr lang="de-CH" b="1" dirty="0"/>
+            </a:br>
+            <a:r>
+              <a:rPr lang="de-CH" b="1" dirty="0" err="1"/>
+              <a:t>error</a:t>
+            </a:r>
+            <a:r>
+              <a:rPr lang="de-CH" b="1" dirty="0"/>
+              <a:t> </a:t>
+            </a:r>
+            <a:r>
+              <a:rPr lang="de-CH" b="1" dirty="0" err="1"/>
+              <a:t>handling</a:t>
+            </a:r>
+            <a:r>
+              <a:rPr lang="de-CH" b="1" dirty="0"/>
+              <a:t>, UI </a:t>
+            </a:r>
+            <a:r>
+              <a:rPr lang="de-CH" b="1" dirty="0" err="1"/>
+              <a:t>enhancements</a:t>
+            </a:r>
+            <a:r>
+              <a:rPr lang="de-CH" b="1" dirty="0"/>
+              <a:t>, </a:t>
+            </a:r>
+            <a:r>
+              <a:rPr lang="de-CH" b="1" dirty="0" err="1"/>
+              <a:t>database</a:t>
+            </a:r>
+            <a:r>
+              <a:rPr lang="de-CH" b="1" dirty="0"/>
+              <a:t> </a:t>
+            </a:r>
+            <a:r>
+              <a:rPr lang="de-CH" b="1" dirty="0" err="1"/>
+              <a:t>integration</a:t>
+            </a:r>
+            <a:r>
+              <a:rPr lang="de-CH" b="1" dirty="0"/>
+              <a:t>, </a:t>
+            </a:r>
+            <a:r>
+              <a:rPr lang="de-CH" b="1" dirty="0" err="1"/>
+              <a:t>image</a:t>
+            </a:r>
+            <a:r>
+              <a:rPr lang="de-CH" b="1" dirty="0"/>
+              <a:t> </a:t>
+            </a:r>
+            <a:r>
+              <a:rPr lang="de-CH" b="1" dirty="0" err="1"/>
+              <a:t>display</a:t>
             </a:r>
             <a:endParaRPr lang="de-CH" b="1" dirty="0"/>
           </a:p>
@@ -35523,81 +35542,8 @@
               <a:buChar char="•"/>
             </a:pPr>
             <a:r>
-              <a:rPr lang="de-CH" b="1" dirty="0"/>
-              <a:t>Web App</a:t>
-            </a:r>
-            <a:br>
-              <a:rPr lang="de-CH" b="1" dirty="0"/>
-            </a:br>
-            <a:r>
-              <a:rPr lang="de-CH" b="1" dirty="0" err="1"/>
-              <a:t>error</a:t>
-            </a:r>
-            <a:r>
-              <a:rPr lang="de-CH" b="1" dirty="0"/>
-              <a:t> </a:t>
-            </a:r>
-            <a:r>
-              <a:rPr lang="de-CH" b="1" dirty="0" err="1"/>
-              <a:t>handling</a:t>
-            </a:r>
-            <a:r>
-              <a:rPr lang="de-CH" b="1" dirty="0"/>
-              <a:t>, UI </a:t>
-            </a:r>
-            <a:r>
-              <a:rPr lang="de-CH" b="1" dirty="0" err="1"/>
-              <a:t>enhancements</a:t>
-            </a:r>
-            <a:r>
-              <a:rPr lang="de-CH" b="1" dirty="0"/>
-              <a:t>, </a:t>
-            </a:r>
-            <a:r>
-              <a:rPr lang="de-CH" b="1" dirty="0" err="1"/>
-              <a:t>database</a:t>
-            </a:r>
-            <a:r>
-              <a:rPr lang="de-CH" b="1" dirty="0"/>
-              <a:t> </a:t>
-            </a:r>
-            <a:r>
-              <a:rPr lang="de-CH" b="1" dirty="0" err="1"/>
-              <a:t>integration</a:t>
-            </a:r>
-            <a:r>
-              <a:rPr lang="de-CH" b="1" dirty="0"/>
-              <a:t>, </a:t>
-            </a:r>
-            <a:r>
-              <a:rPr lang="de-CH" b="1" dirty="0" err="1"/>
-              <a:t>image</a:t>
-            </a:r>
-            <a:r>
-              <a:rPr lang="de-CH" b="1" dirty="0"/>
-              <a:t> </a:t>
-            </a:r>
-            <a:r>
-              <a:rPr lang="de-CH" b="1" dirty="0" err="1"/>
-              <a:t>display</a:t>
-            </a:r>
-            <a:endParaRPr lang="de-CH" b="1" dirty="0"/>
-          </a:p>
-          <a:p>
-            <a:pPr marL="285750" indent="-285750">
-              <a:lnSpc>
-                <a:spcPct val="100000"/>
-              </a:lnSpc>
-              <a:buFont typeface="Arial" panose="020B0604020202020204" pitchFamily="34" charset="0"/>
-              <a:buChar char="•"/>
-            </a:pPr>
-            <a:r>
               <a:rPr lang="de-CH" b="1" dirty="0" err="1"/>
               <a:t>Deployment</a:t>
-            </a:r>
-            <a:r>
-              <a:rPr lang="de-CH" b="1" dirty="0"/>
-              <a:t/>
             </a:r>
             <a:br>
               <a:rPr lang="de-CH" b="1" dirty="0"/>
@@ -35715,14 +35661,14 @@
           <a:noFill/>
           <a:extLst>
             <a:ext uri="{909E8E84-426E-40dd-AFC4-6F175D3DCCD1}">
-              <a14:hiddenFill xmlns="" xmlns:a14="http://schemas.microsoft.com/office/drawing/2010/main">
+              <a14:hiddenFill xmlns:a14="http://schemas.microsoft.com/office/drawing/2010/main" xmlns="">
                 <a:solidFill>
                   <a:srgbClr val="FFFFFF"/>
                 </a:solidFill>
               </a14:hiddenFill>
             </a:ext>
             <a:ext uri="{91240B29-F687-4f45-9708-019B960494DF}">
-              <a14:hiddenLine xmlns="" xmlns:a14="http://schemas.microsoft.com/office/drawing/2010/main" w="9525">
+              <a14:hiddenLine xmlns:a14="http://schemas.microsoft.com/office/drawing/2010/main" xmlns="" w="9525">
                 <a:solidFill>
                   <a:srgbClr val="000000"/>
                 </a:solidFill>
@@ -35732,7 +35678,7 @@
               </a14:hiddenLine>
             </a:ext>
             <a:ext uri="{FAA26D3D-D897-4be2-8F04-BA451C77F1D7}">
-              <ma14:placeholderFlag xmlns="" xmlns:ma14="http://schemas.microsoft.com/office/mac/drawingml/2011/main" val="1"/>
+              <ma14:placeholderFlag xmlns:ma14="http://schemas.microsoft.com/office/mac/drawingml/2011/main" xmlns="" val="1"/>
             </a:ext>
           </a:extLst>
         </p:spPr>
@@ -35811,14 +35757,14 @@
           <a:noFill/>
           <a:extLst>
             <a:ext uri="{909E8E84-426E-40dd-AFC4-6F175D3DCCD1}">
-              <a14:hiddenFill xmlns="" xmlns:a14="http://schemas.microsoft.com/office/drawing/2010/main">
+              <a14:hiddenFill xmlns:a14="http://schemas.microsoft.com/office/drawing/2010/main" xmlns="">
                 <a:solidFill>
                   <a:srgbClr val="FFFFFF"/>
                 </a:solidFill>
               </a14:hiddenFill>
             </a:ext>
             <a:ext uri="{91240B29-F687-4f45-9708-019B960494DF}">
-              <a14:hiddenLine xmlns="" xmlns:a14="http://schemas.microsoft.com/office/drawing/2010/main" w="9525">
+              <a14:hiddenLine xmlns:a14="http://schemas.microsoft.com/office/drawing/2010/main" xmlns="" w="9525">
                 <a:solidFill>
                   <a:srgbClr val="000000"/>
                 </a:solidFill>
@@ -35901,14 +35847,14 @@
           <a:noFill/>
           <a:extLst>
             <a:ext uri="{909E8E84-426E-40dd-AFC4-6F175D3DCCD1}">
-              <a14:hiddenFill xmlns="" xmlns:a14="http://schemas.microsoft.com/office/drawing/2010/main">
+              <a14:hiddenFill xmlns:a14="http://schemas.microsoft.com/office/drawing/2010/main" xmlns="">
                 <a:solidFill>
                   <a:srgbClr val="FFFFFF"/>
                 </a:solidFill>
               </a14:hiddenFill>
             </a:ext>
             <a:ext uri="{91240B29-F687-4f45-9708-019B960494DF}">
-              <a14:hiddenLine xmlns="" xmlns:a14="http://schemas.microsoft.com/office/drawing/2010/main" w="9525">
+              <a14:hiddenLine xmlns:a14="http://schemas.microsoft.com/office/drawing/2010/main" xmlns="" w="9525">
                 <a:solidFill>
                   <a:srgbClr val="000000"/>
                 </a:solidFill>
@@ -36247,7 +36193,7 @@
         <a:effectLst/>
         <a:extLst>
           <a:ext uri="{AF507438-7753-43e0-B8FC-AC1667EBCBE1}">
-            <a14:hiddenEffects xmlns="" xmlns:a14="http://schemas.microsoft.com/office/drawing/2010/main">
+            <a14:hiddenEffects xmlns:a14="http://schemas.microsoft.com/office/drawing/2010/main" xmlns="">
               <a:effectLst>
                 <a:outerShdw blurRad="63500" dist="38099" dir="2700000" algn="ctr" rotWithShape="0">
                   <a:schemeClr val="bg2">
@@ -36325,7 +36271,7 @@
         <a:effectLst/>
         <a:extLst>
           <a:ext uri="{AF507438-7753-43e0-B8FC-AC1667EBCBE1}">
-            <a14:hiddenEffects xmlns="" xmlns:a14="http://schemas.microsoft.com/office/drawing/2010/main">
+            <a14:hiddenEffects xmlns:a14="http://schemas.microsoft.com/office/drawing/2010/main" xmlns="">
               <a:effectLst>
                 <a:outerShdw blurRad="63500" dist="38099" dir="2700000" algn="ctr" rotWithShape="0">
                   <a:schemeClr val="bg2">

--- a/about_me/BrandManagement.pptx
+++ b/about_me/BrandManagement.pptx
@@ -17987,89 +17987,652 @@
               <a:defRPr/>
             </a:pPr>
             <a:r>
-              <a:rPr lang="de-CH" b="1" i="0">
+              <a:rPr lang="de-CH" b="1" i="0" dirty="0" err="1">
                 <a:latin typeface="Source Sans Pro Light" charset="0"/>
                 <a:ea typeface="ヒラギノ角ゴ ProN W3" charset="0"/>
                 <a:cs typeface="Source Sans Pro Light" charset="0"/>
               </a:rPr>
-              <a:t>TODO @</a:t>
-            </a:r>
-            <a:r>
-              <a:rPr lang="de-CH" b="1" i="0" baseline="0">
+              <a:t>Machine</a:t>
+            </a:r>
+            <a:r>
+              <a:rPr lang="de-CH" b="1" i="0" dirty="0">
                 <a:latin typeface="Source Sans Pro Light" charset="0"/>
                 <a:ea typeface="ヒラギノ角ゴ ProN W3" charset="0"/>
                 <a:cs typeface="Source Sans Pro Light" charset="0"/>
               </a:rPr>
-              <a:t> Neeraj </a:t>
-            </a:r>
-            <a:endParaRPr lang="de-CH" b="1" i="0">
-              <a:latin typeface="Source Sans Pro Light" charset="0"/>
-              <a:ea typeface="ヒラギノ角ゴ ProN W3" charset="0"/>
-              <a:cs typeface="Source Sans Pro Light" charset="0"/>
-            </a:endParaRPr>
-          </a:p>
-          <a:p>
-            <a:pPr marL="0" marR="0" lvl="0" indent="0" algn="l" defTabSz="455613" rtl="0" eaLnBrk="0" fontAlgn="base" latinLnBrk="0" hangingPunct="0">
-              <a:lnSpc>
-                <a:spcPct val="100000"/>
-              </a:lnSpc>
-              <a:spcBef>
-                <a:spcPct val="30000"/>
-              </a:spcBef>
-              <a:spcAft>
-                <a:spcPct val="0"/>
-              </a:spcAft>
-              <a:buClrTx/>
-              <a:buSzTx/>
-              <a:buFontTx/>
-              <a:buNone/>
-              <a:tabLst/>
-              <a:defRPr/>
-            </a:pPr>
-            <a:r>
-              <a:rPr lang="de-CH" b="1" i="0">
+              <a:t> Learning</a:t>
+            </a:r>
+            <a:r>
+              <a:rPr lang="de-CH" dirty="0">
                 <a:latin typeface="Source Sans Pro Light" charset="0"/>
                 <a:ea typeface="ヒラギノ角ゴ ProN W3" charset="0"/>
                 <a:cs typeface="Source Sans Pro Light" charset="0"/>
               </a:rPr>
-              <a:t>Machine Learning</a:t>
-            </a:r>
-            <a:r>
-              <a:rPr lang="de-CH">
-                <a:latin typeface="Source Sans Pro Light" charset="0"/>
-                <a:ea typeface="ヒラギノ角ゴ ProN W3" charset="0"/>
-                <a:cs typeface="Source Sans Pro Light" charset="0"/>
-              </a:rPr>
               <a:t>: </a:t>
             </a:r>
             <a:r>
-              <a:rPr lang="en-US">
+              <a:rPr lang="de-CH" dirty="0" err="1">
                 <a:latin typeface="Source Sans Pro Light" charset="0"/>
                 <a:cs typeface="Source Sans Pro Light" charset="0"/>
               </a:rPr>
-              <a:t>build classifiers for each attribute using supervised learning &amp; a </a:t>
-            </a:r>
-            <a:r>
-              <a:rPr lang="de-CH">
+              <a:t>We</a:t>
+            </a:r>
+            <a:r>
+              <a:rPr lang="de-CH" dirty="0">
                 <a:latin typeface="Source Sans Pro Light" charset="0"/>
                 <a:cs typeface="Source Sans Pro Light" charset="0"/>
               </a:rPr>
-              <a:t>pre-trained self-designed deep learning Convolutional Neural Network </a:t>
-            </a:r>
-            <a:r>
-              <a:rPr lang="en-US">
+              <a:t> </a:t>
+            </a:r>
+            <a:r>
+              <a:rPr lang="de-CH" dirty="0" err="1">
                 <a:latin typeface="Source Sans Pro Light" charset="0"/>
                 <a:cs typeface="Source Sans Pro Light" charset="0"/>
               </a:rPr>
-              <a:t>framework</a:t>
-            </a:r>
-            <a:endParaRPr lang="en-US" sz="1200">
+              <a:t>are</a:t>
+            </a:r>
+            <a:r>
+              <a:rPr lang="de-CH" dirty="0">
+                <a:latin typeface="Source Sans Pro Light" charset="0"/>
+                <a:cs typeface="Source Sans Pro Light" charset="0"/>
+              </a:rPr>
+              <a:t> </a:t>
+            </a:r>
+            <a:r>
+              <a:rPr lang="de-CH" dirty="0" err="1">
+                <a:latin typeface="Source Sans Pro Light" charset="0"/>
+                <a:cs typeface="Source Sans Pro Light" charset="0"/>
+              </a:rPr>
+              <a:t>using</a:t>
+            </a:r>
+            <a:r>
+              <a:rPr lang="de-CH" dirty="0">
+                <a:latin typeface="Source Sans Pro Light" charset="0"/>
+                <a:cs typeface="Source Sans Pro Light" charset="0"/>
+              </a:rPr>
+              <a:t> a </a:t>
+            </a:r>
+            <a:r>
+              <a:rPr lang="de-CH" dirty="0" err="1">
+                <a:latin typeface="Source Sans Pro Light" charset="0"/>
+                <a:cs typeface="Source Sans Pro Light" charset="0"/>
+              </a:rPr>
+              <a:t>combination</a:t>
+            </a:r>
+            <a:r>
+              <a:rPr lang="de-CH" dirty="0">
+                <a:latin typeface="Source Sans Pro Light" charset="0"/>
+                <a:cs typeface="Source Sans Pro Light" charset="0"/>
+              </a:rPr>
+              <a:t> </a:t>
+            </a:r>
+            <a:r>
+              <a:rPr lang="de-CH" dirty="0" err="1">
+                <a:latin typeface="Source Sans Pro Light" charset="0"/>
+                <a:cs typeface="Source Sans Pro Light" charset="0"/>
+              </a:rPr>
+              <a:t>of</a:t>
+            </a:r>
+            <a:r>
+              <a:rPr lang="de-CH" dirty="0">
+                <a:latin typeface="Source Sans Pro Light" charset="0"/>
+                <a:cs typeface="Source Sans Pro Light" charset="0"/>
+              </a:rPr>
+              <a:t> </a:t>
+            </a:r>
+            <a:r>
+              <a:rPr lang="de-CH" dirty="0" err="1">
+                <a:latin typeface="Source Sans Pro Light" charset="0"/>
+                <a:cs typeface="Source Sans Pro Light" charset="0"/>
+              </a:rPr>
+              <a:t>transfer</a:t>
+            </a:r>
+            <a:r>
+              <a:rPr lang="de-CH" dirty="0">
+                <a:latin typeface="Source Sans Pro Light" charset="0"/>
+                <a:cs typeface="Source Sans Pro Light" charset="0"/>
+              </a:rPr>
+              <a:t> </a:t>
+            </a:r>
+            <a:r>
+              <a:rPr lang="de-CH" dirty="0" err="1">
+                <a:latin typeface="Source Sans Pro Light" charset="0"/>
+                <a:cs typeface="Source Sans Pro Light" charset="0"/>
+              </a:rPr>
+              <a:t>learning</a:t>
+            </a:r>
+            <a:r>
+              <a:rPr lang="de-CH" dirty="0">
+                <a:latin typeface="Source Sans Pro Light" charset="0"/>
+                <a:cs typeface="Source Sans Pro Light" charset="0"/>
+              </a:rPr>
+              <a:t> and </a:t>
+            </a:r>
+            <a:r>
+              <a:rPr lang="de-CH" dirty="0" err="1">
+                <a:latin typeface="Source Sans Pro Light" charset="0"/>
+                <a:cs typeface="Source Sans Pro Light" charset="0"/>
+              </a:rPr>
+              <a:t>one</a:t>
+            </a:r>
+            <a:r>
+              <a:rPr lang="de-CH" dirty="0">
+                <a:latin typeface="Source Sans Pro Light" charset="0"/>
+                <a:cs typeface="Source Sans Pro Light" charset="0"/>
+              </a:rPr>
+              <a:t> </a:t>
+            </a:r>
+            <a:r>
+              <a:rPr lang="de-CH" dirty="0" err="1">
+                <a:latin typeface="Source Sans Pro Light" charset="0"/>
+                <a:cs typeface="Source Sans Pro Light" charset="0"/>
+              </a:rPr>
+              <a:t>vs</a:t>
+            </a:r>
+            <a:r>
+              <a:rPr lang="de-CH" dirty="0">
+                <a:latin typeface="Source Sans Pro Light" charset="0"/>
+                <a:cs typeface="Source Sans Pro Light" charset="0"/>
+              </a:rPr>
+              <a:t> </a:t>
+            </a:r>
+            <a:r>
+              <a:rPr lang="de-CH" dirty="0" err="1">
+                <a:latin typeface="Source Sans Pro Light" charset="0"/>
+                <a:cs typeface="Source Sans Pro Light" charset="0"/>
+              </a:rPr>
+              <a:t>rest</a:t>
+            </a:r>
+            <a:r>
+              <a:rPr lang="de-CH" dirty="0">
+                <a:latin typeface="Source Sans Pro Light" charset="0"/>
+                <a:cs typeface="Source Sans Pro Light" charset="0"/>
+              </a:rPr>
+              <a:t> </a:t>
+            </a:r>
+            <a:r>
+              <a:rPr lang="de-CH" dirty="0" err="1">
+                <a:latin typeface="Source Sans Pro Light" charset="0"/>
+                <a:cs typeface="Source Sans Pro Light" charset="0"/>
+              </a:rPr>
+              <a:t>multiclass</a:t>
+            </a:r>
+            <a:r>
+              <a:rPr lang="de-CH" dirty="0">
+                <a:latin typeface="Source Sans Pro Light" charset="0"/>
+                <a:cs typeface="Source Sans Pro Light" charset="0"/>
+              </a:rPr>
+              <a:t> </a:t>
+            </a:r>
+            <a:r>
+              <a:rPr lang="de-CH" dirty="0" err="1">
+                <a:latin typeface="Source Sans Pro Light" charset="0"/>
+                <a:cs typeface="Source Sans Pro Light" charset="0"/>
+              </a:rPr>
+              <a:t>aproach</a:t>
+            </a:r>
+            <a:r>
+              <a:rPr lang="de-CH" dirty="0">
+                <a:latin typeface="Source Sans Pro Light" charset="0"/>
+                <a:cs typeface="Source Sans Pro Light" charset="0"/>
+              </a:rPr>
+              <a:t> </a:t>
+            </a:r>
+            <a:r>
+              <a:rPr lang="de-CH" dirty="0" err="1">
+                <a:latin typeface="Source Sans Pro Light" charset="0"/>
+                <a:cs typeface="Source Sans Pro Light" charset="0"/>
+              </a:rPr>
+              <a:t>to</a:t>
+            </a:r>
+            <a:r>
+              <a:rPr lang="de-CH" dirty="0">
+                <a:latin typeface="Source Sans Pro Light" charset="0"/>
+                <a:cs typeface="Source Sans Pro Light" charset="0"/>
+              </a:rPr>
+              <a:t> </a:t>
+            </a:r>
+            <a:r>
+              <a:rPr lang="de-CH" dirty="0" err="1">
+                <a:latin typeface="Source Sans Pro Light" charset="0"/>
+                <a:cs typeface="Source Sans Pro Light" charset="0"/>
+              </a:rPr>
+              <a:t>build</a:t>
+            </a:r>
+            <a:r>
+              <a:rPr lang="de-CH" dirty="0">
+                <a:latin typeface="Source Sans Pro Light" charset="0"/>
+                <a:cs typeface="Source Sans Pro Light" charset="0"/>
+              </a:rPr>
+              <a:t> </a:t>
+            </a:r>
+            <a:r>
+              <a:rPr lang="de-CH" dirty="0" err="1">
+                <a:latin typeface="Source Sans Pro Light" charset="0"/>
+                <a:cs typeface="Source Sans Pro Light" charset="0"/>
+              </a:rPr>
+              <a:t>our</a:t>
+            </a:r>
+            <a:r>
+              <a:rPr lang="de-CH" dirty="0">
+                <a:latin typeface="Source Sans Pro Light" charset="0"/>
+                <a:cs typeface="Source Sans Pro Light" charset="0"/>
+              </a:rPr>
+              <a:t> </a:t>
+            </a:r>
+            <a:r>
+              <a:rPr lang="de-CH" dirty="0" err="1">
+                <a:latin typeface="Source Sans Pro Light" charset="0"/>
+                <a:cs typeface="Source Sans Pro Light" charset="0"/>
+              </a:rPr>
+              <a:t>classification</a:t>
+            </a:r>
+            <a:r>
+              <a:rPr lang="de-CH" dirty="0">
+                <a:latin typeface="Source Sans Pro Light" charset="0"/>
+                <a:cs typeface="Source Sans Pro Light" charset="0"/>
+              </a:rPr>
+              <a:t> </a:t>
+            </a:r>
+            <a:r>
+              <a:rPr lang="de-CH" dirty="0" err="1">
+                <a:latin typeface="Source Sans Pro Light" charset="0"/>
+                <a:cs typeface="Source Sans Pro Light" charset="0"/>
+              </a:rPr>
+              <a:t>model</a:t>
+            </a:r>
+            <a:r>
+              <a:rPr lang="de-CH" dirty="0">
+                <a:latin typeface="Source Sans Pro Light" charset="0"/>
+                <a:cs typeface="Source Sans Pro Light" charset="0"/>
+              </a:rPr>
+              <a:t>. </a:t>
+            </a:r>
+            <a:r>
+              <a:rPr lang="de-CH" dirty="0" err="1">
+                <a:latin typeface="Source Sans Pro Light" charset="0"/>
+                <a:cs typeface="Source Sans Pro Light" charset="0"/>
+              </a:rPr>
+              <a:t>We</a:t>
+            </a:r>
+            <a:r>
+              <a:rPr lang="de-CH" dirty="0">
+                <a:latin typeface="Source Sans Pro Light" charset="0"/>
+                <a:cs typeface="Source Sans Pro Light" charset="0"/>
+              </a:rPr>
+              <a:t> </a:t>
+            </a:r>
+            <a:r>
+              <a:rPr lang="de-CH" dirty="0" err="1">
+                <a:latin typeface="Source Sans Pro Light" charset="0"/>
+                <a:cs typeface="Source Sans Pro Light" charset="0"/>
+              </a:rPr>
+              <a:t>pretrained</a:t>
+            </a:r>
+            <a:r>
+              <a:rPr lang="de-CH" dirty="0">
+                <a:latin typeface="Source Sans Pro Light" charset="0"/>
+                <a:cs typeface="Source Sans Pro Light" charset="0"/>
+              </a:rPr>
+              <a:t> a </a:t>
+            </a:r>
+            <a:r>
+              <a:rPr lang="de-CH" dirty="0" err="1">
+                <a:latin typeface="Source Sans Pro Light" charset="0"/>
+                <a:cs typeface="Source Sans Pro Light" charset="0"/>
+              </a:rPr>
+              <a:t>resnet</a:t>
+            </a:r>
+            <a:r>
+              <a:rPr lang="de-CH" dirty="0">
+                <a:latin typeface="Source Sans Pro Light" charset="0"/>
+                <a:cs typeface="Source Sans Pro Light" charset="0"/>
+              </a:rPr>
+              <a:t> 50 </a:t>
+            </a:r>
+            <a:r>
+              <a:rPr lang="de-CH" dirty="0" err="1">
+                <a:latin typeface="Source Sans Pro Light" charset="0"/>
+                <a:cs typeface="Source Sans Pro Light" charset="0"/>
+              </a:rPr>
+              <a:t>model</a:t>
+            </a:r>
+            <a:r>
+              <a:rPr lang="de-CH" dirty="0">
+                <a:latin typeface="Source Sans Pro Light" charset="0"/>
+                <a:cs typeface="Source Sans Pro Light" charset="0"/>
+              </a:rPr>
+              <a:t>(CNN) </a:t>
+            </a:r>
+            <a:r>
+              <a:rPr lang="de-CH" dirty="0" err="1">
+                <a:latin typeface="Source Sans Pro Light" charset="0"/>
+                <a:cs typeface="Source Sans Pro Light" charset="0"/>
+              </a:rPr>
+              <a:t>to</a:t>
+            </a:r>
+            <a:r>
+              <a:rPr lang="de-CH" dirty="0">
+                <a:latin typeface="Source Sans Pro Light" charset="0"/>
+                <a:cs typeface="Source Sans Pro Light" charset="0"/>
+              </a:rPr>
+              <a:t> </a:t>
+            </a:r>
+            <a:r>
+              <a:rPr lang="de-CH" dirty="0" err="1">
+                <a:latin typeface="Source Sans Pro Light" charset="0"/>
+                <a:cs typeface="Source Sans Pro Light" charset="0"/>
+              </a:rPr>
+              <a:t>build</a:t>
+            </a:r>
+            <a:r>
+              <a:rPr lang="de-CH" dirty="0">
+                <a:latin typeface="Source Sans Pro Light" charset="0"/>
+                <a:cs typeface="Source Sans Pro Light" charset="0"/>
+              </a:rPr>
+              <a:t> </a:t>
+            </a:r>
+            <a:r>
+              <a:rPr lang="de-CH" dirty="0" err="1">
+                <a:latin typeface="Source Sans Pro Light" charset="0"/>
+                <a:cs typeface="Source Sans Pro Light" charset="0"/>
+              </a:rPr>
+              <a:t>our</a:t>
+            </a:r>
+            <a:r>
+              <a:rPr lang="de-CH" dirty="0">
+                <a:latin typeface="Source Sans Pro Light" charset="0"/>
+                <a:cs typeface="Source Sans Pro Light" charset="0"/>
+              </a:rPr>
+              <a:t> </a:t>
+            </a:r>
+            <a:r>
+              <a:rPr lang="de-CH" dirty="0" err="1">
+                <a:latin typeface="Source Sans Pro Light" charset="0"/>
+                <a:cs typeface="Source Sans Pro Light" charset="0"/>
+              </a:rPr>
+              <a:t>classifier</a:t>
+            </a:r>
+            <a:r>
+              <a:rPr lang="de-CH" dirty="0">
+                <a:latin typeface="Source Sans Pro Light" charset="0"/>
+                <a:cs typeface="Source Sans Pro Light" charset="0"/>
+              </a:rPr>
+              <a:t>. </a:t>
+            </a:r>
+            <a:r>
+              <a:rPr lang="de-CH" dirty="0" err="1">
+                <a:latin typeface="Source Sans Pro Light" charset="0"/>
+                <a:cs typeface="Source Sans Pro Light" charset="0"/>
+              </a:rPr>
+              <a:t>We</a:t>
+            </a:r>
+            <a:r>
+              <a:rPr lang="de-CH" dirty="0">
+                <a:latin typeface="Source Sans Pro Light" charset="0"/>
+                <a:cs typeface="Source Sans Pro Light" charset="0"/>
+              </a:rPr>
+              <a:t> </a:t>
+            </a:r>
+            <a:r>
+              <a:rPr lang="de-CH" dirty="0" err="1">
+                <a:latin typeface="Source Sans Pro Light" charset="0"/>
+                <a:cs typeface="Source Sans Pro Light" charset="0"/>
+              </a:rPr>
+              <a:t>freezed</a:t>
+            </a:r>
+            <a:r>
+              <a:rPr lang="de-CH" dirty="0">
+                <a:latin typeface="Source Sans Pro Light" charset="0"/>
+                <a:cs typeface="Source Sans Pro Light" charset="0"/>
+              </a:rPr>
+              <a:t> </a:t>
+            </a:r>
+            <a:r>
+              <a:rPr lang="de-CH" dirty="0" err="1">
+                <a:latin typeface="Source Sans Pro Light" charset="0"/>
+                <a:cs typeface="Source Sans Pro Light" charset="0"/>
+              </a:rPr>
+              <a:t>the</a:t>
+            </a:r>
+            <a:r>
+              <a:rPr lang="de-CH" dirty="0">
+                <a:latin typeface="Source Sans Pro Light" charset="0"/>
+                <a:cs typeface="Source Sans Pro Light" charset="0"/>
+              </a:rPr>
+              <a:t> </a:t>
+            </a:r>
+            <a:r>
+              <a:rPr lang="de-CH" dirty="0" err="1">
+                <a:latin typeface="Source Sans Pro Light" charset="0"/>
+                <a:cs typeface="Source Sans Pro Light" charset="0"/>
+              </a:rPr>
+              <a:t>weights</a:t>
+            </a:r>
+            <a:r>
+              <a:rPr lang="de-CH" dirty="0">
+                <a:latin typeface="Source Sans Pro Light" charset="0"/>
+                <a:cs typeface="Source Sans Pro Light" charset="0"/>
+              </a:rPr>
+              <a:t> </a:t>
+            </a:r>
+            <a:r>
+              <a:rPr lang="de-CH" dirty="0" err="1">
+                <a:latin typeface="Source Sans Pro Light" charset="0"/>
+                <a:cs typeface="Source Sans Pro Light" charset="0"/>
+              </a:rPr>
+              <a:t>of</a:t>
+            </a:r>
+            <a:r>
+              <a:rPr lang="de-CH" dirty="0">
+                <a:latin typeface="Source Sans Pro Light" charset="0"/>
+                <a:cs typeface="Source Sans Pro Light" charset="0"/>
+              </a:rPr>
+              <a:t> </a:t>
+            </a:r>
+            <a:r>
+              <a:rPr lang="de-CH" dirty="0" err="1">
+                <a:latin typeface="Source Sans Pro Light" charset="0"/>
+                <a:cs typeface="Source Sans Pro Light" charset="0"/>
+              </a:rPr>
+              <a:t>Resnet</a:t>
+            </a:r>
+            <a:r>
+              <a:rPr lang="de-CH" dirty="0">
+                <a:latin typeface="Source Sans Pro Light" charset="0"/>
+                <a:cs typeface="Source Sans Pro Light" charset="0"/>
+              </a:rPr>
+              <a:t> 50 </a:t>
+            </a:r>
+            <a:r>
+              <a:rPr lang="de-CH" dirty="0" err="1">
+                <a:latin typeface="Source Sans Pro Light" charset="0"/>
+                <a:cs typeface="Source Sans Pro Light" charset="0"/>
+              </a:rPr>
+              <a:t>model</a:t>
+            </a:r>
+            <a:r>
+              <a:rPr lang="de-CH" dirty="0">
+                <a:latin typeface="Source Sans Pro Light" charset="0"/>
+                <a:cs typeface="Source Sans Pro Light" charset="0"/>
+              </a:rPr>
+              <a:t> </a:t>
+            </a:r>
+            <a:r>
+              <a:rPr lang="de-CH" dirty="0" err="1">
+                <a:latin typeface="Source Sans Pro Light" charset="0"/>
+                <a:cs typeface="Source Sans Pro Light" charset="0"/>
+              </a:rPr>
+              <a:t>except</a:t>
+            </a:r>
+            <a:r>
+              <a:rPr lang="de-CH" dirty="0">
+                <a:latin typeface="Source Sans Pro Light" charset="0"/>
+                <a:cs typeface="Source Sans Pro Light" charset="0"/>
+              </a:rPr>
+              <a:t> </a:t>
+            </a:r>
+            <a:r>
+              <a:rPr lang="de-CH" dirty="0" err="1">
+                <a:latin typeface="Source Sans Pro Light" charset="0"/>
+                <a:cs typeface="Source Sans Pro Light" charset="0"/>
+              </a:rPr>
+              <a:t>the</a:t>
+            </a:r>
+            <a:r>
+              <a:rPr lang="de-CH" dirty="0">
+                <a:latin typeface="Source Sans Pro Light" charset="0"/>
+                <a:cs typeface="Source Sans Pro Light" charset="0"/>
+              </a:rPr>
+              <a:t> last </a:t>
+            </a:r>
+            <a:r>
+              <a:rPr lang="de-CH" dirty="0" err="1">
+                <a:latin typeface="Source Sans Pro Light" charset="0"/>
+                <a:cs typeface="Source Sans Pro Light" charset="0"/>
+              </a:rPr>
+              <a:t>output</a:t>
+            </a:r>
+            <a:r>
+              <a:rPr lang="de-CH" dirty="0">
+                <a:latin typeface="Source Sans Pro Light" charset="0"/>
+                <a:cs typeface="Source Sans Pro Light" charset="0"/>
+              </a:rPr>
+              <a:t> </a:t>
+            </a:r>
+            <a:r>
+              <a:rPr lang="de-CH" dirty="0" err="1">
+                <a:latin typeface="Source Sans Pro Light" charset="0"/>
+                <a:cs typeface="Source Sans Pro Light" charset="0"/>
+              </a:rPr>
+              <a:t>layer</a:t>
+            </a:r>
+            <a:r>
+              <a:rPr lang="de-CH" dirty="0">
+                <a:latin typeface="Source Sans Pro Light" charset="0"/>
+                <a:cs typeface="Source Sans Pro Light" charset="0"/>
+              </a:rPr>
+              <a:t> and </a:t>
+            </a:r>
+            <a:r>
+              <a:rPr lang="de-CH" dirty="0" err="1">
+                <a:latin typeface="Source Sans Pro Light" charset="0"/>
+                <a:cs typeface="Source Sans Pro Light" charset="0"/>
+              </a:rPr>
+              <a:t>add</a:t>
+            </a:r>
+            <a:r>
+              <a:rPr lang="de-CH" dirty="0">
+                <a:latin typeface="Source Sans Pro Light" charset="0"/>
+                <a:cs typeface="Source Sans Pro Light" charset="0"/>
+              </a:rPr>
+              <a:t> a fully </a:t>
+            </a:r>
+            <a:r>
+              <a:rPr lang="de-CH" dirty="0" err="1">
+                <a:latin typeface="Source Sans Pro Light" charset="0"/>
+                <a:cs typeface="Source Sans Pro Light" charset="0"/>
+              </a:rPr>
+              <a:t>connected</a:t>
+            </a:r>
+            <a:r>
+              <a:rPr lang="de-CH" dirty="0">
+                <a:latin typeface="Source Sans Pro Light" charset="0"/>
+                <a:cs typeface="Source Sans Pro Light" charset="0"/>
+              </a:rPr>
+              <a:t> </a:t>
+            </a:r>
+            <a:r>
+              <a:rPr lang="de-CH" dirty="0" err="1">
+                <a:latin typeface="Source Sans Pro Light" charset="0"/>
+                <a:cs typeface="Source Sans Pro Light" charset="0"/>
+              </a:rPr>
+              <a:t>layer</a:t>
+            </a:r>
+            <a:r>
+              <a:rPr lang="de-CH" dirty="0">
+                <a:latin typeface="Source Sans Pro Light" charset="0"/>
+                <a:cs typeface="Source Sans Pro Light" charset="0"/>
+              </a:rPr>
+              <a:t> on top </a:t>
+            </a:r>
+            <a:r>
+              <a:rPr lang="de-CH" dirty="0" err="1">
+                <a:latin typeface="Source Sans Pro Light" charset="0"/>
+                <a:cs typeface="Source Sans Pro Light" charset="0"/>
+              </a:rPr>
+              <a:t>for</a:t>
+            </a:r>
+            <a:r>
+              <a:rPr lang="de-CH" dirty="0">
+                <a:latin typeface="Source Sans Pro Light" charset="0"/>
+                <a:cs typeface="Source Sans Pro Light" charset="0"/>
+              </a:rPr>
+              <a:t> </a:t>
+            </a:r>
+            <a:r>
+              <a:rPr lang="de-CH" dirty="0" err="1">
+                <a:latin typeface="Source Sans Pro Light" charset="0"/>
+                <a:cs typeface="Source Sans Pro Light" charset="0"/>
+              </a:rPr>
+              <a:t>task</a:t>
+            </a:r>
+            <a:r>
+              <a:rPr lang="de-CH" dirty="0">
+                <a:latin typeface="Source Sans Pro Light" charset="0"/>
+                <a:cs typeface="Source Sans Pro Light" charset="0"/>
+              </a:rPr>
+              <a:t> </a:t>
+            </a:r>
+            <a:r>
+              <a:rPr lang="de-CH" dirty="0" err="1">
+                <a:latin typeface="Source Sans Pro Light" charset="0"/>
+                <a:cs typeface="Source Sans Pro Light" charset="0"/>
+              </a:rPr>
+              <a:t>specific</a:t>
+            </a:r>
+            <a:r>
+              <a:rPr lang="de-CH" dirty="0">
+                <a:latin typeface="Source Sans Pro Light" charset="0"/>
+                <a:cs typeface="Source Sans Pro Light" charset="0"/>
+              </a:rPr>
+              <a:t> </a:t>
+            </a:r>
+            <a:r>
+              <a:rPr lang="de-CH" dirty="0" err="1">
+                <a:latin typeface="Source Sans Pro Light" charset="0"/>
+                <a:cs typeface="Source Sans Pro Light" charset="0"/>
+              </a:rPr>
+              <a:t>fine</a:t>
+            </a:r>
+            <a:r>
+              <a:rPr lang="de-CH" dirty="0">
+                <a:latin typeface="Source Sans Pro Light" charset="0"/>
+                <a:cs typeface="Source Sans Pro Light" charset="0"/>
+              </a:rPr>
+              <a:t> </a:t>
+            </a:r>
+            <a:r>
+              <a:rPr lang="de-CH" dirty="0" err="1">
+                <a:latin typeface="Source Sans Pro Light" charset="0"/>
+                <a:cs typeface="Source Sans Pro Light" charset="0"/>
+              </a:rPr>
+              <a:t>tuning</a:t>
+            </a:r>
+            <a:r>
+              <a:rPr lang="de-CH" dirty="0">
+                <a:latin typeface="Source Sans Pro Light" charset="0"/>
+                <a:cs typeface="Source Sans Pro Light" charset="0"/>
+              </a:rPr>
+              <a:t>. </a:t>
+            </a:r>
+            <a:endParaRPr lang="en-US" sz="1200" dirty="0">
               <a:latin typeface="Source Sans Pro Light" charset="0"/>
               <a:cs typeface="Source Sans Pro Light" charset="0"/>
             </a:endParaRPr>
           </a:p>
           <a:p>
-            <a:endParaRPr lang="de-CH"/>
+            <a:endParaRPr lang="de-CH" dirty="0"/>
           </a:p>
         </p:txBody>
       </p:sp>
@@ -18151,7 +18714,9 @@
         </p:nvSpPr>
         <p:spPr/>
         <p:txBody>
-          <a:bodyPr/>
+          <a:bodyPr>
+            <a:normAutofit fontScale="77500" lnSpcReduction="20000"/>
+          </a:bodyPr>
           <a:lstStyle/>
           <a:p>
             <a:pPr marL="0" marR="0" lvl="0" indent="0" algn="l" defTabSz="455613" rtl="0" eaLnBrk="0" fontAlgn="base" latinLnBrk="0" hangingPunct="0">
@@ -18219,8 +18784,190 @@
             </a:pPr>
             <a:r>
               <a:rPr lang="en-US" dirty="0"/>
-              <a:t>@Neeraj add some challenges for the model training/testing</a:t>
-            </a:r>
+              <a:t>We tried multiple iterations for the model training/testing phase. Following is a list of iterations we tried, </a:t>
+            </a:r>
+          </a:p>
+          <a:p>
+            <a:pPr marL="684213" marR="0" lvl="1" indent="-228600" algn="l" defTabSz="455613" rtl="0" eaLnBrk="0" fontAlgn="base" latinLnBrk="0" hangingPunct="0">
+              <a:lnSpc>
+                <a:spcPct val="100000"/>
+              </a:lnSpc>
+              <a:spcBef>
+                <a:spcPct val="30000"/>
+              </a:spcBef>
+              <a:spcAft>
+                <a:spcPct val="0"/>
+              </a:spcAft>
+              <a:buClrTx/>
+              <a:buSzTx/>
+              <a:buFontTx/>
+              <a:buAutoNum type="arabicPeriod"/>
+              <a:tabLst/>
+              <a:defRPr/>
+            </a:pPr>
+            <a:r>
+              <a:rPr lang="en-US" dirty="0"/>
+              <a:t>Trained a single </a:t>
+            </a:r>
+            <a:r>
+              <a:rPr lang="en-US" dirty="0" err="1"/>
+              <a:t>resnet</a:t>
+            </a:r>
+            <a:r>
+              <a:rPr lang="en-US" dirty="0"/>
+              <a:t> 50 model for classifying all attributes. Model was trained to classify an image as belonging to one of the attribute. Got a model accuracy of 56% with this model. </a:t>
+            </a:r>
+          </a:p>
+          <a:p>
+            <a:pPr marL="684213" marR="0" lvl="1" indent="-228600" algn="l" defTabSz="455613" rtl="0" eaLnBrk="0" fontAlgn="base" latinLnBrk="0" hangingPunct="0">
+              <a:lnSpc>
+                <a:spcPct val="100000"/>
+              </a:lnSpc>
+              <a:spcBef>
+                <a:spcPct val="30000"/>
+              </a:spcBef>
+              <a:spcAft>
+                <a:spcPct val="0"/>
+              </a:spcAft>
+              <a:buClrTx/>
+              <a:buSzTx/>
+              <a:buFontTx/>
+              <a:buAutoNum type="arabicPeriod"/>
+              <a:tabLst/>
+              <a:defRPr/>
+            </a:pPr>
+            <a:r>
+              <a:rPr lang="en-US" dirty="0"/>
+              <a:t>We tried different </a:t>
+            </a:r>
+            <a:r>
+              <a:rPr lang="en-US" dirty="0" err="1"/>
+              <a:t>hyperparmenter</a:t>
+            </a:r>
+            <a:r>
+              <a:rPr lang="en-US" dirty="0"/>
+              <a:t> tunings like changing the input shape, finetuning different amount of layers, different dropout rates, </a:t>
+            </a:r>
+            <a:r>
+              <a:rPr lang="en-US" dirty="0" err="1"/>
+              <a:t>retraing</a:t>
+            </a:r>
+            <a:r>
+              <a:rPr lang="en-US" dirty="0"/>
+              <a:t> the whole model itself, without much success. </a:t>
+            </a:r>
+          </a:p>
+          <a:p>
+            <a:pPr marL="684213" marR="0" lvl="1" indent="-228600" algn="l" defTabSz="455613" rtl="0" eaLnBrk="0" fontAlgn="base" latinLnBrk="0" hangingPunct="0">
+              <a:lnSpc>
+                <a:spcPct val="100000"/>
+              </a:lnSpc>
+              <a:spcBef>
+                <a:spcPct val="30000"/>
+              </a:spcBef>
+              <a:spcAft>
+                <a:spcPct val="0"/>
+              </a:spcAft>
+              <a:buClrTx/>
+              <a:buSzTx/>
+              <a:buFontTx/>
+              <a:buAutoNum type="arabicPeriod"/>
+              <a:tabLst/>
+              <a:defRPr/>
+            </a:pPr>
+            <a:r>
+              <a:rPr lang="en-US" dirty="0"/>
+              <a:t>We got an accuracy of 70% by using One-vs-rest multiclass modelling approach. We trained 4 classifiers, 1 for each attribute, and took the label with the highest probability.</a:t>
+            </a:r>
+          </a:p>
+          <a:p>
+            <a:pPr marL="684213" marR="0" lvl="1" indent="-228600" algn="l" defTabSz="455613" rtl="0" eaLnBrk="0" fontAlgn="base" latinLnBrk="0" hangingPunct="0">
+              <a:lnSpc>
+                <a:spcPct val="100000"/>
+              </a:lnSpc>
+              <a:spcBef>
+                <a:spcPct val="30000"/>
+              </a:spcBef>
+              <a:spcAft>
+                <a:spcPct val="0"/>
+              </a:spcAft>
+              <a:buClrTx/>
+              <a:buSzTx/>
+              <a:buFontTx/>
+              <a:buAutoNum type="arabicPeriod"/>
+              <a:tabLst/>
+              <a:defRPr/>
+            </a:pPr>
+            <a:r>
+              <a:rPr lang="en-US" dirty="0"/>
+              <a:t>Since dataset is quite large, and we need to create 4 datasets each one containing around 10K images, GPU ran out of memory if we train all the 4 classifiers simultaneously. </a:t>
+            </a:r>
+          </a:p>
+          <a:p>
+            <a:pPr marL="684213" marR="0" lvl="1" indent="-228600" algn="l" defTabSz="455613" rtl="0" eaLnBrk="0" fontAlgn="base" latinLnBrk="0" hangingPunct="0">
+              <a:lnSpc>
+                <a:spcPct val="100000"/>
+              </a:lnSpc>
+              <a:spcBef>
+                <a:spcPct val="30000"/>
+              </a:spcBef>
+              <a:spcAft>
+                <a:spcPct val="0"/>
+              </a:spcAft>
+              <a:buClrTx/>
+              <a:buSzTx/>
+              <a:buFontTx/>
+              <a:buAutoNum type="arabicPeriod"/>
+              <a:tabLst/>
+              <a:defRPr/>
+            </a:pPr>
+            <a:r>
+              <a:rPr lang="en-US" dirty="0"/>
+              <a:t>We worked around this problem, by saving the training data set as np arrays, and train each model separately(Clear Notebook Memory after training/saving the model)</a:t>
+            </a:r>
+          </a:p>
+          <a:p>
+            <a:pPr marL="684213" marR="0" lvl="1" indent="-228600" algn="l" defTabSz="455613" rtl="0" eaLnBrk="0" fontAlgn="base" latinLnBrk="0" hangingPunct="0">
+              <a:lnSpc>
+                <a:spcPct val="100000"/>
+              </a:lnSpc>
+              <a:spcBef>
+                <a:spcPct val="30000"/>
+              </a:spcBef>
+              <a:spcAft>
+                <a:spcPct val="0"/>
+              </a:spcAft>
+              <a:buClrTx/>
+              <a:buSzTx/>
+              <a:buFontTx/>
+              <a:buAutoNum type="arabicPeriod"/>
+              <a:tabLst/>
+              <a:defRPr/>
+            </a:pPr>
+            <a:r>
+              <a:rPr lang="en-US" dirty="0"/>
+              <a:t>We further improved the performance to 73% by using data augmentation. </a:t>
+            </a:r>
+          </a:p>
+          <a:p>
+            <a:pPr marL="684213" marR="0" lvl="1" indent="-228600" algn="l" defTabSz="455613" rtl="0" eaLnBrk="0" fontAlgn="base" latinLnBrk="0" hangingPunct="0">
+              <a:lnSpc>
+                <a:spcPct val="100000"/>
+              </a:lnSpc>
+              <a:spcBef>
+                <a:spcPct val="30000"/>
+              </a:spcBef>
+              <a:spcAft>
+                <a:spcPct val="0"/>
+              </a:spcAft>
+              <a:buClrTx/>
+              <a:buSzTx/>
+              <a:buFontTx/>
+              <a:buAutoNum type="arabicPeriod"/>
+              <a:tabLst/>
+              <a:defRPr/>
+            </a:pPr>
+            <a:endParaRPr lang="en-US" dirty="0"/>
           </a:p>
           <a:p>
             <a:pPr marL="228600" marR="0" lvl="0" indent="-228600" algn="l" defTabSz="455613" rtl="0" eaLnBrk="0" fontAlgn="base" latinLnBrk="0" hangingPunct="0">
@@ -19386,7 +20133,15 @@
             </a:pPr>
             <a:r>
               <a:rPr lang="en-US" baseline="0" dirty="0"/>
-              <a:t>@Neeraj</a:t>
+              <a:t>Because of time constraints, we were not able to try various hyper parameter tuning to find out the best performing hyper parameters. It will be an interesting idea to visualize the representations learned by various hidden layers and compare the kind of information learnt by initial layers and layer close to the output. Another interesting idea would be try even bigger models like </a:t>
+            </a:r>
+            <a:r>
+              <a:rPr lang="en-US" baseline="0" dirty="0" err="1"/>
+              <a:t>resnet</a:t>
+            </a:r>
+            <a:r>
+              <a:rPr lang="en-US" baseline="0" dirty="0"/>
+              <a:t> 150 and see the impact on performance. </a:t>
             </a:r>
           </a:p>
           <a:p>
@@ -21062,7 +21817,7 @@
           </a:ln>
           <a:extLst>
             <a:ext uri="{91240B29-F687-4f45-9708-019B960494DF}">
-              <a14:hiddenLine xmlns:a14="http://schemas.microsoft.com/office/drawing/2010/main" xmlns="" w="9525">
+              <a14:hiddenLine xmlns="" xmlns:a14="http://schemas.microsoft.com/office/drawing/2010/main" w="9525">
                 <a:solidFill>
                   <a:srgbClr val="000000"/>
                 </a:solidFill>
@@ -21222,7 +21977,7 @@
           <a:graphicData uri="http://schemas.openxmlformats.org/presentationml/2006/ole">
             <mc:AlternateContent xmlns:mc="http://schemas.openxmlformats.org/markup-compatibility/2006">
               <mc:Choice xmlns:v="urn:schemas-microsoft-com:vml" Requires="v">
-                <p:oleObj spid="_x0000_s1030" name="think-cell Slide" r:id="rId7" imgW="38100" imgH="38100" progId="TCLayout.ActiveDocument.1">
+                <p:oleObj spid="_x0000_s1034" name="think-cell Slide" r:id="rId7" imgW="38100" imgH="38100" progId="TCLayout.ActiveDocument.1">
                   <p:embed/>
                 </p:oleObj>
               </mc:Choice>
@@ -21264,14 +22019,14 @@
                       </a:ln>
                       <a:extLst>
                         <a:ext uri="{909E8E84-426E-40dd-AFC4-6F175D3DCCD1}">
-                          <a14:hiddenFill xmlns:a14="http://schemas.microsoft.com/office/drawing/2010/main" xmlns="">
+                          <a14:hiddenFill xmlns="" xmlns:a14="http://schemas.microsoft.com/office/drawing/2010/main">
                             <a:solidFill>
                               <a:srgbClr val="FFFFFF"/>
                             </a:solidFill>
                           </a14:hiddenFill>
                         </a:ext>
                         <a:ext uri="{91240B29-F687-4f45-9708-019B960494DF}">
-                          <a14:hiddenLine xmlns:a14="http://schemas.microsoft.com/office/drawing/2010/main" xmlns="" w="9525">
+                          <a14:hiddenLine xmlns="" xmlns:a14="http://schemas.microsoft.com/office/drawing/2010/main" w="9525">
                             <a:solidFill>
                               <a:srgbClr val="000000"/>
                             </a:solidFill>
@@ -21754,14 +22509,14 @@
           </a:ln>
           <a:extLst>
             <a:ext uri="{909E8E84-426E-40dd-AFC4-6F175D3DCCD1}">
-              <a14:hiddenFill xmlns:a14="http://schemas.microsoft.com/office/drawing/2010/main" xmlns="">
+              <a14:hiddenFill xmlns="" xmlns:a14="http://schemas.microsoft.com/office/drawing/2010/main">
                 <a:solidFill>
                   <a:srgbClr val="FFFFFF"/>
                 </a:solidFill>
               </a14:hiddenFill>
             </a:ext>
             <a:ext uri="{91240B29-F687-4f45-9708-019B960494DF}">
-              <a14:hiddenLine xmlns:a14="http://schemas.microsoft.com/office/drawing/2010/main" xmlns="" w="9525">
+              <a14:hiddenLine xmlns="" xmlns:a14="http://schemas.microsoft.com/office/drawing/2010/main" w="9525">
                 <a:solidFill>
                   <a:srgbClr val="000000"/>
                 </a:solidFill>
@@ -21952,7 +22707,7 @@
           </a:ln>
           <a:extLst>
             <a:ext uri="{91240B29-F687-4f45-9708-019B960494DF}">
-              <a14:hiddenLine xmlns:a14="http://schemas.microsoft.com/office/drawing/2010/main" xmlns="" w="9525">
+              <a14:hiddenLine xmlns="" xmlns:a14="http://schemas.microsoft.com/office/drawing/2010/main" w="9525">
                 <a:solidFill>
                   <a:srgbClr val="000000"/>
                 </a:solidFill>
@@ -22112,7 +22867,7 @@
           <a:graphicData uri="http://schemas.openxmlformats.org/presentationml/2006/ole">
             <mc:AlternateContent xmlns:mc="http://schemas.openxmlformats.org/markup-compatibility/2006">
               <mc:Choice xmlns:v="urn:schemas-microsoft-com:vml" Requires="v">
-                <p:oleObj spid="_x0000_s2054" name="think-cell Slide" r:id="rId7" imgW="38100" imgH="38100" progId="TCLayout.ActiveDocument.1">
+                <p:oleObj spid="_x0000_s2058" name="think-cell Slide" r:id="rId7" imgW="38100" imgH="38100" progId="TCLayout.ActiveDocument.1">
                   <p:embed/>
                 </p:oleObj>
               </mc:Choice>
@@ -22154,14 +22909,14 @@
                       </a:ln>
                       <a:extLst>
                         <a:ext uri="{909E8E84-426E-40dd-AFC4-6F175D3DCCD1}">
-                          <a14:hiddenFill xmlns:a14="http://schemas.microsoft.com/office/drawing/2010/main" xmlns="">
+                          <a14:hiddenFill xmlns="" xmlns:a14="http://schemas.microsoft.com/office/drawing/2010/main">
                             <a:solidFill>
                               <a:srgbClr val="FFFFFF"/>
                             </a:solidFill>
                           </a14:hiddenFill>
                         </a:ext>
                         <a:ext uri="{91240B29-F687-4f45-9708-019B960494DF}">
-                          <a14:hiddenLine xmlns:a14="http://schemas.microsoft.com/office/drawing/2010/main" xmlns="" w="9525">
+                          <a14:hiddenLine xmlns="" xmlns:a14="http://schemas.microsoft.com/office/drawing/2010/main" w="9525">
                             <a:solidFill>
                               <a:srgbClr val="000000"/>
                             </a:solidFill>
@@ -22644,14 +23399,14 @@
           </a:ln>
           <a:extLst>
             <a:ext uri="{909E8E84-426E-40dd-AFC4-6F175D3DCCD1}">
-              <a14:hiddenFill xmlns:a14="http://schemas.microsoft.com/office/drawing/2010/main" xmlns="">
+              <a14:hiddenFill xmlns="" xmlns:a14="http://schemas.microsoft.com/office/drawing/2010/main">
                 <a:solidFill>
                   <a:srgbClr val="FFFFFF"/>
                 </a:solidFill>
               </a14:hiddenFill>
             </a:ext>
             <a:ext uri="{91240B29-F687-4f45-9708-019B960494DF}">
-              <a14:hiddenLine xmlns:a14="http://schemas.microsoft.com/office/drawing/2010/main" xmlns="" w="9525">
+              <a14:hiddenLine xmlns="" xmlns:a14="http://schemas.microsoft.com/office/drawing/2010/main" w="9525">
                 <a:solidFill>
                   <a:srgbClr val="000000"/>
                 </a:solidFill>
@@ -22856,14 +23611,14 @@
           </a:ln>
           <a:extLst>
             <a:ext uri="{909E8E84-426E-40dd-AFC4-6F175D3DCCD1}">
-              <a14:hiddenFill xmlns:a14="http://schemas.microsoft.com/office/drawing/2010/main" xmlns="">
+              <a14:hiddenFill xmlns="" xmlns:a14="http://schemas.microsoft.com/office/drawing/2010/main">
                 <a:solidFill>
                   <a:srgbClr val="FFFFFF"/>
                 </a:solidFill>
               </a14:hiddenFill>
             </a:ext>
             <a:ext uri="{91240B29-F687-4f45-9708-019B960494DF}">
-              <a14:hiddenLine xmlns:a14="http://schemas.microsoft.com/office/drawing/2010/main" xmlns="" w="9525">
+              <a14:hiddenLine xmlns="" xmlns:a14="http://schemas.microsoft.com/office/drawing/2010/main" w="9525">
                 <a:solidFill>
                   <a:srgbClr val="000000"/>
                 </a:solidFill>
@@ -25971,14 +26726,14 @@
           </a:ln>
           <a:extLst>
             <a:ext uri="{909E8E84-426E-40dd-AFC4-6F175D3DCCD1}">
-              <a14:hiddenFill xmlns:a14="http://schemas.microsoft.com/office/drawing/2010/main" xmlns="">
+              <a14:hiddenFill xmlns="" xmlns:a14="http://schemas.microsoft.com/office/drawing/2010/main">
                 <a:solidFill>
                   <a:srgbClr val="FFFFFF"/>
                 </a:solidFill>
               </a14:hiddenFill>
             </a:ext>
             <a:ext uri="{91240B29-F687-4f45-9708-019B960494DF}">
-              <a14:hiddenLine xmlns:a14="http://schemas.microsoft.com/office/drawing/2010/main" xmlns="" w="9525">
+              <a14:hiddenLine xmlns="" xmlns:a14="http://schemas.microsoft.com/office/drawing/2010/main" w="9525">
                 <a:solidFill>
                   <a:srgbClr val="000000"/>
                 </a:solidFill>
@@ -26673,7 +27428,7 @@
           </a:xfrm>
           <a:extLst>
             <a:ext uri="{91240B29-F687-4f45-9708-019B960494DF}">
-              <a14:hiddenLine xmlns:a14="http://schemas.microsoft.com/office/drawing/2010/main" xmlns="" w="9525">
+              <a14:hiddenLine xmlns="" xmlns:a14="http://schemas.microsoft.com/office/drawing/2010/main" w="9525">
                 <a:solidFill>
                   <a:srgbClr val="000000"/>
                 </a:solidFill>
@@ -26771,14 +27526,14 @@
           <a:noFill/>
           <a:extLst>
             <a:ext uri="{909E8E84-426E-40dd-AFC4-6F175D3DCCD1}">
-              <a14:hiddenFill xmlns:a14="http://schemas.microsoft.com/office/drawing/2010/main" xmlns="">
+              <a14:hiddenFill xmlns="" xmlns:a14="http://schemas.microsoft.com/office/drawing/2010/main">
                 <a:solidFill>
                   <a:srgbClr val="FFFFFF"/>
                 </a:solidFill>
               </a14:hiddenFill>
             </a:ext>
             <a:ext uri="{91240B29-F687-4f45-9708-019B960494DF}">
-              <a14:hiddenLine xmlns:a14="http://schemas.microsoft.com/office/drawing/2010/main" xmlns="" w="9525">
+              <a14:hiddenLine xmlns="" xmlns:a14="http://schemas.microsoft.com/office/drawing/2010/main" w="9525">
                 <a:solidFill>
                   <a:srgbClr val="000000"/>
                 </a:solidFill>
@@ -26788,7 +27543,7 @@
               </a14:hiddenLine>
             </a:ext>
             <a:ext uri="{FAA26D3D-D897-4be2-8F04-BA451C77F1D7}">
-              <ma14:placeholderFlag xmlns:ma14="http://schemas.microsoft.com/office/mac/drawingml/2011/main" xmlns="" val="1"/>
+              <ma14:placeholderFlag xmlns="" xmlns:ma14="http://schemas.microsoft.com/office/mac/drawingml/2011/main" val="1"/>
             </a:ext>
           </a:extLst>
         </p:spPr>
@@ -26838,14 +27593,14 @@
           <a:noFill/>
           <a:extLst>
             <a:ext uri="{909E8E84-426E-40dd-AFC4-6F175D3DCCD1}">
-              <a14:hiddenFill xmlns:a14="http://schemas.microsoft.com/office/drawing/2010/main" xmlns="">
+              <a14:hiddenFill xmlns="" xmlns:a14="http://schemas.microsoft.com/office/drawing/2010/main">
                 <a:solidFill>
                   <a:srgbClr val="FFFFFF"/>
                 </a:solidFill>
               </a14:hiddenFill>
             </a:ext>
             <a:ext uri="{91240B29-F687-4f45-9708-019B960494DF}">
-              <a14:hiddenLine xmlns:a14="http://schemas.microsoft.com/office/drawing/2010/main" xmlns="" w="9525">
+              <a14:hiddenLine xmlns="" xmlns:a14="http://schemas.microsoft.com/office/drawing/2010/main" w="9525">
                 <a:solidFill>
                   <a:srgbClr val="000000"/>
                 </a:solidFill>
@@ -26909,7 +27664,7 @@
           <a:effectLst/>
           <a:extLst>
             <a:ext uri="{AF507438-7753-43e0-B8FC-AC1667EBCBE1}">
-              <a14:hiddenEffects xmlns:a14="http://schemas.microsoft.com/office/drawing/2010/main" xmlns="">
+              <a14:hiddenEffects xmlns="" xmlns:a14="http://schemas.microsoft.com/office/drawing/2010/main">
                 <a:effectLst>
                   <a:outerShdw blurRad="63500" dist="38099" dir="2700000" algn="ctr" rotWithShape="0">
                     <a:schemeClr val="bg2">
@@ -27038,14 +27793,14 @@
           <a:noFill/>
           <a:extLst>
             <a:ext uri="{909E8E84-426E-40dd-AFC4-6F175D3DCCD1}">
-              <a14:hiddenFill xmlns:a14="http://schemas.microsoft.com/office/drawing/2010/main" xmlns="">
+              <a14:hiddenFill xmlns="" xmlns:a14="http://schemas.microsoft.com/office/drawing/2010/main">
                 <a:solidFill>
                   <a:srgbClr val="FFFFFF"/>
                 </a:solidFill>
               </a14:hiddenFill>
             </a:ext>
             <a:ext uri="{91240B29-F687-4f45-9708-019B960494DF}">
-              <a14:hiddenLine xmlns:a14="http://schemas.microsoft.com/office/drawing/2010/main" xmlns="" w="9525">
+              <a14:hiddenLine xmlns="" xmlns:a14="http://schemas.microsoft.com/office/drawing/2010/main" w="9525">
                 <a:solidFill>
                   <a:srgbClr val="000000"/>
                 </a:solidFill>
@@ -27098,14 +27853,14 @@
           <a:noFill/>
           <a:extLst>
             <a:ext uri="{909E8E84-426E-40dd-AFC4-6F175D3DCCD1}">
-              <a14:hiddenFill xmlns:a14="http://schemas.microsoft.com/office/drawing/2010/main" xmlns="">
+              <a14:hiddenFill xmlns="" xmlns:a14="http://schemas.microsoft.com/office/drawing/2010/main">
                 <a:solidFill>
                   <a:srgbClr val="FFFFFF"/>
                 </a:solidFill>
               </a14:hiddenFill>
             </a:ext>
             <a:ext uri="{91240B29-F687-4f45-9708-019B960494DF}">
-              <a14:hiddenLine xmlns:a14="http://schemas.microsoft.com/office/drawing/2010/main" xmlns="" w="9525">
+              <a14:hiddenLine xmlns="" xmlns:a14="http://schemas.microsoft.com/office/drawing/2010/main" w="9525">
                 <a:solidFill>
                   <a:srgbClr val="000000"/>
                 </a:solidFill>
@@ -27503,14 +28258,14 @@
           <a:noFill/>
           <a:extLst>
             <a:ext uri="{909E8E84-426E-40dd-AFC4-6F175D3DCCD1}">
-              <a14:hiddenFill xmlns:a14="http://schemas.microsoft.com/office/drawing/2010/main" xmlns="">
+              <a14:hiddenFill xmlns="" xmlns:a14="http://schemas.microsoft.com/office/drawing/2010/main">
                 <a:solidFill>
                   <a:srgbClr val="FFFFFF"/>
                 </a:solidFill>
               </a14:hiddenFill>
             </a:ext>
             <a:ext uri="{91240B29-F687-4f45-9708-019B960494DF}">
-              <a14:hiddenLine xmlns:a14="http://schemas.microsoft.com/office/drawing/2010/main" xmlns="" w="9525">
+              <a14:hiddenLine xmlns="" xmlns:a14="http://schemas.microsoft.com/office/drawing/2010/main" w="9525">
                 <a:solidFill>
                   <a:srgbClr val="000000"/>
                 </a:solidFill>
@@ -27520,7 +28275,7 @@
               </a14:hiddenLine>
             </a:ext>
             <a:ext uri="{FAA26D3D-D897-4be2-8F04-BA451C77F1D7}">
-              <ma14:placeholderFlag xmlns:ma14="http://schemas.microsoft.com/office/mac/drawingml/2011/main" xmlns="" val="1"/>
+              <ma14:placeholderFlag xmlns="" xmlns:ma14="http://schemas.microsoft.com/office/mac/drawingml/2011/main" val="1"/>
             </a:ext>
           </a:extLst>
         </p:spPr>
@@ -27599,14 +28354,14 @@
           <a:noFill/>
           <a:extLst>
             <a:ext uri="{909E8E84-426E-40dd-AFC4-6F175D3DCCD1}">
-              <a14:hiddenFill xmlns:a14="http://schemas.microsoft.com/office/drawing/2010/main" xmlns="">
+              <a14:hiddenFill xmlns="" xmlns:a14="http://schemas.microsoft.com/office/drawing/2010/main">
                 <a:solidFill>
                   <a:srgbClr val="FFFFFF"/>
                 </a:solidFill>
               </a14:hiddenFill>
             </a:ext>
             <a:ext uri="{91240B29-F687-4f45-9708-019B960494DF}">
-              <a14:hiddenLine xmlns:a14="http://schemas.microsoft.com/office/drawing/2010/main" xmlns="" w="9525">
+              <a14:hiddenLine xmlns="" xmlns:a14="http://schemas.microsoft.com/office/drawing/2010/main" w="9525">
                 <a:solidFill>
                   <a:srgbClr val="000000"/>
                 </a:solidFill>
@@ -27654,14 +28409,14 @@
           <a:noFill/>
           <a:extLst>
             <a:ext uri="{909E8E84-426E-40dd-AFC4-6F175D3DCCD1}">
-              <a14:hiddenFill xmlns:a14="http://schemas.microsoft.com/office/drawing/2010/main" xmlns="">
+              <a14:hiddenFill xmlns="" xmlns:a14="http://schemas.microsoft.com/office/drawing/2010/main">
                 <a:solidFill>
                   <a:srgbClr val="FFFFFF"/>
                 </a:solidFill>
               </a14:hiddenFill>
             </a:ext>
             <a:ext uri="{91240B29-F687-4f45-9708-019B960494DF}">
-              <a14:hiddenLine xmlns:a14="http://schemas.microsoft.com/office/drawing/2010/main" xmlns="" w="9525">
+              <a14:hiddenLine xmlns="" xmlns:a14="http://schemas.microsoft.com/office/drawing/2010/main" w="9525">
                 <a:solidFill>
                   <a:srgbClr val="000000"/>
                 </a:solidFill>
@@ -28160,7 +28915,7 @@
           <a:effectLst/>
           <a:extLst>
             <a:ext uri="{AF507438-7753-43e0-B8FC-AC1667EBCBE1}">
-              <a14:hiddenEffects xmlns:a14="http://schemas.microsoft.com/office/drawing/2010/main" xmlns="">
+              <a14:hiddenEffects xmlns="" xmlns:a14="http://schemas.microsoft.com/office/drawing/2010/main">
                 <a:effectLst>
                   <a:outerShdw blurRad="63500" dist="38099" dir="2700000" algn="ctr" rotWithShape="0">
                     <a:schemeClr val="bg2">
@@ -28343,7 +29098,7 @@
           <a:effectLst/>
           <a:extLst>
             <a:ext uri="{AF507438-7753-43e0-B8FC-AC1667EBCBE1}">
-              <a14:hiddenEffects xmlns:a14="http://schemas.microsoft.com/office/drawing/2010/main" xmlns="">
+              <a14:hiddenEffects xmlns="" xmlns:a14="http://schemas.microsoft.com/office/drawing/2010/main">
                 <a:effectLst>
                   <a:outerShdw blurRad="63500" dist="38099" dir="2700000" algn="ctr" rotWithShape="0">
                     <a:schemeClr val="bg2">
@@ -28435,7 +29190,7 @@
           <a:effectLst/>
           <a:extLst>
             <a:ext uri="{AF507438-7753-43e0-B8FC-AC1667EBCBE1}">
-              <a14:hiddenEffects xmlns:a14="http://schemas.microsoft.com/office/drawing/2010/main" xmlns="">
+              <a14:hiddenEffects xmlns="" xmlns:a14="http://schemas.microsoft.com/office/drawing/2010/main">
                 <a:effectLst>
                   <a:outerShdw blurRad="63500" dist="38099" dir="2700000" algn="ctr" rotWithShape="0">
                     <a:schemeClr val="bg2">
@@ -28577,14 +29332,14 @@
           <a:noFill/>
           <a:extLst>
             <a:ext uri="{909E8E84-426E-40dd-AFC4-6F175D3DCCD1}">
-              <a14:hiddenFill xmlns:a14="http://schemas.microsoft.com/office/drawing/2010/main" xmlns="">
+              <a14:hiddenFill xmlns="" xmlns:a14="http://schemas.microsoft.com/office/drawing/2010/main">
                 <a:solidFill>
                   <a:srgbClr val="FFFFFF"/>
                 </a:solidFill>
               </a14:hiddenFill>
             </a:ext>
             <a:ext uri="{91240B29-F687-4f45-9708-019B960494DF}">
-              <a14:hiddenLine xmlns:a14="http://schemas.microsoft.com/office/drawing/2010/main" xmlns="" w="9525">
+              <a14:hiddenLine xmlns="" xmlns:a14="http://schemas.microsoft.com/office/drawing/2010/main" w="9525">
                 <a:solidFill>
                   <a:srgbClr val="000000"/>
                 </a:solidFill>
@@ -28594,7 +29349,7 @@
               </a14:hiddenLine>
             </a:ext>
             <a:ext uri="{FAA26D3D-D897-4be2-8F04-BA451C77F1D7}">
-              <ma14:placeholderFlag xmlns:ma14="http://schemas.microsoft.com/office/mac/drawingml/2011/main" xmlns="" val="1"/>
+              <ma14:placeholderFlag xmlns="" xmlns:ma14="http://schemas.microsoft.com/office/mac/drawingml/2011/main" val="1"/>
             </a:ext>
           </a:extLst>
         </p:spPr>
@@ -29481,14 +30236,14 @@
           <a:noFill/>
           <a:extLst>
             <a:ext uri="{909E8E84-426E-40dd-AFC4-6F175D3DCCD1}">
-              <a14:hiddenFill xmlns:a14="http://schemas.microsoft.com/office/drawing/2010/main" xmlns="">
+              <a14:hiddenFill xmlns="" xmlns:a14="http://schemas.microsoft.com/office/drawing/2010/main">
                 <a:solidFill>
                   <a:srgbClr val="FFFFFF"/>
                 </a:solidFill>
               </a14:hiddenFill>
             </a:ext>
             <a:ext uri="{91240B29-F687-4f45-9708-019B960494DF}">
-              <a14:hiddenLine xmlns:a14="http://schemas.microsoft.com/office/drawing/2010/main" xmlns="" w="9525">
+              <a14:hiddenLine xmlns="" xmlns:a14="http://schemas.microsoft.com/office/drawing/2010/main" w="9525">
                 <a:solidFill>
                   <a:srgbClr val="000000"/>
                 </a:solidFill>
@@ -29580,14 +30335,14 @@
           <a:noFill/>
           <a:extLst>
             <a:ext uri="{909E8E84-426E-40dd-AFC4-6F175D3DCCD1}">
-              <a14:hiddenFill xmlns:a14="http://schemas.microsoft.com/office/drawing/2010/main" xmlns="">
+              <a14:hiddenFill xmlns="" xmlns:a14="http://schemas.microsoft.com/office/drawing/2010/main">
                 <a:solidFill>
                   <a:srgbClr val="FFFFFF"/>
                 </a:solidFill>
               </a14:hiddenFill>
             </a:ext>
             <a:ext uri="{91240B29-F687-4f45-9708-019B960494DF}">
-              <a14:hiddenLine xmlns:a14="http://schemas.microsoft.com/office/drawing/2010/main" xmlns="" w="9525">
+              <a14:hiddenLine xmlns="" xmlns:a14="http://schemas.microsoft.com/office/drawing/2010/main" w="9525">
                 <a:solidFill>
                   <a:srgbClr val="000000"/>
                 </a:solidFill>
@@ -29597,7 +30352,7 @@
               </a14:hiddenLine>
             </a:ext>
             <a:ext uri="{FAA26D3D-D897-4be2-8F04-BA451C77F1D7}">
-              <ma14:placeholderFlag xmlns:ma14="http://schemas.microsoft.com/office/mac/drawingml/2011/main" xmlns="" val="1"/>
+              <ma14:placeholderFlag xmlns="" xmlns:ma14="http://schemas.microsoft.com/office/mac/drawingml/2011/main" val="1"/>
             </a:ext>
           </a:extLst>
         </p:spPr>
@@ -31053,14 +31808,14 @@
           <a:noFill/>
           <a:extLst>
             <a:ext uri="{909E8E84-426E-40dd-AFC4-6F175D3DCCD1}">
-              <a14:hiddenFill xmlns:a14="http://schemas.microsoft.com/office/drawing/2010/main" xmlns="">
+              <a14:hiddenFill xmlns="" xmlns:a14="http://schemas.microsoft.com/office/drawing/2010/main">
                 <a:solidFill>
                   <a:srgbClr val="FFFFFF"/>
                 </a:solidFill>
               </a14:hiddenFill>
             </a:ext>
             <a:ext uri="{91240B29-F687-4f45-9708-019B960494DF}">
-              <a14:hiddenLine xmlns:a14="http://schemas.microsoft.com/office/drawing/2010/main" xmlns="" w="9525">
+              <a14:hiddenLine xmlns="" xmlns:a14="http://schemas.microsoft.com/office/drawing/2010/main" w="9525">
                 <a:solidFill>
                   <a:srgbClr val="000000"/>
                 </a:solidFill>
@@ -31413,7 +32168,7 @@
             </a:r>
             <a:r>
               <a:rPr lang="de-CH" dirty="0"/>
-              <a:t> 500k </a:t>
+              <a:t> (&gt; 23 Million )</a:t>
             </a:r>
             <a:r>
               <a:rPr lang="de-CH" dirty="0" err="1"/>
@@ -31562,13 +32317,13 @@
           <p:nvPr>
             <p:extLst>
               <p:ext uri="{D42A27DB-BD31-4B8C-83A1-F6EECF244321}">
-                <p14:modId xmlns:p14="http://schemas.microsoft.com/office/powerpoint/2010/main" val="2327887144"/>
+                <p14:modId xmlns:p14="http://schemas.microsoft.com/office/powerpoint/2010/main" val="368071860"/>
               </p:ext>
             </p:extLst>
           </p:nvPr>
         </p:nvGraphicFramePr>
         <p:xfrm>
-          <a:off x="6828341" y="2849624"/>
+          <a:off x="7797316" y="2672916"/>
           <a:ext cx="2275698" cy="1008112"/>
         </p:xfrm>
         <a:graphic>
@@ -31625,13 +32380,18 @@
                     <a:p>
                       <a:pPr algn="ctr"/>
                       <a:r>
-                        <a:rPr lang="de-CH" b="1">
+                        <a:rPr lang="de-CH" b="1" dirty="0" err="1">
                           <a:solidFill>
                             <a:schemeClr val="accent4"/>
                           </a:solidFill>
                         </a:rPr>
                         <a:t>Healthy</a:t>
                       </a:r>
+                      <a:endParaRPr lang="de-CH" b="1" dirty="0">
+                        <a:solidFill>
+                          <a:schemeClr val="accent4"/>
+                        </a:solidFill>
+                      </a:endParaRPr>
                     </a:p>
                   </a:txBody>
                   <a:tcPr anchor="ctr">
@@ -31680,13 +32440,18 @@
                     <a:p>
                       <a:pPr algn="ctr"/>
                       <a:r>
-                        <a:rPr lang="de-CH" b="1">
+                        <a:rPr lang="de-CH" b="1" dirty="0" err="1">
                           <a:solidFill>
                             <a:schemeClr val="accent4"/>
                           </a:solidFill>
                         </a:rPr>
                         <a:t>Rugged</a:t>
                       </a:r>
+                      <a:endParaRPr lang="de-CH" b="1" dirty="0">
+                        <a:solidFill>
+                          <a:schemeClr val="accent4"/>
+                        </a:solidFill>
+                      </a:endParaRPr>
                     </a:p>
                   </a:txBody>
                   <a:tcPr anchor="ctr">
@@ -31742,7 +32507,7 @@
           <a:effectLst/>
           <a:extLst>
             <a:ext uri="{AF507438-7753-43e0-B8FC-AC1667EBCBE1}">
-              <a14:hiddenEffects xmlns:a14="http://schemas.microsoft.com/office/drawing/2010/main" xmlns="">
+              <a14:hiddenEffects xmlns="" xmlns:a14="http://schemas.microsoft.com/office/drawing/2010/main">
                 <a:effectLst>
                   <a:outerShdw blurRad="63500" dist="38099" dir="2700000" algn="ctr" rotWithShape="0">
                     <a:schemeClr val="bg2">
@@ -31869,14 +32634,14 @@
           <a:noFill/>
           <a:extLst>
             <a:ext uri="{909E8E84-426E-40dd-AFC4-6F175D3DCCD1}">
-              <a14:hiddenFill xmlns:a14="http://schemas.microsoft.com/office/drawing/2010/main" xmlns="">
+              <a14:hiddenFill xmlns="" xmlns:a14="http://schemas.microsoft.com/office/drawing/2010/main">
                 <a:solidFill>
                   <a:srgbClr val="FFFFFF"/>
                 </a:solidFill>
               </a14:hiddenFill>
             </a:ext>
             <a:ext uri="{91240B29-F687-4f45-9708-019B960494DF}">
-              <a14:hiddenLine xmlns:a14="http://schemas.microsoft.com/office/drawing/2010/main" xmlns="" w="9525">
+              <a14:hiddenLine xmlns="" xmlns:a14="http://schemas.microsoft.com/office/drawing/2010/main" w="9525">
                 <a:solidFill>
                   <a:srgbClr val="000000"/>
                 </a:solidFill>
@@ -31886,7 +32651,7 @@
               </a14:hiddenLine>
             </a:ext>
             <a:ext uri="{FAA26D3D-D897-4be2-8F04-BA451C77F1D7}">
-              <ma14:placeholderFlag xmlns:ma14="http://schemas.microsoft.com/office/mac/drawingml/2011/main" xmlns="" val="1"/>
+              <ma14:placeholderFlag xmlns="" xmlns:ma14="http://schemas.microsoft.com/office/mac/drawingml/2011/main" val="1"/>
             </a:ext>
           </a:extLst>
         </p:spPr>
@@ -32203,14 +32968,14 @@
           <a:noFill/>
           <a:extLst>
             <a:ext uri="{909E8E84-426E-40dd-AFC4-6F175D3DCCD1}">
-              <a14:hiddenFill xmlns:a14="http://schemas.microsoft.com/office/drawing/2010/main" xmlns="">
+              <a14:hiddenFill xmlns="" xmlns:a14="http://schemas.microsoft.com/office/drawing/2010/main">
                 <a:solidFill>
                   <a:srgbClr val="FFFFFF"/>
                 </a:solidFill>
               </a14:hiddenFill>
             </a:ext>
             <a:ext uri="{91240B29-F687-4f45-9708-019B960494DF}">
-              <a14:hiddenLine xmlns:a14="http://schemas.microsoft.com/office/drawing/2010/main" xmlns="" w="9525">
+              <a14:hiddenLine xmlns="" xmlns:a14="http://schemas.microsoft.com/office/drawing/2010/main" w="9525">
                 <a:solidFill>
                   <a:srgbClr val="000000"/>
                 </a:solidFill>
@@ -32369,7 +33134,7 @@
           <a:effectLst/>
           <a:extLst>
             <a:ext uri="{AF507438-7753-43e0-B8FC-AC1667EBCBE1}">
-              <a14:hiddenEffects xmlns:a14="http://schemas.microsoft.com/office/drawing/2010/main" xmlns="">
+              <a14:hiddenEffects xmlns="" xmlns:a14="http://schemas.microsoft.com/office/drawing/2010/main">
                 <a:effectLst>
                   <a:outerShdw blurRad="63500" dist="38099" dir="2700000" algn="ctr" rotWithShape="0">
                     <a:schemeClr val="bg2">
@@ -32522,7 +33287,7 @@
           <a:effectLst/>
           <a:extLst>
             <a:ext uri="{AF507438-7753-43e0-B8FC-AC1667EBCBE1}">
-              <a14:hiddenEffects xmlns:a14="http://schemas.microsoft.com/office/drawing/2010/main" xmlns="">
+              <a14:hiddenEffects xmlns="" xmlns:a14="http://schemas.microsoft.com/office/drawing/2010/main">
                 <a:effectLst>
                   <a:outerShdw blurRad="63500" dist="38099" dir="2700000" algn="ctr" rotWithShape="0">
                     <a:schemeClr val="bg2">
@@ -32613,7 +33378,7 @@
           <a:effectLst/>
           <a:extLst>
             <a:ext uri="{AF507438-7753-43e0-B8FC-AC1667EBCBE1}">
-              <a14:hiddenEffects xmlns:a14="http://schemas.microsoft.com/office/drawing/2010/main" xmlns="">
+              <a14:hiddenEffects xmlns="" xmlns:a14="http://schemas.microsoft.com/office/drawing/2010/main">
                 <a:effectLst>
                   <a:outerShdw blurRad="63500" dist="38099" dir="2700000" algn="ctr" rotWithShape="0">
                     <a:schemeClr val="bg2">
@@ -32704,7 +33469,7 @@
           <a:effectLst/>
           <a:extLst>
             <a:ext uri="{AF507438-7753-43e0-B8FC-AC1667EBCBE1}">
-              <a14:hiddenEffects xmlns:a14="http://schemas.microsoft.com/office/drawing/2010/main" xmlns="">
+              <a14:hiddenEffects xmlns="" xmlns:a14="http://schemas.microsoft.com/office/drawing/2010/main">
                 <a:effectLst>
                   <a:outerShdw blurRad="63500" dist="38099" dir="2700000" algn="ctr" rotWithShape="0">
                     <a:schemeClr val="bg2">
@@ -32795,7 +33560,7 @@
           <a:effectLst/>
           <a:extLst>
             <a:ext uri="{AF507438-7753-43e0-B8FC-AC1667EBCBE1}">
-              <a14:hiddenEffects xmlns:a14="http://schemas.microsoft.com/office/drawing/2010/main" xmlns="">
+              <a14:hiddenEffects xmlns="" xmlns:a14="http://schemas.microsoft.com/office/drawing/2010/main">
                 <a:effectLst>
                   <a:outerShdw blurRad="63500" dist="38099" dir="2700000" algn="ctr" rotWithShape="0">
                     <a:schemeClr val="bg2">
@@ -32886,7 +33651,7 @@
           <a:effectLst/>
           <a:extLst>
             <a:ext uri="{AF507438-7753-43e0-B8FC-AC1667EBCBE1}">
-              <a14:hiddenEffects xmlns:a14="http://schemas.microsoft.com/office/drawing/2010/main" xmlns="">
+              <a14:hiddenEffects xmlns="" xmlns:a14="http://schemas.microsoft.com/office/drawing/2010/main">
                 <a:effectLst>
                   <a:outerShdw blurRad="63500" dist="38099" dir="2700000" algn="ctr" rotWithShape="0">
                     <a:schemeClr val="bg2">
@@ -32978,7 +33743,7 @@
           <a:effectLst/>
           <a:extLst>
             <a:ext uri="{AF507438-7753-43e0-B8FC-AC1667EBCBE1}">
-              <a14:hiddenEffects xmlns:a14="http://schemas.microsoft.com/office/drawing/2010/main" xmlns="">
+              <a14:hiddenEffects xmlns="" xmlns:a14="http://schemas.microsoft.com/office/drawing/2010/main">
                 <a:effectLst>
                   <a:outerShdw blurRad="63500" dist="38099" dir="2700000" algn="ctr" rotWithShape="0">
                     <a:schemeClr val="bg2">
@@ -33129,7 +33894,7 @@
           <a:effectLst/>
           <a:extLst>
             <a:ext uri="{AF507438-7753-43e0-B8FC-AC1667EBCBE1}">
-              <a14:hiddenEffects xmlns:a14="http://schemas.microsoft.com/office/drawing/2010/main" xmlns="">
+              <a14:hiddenEffects xmlns="" xmlns:a14="http://schemas.microsoft.com/office/drawing/2010/main">
                 <a:effectLst>
                   <a:outerShdw blurRad="63500" dist="38099" dir="2700000" algn="ctr" rotWithShape="0">
                     <a:schemeClr val="bg2">
@@ -33220,7 +33985,7 @@
           <a:effectLst/>
           <a:extLst>
             <a:ext uri="{AF507438-7753-43e0-B8FC-AC1667EBCBE1}">
-              <a14:hiddenEffects xmlns:a14="http://schemas.microsoft.com/office/drawing/2010/main" xmlns="">
+              <a14:hiddenEffects xmlns="" xmlns:a14="http://schemas.microsoft.com/office/drawing/2010/main">
                 <a:effectLst>
                   <a:outerShdw blurRad="63500" dist="38099" dir="2700000" algn="ctr" rotWithShape="0">
                     <a:schemeClr val="bg2">
@@ -33307,7 +34072,7 @@
           <a:effectLst/>
           <a:extLst>
             <a:ext uri="{AF507438-7753-43e0-B8FC-AC1667EBCBE1}">
-              <a14:hiddenEffects xmlns:a14="http://schemas.microsoft.com/office/drawing/2010/main" xmlns="">
+              <a14:hiddenEffects xmlns="" xmlns:a14="http://schemas.microsoft.com/office/drawing/2010/main">
                 <a:effectLst>
                   <a:outerShdw blurRad="63500" dist="38099" dir="2700000" algn="ctr" rotWithShape="0">
                     <a:schemeClr val="bg2">
@@ -33396,7 +34161,7 @@
           <a:effectLst/>
           <a:extLst>
             <a:ext uri="{AF507438-7753-43e0-B8FC-AC1667EBCBE1}">
-              <a14:hiddenEffects xmlns:a14="http://schemas.microsoft.com/office/drawing/2010/main" xmlns="">
+              <a14:hiddenEffects xmlns="" xmlns:a14="http://schemas.microsoft.com/office/drawing/2010/main">
                 <a:effectLst>
                   <a:outerShdw blurRad="63500" dist="38099" dir="2700000" algn="ctr" rotWithShape="0">
                     <a:schemeClr val="bg2">
@@ -33444,7 +34209,7 @@
           <a:effectLst/>
           <a:extLst>
             <a:ext uri="{AF507438-7753-43e0-B8FC-AC1667EBCBE1}">
-              <a14:hiddenEffects xmlns:a14="http://schemas.microsoft.com/office/drawing/2010/main" xmlns="">
+              <a14:hiddenEffects xmlns="" xmlns:a14="http://schemas.microsoft.com/office/drawing/2010/main">
                 <a:effectLst>
                   <a:outerShdw blurRad="63500" dist="38099" dir="2700000" algn="ctr" rotWithShape="0">
                     <a:schemeClr val="bg2">
@@ -33495,7 +34260,7 @@
           <a:effectLst/>
           <a:extLst>
             <a:ext uri="{AF507438-7753-43e0-B8FC-AC1667EBCBE1}">
-              <a14:hiddenEffects xmlns:a14="http://schemas.microsoft.com/office/drawing/2010/main" xmlns="">
+              <a14:hiddenEffects xmlns="" xmlns:a14="http://schemas.microsoft.com/office/drawing/2010/main">
                 <a:effectLst>
                   <a:outerShdw blurRad="63500" dist="38099" dir="2700000" algn="ctr" rotWithShape="0">
                     <a:schemeClr val="bg2">
@@ -33545,7 +34310,7 @@
           <a:effectLst/>
           <a:extLst>
             <a:ext uri="{AF507438-7753-43e0-B8FC-AC1667EBCBE1}">
-              <a14:hiddenEffects xmlns:a14="http://schemas.microsoft.com/office/drawing/2010/main" xmlns="">
+              <a14:hiddenEffects xmlns="" xmlns:a14="http://schemas.microsoft.com/office/drawing/2010/main">
                 <a:effectLst>
                   <a:outerShdw blurRad="63500" dist="38099" dir="2700000" algn="ctr" rotWithShape="0">
                     <a:schemeClr val="bg2">
@@ -33595,7 +34360,7 @@
           <a:effectLst/>
           <a:extLst>
             <a:ext uri="{AF507438-7753-43e0-B8FC-AC1667EBCBE1}">
-              <a14:hiddenEffects xmlns:a14="http://schemas.microsoft.com/office/drawing/2010/main" xmlns="">
+              <a14:hiddenEffects xmlns="" xmlns:a14="http://schemas.microsoft.com/office/drawing/2010/main">
                 <a:effectLst>
                   <a:outerShdw blurRad="63500" dist="38099" dir="2700000" algn="ctr" rotWithShape="0">
                     <a:schemeClr val="bg2">
@@ -33646,7 +34411,7 @@
           <a:effectLst/>
           <a:extLst>
             <a:ext uri="{AF507438-7753-43e0-B8FC-AC1667EBCBE1}">
-              <a14:hiddenEffects xmlns:a14="http://schemas.microsoft.com/office/drawing/2010/main" xmlns="">
+              <a14:hiddenEffects xmlns="" xmlns:a14="http://schemas.microsoft.com/office/drawing/2010/main">
                 <a:effectLst>
                   <a:outerShdw blurRad="63500" dist="38099" dir="2700000" algn="ctr" rotWithShape="0">
                     <a:schemeClr val="bg2">
@@ -33697,7 +34462,7 @@
           <a:effectLst/>
           <a:extLst>
             <a:ext uri="{AF507438-7753-43e0-B8FC-AC1667EBCBE1}">
-              <a14:hiddenEffects xmlns:a14="http://schemas.microsoft.com/office/drawing/2010/main" xmlns="">
+              <a14:hiddenEffects xmlns="" xmlns:a14="http://schemas.microsoft.com/office/drawing/2010/main">
                 <a:effectLst>
                   <a:outerShdw blurRad="63500" dist="38099" dir="2700000" algn="ctr" rotWithShape="0">
                     <a:schemeClr val="bg2">
@@ -33745,7 +34510,7 @@
           <a:effectLst/>
           <a:extLst>
             <a:ext uri="{AF507438-7753-43e0-B8FC-AC1667EBCBE1}">
-              <a14:hiddenEffects xmlns:a14="http://schemas.microsoft.com/office/drawing/2010/main" xmlns="">
+              <a14:hiddenEffects xmlns="" xmlns:a14="http://schemas.microsoft.com/office/drawing/2010/main">
                 <a:effectLst>
                   <a:outerShdw blurRad="63500" dist="38099" dir="2700000" algn="ctr" rotWithShape="0">
                     <a:schemeClr val="bg2">
@@ -33832,7 +34597,7 @@
           <a:effectLst/>
           <a:extLst>
             <a:ext uri="{AF507438-7753-43e0-B8FC-AC1667EBCBE1}">
-              <a14:hiddenEffects xmlns:a14="http://schemas.microsoft.com/office/drawing/2010/main" xmlns="">
+              <a14:hiddenEffects xmlns="" xmlns:a14="http://schemas.microsoft.com/office/drawing/2010/main">
                 <a:effectLst>
                   <a:outerShdw blurRad="63500" dist="38099" dir="2700000" algn="ctr" rotWithShape="0">
                     <a:schemeClr val="bg2">
@@ -33921,7 +34686,7 @@
           <a:effectLst/>
           <a:extLst>
             <a:ext uri="{AF507438-7753-43e0-B8FC-AC1667EBCBE1}">
-              <a14:hiddenEffects xmlns:a14="http://schemas.microsoft.com/office/drawing/2010/main" xmlns="">
+              <a14:hiddenEffects xmlns="" xmlns:a14="http://schemas.microsoft.com/office/drawing/2010/main">
                 <a:effectLst>
                   <a:outerShdw blurRad="63500" dist="38099" dir="2700000" algn="ctr" rotWithShape="0">
                     <a:schemeClr val="bg2">
@@ -34282,7 +35047,7 @@
           <a:effectLst/>
           <a:extLst>
             <a:ext uri="{AF507438-7753-43e0-B8FC-AC1667EBCBE1}">
-              <a14:hiddenEffects xmlns:a14="http://schemas.microsoft.com/office/drawing/2010/main" xmlns="">
+              <a14:hiddenEffects xmlns="" xmlns:a14="http://schemas.microsoft.com/office/drawing/2010/main">
                 <a:effectLst>
                   <a:outerShdw blurRad="63500" dist="38099" dir="2700000" algn="ctr" rotWithShape="0">
                     <a:schemeClr val="bg2">
@@ -34417,14 +35182,14 @@
           <a:noFill/>
           <a:extLst>
             <a:ext uri="{909E8E84-426E-40dd-AFC4-6F175D3DCCD1}">
-              <a14:hiddenFill xmlns:a14="http://schemas.microsoft.com/office/drawing/2010/main" xmlns="">
+              <a14:hiddenFill xmlns="" xmlns:a14="http://schemas.microsoft.com/office/drawing/2010/main">
                 <a:solidFill>
                   <a:srgbClr val="FFFFFF"/>
                 </a:solidFill>
               </a14:hiddenFill>
             </a:ext>
             <a:ext uri="{91240B29-F687-4f45-9708-019B960494DF}">
-              <a14:hiddenLine xmlns:a14="http://schemas.microsoft.com/office/drawing/2010/main" xmlns="" w="9525">
+              <a14:hiddenLine xmlns="" xmlns:a14="http://schemas.microsoft.com/office/drawing/2010/main" w="9525">
                 <a:solidFill>
                   <a:srgbClr val="000000"/>
                 </a:solidFill>
@@ -34434,7 +35199,7 @@
               </a14:hiddenLine>
             </a:ext>
             <a:ext uri="{FAA26D3D-D897-4be2-8F04-BA451C77F1D7}">
-              <ma14:placeholderFlag xmlns:ma14="http://schemas.microsoft.com/office/mac/drawingml/2011/main" xmlns="" val="1"/>
+              <ma14:placeholderFlag xmlns="" xmlns:ma14="http://schemas.microsoft.com/office/mac/drawingml/2011/main" val="1"/>
             </a:ext>
           </a:extLst>
         </p:spPr>
@@ -34914,14 +35679,14 @@
           <a:noFill/>
           <a:extLst>
             <a:ext uri="{909E8E84-426E-40dd-AFC4-6F175D3DCCD1}">
-              <a14:hiddenFill xmlns:a14="http://schemas.microsoft.com/office/drawing/2010/main" xmlns="">
+              <a14:hiddenFill xmlns="" xmlns:a14="http://schemas.microsoft.com/office/drawing/2010/main">
                 <a:solidFill>
                   <a:srgbClr val="FFFFFF"/>
                 </a:solidFill>
               </a14:hiddenFill>
             </a:ext>
             <a:ext uri="{91240B29-F687-4f45-9708-019B960494DF}">
-              <a14:hiddenLine xmlns:a14="http://schemas.microsoft.com/office/drawing/2010/main" xmlns="" w="9525">
+              <a14:hiddenLine xmlns="" xmlns:a14="http://schemas.microsoft.com/office/drawing/2010/main" w="9525">
                 <a:solidFill>
                   <a:srgbClr val="000000"/>
                 </a:solidFill>
@@ -34931,7 +35696,7 @@
               </a14:hiddenLine>
             </a:ext>
             <a:ext uri="{FAA26D3D-D897-4be2-8F04-BA451C77F1D7}">
-              <ma14:placeholderFlag xmlns:ma14="http://schemas.microsoft.com/office/mac/drawingml/2011/main" xmlns="" val="1"/>
+              <ma14:placeholderFlag xmlns="" xmlns:ma14="http://schemas.microsoft.com/office/mac/drawingml/2011/main" val="1"/>
             </a:ext>
           </a:extLst>
         </p:spPr>
@@ -35661,14 +36426,14 @@
           <a:noFill/>
           <a:extLst>
             <a:ext uri="{909E8E84-426E-40dd-AFC4-6F175D3DCCD1}">
-              <a14:hiddenFill xmlns:a14="http://schemas.microsoft.com/office/drawing/2010/main" xmlns="">
+              <a14:hiddenFill xmlns="" xmlns:a14="http://schemas.microsoft.com/office/drawing/2010/main">
                 <a:solidFill>
                   <a:srgbClr val="FFFFFF"/>
                 </a:solidFill>
               </a14:hiddenFill>
             </a:ext>
             <a:ext uri="{91240B29-F687-4f45-9708-019B960494DF}">
-              <a14:hiddenLine xmlns:a14="http://schemas.microsoft.com/office/drawing/2010/main" xmlns="" w="9525">
+              <a14:hiddenLine xmlns="" xmlns:a14="http://schemas.microsoft.com/office/drawing/2010/main" w="9525">
                 <a:solidFill>
                   <a:srgbClr val="000000"/>
                 </a:solidFill>
@@ -35678,7 +36443,7 @@
               </a14:hiddenLine>
             </a:ext>
             <a:ext uri="{FAA26D3D-D897-4be2-8F04-BA451C77F1D7}">
-              <ma14:placeholderFlag xmlns:ma14="http://schemas.microsoft.com/office/mac/drawingml/2011/main" xmlns="" val="1"/>
+              <ma14:placeholderFlag xmlns="" xmlns:ma14="http://schemas.microsoft.com/office/mac/drawingml/2011/main" val="1"/>
             </a:ext>
           </a:extLst>
         </p:spPr>
@@ -35757,14 +36522,14 @@
           <a:noFill/>
           <a:extLst>
             <a:ext uri="{909E8E84-426E-40dd-AFC4-6F175D3DCCD1}">
-              <a14:hiddenFill xmlns:a14="http://schemas.microsoft.com/office/drawing/2010/main" xmlns="">
+              <a14:hiddenFill xmlns="" xmlns:a14="http://schemas.microsoft.com/office/drawing/2010/main">
                 <a:solidFill>
                   <a:srgbClr val="FFFFFF"/>
                 </a:solidFill>
               </a14:hiddenFill>
             </a:ext>
             <a:ext uri="{91240B29-F687-4f45-9708-019B960494DF}">
-              <a14:hiddenLine xmlns:a14="http://schemas.microsoft.com/office/drawing/2010/main" xmlns="" w="9525">
+              <a14:hiddenLine xmlns="" xmlns:a14="http://schemas.microsoft.com/office/drawing/2010/main" w="9525">
                 <a:solidFill>
                   <a:srgbClr val="000000"/>
                 </a:solidFill>
@@ -35847,14 +36612,14 @@
           <a:noFill/>
           <a:extLst>
             <a:ext uri="{909E8E84-426E-40dd-AFC4-6F175D3DCCD1}">
-              <a14:hiddenFill xmlns:a14="http://schemas.microsoft.com/office/drawing/2010/main" xmlns="">
+              <a14:hiddenFill xmlns="" xmlns:a14="http://schemas.microsoft.com/office/drawing/2010/main">
                 <a:solidFill>
                   <a:srgbClr val="FFFFFF"/>
                 </a:solidFill>
               </a14:hiddenFill>
             </a:ext>
             <a:ext uri="{91240B29-F687-4f45-9708-019B960494DF}">
-              <a14:hiddenLine xmlns:a14="http://schemas.microsoft.com/office/drawing/2010/main" xmlns="" w="9525">
+              <a14:hiddenLine xmlns="" xmlns:a14="http://schemas.microsoft.com/office/drawing/2010/main" w="9525">
                 <a:solidFill>
                   <a:srgbClr val="000000"/>
                 </a:solidFill>
@@ -36193,7 +36958,7 @@
         <a:effectLst/>
         <a:extLst>
           <a:ext uri="{AF507438-7753-43e0-B8FC-AC1667EBCBE1}">
-            <a14:hiddenEffects xmlns:a14="http://schemas.microsoft.com/office/drawing/2010/main" xmlns="">
+            <a14:hiddenEffects xmlns="" xmlns:a14="http://schemas.microsoft.com/office/drawing/2010/main">
               <a:effectLst>
                 <a:outerShdw blurRad="63500" dist="38099" dir="2700000" algn="ctr" rotWithShape="0">
                   <a:schemeClr val="bg2">
@@ -36271,7 +37036,7 @@
         <a:effectLst/>
         <a:extLst>
           <a:ext uri="{AF507438-7753-43e0-B8FC-AC1667EBCBE1}">
-            <a14:hiddenEffects xmlns:a14="http://schemas.microsoft.com/office/drawing/2010/main" xmlns="">
+            <a14:hiddenEffects xmlns="" xmlns:a14="http://schemas.microsoft.com/office/drawing/2010/main">
               <a:effectLst>
                 <a:outerShdw blurRad="63500" dist="38099" dir="2700000" algn="ctr" rotWithShape="0">
                   <a:schemeClr val="bg2">

--- a/about_me/BrandManagement.pptx
+++ b/about_me/BrandManagement.pptx
@@ -13,7 +13,7 @@
   <p:sldIdLst>
     <p:sldId id="848" r:id="rId2"/>
     <p:sldId id="849" r:id="rId3"/>
-    <p:sldId id="862" r:id="rId4"/>
+    <p:sldId id="869" r:id="rId4"/>
     <p:sldId id="868" r:id="rId5"/>
     <p:sldId id="865" r:id="rId6"/>
     <p:sldId id="866" r:id="rId7"/>
@@ -256,20 +256,6 @@
 </p:cmAuthorLst>
 </file>
 
-<file path=ppt/comments/comment1.xml><?xml version="1.0" encoding="utf-8"?>
-<p:cmLst xmlns:a="http://schemas.openxmlformats.org/drawingml/2006/main" xmlns:r="http://schemas.openxmlformats.org/officeDocument/2006/relationships" xmlns:p="http://schemas.openxmlformats.org/presentationml/2006/main">
-  <p:cm authorId="2" dt="2020-04-21T12:14:57.124" idx="1">
-    <p:pos x="10" y="10"/>
-    <p:text>take out spell-check</p:text>
-    <p:extLst>
-      <p:ext uri="{C676402C-5697-4E1C-873F-D02D1690AC5C}">
-        <p15:threadingInfo xmlns:p15="http://schemas.microsoft.com/office/powerpoint/2012/main" timeZoneBias="-120"/>
-      </p:ext>
-    </p:extLst>
-  </p:cm>
-</p:cmLst>
-</file>
-
 <file path=ppt/diagrams/colors1.xml><?xml version="1.0" encoding="utf-8"?>
 <dgm:colorsDef xmlns:dgm="http://schemas.openxmlformats.org/drawingml/2006/diagram" xmlns:a="http://schemas.openxmlformats.org/drawingml/2006/main" uniqueId="urn:microsoft.com/office/officeart/2005/8/colors/accent2_2">
   <dgm:title val=""/>
@@ -4827,7 +4813,7 @@
       <dgm:spPr/>
     </dgm:pt>
     <dgm:pt modelId="{C09B49A9-F287-466D-9FA8-2969A250D43B}" type="pres">
-      <dgm:prSet presAssocID="{4F70F4CF-DD21-4008-B481-6BA6CFA8606F}" presName="desTx" presStyleLbl="alignAccFollowNode1" presStyleIdx="0" presStyleCnt="1">
+      <dgm:prSet presAssocID="{4F70F4CF-DD21-4008-B481-6BA6CFA8606F}" presName="desTx" presStyleLbl="alignAccFollowNode1" presStyleIdx="0" presStyleCnt="1" custLinFactNeighborX="-1040">
         <dgm:presLayoutVars>
           <dgm:bulletEnabled val="1"/>
         </dgm:presLayoutVars>
@@ -13961,7 +13947,7 @@
             <a:fld id="{1766B9EA-E083-A94D-96A5-C5476B884CFE}" type="datetime1">
               <a:rPr lang="en-US"/>
               <a:pPr/>
-              <a:t>4/26/2020</a:t>
+              <a:t>4/27/2020</a:t>
             </a:fld>
             <a:endParaRPr lang="en-US"/>
           </a:p>
@@ -14038,7 +14024,7 @@
             <a:fld id="{B97C6CC3-1B99-CC41-8C4F-FD94DC1E3784}" type="slidenum">
               <a:rPr lang="en-US"/>
               <a:pPr/>
-              <a:t>‹#›</a:t>
+              <a:t>‹Nr.›</a:t>
             </a:fld>
             <a:endParaRPr lang="en-US"/>
           </a:p>
@@ -14152,7 +14138,7 @@
             <a:fld id="{3598794E-35F3-8D48-B244-F21DA91EADA9}" type="datetime1">
               <a:rPr lang="en-US"/>
               <a:pPr/>
-              <a:t>4/26/2020</a:t>
+              <a:t>4/27/2020</a:t>
             </a:fld>
             <a:endParaRPr lang="en-US"/>
           </a:p>
@@ -14325,7 +14311,7 @@
             <a:fld id="{2A9D45BF-071E-7C44-BE90-B011D0240A3E}" type="slidenum">
               <a:rPr lang="en-US"/>
               <a:pPr/>
-              <a:t>‹#›</a:t>
+              <a:t>‹Nr.›</a:t>
             </a:fld>
             <a:endParaRPr lang="en-US"/>
           </a:p>
@@ -14563,7 +14549,15 @@
             </a:r>
             <a:r>
               <a:rPr lang="de-CH" baseline="0" dirty="0"/>
-              <a:t> a loot at </a:t>
+              <a:t> a </a:t>
+            </a:r>
+            <a:r>
+              <a:rPr lang="de-CH" baseline="0" dirty="0" err="1"/>
+              <a:t>look</a:t>
+            </a:r>
+            <a:r>
+              <a:rPr lang="de-CH" baseline="0" dirty="0"/>
+              <a:t> at </a:t>
             </a:r>
             <a:r>
               <a:rPr lang="de-CH" baseline="0" dirty="0" err="1"/>
@@ -15446,7 +15440,7 @@
               <a:t>limitations</a:t>
             </a:r>
             <a:r>
-              <a:rPr lang="de-CH" baseline="0"/>
+              <a:rPr lang="de-CH" baseline="0" dirty="0"/>
               <a:t> and an </a:t>
             </a:r>
             <a:r>
@@ -16812,7 +16806,7 @@
     </p:spTree>
     <p:extLst>
       <p:ext uri="{BB962C8B-B14F-4D97-AF65-F5344CB8AC3E}">
-        <p14:creationId xmlns:p14="http://schemas.microsoft.com/office/powerpoint/2010/main" val="2919474434"/>
+        <p14:creationId xmlns:p14="http://schemas.microsoft.com/office/powerpoint/2010/main" val="978172659"/>
       </p:ext>
     </p:extLst>
   </p:cSld>
@@ -21817,7 +21811,7 @@
           </a:ln>
           <a:extLst>
             <a:ext uri="{91240B29-F687-4f45-9708-019B960494DF}">
-              <a14:hiddenLine xmlns="" xmlns:a14="http://schemas.microsoft.com/office/drawing/2010/main" w="9525">
+              <a14:hiddenLine xmlns:a14="http://schemas.microsoft.com/office/drawing/2010/main" xmlns="" w="9525">
                 <a:solidFill>
                   <a:srgbClr val="000000"/>
                 </a:solidFill>
@@ -21977,7 +21971,7 @@
           <a:graphicData uri="http://schemas.openxmlformats.org/presentationml/2006/ole">
             <mc:AlternateContent xmlns:mc="http://schemas.openxmlformats.org/markup-compatibility/2006">
               <mc:Choice xmlns:v="urn:schemas-microsoft-com:vml" Requires="v">
-                <p:oleObj spid="_x0000_s1034" name="think-cell Slide" r:id="rId7" imgW="38100" imgH="38100" progId="TCLayout.ActiveDocument.1">
+                <p:oleObj spid="_x0000_s1042" name="think-cell Slide" r:id="rId7" imgW="38100" imgH="38100" progId="TCLayout.ActiveDocument.1">
                   <p:embed/>
                 </p:oleObj>
               </mc:Choice>
@@ -22019,14 +22013,14 @@
                       </a:ln>
                       <a:extLst>
                         <a:ext uri="{909E8E84-426E-40dd-AFC4-6F175D3DCCD1}">
-                          <a14:hiddenFill xmlns="" xmlns:a14="http://schemas.microsoft.com/office/drawing/2010/main">
+                          <a14:hiddenFill xmlns:a14="http://schemas.microsoft.com/office/drawing/2010/main" xmlns="">
                             <a:solidFill>
                               <a:srgbClr val="FFFFFF"/>
                             </a:solidFill>
                           </a14:hiddenFill>
                         </a:ext>
                         <a:ext uri="{91240B29-F687-4f45-9708-019B960494DF}">
-                          <a14:hiddenLine xmlns="" xmlns:a14="http://schemas.microsoft.com/office/drawing/2010/main" w="9525">
+                          <a14:hiddenLine xmlns:a14="http://schemas.microsoft.com/office/drawing/2010/main" xmlns="" w="9525">
                             <a:solidFill>
                               <a:srgbClr val="000000"/>
                             </a:solidFill>
@@ -22509,14 +22503,14 @@
           </a:ln>
           <a:extLst>
             <a:ext uri="{909E8E84-426E-40dd-AFC4-6F175D3DCCD1}">
-              <a14:hiddenFill xmlns="" xmlns:a14="http://schemas.microsoft.com/office/drawing/2010/main">
+              <a14:hiddenFill xmlns:a14="http://schemas.microsoft.com/office/drawing/2010/main" xmlns="">
                 <a:solidFill>
                   <a:srgbClr val="FFFFFF"/>
                 </a:solidFill>
               </a14:hiddenFill>
             </a:ext>
             <a:ext uri="{91240B29-F687-4f45-9708-019B960494DF}">
-              <a14:hiddenLine xmlns="" xmlns:a14="http://schemas.microsoft.com/office/drawing/2010/main" w="9525">
+              <a14:hiddenLine xmlns:a14="http://schemas.microsoft.com/office/drawing/2010/main" xmlns="" w="9525">
                 <a:solidFill>
                   <a:srgbClr val="000000"/>
                 </a:solidFill>
@@ -22707,7 +22701,7 @@
           </a:ln>
           <a:extLst>
             <a:ext uri="{91240B29-F687-4f45-9708-019B960494DF}">
-              <a14:hiddenLine xmlns="" xmlns:a14="http://schemas.microsoft.com/office/drawing/2010/main" w="9525">
+              <a14:hiddenLine xmlns:a14="http://schemas.microsoft.com/office/drawing/2010/main" xmlns="" w="9525">
                 <a:solidFill>
                   <a:srgbClr val="000000"/>
                 </a:solidFill>
@@ -22867,7 +22861,7 @@
           <a:graphicData uri="http://schemas.openxmlformats.org/presentationml/2006/ole">
             <mc:AlternateContent xmlns:mc="http://schemas.openxmlformats.org/markup-compatibility/2006">
               <mc:Choice xmlns:v="urn:schemas-microsoft-com:vml" Requires="v">
-                <p:oleObj spid="_x0000_s2058" name="think-cell Slide" r:id="rId7" imgW="38100" imgH="38100" progId="TCLayout.ActiveDocument.1">
+                <p:oleObj spid="_x0000_s2066" name="think-cell Slide" r:id="rId7" imgW="38100" imgH="38100" progId="TCLayout.ActiveDocument.1">
                   <p:embed/>
                 </p:oleObj>
               </mc:Choice>
@@ -22909,14 +22903,14 @@
                       </a:ln>
                       <a:extLst>
                         <a:ext uri="{909E8E84-426E-40dd-AFC4-6F175D3DCCD1}">
-                          <a14:hiddenFill xmlns="" xmlns:a14="http://schemas.microsoft.com/office/drawing/2010/main">
+                          <a14:hiddenFill xmlns:a14="http://schemas.microsoft.com/office/drawing/2010/main" xmlns="">
                             <a:solidFill>
                               <a:srgbClr val="FFFFFF"/>
                             </a:solidFill>
                           </a14:hiddenFill>
                         </a:ext>
                         <a:ext uri="{91240B29-F687-4f45-9708-019B960494DF}">
-                          <a14:hiddenLine xmlns="" xmlns:a14="http://schemas.microsoft.com/office/drawing/2010/main" w="9525">
+                          <a14:hiddenLine xmlns:a14="http://schemas.microsoft.com/office/drawing/2010/main" xmlns="" w="9525">
                             <a:solidFill>
                               <a:srgbClr val="000000"/>
                             </a:solidFill>
@@ -23399,14 +23393,14 @@
           </a:ln>
           <a:extLst>
             <a:ext uri="{909E8E84-426E-40dd-AFC4-6F175D3DCCD1}">
-              <a14:hiddenFill xmlns="" xmlns:a14="http://schemas.microsoft.com/office/drawing/2010/main">
+              <a14:hiddenFill xmlns:a14="http://schemas.microsoft.com/office/drawing/2010/main" xmlns="">
                 <a:solidFill>
                   <a:srgbClr val="FFFFFF"/>
                 </a:solidFill>
               </a14:hiddenFill>
             </a:ext>
             <a:ext uri="{91240B29-F687-4f45-9708-019B960494DF}">
-              <a14:hiddenLine xmlns="" xmlns:a14="http://schemas.microsoft.com/office/drawing/2010/main" w="9525">
+              <a14:hiddenLine xmlns:a14="http://schemas.microsoft.com/office/drawing/2010/main" xmlns="" w="9525">
                 <a:solidFill>
                   <a:srgbClr val="000000"/>
                 </a:solidFill>
@@ -23611,14 +23605,14 @@
           </a:ln>
           <a:extLst>
             <a:ext uri="{909E8E84-426E-40dd-AFC4-6F175D3DCCD1}">
-              <a14:hiddenFill xmlns="" xmlns:a14="http://schemas.microsoft.com/office/drawing/2010/main">
+              <a14:hiddenFill xmlns:a14="http://schemas.microsoft.com/office/drawing/2010/main" xmlns="">
                 <a:solidFill>
                   <a:srgbClr val="FFFFFF"/>
                 </a:solidFill>
               </a14:hiddenFill>
             </a:ext>
             <a:ext uri="{91240B29-F687-4f45-9708-019B960494DF}">
-              <a14:hiddenLine xmlns="" xmlns:a14="http://schemas.microsoft.com/office/drawing/2010/main" w="9525">
+              <a14:hiddenLine xmlns:a14="http://schemas.microsoft.com/office/drawing/2010/main" xmlns="" w="9525">
                 <a:solidFill>
                   <a:srgbClr val="000000"/>
                 </a:solidFill>
@@ -25496,7 +25490,7 @@
                 <a:latin typeface="Neutraface Text Bold" charset="0"/>
               </a:rPr>
               <a:pPr algn="r" eaLnBrk="1" hangingPunct="1"/>
-              <a:t>‹#›</a:t>
+              <a:t>‹Nr.›</a:t>
             </a:fld>
             <a:endParaRPr lang="en-US" sz="2800" b="1">
               <a:solidFill>
@@ -26726,14 +26720,14 @@
           </a:ln>
           <a:extLst>
             <a:ext uri="{909E8E84-426E-40dd-AFC4-6F175D3DCCD1}">
-              <a14:hiddenFill xmlns="" xmlns:a14="http://schemas.microsoft.com/office/drawing/2010/main">
+              <a14:hiddenFill xmlns:a14="http://schemas.microsoft.com/office/drawing/2010/main" xmlns="">
                 <a:solidFill>
                   <a:srgbClr val="FFFFFF"/>
                 </a:solidFill>
               </a14:hiddenFill>
             </a:ext>
             <a:ext uri="{91240B29-F687-4f45-9708-019B960494DF}">
-              <a14:hiddenLine xmlns="" xmlns:a14="http://schemas.microsoft.com/office/drawing/2010/main" w="9525">
+              <a14:hiddenLine xmlns:a14="http://schemas.microsoft.com/office/drawing/2010/main" xmlns="" w="9525">
                 <a:solidFill>
                   <a:srgbClr val="000000"/>
                 </a:solidFill>
@@ -27428,7 +27422,7 @@
           </a:xfrm>
           <a:extLst>
             <a:ext uri="{91240B29-F687-4f45-9708-019B960494DF}">
-              <a14:hiddenLine xmlns="" xmlns:a14="http://schemas.microsoft.com/office/drawing/2010/main" w="9525">
+              <a14:hiddenLine xmlns:a14="http://schemas.microsoft.com/office/drawing/2010/main" xmlns="" w="9525">
                 <a:solidFill>
                   <a:srgbClr val="000000"/>
                 </a:solidFill>
@@ -27456,15 +27450,31 @@
               </a:spcAft>
             </a:pPr>
             <a:r>
-              <a:rPr lang="de-CH">
+              <a:rPr lang="de-CH" dirty="0">
                 <a:latin typeface="Source Sans Pro Semibold" charset="0"/>
                 <a:ea typeface="ヒラギノ角ゴ ProN W3" charset="0"/>
                 <a:cs typeface="Source Sans Pro Semibold" charset="0"/>
               </a:rPr>
-              <a:t>Visual Listening: Extracting </a:t>
-            </a:r>
-            <a:r>
-              <a:rPr lang="de-CH">
+              <a:t>Visual Listening In: </a:t>
+            </a:r>
+            <a:r>
+              <a:rPr lang="de-CH" dirty="0" err="1">
+                <a:latin typeface="Source Sans Pro Semibold" charset="0"/>
+                <a:ea typeface="ヒラギノ角ゴ ProN W3" charset="0"/>
+                <a:cs typeface="Source Sans Pro Semibold" charset="0"/>
+              </a:rPr>
+              <a:t>Extracting</a:t>
+            </a:r>
+            <a:r>
+              <a:rPr lang="de-CH" dirty="0">
+                <a:latin typeface="Source Sans Pro Semibold" charset="0"/>
+                <a:ea typeface="ヒラギノ角ゴ ProN W3" charset="0"/>
+                <a:cs typeface="Source Sans Pro Semibold" charset="0"/>
+              </a:rPr>
+              <a:t> </a:t>
+            </a:r>
+            <a:r>
+              <a:rPr lang="de-CH" dirty="0">
                 <a:solidFill>
                   <a:schemeClr val="bg1"/>
                 </a:solidFill>
@@ -27475,12 +27485,36 @@
               <a:t>Brand Image </a:t>
             </a:r>
             <a:r>
-              <a:rPr lang="de-CH">
+              <a:rPr lang="de-CH" dirty="0" err="1">
                 <a:latin typeface="Source Sans Pro Semibold" charset="0"/>
                 <a:ea typeface="ヒラギノ角ゴ ProN W3" charset="0"/>
                 <a:cs typeface="Source Sans Pro Semibold" charset="0"/>
               </a:rPr>
-              <a:t>Portrayed on Social Media</a:t>
+              <a:t>Portrayed</a:t>
+            </a:r>
+            <a:r>
+              <a:rPr lang="de-CH" dirty="0">
+                <a:latin typeface="Source Sans Pro Semibold" charset="0"/>
+                <a:ea typeface="ヒラギノ角ゴ ProN W3" charset="0"/>
+                <a:cs typeface="Source Sans Pro Semibold" charset="0"/>
+              </a:rPr>
+              <a:t> on </a:t>
+            </a:r>
+            <a:r>
+              <a:rPr lang="de-CH" dirty="0" err="1">
+                <a:latin typeface="Source Sans Pro Semibold" charset="0"/>
+                <a:ea typeface="ヒラギノ角ゴ ProN W3" charset="0"/>
+                <a:cs typeface="Source Sans Pro Semibold" charset="0"/>
+              </a:rPr>
+              <a:t>Social</a:t>
+            </a:r>
+            <a:r>
+              <a:rPr lang="de-CH" dirty="0">
+                <a:latin typeface="Source Sans Pro Semibold" charset="0"/>
+                <a:ea typeface="ヒラギノ角ゴ ProN W3" charset="0"/>
+                <a:cs typeface="Source Sans Pro Semibold" charset="0"/>
+              </a:rPr>
+              <a:t> Media</a:t>
             </a:r>
           </a:p>
           <a:p>
@@ -27493,14 +27527,14 @@
               </a:spcAft>
             </a:pPr>
             <a:r>
-              <a:rPr lang="en-US">
+              <a:rPr lang="en-US" dirty="0">
                 <a:latin typeface="Neutraface Text Book" charset="0"/>
                 <a:ea typeface="ヒラギノ角ゴ ProN W3" charset="0"/>
                 <a:cs typeface="Neutraface Text Book" charset="0"/>
               </a:rPr>
-              <a:t>21 April 2020 - Zurich</a:t>
-            </a:r>
-            <a:endParaRPr lang="de-CH">
+              <a:t>27 April 2020 - Zurich</a:t>
+            </a:r>
+            <a:endParaRPr lang="de-CH" dirty="0">
               <a:latin typeface="Source Sans Pro Semibold" charset="0"/>
               <a:ea typeface="ヒラギノ角ゴ ProN W3" charset="0"/>
               <a:cs typeface="Source Sans Pro Semibold" charset="0"/>
@@ -27526,14 +27560,14 @@
           <a:noFill/>
           <a:extLst>
             <a:ext uri="{909E8E84-426E-40dd-AFC4-6F175D3DCCD1}">
-              <a14:hiddenFill xmlns="" xmlns:a14="http://schemas.microsoft.com/office/drawing/2010/main">
+              <a14:hiddenFill xmlns:a14="http://schemas.microsoft.com/office/drawing/2010/main" xmlns="">
                 <a:solidFill>
                   <a:srgbClr val="FFFFFF"/>
                 </a:solidFill>
               </a14:hiddenFill>
             </a:ext>
             <a:ext uri="{91240B29-F687-4f45-9708-019B960494DF}">
-              <a14:hiddenLine xmlns="" xmlns:a14="http://schemas.microsoft.com/office/drawing/2010/main" w="9525">
+              <a14:hiddenLine xmlns:a14="http://schemas.microsoft.com/office/drawing/2010/main" xmlns="" w="9525">
                 <a:solidFill>
                   <a:srgbClr val="000000"/>
                 </a:solidFill>
@@ -27543,7 +27577,7 @@
               </a14:hiddenLine>
             </a:ext>
             <a:ext uri="{FAA26D3D-D897-4be2-8F04-BA451C77F1D7}">
-              <ma14:placeholderFlag xmlns="" xmlns:ma14="http://schemas.microsoft.com/office/mac/drawingml/2011/main" val="1"/>
+              <ma14:placeholderFlag xmlns:ma14="http://schemas.microsoft.com/office/mac/drawingml/2011/main" xmlns="" val="1"/>
             </a:ext>
           </a:extLst>
         </p:spPr>
@@ -27593,14 +27627,14 @@
           <a:noFill/>
           <a:extLst>
             <a:ext uri="{909E8E84-426E-40dd-AFC4-6F175D3DCCD1}">
-              <a14:hiddenFill xmlns="" xmlns:a14="http://schemas.microsoft.com/office/drawing/2010/main">
+              <a14:hiddenFill xmlns:a14="http://schemas.microsoft.com/office/drawing/2010/main" xmlns="">
                 <a:solidFill>
                   <a:srgbClr val="FFFFFF"/>
                 </a:solidFill>
               </a14:hiddenFill>
             </a:ext>
             <a:ext uri="{91240B29-F687-4f45-9708-019B960494DF}">
-              <a14:hiddenLine xmlns="" xmlns:a14="http://schemas.microsoft.com/office/drawing/2010/main" w="9525">
+              <a14:hiddenLine xmlns:a14="http://schemas.microsoft.com/office/drawing/2010/main" xmlns="" w="9525">
                 <a:solidFill>
                   <a:srgbClr val="000000"/>
                 </a:solidFill>
@@ -27664,7 +27698,7 @@
           <a:effectLst/>
           <a:extLst>
             <a:ext uri="{AF507438-7753-43e0-B8FC-AC1667EBCBE1}">
-              <a14:hiddenEffects xmlns="" xmlns:a14="http://schemas.microsoft.com/office/drawing/2010/main">
+              <a14:hiddenEffects xmlns:a14="http://schemas.microsoft.com/office/drawing/2010/main" xmlns="">
                 <a:effectLst>
                   <a:outerShdw blurRad="63500" dist="38099" dir="2700000" algn="ctr" rotWithShape="0">
                     <a:schemeClr val="bg2">
@@ -27677,78 +27711,6 @@
           </a:extLst>
         </p:spPr>
       </p:cxnSp>
-      <p:sp>
-        <p:nvSpPr>
-          <p:cNvPr id="2" name="TextBox 1"/>
-          <p:cNvSpPr txBox="1"/>
-          <p:nvPr/>
-        </p:nvSpPr>
-        <p:spPr>
-          <a:xfrm>
-            <a:off x="-1870806" y="80628"/>
-            <a:ext cx="1757139" cy="3046988"/>
-          </a:xfrm>
-          <a:prstGeom prst="rect">
-            <a:avLst/>
-          </a:prstGeom>
-          <a:solidFill>
-            <a:srgbClr val="FFD13F"/>
-          </a:solidFill>
-        </p:spPr>
-        <p:txBody>
-          <a:bodyPr wrap="square" rtlCol="0">
-            <a:spAutoFit/>
-          </a:bodyPr>
-          <a:lstStyle/>
-          <a:p>
-            <a:r>
-              <a:rPr lang="en-US" sz="1200"/>
-              <a:t>The final PowerPoint presentation should be max. 5 slide describing briefly </a:t>
-            </a:r>
-          </a:p>
-          <a:p>
-            <a:r>
-              <a:rPr lang="en-US" sz="1200">
-                <a:solidFill>
-                  <a:srgbClr val="00B050"/>
-                </a:solidFill>
-              </a:rPr>
-              <a:t>(1) the task </a:t>
-            </a:r>
-          </a:p>
-          <a:p>
-            <a:r>
-              <a:rPr lang="en-US" sz="1200"/>
-              <a:t>(2) the input/output </a:t>
-            </a:r>
-          </a:p>
-          <a:p>
-            <a:r>
-              <a:rPr lang="en-US" sz="1200">
-                <a:solidFill>
-                  <a:srgbClr val="00B050"/>
-                </a:solidFill>
-              </a:rPr>
-              <a:t>(3) all steps taken (process flow diagram)</a:t>
-            </a:r>
-          </a:p>
-          <a:p>
-            <a:r>
-              <a:rPr lang="en-US" sz="1200"/>
-              <a:t>(4) the main problems for each step</a:t>
-            </a:r>
-          </a:p>
-          <a:p>
-            <a:r>
-              <a:rPr lang="en-US" sz="1200"/>
-              <a:t>(5) the (meaningful) ways to improve your projects furthers if you would have gotten more time</a:t>
-            </a:r>
-          </a:p>
-          <a:p>
-            <a:endParaRPr lang="en-US" sz="1200"/>
-          </a:p>
-        </p:txBody>
-      </p:sp>
     </p:spTree>
   </p:cSld>
   <p:clrMapOvr>
@@ -27793,14 +27755,14 @@
           <a:noFill/>
           <a:extLst>
             <a:ext uri="{909E8E84-426E-40dd-AFC4-6F175D3DCCD1}">
-              <a14:hiddenFill xmlns="" xmlns:a14="http://schemas.microsoft.com/office/drawing/2010/main">
+              <a14:hiddenFill xmlns:a14="http://schemas.microsoft.com/office/drawing/2010/main" xmlns="">
                 <a:solidFill>
                   <a:srgbClr val="FFFFFF"/>
                 </a:solidFill>
               </a14:hiddenFill>
             </a:ext>
             <a:ext uri="{91240B29-F687-4f45-9708-019B960494DF}">
-              <a14:hiddenLine xmlns="" xmlns:a14="http://schemas.microsoft.com/office/drawing/2010/main" w="9525">
+              <a14:hiddenLine xmlns:a14="http://schemas.microsoft.com/office/drawing/2010/main" xmlns="" w="9525">
                 <a:solidFill>
                   <a:srgbClr val="000000"/>
                 </a:solidFill>
@@ -27853,14 +27815,14 @@
           <a:noFill/>
           <a:extLst>
             <a:ext uri="{909E8E84-426E-40dd-AFC4-6F175D3DCCD1}">
-              <a14:hiddenFill xmlns="" xmlns:a14="http://schemas.microsoft.com/office/drawing/2010/main">
+              <a14:hiddenFill xmlns:a14="http://schemas.microsoft.com/office/drawing/2010/main" xmlns="">
                 <a:solidFill>
                   <a:srgbClr val="FFFFFF"/>
                 </a:solidFill>
               </a14:hiddenFill>
             </a:ext>
             <a:ext uri="{91240B29-F687-4f45-9708-019B960494DF}">
-              <a14:hiddenLine xmlns="" xmlns:a14="http://schemas.microsoft.com/office/drawing/2010/main" w="9525">
+              <a14:hiddenLine xmlns:a14="http://schemas.microsoft.com/office/drawing/2010/main" xmlns="" w="9525">
                 <a:solidFill>
                   <a:srgbClr val="000000"/>
                 </a:solidFill>
@@ -28234,8 +28196,8 @@
               <a:defRPr/>
             </a:pPr>
             <a:r>
-              <a:rPr lang="de-DE"/>
-              <a:t>AI4Marketing</a:t>
+              <a:rPr lang="de-DE" dirty="0"/>
+              <a:t>DL4Marketing</a:t>
             </a:r>
           </a:p>
         </p:txBody>
@@ -28258,14 +28220,14 @@
           <a:noFill/>
           <a:extLst>
             <a:ext uri="{909E8E84-426E-40dd-AFC4-6F175D3DCCD1}">
-              <a14:hiddenFill xmlns="" xmlns:a14="http://schemas.microsoft.com/office/drawing/2010/main">
+              <a14:hiddenFill xmlns:a14="http://schemas.microsoft.com/office/drawing/2010/main" xmlns="">
                 <a:solidFill>
                   <a:srgbClr val="FFFFFF"/>
                 </a:solidFill>
               </a14:hiddenFill>
             </a:ext>
             <a:ext uri="{91240B29-F687-4f45-9708-019B960494DF}">
-              <a14:hiddenLine xmlns="" xmlns:a14="http://schemas.microsoft.com/office/drawing/2010/main" w="9525">
+              <a14:hiddenLine xmlns:a14="http://schemas.microsoft.com/office/drawing/2010/main" xmlns="" w="9525">
                 <a:solidFill>
                   <a:srgbClr val="000000"/>
                 </a:solidFill>
@@ -28275,7 +28237,7 @@
               </a14:hiddenLine>
             </a:ext>
             <a:ext uri="{FAA26D3D-D897-4be2-8F04-BA451C77F1D7}">
-              <ma14:placeholderFlag xmlns="" xmlns:ma14="http://schemas.microsoft.com/office/mac/drawingml/2011/main" val="1"/>
+              <ma14:placeholderFlag xmlns:ma14="http://schemas.microsoft.com/office/mac/drawingml/2011/main" xmlns="" val="1"/>
             </a:ext>
           </a:extLst>
         </p:spPr>
@@ -28354,14 +28316,14 @@
           <a:noFill/>
           <a:extLst>
             <a:ext uri="{909E8E84-426E-40dd-AFC4-6F175D3DCCD1}">
-              <a14:hiddenFill xmlns="" xmlns:a14="http://schemas.microsoft.com/office/drawing/2010/main">
+              <a14:hiddenFill xmlns:a14="http://schemas.microsoft.com/office/drawing/2010/main" xmlns="">
                 <a:solidFill>
                   <a:srgbClr val="FFFFFF"/>
                 </a:solidFill>
               </a14:hiddenFill>
             </a:ext>
             <a:ext uri="{91240B29-F687-4f45-9708-019B960494DF}">
-              <a14:hiddenLine xmlns="" xmlns:a14="http://schemas.microsoft.com/office/drawing/2010/main" w="9525">
+              <a14:hiddenLine xmlns:a14="http://schemas.microsoft.com/office/drawing/2010/main" xmlns="" w="9525">
                 <a:solidFill>
                   <a:srgbClr val="000000"/>
                 </a:solidFill>
@@ -28409,14 +28371,14 @@
           <a:noFill/>
           <a:extLst>
             <a:ext uri="{909E8E84-426E-40dd-AFC4-6F175D3DCCD1}">
-              <a14:hiddenFill xmlns="" xmlns:a14="http://schemas.microsoft.com/office/drawing/2010/main">
+              <a14:hiddenFill xmlns:a14="http://schemas.microsoft.com/office/drawing/2010/main" xmlns="">
                 <a:solidFill>
                   <a:srgbClr val="FFFFFF"/>
                 </a:solidFill>
               </a14:hiddenFill>
             </a:ext>
             <a:ext uri="{91240B29-F687-4f45-9708-019B960494DF}">
-              <a14:hiddenLine xmlns="" xmlns:a14="http://schemas.microsoft.com/office/drawing/2010/main" w="9525">
+              <a14:hiddenLine xmlns:a14="http://schemas.microsoft.com/office/drawing/2010/main" xmlns="" w="9525">
                 <a:solidFill>
                   <a:srgbClr val="000000"/>
                 </a:solidFill>
@@ -28437,10 +28399,10 @@
           <a:p>
             <a:pPr marL="0" indent="0">
               <a:spcBef>
-                <a:spcPts val="0"/>
+                <a:spcPts val="300"/>
               </a:spcBef>
               <a:spcAft>
-                <a:spcPts val="0"/>
+                <a:spcPts val="300"/>
               </a:spcAft>
               <a:buNone/>
               <a:tabLst>
@@ -28483,10 +28445,10 @@
           <a:p>
             <a:pPr marL="0" indent="0">
               <a:spcBef>
-                <a:spcPts val="0"/>
+                <a:spcPts val="300"/>
               </a:spcBef>
               <a:spcAft>
-                <a:spcPts val="0"/>
+                <a:spcPts val="300"/>
               </a:spcAft>
               <a:buNone/>
               <a:tabLst>
@@ -28557,13 +28519,13 @@
           <p:nvPr>
             <p:extLst>
               <p:ext uri="{D42A27DB-BD31-4B8C-83A1-F6EECF244321}">
-                <p14:modId xmlns:p14="http://schemas.microsoft.com/office/powerpoint/2010/main" val="2764603965"/>
+                <p14:modId xmlns:p14="http://schemas.microsoft.com/office/powerpoint/2010/main" val="1555008760"/>
               </p:ext>
             </p:extLst>
           </p:nvPr>
         </p:nvGraphicFramePr>
         <p:xfrm>
-          <a:off x="619125" y="3533783"/>
+          <a:off x="568728" y="3717032"/>
           <a:ext cx="2173635" cy="1673889"/>
         </p:xfrm>
         <a:graphic>
@@ -28587,13 +28549,13 @@
           <p:nvPr>
             <p:extLst>
               <p:ext uri="{D42A27DB-BD31-4B8C-83A1-F6EECF244321}">
-                <p14:modId xmlns:p14="http://schemas.microsoft.com/office/powerpoint/2010/main" val="2947203165"/>
+                <p14:modId xmlns:p14="http://schemas.microsoft.com/office/powerpoint/2010/main" val="2664247576"/>
               </p:ext>
             </p:extLst>
           </p:nvPr>
         </p:nvGraphicFramePr>
         <p:xfrm>
-          <a:off x="7099443" y="3533783"/>
+          <a:off x="7172016" y="3726017"/>
           <a:ext cx="2173635" cy="1611195"/>
         </p:xfrm>
         <a:graphic>
@@ -28617,13 +28579,13 @@
           <p:nvPr>
             <p:extLst>
               <p:ext uri="{D42A27DB-BD31-4B8C-83A1-F6EECF244321}">
-                <p14:modId xmlns:p14="http://schemas.microsoft.com/office/powerpoint/2010/main" val="1301867484"/>
+                <p14:modId xmlns:p14="http://schemas.microsoft.com/office/powerpoint/2010/main" val="1340853970"/>
               </p:ext>
             </p:extLst>
           </p:nvPr>
         </p:nvGraphicFramePr>
         <p:xfrm>
-          <a:off x="3859284" y="3502692"/>
+          <a:off x="3866182" y="3573016"/>
           <a:ext cx="2173635" cy="973573"/>
         </p:xfrm>
         <a:graphic>
@@ -28647,13 +28609,13 @@
           <p:nvPr>
             <p:extLst>
               <p:ext uri="{D42A27DB-BD31-4B8C-83A1-F6EECF244321}">
-                <p14:modId xmlns:p14="http://schemas.microsoft.com/office/powerpoint/2010/main" val="182136728"/>
+                <p14:modId xmlns:p14="http://schemas.microsoft.com/office/powerpoint/2010/main" val="1734153215"/>
               </p:ext>
             </p:extLst>
           </p:nvPr>
         </p:nvGraphicFramePr>
         <p:xfrm>
-          <a:off x="3866182" y="4777992"/>
+          <a:off x="3866182" y="5265204"/>
           <a:ext cx="2173635" cy="973573"/>
         </p:xfrm>
         <a:graphic>
@@ -28690,7 +28652,7 @@
         </p:blipFill>
         <p:spPr>
           <a:xfrm rot="21087087">
-            <a:off x="2897324" y="3665937"/>
+            <a:off x="2897324" y="3775610"/>
             <a:ext cx="720000" cy="720000"/>
           </a:xfrm>
           <a:prstGeom prst="rect">
@@ -28726,7 +28688,7 @@
         </p:blipFill>
         <p:spPr>
           <a:xfrm rot="3292379">
-            <a:off x="6319537" y="3626014"/>
+            <a:off x="6282710" y="3750598"/>
             <a:ext cx="720000" cy="720000"/>
           </a:xfrm>
           <a:prstGeom prst="rect">
@@ -28762,7 +28724,7 @@
         </p:blipFill>
         <p:spPr>
           <a:xfrm>
-            <a:off x="1355959" y="4245693"/>
+            <a:off x="1316676" y="4401188"/>
             <a:ext cx="720000" cy="720000"/>
           </a:xfrm>
           <a:prstGeom prst="rect">
@@ -28798,7 +28760,7 @@
         </p:blipFill>
         <p:spPr>
           <a:xfrm>
-            <a:off x="7826260" y="4195650"/>
+            <a:off x="7905328" y="4401188"/>
             <a:ext cx="720000" cy="720000"/>
           </a:xfrm>
           <a:prstGeom prst="rect">
@@ -28834,7 +28796,7 @@
         </p:blipFill>
         <p:spPr>
           <a:xfrm>
-            <a:off x="4586101" y="3747519"/>
+            <a:off x="4586101" y="3825044"/>
             <a:ext cx="720000" cy="720000"/>
           </a:xfrm>
           <a:prstGeom prst="rect">
@@ -28870,7 +28832,7 @@
         </p:blipFill>
         <p:spPr>
           <a:xfrm>
-            <a:off x="4682999" y="5157192"/>
+            <a:off x="4682999" y="5589240"/>
             <a:ext cx="540000" cy="540000"/>
           </a:xfrm>
           <a:prstGeom prst="rect">
@@ -28892,13 +28854,13 @@
         </p:nvSpPr>
         <p:spPr bwMode="auto">
           <a:xfrm>
-            <a:off x="176782" y="5144978"/>
+            <a:off x="144673" y="5476599"/>
             <a:ext cx="2557091" cy="696290"/>
           </a:xfrm>
           <a:prstGeom prst="wedgeRoundRectCallout">
             <a:avLst>
-              <a:gd name="adj1" fmla="val -4092"/>
-              <a:gd name="adj2" fmla="val -84778"/>
+              <a:gd name="adj1" fmla="val -3595"/>
+              <a:gd name="adj2" fmla="val -81130"/>
               <a:gd name="adj3" fmla="val 16667"/>
             </a:avLst>
           </a:prstGeom>
@@ -28915,7 +28877,7 @@
           <a:effectLst/>
           <a:extLst>
             <a:ext uri="{AF507438-7753-43e0-B8FC-AC1667EBCBE1}">
-              <a14:hiddenEffects xmlns="" xmlns:a14="http://schemas.microsoft.com/office/drawing/2010/main">
+              <a14:hiddenEffects xmlns:a14="http://schemas.microsoft.com/office/drawing/2010/main" xmlns="">
                 <a:effectLst>
                   <a:outerShdw blurRad="63500" dist="38099" dir="2700000" algn="ctr" rotWithShape="0">
                     <a:schemeClr val="bg2">
@@ -29075,13 +29037,13 @@
         </p:nvSpPr>
         <p:spPr bwMode="auto">
           <a:xfrm>
-            <a:off x="5550796" y="4462782"/>
+            <a:off x="5454489" y="4581128"/>
             <a:ext cx="1405813" cy="280096"/>
           </a:xfrm>
           <a:prstGeom prst="wedgeRoundRectCallout">
             <a:avLst>
-              <a:gd name="adj1" fmla="val -79324"/>
-              <a:gd name="adj2" fmla="val -6592"/>
+              <a:gd name="adj1" fmla="val -80227"/>
+              <a:gd name="adj2" fmla="val 79557"/>
               <a:gd name="adj3" fmla="val 16667"/>
             </a:avLst>
           </a:prstGeom>
@@ -29098,7 +29060,7 @@
           <a:effectLst/>
           <a:extLst>
             <a:ext uri="{AF507438-7753-43e0-B8FC-AC1667EBCBE1}">
-              <a14:hiddenEffects xmlns="" xmlns:a14="http://schemas.microsoft.com/office/drawing/2010/main">
+              <a14:hiddenEffects xmlns:a14="http://schemas.microsoft.com/office/drawing/2010/main" xmlns="">
                 <a:effectLst>
                   <a:outerShdw blurRad="63500" dist="38099" dir="2700000" algn="ctr" rotWithShape="0">
                     <a:schemeClr val="bg2">
@@ -29135,7 +29097,7 @@
               <a:tabLst/>
             </a:pPr>
             <a:r>
-              <a:rPr kumimoji="0" lang="de-CH" sz="1200" b="0" i="0" u="none" strike="noStrike" cap="none" normalizeH="0" baseline="0">
+              <a:rPr kumimoji="0" lang="de-CH" sz="1200" b="0" i="0" u="none" strike="noStrike" cap="none" normalizeH="0" baseline="0" dirty="0">
                 <a:ln>
                   <a:noFill/>
                 </a:ln>
@@ -29148,8 +29110,37 @@
                 <a:cs typeface="ヒラギノ角ゴ ProN W3" charset="0"/>
                 <a:sym typeface="Neutraface Text Book" charset="0"/>
               </a:rPr>
-              <a:t>Model Prediction</a:t>
-            </a:r>
+              <a:t>Model </a:t>
+            </a:r>
+            <a:r>
+              <a:rPr kumimoji="0" lang="de-CH" sz="1200" b="0" i="0" u="none" strike="noStrike" cap="none" normalizeH="0" baseline="0" dirty="0" err="1">
+                <a:ln>
+                  <a:noFill/>
+                </a:ln>
+                <a:solidFill>
+                  <a:srgbClr val="000000"/>
+                </a:solidFill>
+                <a:effectLst/>
+                <a:latin typeface="Neutraface Text Book" charset="0"/>
+                <a:ea typeface="ヒラギノ角ゴ ProN W3" charset="0"/>
+                <a:cs typeface="ヒラギノ角ゴ ProN W3" charset="0"/>
+                <a:sym typeface="Neutraface Text Book" charset="0"/>
+              </a:rPr>
+              <a:t>Prediction</a:t>
+            </a:r>
+            <a:endParaRPr kumimoji="0" lang="de-CH" sz="1200" b="0" i="0" u="none" strike="noStrike" cap="none" normalizeH="0" baseline="0" dirty="0">
+              <a:ln>
+                <a:noFill/>
+              </a:ln>
+              <a:solidFill>
+                <a:srgbClr val="000000"/>
+              </a:solidFill>
+              <a:effectLst/>
+              <a:latin typeface="Neutraface Text Book" charset="0"/>
+              <a:ea typeface="ヒラギノ角ゴ ProN W3" charset="0"/>
+              <a:cs typeface="ヒラギノ角ゴ ProN W3" charset="0"/>
+              <a:sym typeface="Neutraface Text Book" charset="0"/>
+            </a:endParaRPr>
           </a:p>
         </p:txBody>
       </p:sp>
@@ -29167,13 +29158,13 @@
         </p:nvSpPr>
         <p:spPr bwMode="auto">
           <a:xfrm>
-            <a:off x="8114729" y="5144977"/>
+            <a:off x="7664530" y="5467200"/>
             <a:ext cx="1710490" cy="696291"/>
           </a:xfrm>
           <a:prstGeom prst="wedgeRoundRectCallout">
             <a:avLst>
-              <a:gd name="adj1" fmla="val 3536"/>
-              <a:gd name="adj2" fmla="val -67053"/>
+              <a:gd name="adj1" fmla="val 566"/>
+              <a:gd name="adj2" fmla="val -83469"/>
               <a:gd name="adj3" fmla="val 16667"/>
             </a:avLst>
           </a:prstGeom>
@@ -29190,7 +29181,7 @@
           <a:effectLst/>
           <a:extLst>
             <a:ext uri="{AF507438-7753-43e0-B8FC-AC1667EBCBE1}">
-              <a14:hiddenEffects xmlns="" xmlns:a14="http://schemas.microsoft.com/office/drawing/2010/main">
+              <a14:hiddenEffects xmlns:a14="http://schemas.microsoft.com/office/drawing/2010/main" xmlns="">
                 <a:effectLst>
                   <a:outerShdw blurRad="63500" dist="38099" dir="2700000" algn="ctr" rotWithShape="0">
                     <a:schemeClr val="bg2">
@@ -29305,8 +29296,8 @@
         </p:blipFill>
         <p:spPr>
           <a:xfrm rot="5400000">
-            <a:off x="4830067" y="4452053"/>
-            <a:ext cx="245866" cy="360000"/>
+            <a:off x="4772031" y="4616183"/>
+            <a:ext cx="380650" cy="557352"/>
           </a:xfrm>
           <a:prstGeom prst="rect">
             <a:avLst/>
@@ -29332,14 +29323,14 @@
           <a:noFill/>
           <a:extLst>
             <a:ext uri="{909E8E84-426E-40dd-AFC4-6F175D3DCCD1}">
-              <a14:hiddenFill xmlns="" xmlns:a14="http://schemas.microsoft.com/office/drawing/2010/main">
+              <a14:hiddenFill xmlns:a14="http://schemas.microsoft.com/office/drawing/2010/main" xmlns="">
                 <a:solidFill>
                   <a:srgbClr val="FFFFFF"/>
                 </a:solidFill>
               </a14:hiddenFill>
             </a:ext>
             <a:ext uri="{91240B29-F687-4f45-9708-019B960494DF}">
-              <a14:hiddenLine xmlns="" xmlns:a14="http://schemas.microsoft.com/office/drawing/2010/main" w="9525">
+              <a14:hiddenLine xmlns:a14="http://schemas.microsoft.com/office/drawing/2010/main" xmlns="" w="9525">
                 <a:solidFill>
                   <a:srgbClr val="000000"/>
                 </a:solidFill>
@@ -29349,7 +29340,7 @@
               </a14:hiddenLine>
             </a:ext>
             <a:ext uri="{FAA26D3D-D897-4be2-8F04-BA451C77F1D7}">
-              <ma14:placeholderFlag xmlns="" xmlns:ma14="http://schemas.microsoft.com/office/mac/drawingml/2011/main" val="1"/>
+              <ma14:placeholderFlag xmlns:ma14="http://schemas.microsoft.com/office/mac/drawingml/2011/main" xmlns="" val="1"/>
             </a:ext>
           </a:extLst>
         </p:spPr>
@@ -29633,7 +29624,7 @@
         </p:blipFill>
         <p:spPr>
           <a:xfrm>
-            <a:off x="6659470" y="4733347"/>
+            <a:off x="6659470" y="5006903"/>
             <a:ext cx="439972" cy="438321"/>
           </a:xfrm>
           <a:prstGeom prst="rect">
@@ -29656,7 +29647,7 @@
         </p:blipFill>
         <p:spPr>
           <a:xfrm>
-            <a:off x="6158051" y="4720664"/>
+            <a:off x="6158051" y="4977172"/>
             <a:ext cx="452621" cy="449250"/>
           </a:xfrm>
           <a:prstGeom prst="rect">
@@ -29680,7 +29671,7 @@
         </p:blipFill>
         <p:spPr>
           <a:xfrm>
-            <a:off x="3893075" y="3190279"/>
+            <a:off x="3893075" y="3098839"/>
             <a:ext cx="525280" cy="294157"/>
           </a:xfrm>
           <a:prstGeom prst="rect">
@@ -29703,7 +29694,7 @@
         </p:blipFill>
         <p:spPr>
           <a:xfrm>
-            <a:off x="2514297" y="3190396"/>
+            <a:off x="2514297" y="3025119"/>
             <a:ext cx="433852" cy="439885"/>
           </a:xfrm>
           <a:prstGeom prst="rect">
@@ -29727,7 +29718,7 @@
         </p:blipFill>
         <p:spPr>
           <a:xfrm>
-            <a:off x="1511722" y="3202712"/>
+            <a:off x="1511722" y="3032956"/>
             <a:ext cx="985466" cy="422343"/>
           </a:xfrm>
           <a:prstGeom prst="rect">
@@ -29751,7 +29742,7 @@
         </p:blipFill>
         <p:spPr>
           <a:xfrm>
-            <a:off x="2800634" y="5051277"/>
+            <a:off x="2800634" y="5481228"/>
             <a:ext cx="1007413" cy="426325"/>
           </a:xfrm>
           <a:prstGeom prst="rect">
@@ -29774,7 +29765,7 @@
         </p:blipFill>
         <p:spPr>
           <a:xfrm>
-            <a:off x="6975694" y="5119584"/>
+            <a:off x="6079281" y="5936331"/>
             <a:ext cx="1113034" cy="408993"/>
           </a:xfrm>
           <a:prstGeom prst="rect">
@@ -29798,7 +29789,7 @@
         </p:blipFill>
         <p:spPr>
           <a:xfrm>
-            <a:off x="2970874" y="4699790"/>
+            <a:off x="2900772" y="5049180"/>
             <a:ext cx="751134" cy="292921"/>
           </a:xfrm>
           <a:prstGeom prst="rect">
@@ -29822,7 +29813,7 @@
         </p:blipFill>
         <p:spPr>
           <a:xfrm>
-            <a:off x="3030813" y="5477602"/>
+            <a:off x="2900772" y="6079505"/>
             <a:ext cx="745059" cy="301823"/>
           </a:xfrm>
           <a:prstGeom prst="rect">
@@ -29845,7 +29836,7 @@
         </p:blipFill>
         <p:spPr>
           <a:xfrm>
-            <a:off x="275695" y="3209167"/>
+            <a:off x="275695" y="3068960"/>
             <a:ext cx="1222499" cy="415888"/>
           </a:xfrm>
           <a:prstGeom prst="rect">
@@ -29869,7 +29860,7 @@
         </p:blipFill>
         <p:spPr>
           <a:xfrm>
-            <a:off x="2992984" y="3212995"/>
+            <a:off x="3024311" y="3102800"/>
             <a:ext cx="740557" cy="362204"/>
           </a:xfrm>
           <a:prstGeom prst="rect">
@@ -29893,7 +29884,7 @@
         </p:blipFill>
         <p:spPr>
           <a:xfrm>
-            <a:off x="3004036" y="4255556"/>
+            <a:off x="2972780" y="4509120"/>
             <a:ext cx="591468" cy="318929"/>
           </a:xfrm>
           <a:prstGeom prst="rect">
@@ -29917,7 +29908,7 @@
         </p:blipFill>
         <p:spPr>
           <a:xfrm>
-            <a:off x="4572396" y="3151272"/>
+            <a:off x="4572396" y="3086877"/>
             <a:ext cx="918986" cy="342123"/>
           </a:xfrm>
           <a:prstGeom prst="rect">
@@ -29940,7 +29931,7 @@
         </p:blipFill>
         <p:spPr>
           <a:xfrm>
-            <a:off x="6117347" y="5218678"/>
+            <a:off x="6213140" y="5558978"/>
             <a:ext cx="770607" cy="318294"/>
           </a:xfrm>
           <a:prstGeom prst="rect">
@@ -29963,13 +29954,13 @@
           <p:nvPr>
             <p:extLst>
               <p:ext uri="{D42A27DB-BD31-4B8C-83A1-F6EECF244321}">
-                <p14:modId xmlns:p14="http://schemas.microsoft.com/office/powerpoint/2010/main" val="4104520085"/>
+                <p14:modId xmlns:p14="http://schemas.microsoft.com/office/powerpoint/2010/main" val="3137507104"/>
               </p:ext>
             </p:extLst>
           </p:nvPr>
         </p:nvGraphicFramePr>
         <p:xfrm>
-          <a:off x="6616771" y="2499498"/>
+          <a:off x="6803890" y="2528900"/>
           <a:ext cx="2656307" cy="821490"/>
         </p:xfrm>
         <a:graphic>
@@ -30190,7 +30181,7 @@
     </p:spTree>
     <p:extLst>
       <p:ext uri="{BB962C8B-B14F-4D97-AF65-F5344CB8AC3E}">
-        <p14:creationId xmlns:p14="http://schemas.microsoft.com/office/powerpoint/2010/main" val="1110433661"/>
+        <p14:creationId xmlns:p14="http://schemas.microsoft.com/office/powerpoint/2010/main" val="4244955489"/>
       </p:ext>
     </p:extLst>
   </p:cSld>
@@ -30236,14 +30227,14 @@
           <a:noFill/>
           <a:extLst>
             <a:ext uri="{909E8E84-426E-40dd-AFC4-6F175D3DCCD1}">
-              <a14:hiddenFill xmlns="" xmlns:a14="http://schemas.microsoft.com/office/drawing/2010/main">
+              <a14:hiddenFill xmlns:a14="http://schemas.microsoft.com/office/drawing/2010/main" xmlns="">
                 <a:solidFill>
                   <a:srgbClr val="FFFFFF"/>
                 </a:solidFill>
               </a14:hiddenFill>
             </a:ext>
             <a:ext uri="{91240B29-F687-4f45-9708-019B960494DF}">
-              <a14:hiddenLine xmlns="" xmlns:a14="http://schemas.microsoft.com/office/drawing/2010/main" w="9525">
+              <a14:hiddenLine xmlns:a14="http://schemas.microsoft.com/office/drawing/2010/main" xmlns="" w="9525">
                 <a:solidFill>
                   <a:srgbClr val="000000"/>
                 </a:solidFill>
@@ -30335,14 +30326,14 @@
           <a:noFill/>
           <a:extLst>
             <a:ext uri="{909E8E84-426E-40dd-AFC4-6F175D3DCCD1}">
-              <a14:hiddenFill xmlns="" xmlns:a14="http://schemas.microsoft.com/office/drawing/2010/main">
+              <a14:hiddenFill xmlns:a14="http://schemas.microsoft.com/office/drawing/2010/main" xmlns="">
                 <a:solidFill>
                   <a:srgbClr val="FFFFFF"/>
                 </a:solidFill>
               </a14:hiddenFill>
             </a:ext>
             <a:ext uri="{91240B29-F687-4f45-9708-019B960494DF}">
-              <a14:hiddenLine xmlns="" xmlns:a14="http://schemas.microsoft.com/office/drawing/2010/main" w="9525">
+              <a14:hiddenLine xmlns:a14="http://schemas.microsoft.com/office/drawing/2010/main" xmlns="" w="9525">
                 <a:solidFill>
                   <a:srgbClr val="000000"/>
                 </a:solidFill>
@@ -30352,7 +30343,7 @@
               </a14:hiddenLine>
             </a:ext>
             <a:ext uri="{FAA26D3D-D897-4be2-8F04-BA451C77F1D7}">
-              <ma14:placeholderFlag xmlns="" xmlns:ma14="http://schemas.microsoft.com/office/mac/drawingml/2011/main" val="1"/>
+              <ma14:placeholderFlag xmlns:ma14="http://schemas.microsoft.com/office/mac/drawingml/2011/main" xmlns="" val="1"/>
             </a:ext>
           </a:extLst>
         </p:spPr>
@@ -30628,7 +30619,7 @@
         </p:nvSpPr>
         <p:spPr>
           <a:xfrm>
-            <a:off x="1939591" y="4035725"/>
+            <a:off x="1939591" y="4217020"/>
             <a:ext cx="6793829" cy="2308324"/>
           </a:xfrm>
           <a:prstGeom prst="rect">
@@ -31590,6 +31581,14 @@
           <a:bodyPr/>
           <a:lstStyle/>
           <a:p>
+            <a:pPr>
+              <a:lnSpc>
+                <a:spcPct val="100000"/>
+              </a:lnSpc>
+              <a:spcAft>
+                <a:spcPts val="1200"/>
+              </a:spcAft>
+            </a:pPr>
             <a:r>
               <a:rPr lang="de-CH" b="1" dirty="0"/>
               <a:t> Consumer </a:t>
@@ -31600,11 +31599,7 @@
             </a:r>
             <a:r>
               <a:rPr lang="de-CH" b="1" dirty="0"/>
-              <a:t> </a:t>
-            </a:r>
-            <a:r>
-              <a:rPr lang="de-CH" dirty="0"/>
-              <a:t>- </a:t>
+              <a:t> 					   	 </a:t>
             </a:r>
             <a:r>
               <a:rPr lang="de-CH" dirty="0" err="1"/>
@@ -31648,13 +31643,21 @@
             </a:r>
           </a:p>
           <a:p>
+            <a:pPr>
+              <a:lnSpc>
+                <a:spcPct val="100000"/>
+              </a:lnSpc>
+              <a:spcAft>
+                <a:spcPts val="1200"/>
+              </a:spcAft>
+            </a:pPr>
             <a:r>
               <a:rPr lang="de-CH" b="1" dirty="0"/>
-              <a:t> Benchmarking </a:t>
+              <a:t> Benchmarking 							 </a:t>
             </a:r>
             <a:r>
               <a:rPr lang="de-CH" dirty="0"/>
-              <a:t>- Brand </a:t>
+              <a:t>Brand </a:t>
             </a:r>
             <a:r>
               <a:rPr lang="de-CH" dirty="0" err="1"/>
@@ -31687,6 +31690,14 @@
             <a:endParaRPr lang="de-CH" dirty="0"/>
           </a:p>
           <a:p>
+            <a:pPr>
+              <a:lnSpc>
+                <a:spcPct val="100000"/>
+              </a:lnSpc>
+              <a:spcAft>
+                <a:spcPts val="1200"/>
+              </a:spcAft>
+            </a:pPr>
             <a:r>
               <a:rPr lang="de-CH" b="1" dirty="0"/>
               <a:t> New </a:t>
@@ -31697,11 +31708,7 @@
             </a:r>
             <a:r>
               <a:rPr lang="de-CH" b="1" dirty="0"/>
-              <a:t> </a:t>
-            </a:r>
-            <a:r>
-              <a:rPr lang="de-CH" dirty="0"/>
-              <a:t>- </a:t>
+              <a:t>						 </a:t>
             </a:r>
             <a:r>
               <a:rPr lang="de-CH" dirty="0" err="1"/>
@@ -31808,14 +31815,14 @@
           <a:noFill/>
           <a:extLst>
             <a:ext uri="{909E8E84-426E-40dd-AFC4-6F175D3DCCD1}">
-              <a14:hiddenFill xmlns="" xmlns:a14="http://schemas.microsoft.com/office/drawing/2010/main">
+              <a14:hiddenFill xmlns:a14="http://schemas.microsoft.com/office/drawing/2010/main" xmlns="">
                 <a:solidFill>
                   <a:srgbClr val="FFFFFF"/>
                 </a:solidFill>
               </a14:hiddenFill>
             </a:ext>
             <a:ext uri="{91240B29-F687-4f45-9708-019B960494DF}">
-              <a14:hiddenLine xmlns="" xmlns:a14="http://schemas.microsoft.com/office/drawing/2010/main" w="9525">
+              <a14:hiddenLine xmlns:a14="http://schemas.microsoft.com/office/drawing/2010/main" xmlns="" w="9525">
                 <a:solidFill>
                   <a:srgbClr val="000000"/>
                 </a:solidFill>
@@ -31939,6 +31946,12 @@
           <a:lstStyle/>
           <a:p>
             <a:pPr marL="285750" indent="-285750">
+              <a:spcBef>
+                <a:spcPts val="300"/>
+              </a:spcBef>
+              <a:spcAft>
+                <a:spcPts val="300"/>
+              </a:spcAft>
               <a:buFont typeface="Arial" panose="020B0604020202020204" pitchFamily="34" charset="0"/>
               <a:buChar char="•"/>
             </a:pPr>
@@ -31961,6 +31974,12 @@
           </a:p>
           <a:p>
             <a:pPr marL="0" indent="0">
+              <a:spcBef>
+                <a:spcPts val="300"/>
+              </a:spcBef>
+              <a:spcAft>
+                <a:spcPts val="1200"/>
+              </a:spcAft>
               <a:buNone/>
             </a:pPr>
             <a:r>
@@ -32011,6 +32030,9 @@
               <a:rPr lang="de-CH" dirty="0"/>
               <a:t> Flickr </a:t>
             </a:r>
+            <a:br>
+              <a:rPr lang="de-CH" dirty="0"/>
+            </a:br>
             <a:r>
               <a:rPr lang="de-CH" dirty="0" err="1"/>
               <a:t>using</a:t>
@@ -32065,7 +32087,14 @@
             </a:r>
             <a:r>
               <a:rPr lang="de-CH" dirty="0"/>
-              <a:t> (+ </a:t>
+              <a:t> </a:t>
+            </a:r>
+            <a:br>
+              <a:rPr lang="de-CH" dirty="0"/>
+            </a:br>
+            <a:r>
+              <a:rPr lang="de-CH" dirty="0"/>
+              <a:t>(+ </a:t>
             </a:r>
             <a:r>
               <a:rPr lang="de-CH" dirty="0" err="1"/>
@@ -32126,6 +32155,12 @@
           </a:p>
           <a:p>
             <a:pPr marL="285750" indent="-285750">
+              <a:spcBef>
+                <a:spcPts val="300"/>
+              </a:spcBef>
+              <a:spcAft>
+                <a:spcPts val="300"/>
+              </a:spcAft>
               <a:buFont typeface="Arial" panose="020B0604020202020204" pitchFamily="34" charset="0"/>
               <a:buChar char="•"/>
             </a:pPr>
@@ -32136,6 +32171,12 @@
           </a:p>
           <a:p>
             <a:pPr marL="0" indent="0">
+              <a:spcBef>
+                <a:spcPts val="300"/>
+              </a:spcBef>
+              <a:spcAft>
+                <a:spcPts val="1200"/>
+              </a:spcAft>
               <a:buNone/>
             </a:pPr>
             <a:r>
@@ -32221,6 +32262,12 @@
           </a:p>
           <a:p>
             <a:pPr marL="285750" indent="-285750">
+              <a:spcBef>
+                <a:spcPts val="300"/>
+              </a:spcBef>
+              <a:spcAft>
+                <a:spcPts val="300"/>
+              </a:spcAft>
               <a:buFont typeface="Arial" panose="020B0604020202020204" pitchFamily="34" charset="0"/>
               <a:buChar char="•"/>
             </a:pPr>
@@ -32236,6 +32283,12 @@
           </a:p>
           <a:p>
             <a:pPr marL="0" indent="0">
+              <a:spcBef>
+                <a:spcPts val="300"/>
+              </a:spcBef>
+              <a:spcAft>
+                <a:spcPts val="300"/>
+              </a:spcAft>
               <a:buNone/>
             </a:pPr>
             <a:r>
@@ -32317,13 +32370,13 @@
           <p:nvPr>
             <p:extLst>
               <p:ext uri="{D42A27DB-BD31-4B8C-83A1-F6EECF244321}">
-                <p14:modId xmlns:p14="http://schemas.microsoft.com/office/powerpoint/2010/main" val="368071860"/>
+                <p14:modId xmlns:p14="http://schemas.microsoft.com/office/powerpoint/2010/main" val="1166657445"/>
               </p:ext>
             </p:extLst>
           </p:nvPr>
         </p:nvGraphicFramePr>
         <p:xfrm>
-          <a:off x="7797316" y="2672916"/>
+          <a:off x="7005228" y="2024844"/>
           <a:ext cx="2275698" cy="1008112"/>
         </p:xfrm>
         <a:graphic>
@@ -32416,13 +32469,18 @@
                     <a:p>
                       <a:pPr algn="ctr"/>
                       <a:r>
-                        <a:rPr lang="de-CH" b="1">
+                        <a:rPr lang="de-CH" b="1" dirty="0" err="1">
                           <a:solidFill>
                             <a:schemeClr val="accent4"/>
                           </a:solidFill>
                         </a:rPr>
                         <a:t>Glamorous</a:t>
                       </a:r>
+                      <a:endParaRPr lang="de-CH" b="1" dirty="0">
+                        <a:solidFill>
+                          <a:schemeClr val="accent4"/>
+                        </a:solidFill>
+                      </a:endParaRPr>
                     </a:p>
                   </a:txBody>
                   <a:tcPr anchor="ctr">
@@ -32507,7 +32565,7 @@
           <a:effectLst/>
           <a:extLst>
             <a:ext uri="{AF507438-7753-43e0-B8FC-AC1667EBCBE1}">
-              <a14:hiddenEffects xmlns="" xmlns:a14="http://schemas.microsoft.com/office/drawing/2010/main">
+              <a14:hiddenEffects xmlns:a14="http://schemas.microsoft.com/office/drawing/2010/main" xmlns="">
                 <a:effectLst>
                   <a:outerShdw blurRad="63500" dist="38099" dir="2700000" algn="ctr" rotWithShape="0">
                     <a:schemeClr val="bg2">
@@ -32634,14 +32692,14 @@
           <a:noFill/>
           <a:extLst>
             <a:ext uri="{909E8E84-426E-40dd-AFC4-6F175D3DCCD1}">
-              <a14:hiddenFill xmlns="" xmlns:a14="http://schemas.microsoft.com/office/drawing/2010/main">
+              <a14:hiddenFill xmlns:a14="http://schemas.microsoft.com/office/drawing/2010/main" xmlns="">
                 <a:solidFill>
                   <a:srgbClr val="FFFFFF"/>
                 </a:solidFill>
               </a14:hiddenFill>
             </a:ext>
             <a:ext uri="{91240B29-F687-4f45-9708-019B960494DF}">
-              <a14:hiddenLine xmlns="" xmlns:a14="http://schemas.microsoft.com/office/drawing/2010/main" w="9525">
+              <a14:hiddenLine xmlns:a14="http://schemas.microsoft.com/office/drawing/2010/main" xmlns="" w="9525">
                 <a:solidFill>
                   <a:srgbClr val="000000"/>
                 </a:solidFill>
@@ -32651,7 +32709,7 @@
               </a14:hiddenLine>
             </a:ext>
             <a:ext uri="{FAA26D3D-D897-4be2-8F04-BA451C77F1D7}">
-              <ma14:placeholderFlag xmlns="" xmlns:ma14="http://schemas.microsoft.com/office/mac/drawingml/2011/main" val="1"/>
+              <ma14:placeholderFlag xmlns:ma14="http://schemas.microsoft.com/office/mac/drawingml/2011/main" xmlns="" val="1"/>
             </a:ext>
           </a:extLst>
         </p:spPr>
@@ -32968,14 +33026,14 @@
           <a:noFill/>
           <a:extLst>
             <a:ext uri="{909E8E84-426E-40dd-AFC4-6F175D3DCCD1}">
-              <a14:hiddenFill xmlns="" xmlns:a14="http://schemas.microsoft.com/office/drawing/2010/main">
+              <a14:hiddenFill xmlns:a14="http://schemas.microsoft.com/office/drawing/2010/main" xmlns="">
                 <a:solidFill>
                   <a:srgbClr val="FFFFFF"/>
                 </a:solidFill>
               </a14:hiddenFill>
             </a:ext>
             <a:ext uri="{91240B29-F687-4f45-9708-019B960494DF}">
-              <a14:hiddenLine xmlns="" xmlns:a14="http://schemas.microsoft.com/office/drawing/2010/main" w="9525">
+              <a14:hiddenLine xmlns:a14="http://schemas.microsoft.com/office/drawing/2010/main" xmlns="" w="9525">
                 <a:solidFill>
                   <a:srgbClr val="000000"/>
                 </a:solidFill>
@@ -33134,7 +33192,7 @@
           <a:effectLst/>
           <a:extLst>
             <a:ext uri="{AF507438-7753-43e0-B8FC-AC1667EBCBE1}">
-              <a14:hiddenEffects xmlns="" xmlns:a14="http://schemas.microsoft.com/office/drawing/2010/main">
+              <a14:hiddenEffects xmlns:a14="http://schemas.microsoft.com/office/drawing/2010/main" xmlns="">
                 <a:effectLst>
                   <a:outerShdw blurRad="63500" dist="38099" dir="2700000" algn="ctr" rotWithShape="0">
                     <a:schemeClr val="bg2">
@@ -33287,7 +33345,7 @@
           <a:effectLst/>
           <a:extLst>
             <a:ext uri="{AF507438-7753-43e0-B8FC-AC1667EBCBE1}">
-              <a14:hiddenEffects xmlns="" xmlns:a14="http://schemas.microsoft.com/office/drawing/2010/main">
+              <a14:hiddenEffects xmlns:a14="http://schemas.microsoft.com/office/drawing/2010/main" xmlns="">
                 <a:effectLst>
                   <a:outerShdw blurRad="63500" dist="38099" dir="2700000" algn="ctr" rotWithShape="0">
                     <a:schemeClr val="bg2">
@@ -33378,7 +33436,7 @@
           <a:effectLst/>
           <a:extLst>
             <a:ext uri="{AF507438-7753-43e0-B8FC-AC1667EBCBE1}">
-              <a14:hiddenEffects xmlns="" xmlns:a14="http://schemas.microsoft.com/office/drawing/2010/main">
+              <a14:hiddenEffects xmlns:a14="http://schemas.microsoft.com/office/drawing/2010/main" xmlns="">
                 <a:effectLst>
                   <a:outerShdw blurRad="63500" dist="38099" dir="2700000" algn="ctr" rotWithShape="0">
                     <a:schemeClr val="bg2">
@@ -33469,7 +33527,7 @@
           <a:effectLst/>
           <a:extLst>
             <a:ext uri="{AF507438-7753-43e0-B8FC-AC1667EBCBE1}">
-              <a14:hiddenEffects xmlns="" xmlns:a14="http://schemas.microsoft.com/office/drawing/2010/main">
+              <a14:hiddenEffects xmlns:a14="http://schemas.microsoft.com/office/drawing/2010/main" xmlns="">
                 <a:effectLst>
                   <a:outerShdw blurRad="63500" dist="38099" dir="2700000" algn="ctr" rotWithShape="0">
                     <a:schemeClr val="bg2">
@@ -33560,7 +33618,7 @@
           <a:effectLst/>
           <a:extLst>
             <a:ext uri="{AF507438-7753-43e0-B8FC-AC1667EBCBE1}">
-              <a14:hiddenEffects xmlns="" xmlns:a14="http://schemas.microsoft.com/office/drawing/2010/main">
+              <a14:hiddenEffects xmlns:a14="http://schemas.microsoft.com/office/drawing/2010/main" xmlns="">
                 <a:effectLst>
                   <a:outerShdw blurRad="63500" dist="38099" dir="2700000" algn="ctr" rotWithShape="0">
                     <a:schemeClr val="bg2">
@@ -33651,7 +33709,7 @@
           <a:effectLst/>
           <a:extLst>
             <a:ext uri="{AF507438-7753-43e0-B8FC-AC1667EBCBE1}">
-              <a14:hiddenEffects xmlns="" xmlns:a14="http://schemas.microsoft.com/office/drawing/2010/main">
+              <a14:hiddenEffects xmlns:a14="http://schemas.microsoft.com/office/drawing/2010/main" xmlns="">
                 <a:effectLst>
                   <a:outerShdw blurRad="63500" dist="38099" dir="2700000" algn="ctr" rotWithShape="0">
                     <a:schemeClr val="bg2">
@@ -33743,7 +33801,7 @@
           <a:effectLst/>
           <a:extLst>
             <a:ext uri="{AF507438-7753-43e0-B8FC-AC1667EBCBE1}">
-              <a14:hiddenEffects xmlns="" xmlns:a14="http://schemas.microsoft.com/office/drawing/2010/main">
+              <a14:hiddenEffects xmlns:a14="http://schemas.microsoft.com/office/drawing/2010/main" xmlns="">
                 <a:effectLst>
                   <a:outerShdw blurRad="63500" dist="38099" dir="2700000" algn="ctr" rotWithShape="0">
                     <a:schemeClr val="bg2">
@@ -33894,7 +33952,7 @@
           <a:effectLst/>
           <a:extLst>
             <a:ext uri="{AF507438-7753-43e0-B8FC-AC1667EBCBE1}">
-              <a14:hiddenEffects xmlns="" xmlns:a14="http://schemas.microsoft.com/office/drawing/2010/main">
+              <a14:hiddenEffects xmlns:a14="http://schemas.microsoft.com/office/drawing/2010/main" xmlns="">
                 <a:effectLst>
                   <a:outerShdw blurRad="63500" dist="38099" dir="2700000" algn="ctr" rotWithShape="0">
                     <a:schemeClr val="bg2">
@@ -33985,7 +34043,7 @@
           <a:effectLst/>
           <a:extLst>
             <a:ext uri="{AF507438-7753-43e0-B8FC-AC1667EBCBE1}">
-              <a14:hiddenEffects xmlns="" xmlns:a14="http://schemas.microsoft.com/office/drawing/2010/main">
+              <a14:hiddenEffects xmlns:a14="http://schemas.microsoft.com/office/drawing/2010/main" xmlns="">
                 <a:effectLst>
                   <a:outerShdw blurRad="63500" dist="38099" dir="2700000" algn="ctr" rotWithShape="0">
                     <a:schemeClr val="bg2">
@@ -34072,7 +34130,7 @@
           <a:effectLst/>
           <a:extLst>
             <a:ext uri="{AF507438-7753-43e0-B8FC-AC1667EBCBE1}">
-              <a14:hiddenEffects xmlns="" xmlns:a14="http://schemas.microsoft.com/office/drawing/2010/main">
+              <a14:hiddenEffects xmlns:a14="http://schemas.microsoft.com/office/drawing/2010/main" xmlns="">
                 <a:effectLst>
                   <a:outerShdw blurRad="63500" dist="38099" dir="2700000" algn="ctr" rotWithShape="0">
                     <a:schemeClr val="bg2">
@@ -34161,7 +34219,7 @@
           <a:effectLst/>
           <a:extLst>
             <a:ext uri="{AF507438-7753-43e0-B8FC-AC1667EBCBE1}">
-              <a14:hiddenEffects xmlns="" xmlns:a14="http://schemas.microsoft.com/office/drawing/2010/main">
+              <a14:hiddenEffects xmlns:a14="http://schemas.microsoft.com/office/drawing/2010/main" xmlns="">
                 <a:effectLst>
                   <a:outerShdw blurRad="63500" dist="38099" dir="2700000" algn="ctr" rotWithShape="0">
                     <a:schemeClr val="bg2">
@@ -34209,7 +34267,7 @@
           <a:effectLst/>
           <a:extLst>
             <a:ext uri="{AF507438-7753-43e0-B8FC-AC1667EBCBE1}">
-              <a14:hiddenEffects xmlns="" xmlns:a14="http://schemas.microsoft.com/office/drawing/2010/main">
+              <a14:hiddenEffects xmlns:a14="http://schemas.microsoft.com/office/drawing/2010/main" xmlns="">
                 <a:effectLst>
                   <a:outerShdw blurRad="63500" dist="38099" dir="2700000" algn="ctr" rotWithShape="0">
                     <a:schemeClr val="bg2">
@@ -34260,7 +34318,7 @@
           <a:effectLst/>
           <a:extLst>
             <a:ext uri="{AF507438-7753-43e0-B8FC-AC1667EBCBE1}">
-              <a14:hiddenEffects xmlns="" xmlns:a14="http://schemas.microsoft.com/office/drawing/2010/main">
+              <a14:hiddenEffects xmlns:a14="http://schemas.microsoft.com/office/drawing/2010/main" xmlns="">
                 <a:effectLst>
                   <a:outerShdw blurRad="63500" dist="38099" dir="2700000" algn="ctr" rotWithShape="0">
                     <a:schemeClr val="bg2">
@@ -34310,7 +34368,7 @@
           <a:effectLst/>
           <a:extLst>
             <a:ext uri="{AF507438-7753-43e0-B8FC-AC1667EBCBE1}">
-              <a14:hiddenEffects xmlns="" xmlns:a14="http://schemas.microsoft.com/office/drawing/2010/main">
+              <a14:hiddenEffects xmlns:a14="http://schemas.microsoft.com/office/drawing/2010/main" xmlns="">
                 <a:effectLst>
                   <a:outerShdw blurRad="63500" dist="38099" dir="2700000" algn="ctr" rotWithShape="0">
                     <a:schemeClr val="bg2">
@@ -34360,7 +34418,7 @@
           <a:effectLst/>
           <a:extLst>
             <a:ext uri="{AF507438-7753-43e0-B8FC-AC1667EBCBE1}">
-              <a14:hiddenEffects xmlns="" xmlns:a14="http://schemas.microsoft.com/office/drawing/2010/main">
+              <a14:hiddenEffects xmlns:a14="http://schemas.microsoft.com/office/drawing/2010/main" xmlns="">
                 <a:effectLst>
                   <a:outerShdw blurRad="63500" dist="38099" dir="2700000" algn="ctr" rotWithShape="0">
                     <a:schemeClr val="bg2">
@@ -34411,7 +34469,7 @@
           <a:effectLst/>
           <a:extLst>
             <a:ext uri="{AF507438-7753-43e0-B8FC-AC1667EBCBE1}">
-              <a14:hiddenEffects xmlns="" xmlns:a14="http://schemas.microsoft.com/office/drawing/2010/main">
+              <a14:hiddenEffects xmlns:a14="http://schemas.microsoft.com/office/drawing/2010/main" xmlns="">
                 <a:effectLst>
                   <a:outerShdw blurRad="63500" dist="38099" dir="2700000" algn="ctr" rotWithShape="0">
                     <a:schemeClr val="bg2">
@@ -34462,7 +34520,7 @@
           <a:effectLst/>
           <a:extLst>
             <a:ext uri="{AF507438-7753-43e0-B8FC-AC1667EBCBE1}">
-              <a14:hiddenEffects xmlns="" xmlns:a14="http://schemas.microsoft.com/office/drawing/2010/main">
+              <a14:hiddenEffects xmlns:a14="http://schemas.microsoft.com/office/drawing/2010/main" xmlns="">
                 <a:effectLst>
                   <a:outerShdw blurRad="63500" dist="38099" dir="2700000" algn="ctr" rotWithShape="0">
                     <a:schemeClr val="bg2">
@@ -34510,7 +34568,7 @@
           <a:effectLst/>
           <a:extLst>
             <a:ext uri="{AF507438-7753-43e0-B8FC-AC1667EBCBE1}">
-              <a14:hiddenEffects xmlns="" xmlns:a14="http://schemas.microsoft.com/office/drawing/2010/main">
+              <a14:hiddenEffects xmlns:a14="http://schemas.microsoft.com/office/drawing/2010/main" xmlns="">
                 <a:effectLst>
                   <a:outerShdw blurRad="63500" dist="38099" dir="2700000" algn="ctr" rotWithShape="0">
                     <a:schemeClr val="bg2">
@@ -34597,7 +34655,7 @@
           <a:effectLst/>
           <a:extLst>
             <a:ext uri="{AF507438-7753-43e0-B8FC-AC1667EBCBE1}">
-              <a14:hiddenEffects xmlns="" xmlns:a14="http://schemas.microsoft.com/office/drawing/2010/main">
+              <a14:hiddenEffects xmlns:a14="http://schemas.microsoft.com/office/drawing/2010/main" xmlns="">
                 <a:effectLst>
                   <a:outerShdw blurRad="63500" dist="38099" dir="2700000" algn="ctr" rotWithShape="0">
                     <a:schemeClr val="bg2">
@@ -34686,7 +34744,7 @@
           <a:effectLst/>
           <a:extLst>
             <a:ext uri="{AF507438-7753-43e0-B8FC-AC1667EBCBE1}">
-              <a14:hiddenEffects xmlns="" xmlns:a14="http://schemas.microsoft.com/office/drawing/2010/main">
+              <a14:hiddenEffects xmlns:a14="http://schemas.microsoft.com/office/drawing/2010/main" xmlns="">
                 <a:effectLst>
                   <a:outerShdw blurRad="63500" dist="38099" dir="2700000" algn="ctr" rotWithShape="0">
                     <a:schemeClr val="bg2">
@@ -35047,7 +35105,7 @@
           <a:effectLst/>
           <a:extLst>
             <a:ext uri="{AF507438-7753-43e0-B8FC-AC1667EBCBE1}">
-              <a14:hiddenEffects xmlns="" xmlns:a14="http://schemas.microsoft.com/office/drawing/2010/main">
+              <a14:hiddenEffects xmlns:a14="http://schemas.microsoft.com/office/drawing/2010/main" xmlns="">
                 <a:effectLst>
                   <a:outerShdw blurRad="63500" dist="38099" dir="2700000" algn="ctr" rotWithShape="0">
                     <a:schemeClr val="bg2">
@@ -35182,14 +35240,14 @@
           <a:noFill/>
           <a:extLst>
             <a:ext uri="{909E8E84-426E-40dd-AFC4-6F175D3DCCD1}">
-              <a14:hiddenFill xmlns="" xmlns:a14="http://schemas.microsoft.com/office/drawing/2010/main">
+              <a14:hiddenFill xmlns:a14="http://schemas.microsoft.com/office/drawing/2010/main" xmlns="">
                 <a:solidFill>
                   <a:srgbClr val="FFFFFF"/>
                 </a:solidFill>
               </a14:hiddenFill>
             </a:ext>
             <a:ext uri="{91240B29-F687-4f45-9708-019B960494DF}">
-              <a14:hiddenLine xmlns="" xmlns:a14="http://schemas.microsoft.com/office/drawing/2010/main" w="9525">
+              <a14:hiddenLine xmlns:a14="http://schemas.microsoft.com/office/drawing/2010/main" xmlns="" w="9525">
                 <a:solidFill>
                   <a:srgbClr val="000000"/>
                 </a:solidFill>
@@ -35199,7 +35257,7 @@
               </a14:hiddenLine>
             </a:ext>
             <a:ext uri="{FAA26D3D-D897-4be2-8F04-BA451C77F1D7}">
-              <ma14:placeholderFlag xmlns="" xmlns:ma14="http://schemas.microsoft.com/office/mac/drawingml/2011/main" val="1"/>
+              <ma14:placeholderFlag xmlns:ma14="http://schemas.microsoft.com/office/mac/drawingml/2011/main" xmlns="" val="1"/>
             </a:ext>
           </a:extLst>
         </p:spPr>
@@ -35286,7 +35344,7 @@
         </p:nvSpPr>
         <p:spPr>
           <a:xfrm>
-            <a:off x="2955578" y="1498784"/>
+            <a:off x="2936776" y="1498784"/>
             <a:ext cx="345356" cy="400110"/>
           </a:xfrm>
           <a:prstGeom prst="rect">
@@ -35330,7 +35388,7 @@
         </p:nvSpPr>
         <p:spPr>
           <a:xfrm>
-            <a:off x="2935300" y="2628992"/>
+            <a:off x="2936776" y="2628992"/>
             <a:ext cx="345356" cy="400110"/>
           </a:xfrm>
           <a:prstGeom prst="rect">
@@ -35506,7 +35564,7 @@
         </p:nvSpPr>
         <p:spPr>
           <a:xfrm>
-            <a:off x="2886598" y="3958683"/>
+            <a:off x="2915456" y="3958683"/>
             <a:ext cx="345356" cy="400110"/>
           </a:xfrm>
           <a:prstGeom prst="rect">
@@ -35579,10 +35637,10 @@
           <a:lstStyle/>
           <a:p>
             <a:r>
-              <a:rPr lang="de-CH" sz="2000" b="1"/>
+              <a:rPr lang="de-CH" sz="2000" b="1" dirty="0"/>
               <a:t>8</a:t>
             </a:r>
-            <a:endParaRPr lang="en-US" sz="2000" b="1"/>
+            <a:endParaRPr lang="en-US" sz="2000" b="1" dirty="0"/>
           </a:p>
         </p:txBody>
       </p:sp>
@@ -35679,14 +35737,14 @@
           <a:noFill/>
           <a:extLst>
             <a:ext uri="{909E8E84-426E-40dd-AFC4-6F175D3DCCD1}">
-              <a14:hiddenFill xmlns="" xmlns:a14="http://schemas.microsoft.com/office/drawing/2010/main">
+              <a14:hiddenFill xmlns:a14="http://schemas.microsoft.com/office/drawing/2010/main" xmlns="">
                 <a:solidFill>
                   <a:srgbClr val="FFFFFF"/>
                 </a:solidFill>
               </a14:hiddenFill>
             </a:ext>
             <a:ext uri="{91240B29-F687-4f45-9708-019B960494DF}">
-              <a14:hiddenLine xmlns="" xmlns:a14="http://schemas.microsoft.com/office/drawing/2010/main" w="9525">
+              <a14:hiddenLine xmlns:a14="http://schemas.microsoft.com/office/drawing/2010/main" xmlns="" w="9525">
                 <a:solidFill>
                   <a:srgbClr val="000000"/>
                 </a:solidFill>
@@ -35696,7 +35754,7 @@
               </a14:hiddenLine>
             </a:ext>
             <a:ext uri="{FAA26D3D-D897-4be2-8F04-BA451C77F1D7}">
-              <ma14:placeholderFlag xmlns="" xmlns:ma14="http://schemas.microsoft.com/office/mac/drawingml/2011/main" val="1"/>
+              <ma14:placeholderFlag xmlns:ma14="http://schemas.microsoft.com/office/mac/drawingml/2011/main" xmlns="" val="1"/>
             </a:ext>
           </a:extLst>
         </p:spPr>
@@ -35799,114 +35857,114 @@
               <a:rPr lang="de-CH" b="1" dirty="0"/>
             </a:br>
             <a:r>
-              <a:rPr lang="de-CH" b="1" dirty="0" err="1"/>
+              <a:rPr lang="de-CH" dirty="0" err="1"/>
               <a:t>adding</a:t>
             </a:r>
             <a:r>
-              <a:rPr lang="de-CH" b="1" dirty="0"/>
+              <a:rPr lang="de-CH" dirty="0"/>
               <a:t> e.g. Pinterest and Twitter </a:t>
             </a:r>
             <a:r>
-              <a:rPr lang="de-CH" b="1" dirty="0" err="1"/>
+              <a:rPr lang="de-CH" dirty="0" err="1"/>
               <a:t>images</a:t>
             </a:r>
             <a:r>
-              <a:rPr lang="de-CH" b="1" dirty="0"/>
+              <a:rPr lang="de-CH" dirty="0"/>
               <a:t>, </a:t>
             </a:r>
             <a:r>
-              <a:rPr lang="de-CH" b="1" dirty="0" err="1"/>
+              <a:rPr lang="de-CH" dirty="0" err="1"/>
               <a:t>matching</a:t>
             </a:r>
             <a:r>
-              <a:rPr lang="de-CH" b="1" dirty="0"/>
+              <a:rPr lang="de-CH" dirty="0"/>
               <a:t> social </a:t>
             </a:r>
             <a:r>
-              <a:rPr lang="de-CH" b="1" dirty="0" err="1"/>
+              <a:rPr lang="de-CH" dirty="0" err="1"/>
               <a:t>media</a:t>
             </a:r>
             <a:r>
-              <a:rPr lang="de-CH" b="1" dirty="0"/>
-              <a:t> </a:t>
-            </a:r>
-            <a:r>
-              <a:rPr lang="de-CH" b="1" dirty="0" err="1"/>
+              <a:rPr lang="de-CH" dirty="0"/>
+              <a:t> </a:t>
+            </a:r>
+            <a:r>
+              <a:rPr lang="de-CH" dirty="0" err="1"/>
               <a:t>handles</a:t>
             </a:r>
             <a:r>
-              <a:rPr lang="de-CH" b="1" dirty="0"/>
-              <a:t> </a:t>
-            </a:r>
-            <a:r>
-              <a:rPr lang="de-CH" b="1" dirty="0" err="1"/>
+              <a:rPr lang="de-CH" dirty="0"/>
+              <a:t> </a:t>
+            </a:r>
+            <a:r>
+              <a:rPr lang="de-CH" dirty="0" err="1"/>
               <a:t>to</a:t>
             </a:r>
             <a:r>
-              <a:rPr lang="de-CH" b="1" dirty="0"/>
-              <a:t> </a:t>
-            </a:r>
-            <a:r>
-              <a:rPr lang="de-CH" b="1" dirty="0" err="1"/>
+              <a:rPr lang="de-CH" dirty="0"/>
+              <a:t> </a:t>
+            </a:r>
+            <a:r>
+              <a:rPr lang="de-CH" dirty="0" err="1"/>
               <a:t>user</a:t>
             </a:r>
             <a:r>
-              <a:rPr lang="de-CH" b="1" dirty="0"/>
-              <a:t> </a:t>
-            </a:r>
-            <a:r>
-              <a:rPr lang="de-CH" b="1" dirty="0" err="1"/>
+              <a:rPr lang="de-CH" dirty="0"/>
+              <a:t> </a:t>
+            </a:r>
+            <a:r>
+              <a:rPr lang="de-CH" dirty="0" err="1"/>
               <a:t>input</a:t>
             </a:r>
             <a:r>
-              <a:rPr lang="de-CH" b="1" dirty="0"/>
+              <a:rPr lang="de-CH" dirty="0"/>
               <a:t>, </a:t>
             </a:r>
             <a:r>
-              <a:rPr lang="de-CH" b="1" dirty="0" err="1"/>
+              <a:rPr lang="de-CH" dirty="0" err="1"/>
               <a:t>performance</a:t>
             </a:r>
             <a:r>
-              <a:rPr lang="de-CH" b="1" dirty="0"/>
-              <a:t> </a:t>
-            </a:r>
-            <a:r>
-              <a:rPr lang="de-CH" b="1" dirty="0" err="1"/>
+              <a:rPr lang="de-CH" dirty="0"/>
+              <a:t> </a:t>
+            </a:r>
+            <a:r>
+              <a:rPr lang="de-CH" dirty="0" err="1"/>
               <a:t>enhancements</a:t>
             </a:r>
             <a:r>
-              <a:rPr lang="de-CH" b="1" dirty="0"/>
-              <a:t> </a:t>
-            </a:r>
-            <a:r>
-              <a:rPr lang="de-CH" b="1" dirty="0" err="1"/>
+              <a:rPr lang="de-CH" dirty="0"/>
+              <a:t> </a:t>
+            </a:r>
+            <a:r>
+              <a:rPr lang="de-CH" dirty="0" err="1"/>
               <a:t>to</a:t>
             </a:r>
             <a:r>
-              <a:rPr lang="de-CH" b="1" dirty="0"/>
-              <a:t> </a:t>
-            </a:r>
-            <a:r>
-              <a:rPr lang="de-CH" b="1" dirty="0" err="1"/>
+              <a:rPr lang="de-CH" dirty="0"/>
+              <a:t> </a:t>
+            </a:r>
+            <a:r>
+              <a:rPr lang="de-CH" dirty="0" err="1"/>
               <a:t>collect</a:t>
             </a:r>
             <a:r>
-              <a:rPr lang="de-CH" b="1" dirty="0"/>
-              <a:t> </a:t>
-            </a:r>
-            <a:r>
-              <a:rPr lang="de-CH" b="1" dirty="0" err="1"/>
+              <a:rPr lang="de-CH" dirty="0"/>
+              <a:t> </a:t>
+            </a:r>
+            <a:r>
+              <a:rPr lang="de-CH" dirty="0" err="1"/>
               <a:t>more</a:t>
             </a:r>
             <a:r>
-              <a:rPr lang="de-CH" b="1" dirty="0"/>
-              <a:t> </a:t>
-            </a:r>
-            <a:r>
-              <a:rPr lang="de-CH" b="1" dirty="0" err="1"/>
+              <a:rPr lang="de-CH" dirty="0"/>
+              <a:t> </a:t>
+            </a:r>
+            <a:r>
+              <a:rPr lang="de-CH" dirty="0" err="1"/>
               <a:t>images</a:t>
             </a:r>
-            <a:endParaRPr lang="de-CH" b="1" dirty="0"/>
+            <a:endParaRPr lang="de-CH" dirty="0"/>
           </a:p>
           <a:p>
             <a:pPr marL="285750" indent="-285750">
@@ -35928,26 +35986,26 @@
               <a:rPr lang="de-CH" b="1" dirty="0"/>
             </a:br>
             <a:r>
-              <a:rPr lang="de-CH" b="1" dirty="0" err="1"/>
+              <a:rPr lang="de-CH" dirty="0" err="1"/>
               <a:t>adding</a:t>
             </a:r>
             <a:r>
-              <a:rPr lang="de-CH" b="1" dirty="0"/>
-              <a:t> </a:t>
-            </a:r>
-            <a:r>
-              <a:rPr lang="de-CH" b="1" dirty="0" err="1"/>
+              <a:rPr lang="de-CH" dirty="0"/>
+              <a:t> </a:t>
+            </a:r>
+            <a:r>
+              <a:rPr lang="de-CH" dirty="0" err="1"/>
               <a:t>more</a:t>
             </a:r>
             <a:r>
-              <a:rPr lang="de-CH" b="1" dirty="0"/>
-              <a:t> </a:t>
-            </a:r>
-            <a:r>
-              <a:rPr lang="de-CH" b="1" dirty="0" err="1"/>
+              <a:rPr lang="de-CH" dirty="0"/>
+              <a:t> </a:t>
+            </a:r>
+            <a:r>
+              <a:rPr lang="de-CH" dirty="0" err="1"/>
               <a:t>attributes</a:t>
             </a:r>
-            <a:endParaRPr lang="de-CH" b="1" dirty="0"/>
+            <a:endParaRPr lang="de-CH" dirty="0"/>
           </a:p>
           <a:p>
             <a:pPr marL="285750" indent="-285750">
@@ -35981,51 +36039,51 @@
               <a:rPr lang="de-CH" b="1" dirty="0"/>
             </a:br>
             <a:r>
-              <a:rPr lang="de-CH" b="1" dirty="0" err="1"/>
+              <a:rPr lang="de-CH" dirty="0" err="1"/>
               <a:t>obtaining</a:t>
             </a:r>
             <a:r>
-              <a:rPr lang="de-CH" b="1" dirty="0"/>
+              <a:rPr lang="de-CH" dirty="0"/>
               <a:t> proper </a:t>
             </a:r>
             <a:r>
-              <a:rPr lang="de-CH" b="1" dirty="0" err="1"/>
+              <a:rPr lang="de-CH" dirty="0" err="1"/>
               <a:t>licenses</a:t>
             </a:r>
             <a:r>
-              <a:rPr lang="de-CH" b="1" dirty="0"/>
-              <a:t> </a:t>
-            </a:r>
-            <a:r>
-              <a:rPr lang="de-CH" b="1" dirty="0" err="1"/>
+              <a:rPr lang="de-CH" dirty="0"/>
+              <a:t> </a:t>
+            </a:r>
+            <a:r>
+              <a:rPr lang="de-CH" dirty="0" err="1"/>
               <a:t>for</a:t>
             </a:r>
             <a:r>
-              <a:rPr lang="de-CH" b="1" dirty="0"/>
-              <a:t> </a:t>
-            </a:r>
-            <a:r>
-              <a:rPr lang="de-CH" b="1" dirty="0" err="1"/>
+              <a:rPr lang="de-CH" dirty="0"/>
+              <a:t> </a:t>
+            </a:r>
+            <a:r>
+              <a:rPr lang="de-CH" dirty="0" err="1"/>
               <a:t>commercialisation</a:t>
             </a:r>
             <a:r>
-              <a:rPr lang="de-CH" b="1" dirty="0"/>
-              <a:t> </a:t>
-            </a:r>
-            <a:r>
-              <a:rPr lang="de-CH" b="1" dirty="0" err="1"/>
+              <a:rPr lang="de-CH" dirty="0"/>
+              <a:t> </a:t>
+            </a:r>
+            <a:r>
+              <a:rPr lang="de-CH" dirty="0" err="1"/>
               <a:t>of</a:t>
             </a:r>
             <a:r>
-              <a:rPr lang="de-CH" b="1" dirty="0"/>
-              <a:t> </a:t>
-            </a:r>
-            <a:r>
-              <a:rPr lang="de-CH" b="1" dirty="0" err="1"/>
+              <a:rPr lang="de-CH" dirty="0"/>
+              <a:t> </a:t>
+            </a:r>
+            <a:r>
+              <a:rPr lang="de-CH" dirty="0" err="1"/>
               <a:t>the</a:t>
             </a:r>
             <a:r>
-              <a:rPr lang="de-CH" b="1" dirty="0"/>
+              <a:rPr lang="de-CH" dirty="0"/>
               <a:t> Web App</a:t>
             </a:r>
           </a:p>
@@ -36039,193 +36097,198 @@
             </a:pPr>
             <a:r>
               <a:rPr lang="de-CH" b="1" dirty="0"/>
-              <a:t>Model</a:t>
-            </a:r>
-            <a:br>
-              <a:rPr lang="de-CH" b="1" dirty="0"/>
-            </a:br>
-            <a:r>
-              <a:rPr lang="de-CH" b="1" dirty="0"/>
+              <a:t>Model									   </a:t>
+            </a:r>
+            <a:r>
+              <a:rPr lang="de-CH" i="1" dirty="0"/>
               <a:t>Hyper-Parameter Tuning </a:t>
             </a:r>
             <a:r>
-              <a:rPr lang="de-CH" b="1" dirty="0" err="1"/>
+              <a:rPr lang="de-CH" dirty="0" err="1"/>
               <a:t>to</a:t>
             </a:r>
             <a:r>
-              <a:rPr lang="de-CH" b="1" dirty="0"/>
+              <a:rPr lang="de-CH" dirty="0"/>
               <a:t> find out </a:t>
             </a:r>
             <a:r>
-              <a:rPr lang="de-CH" b="1" dirty="0" err="1"/>
+              <a:rPr lang="de-CH" dirty="0" err="1"/>
               <a:t>the</a:t>
             </a:r>
             <a:r>
-              <a:rPr lang="de-CH" b="1" dirty="0"/>
-              <a:t> </a:t>
-            </a:r>
-            <a:r>
-              <a:rPr lang="de-CH" b="1" dirty="0" err="1"/>
+              <a:rPr lang="de-CH" dirty="0"/>
+              <a:t> </a:t>
+            </a:r>
+            <a:r>
+              <a:rPr lang="de-CH" dirty="0" err="1"/>
               <a:t>best</a:t>
             </a:r>
             <a:r>
-              <a:rPr lang="de-CH" b="1" dirty="0"/>
-              <a:t> </a:t>
-            </a:r>
-            <a:r>
-              <a:rPr lang="de-CH" b="1" dirty="0" err="1"/>
+              <a:rPr lang="de-CH" dirty="0"/>
+              <a:t> </a:t>
+            </a:r>
+            <a:r>
+              <a:rPr lang="de-CH" dirty="0" err="1"/>
               <a:t>parameters</a:t>
             </a:r>
             <a:r>
-              <a:rPr lang="de-CH" b="1" dirty="0"/>
-              <a:t> </a:t>
-            </a:r>
-            <a:r>
-              <a:rPr lang="de-CH" b="1" dirty="0" err="1"/>
+              <a:rPr lang="de-CH" dirty="0"/>
+              <a:t> </a:t>
+            </a:r>
+            <a:r>
+              <a:rPr lang="de-CH" dirty="0" err="1"/>
               <a:t>for</a:t>
             </a:r>
             <a:r>
-              <a:rPr lang="de-CH" b="1" dirty="0"/>
-              <a:t> </a:t>
-            </a:r>
-            <a:r>
-              <a:rPr lang="de-CH" b="1" dirty="0" err="1"/>
+              <a:rPr lang="de-CH" dirty="0"/>
+              <a:t> </a:t>
+            </a:r>
+            <a:r>
+              <a:rPr lang="de-CH" dirty="0" err="1"/>
               <a:t>the</a:t>
             </a:r>
             <a:r>
-              <a:rPr lang="de-CH" b="1" dirty="0"/>
-              <a:t> </a:t>
-            </a:r>
-            <a:r>
-              <a:rPr lang="de-CH" b="1" dirty="0" err="1"/>
+              <a:rPr lang="de-CH" dirty="0"/>
+              <a:t> </a:t>
+            </a:r>
+            <a:r>
+              <a:rPr lang="de-CH" dirty="0" err="1"/>
               <a:t>models</a:t>
             </a:r>
             <a:r>
-              <a:rPr lang="de-CH" b="1" dirty="0"/>
+              <a:rPr lang="de-CH" dirty="0"/>
               <a:t>, </a:t>
             </a:r>
             <a:r>
-              <a:rPr lang="de-CH" b="1" dirty="0" err="1"/>
+              <a:rPr lang="de-CH" dirty="0" err="1"/>
               <a:t>i.e</a:t>
             </a:r>
             <a:r>
-              <a:rPr lang="de-CH" b="1" dirty="0"/>
+              <a:rPr lang="de-CH" dirty="0"/>
               <a:t> Optimizer, Loss </a:t>
             </a:r>
             <a:r>
-              <a:rPr lang="de-CH" b="1" dirty="0" err="1"/>
+              <a:rPr lang="de-CH" dirty="0" err="1"/>
               <a:t>Function</a:t>
             </a:r>
             <a:r>
-              <a:rPr lang="de-CH" b="1" dirty="0"/>
+              <a:rPr lang="de-CH" dirty="0"/>
               <a:t>, Numbers </a:t>
             </a:r>
             <a:r>
-              <a:rPr lang="de-CH" b="1" dirty="0" err="1"/>
+              <a:rPr lang="de-CH" dirty="0" err="1"/>
               <a:t>of</a:t>
             </a:r>
             <a:r>
-              <a:rPr lang="de-CH" b="1" dirty="0"/>
-              <a:t> </a:t>
-            </a:r>
-            <a:r>
-              <a:rPr lang="de-CH" b="1" dirty="0" err="1"/>
+              <a:rPr lang="de-CH" dirty="0"/>
+              <a:t> </a:t>
+            </a:r>
+            <a:r>
+              <a:rPr lang="de-CH" dirty="0" err="1"/>
               <a:t>layers</a:t>
             </a:r>
             <a:r>
-              <a:rPr lang="de-CH" b="1" dirty="0"/>
-              <a:t> </a:t>
-            </a:r>
-            <a:r>
-              <a:rPr lang="de-CH" b="1" dirty="0" err="1"/>
+              <a:rPr lang="de-CH" dirty="0"/>
+              <a:t> </a:t>
+            </a:r>
+            <a:r>
+              <a:rPr lang="de-CH" dirty="0" err="1"/>
               <a:t>to</a:t>
             </a:r>
             <a:r>
-              <a:rPr lang="de-CH" b="1" dirty="0"/>
-              <a:t> </a:t>
-            </a:r>
-            <a:r>
-              <a:rPr lang="de-CH" b="1" dirty="0" err="1"/>
+              <a:rPr lang="de-CH" dirty="0"/>
+              <a:t> </a:t>
+            </a:r>
+            <a:r>
+              <a:rPr lang="de-CH" dirty="0" err="1"/>
               <a:t>fine</a:t>
             </a:r>
             <a:r>
-              <a:rPr lang="de-CH" b="1" dirty="0"/>
-              <a:t> tune. </a:t>
-            </a:r>
-          </a:p>
-          <a:p>
-            <a:pPr marL="0" indent="0">
-              <a:lnSpc>
-                <a:spcPct val="100000"/>
-              </a:lnSpc>
-              <a:buNone/>
-            </a:pPr>
-            <a:r>
-              <a:rPr lang="de-CH" b="1" dirty="0"/>
-              <a:t>       Multilabel Classification : </a:t>
-            </a:r>
-            <a:r>
-              <a:rPr lang="de-CH" b="1" dirty="0" err="1"/>
-              <a:t>Associating</a:t>
-            </a:r>
-            <a:r>
-              <a:rPr lang="de-CH" b="1" dirty="0"/>
+              <a:rPr lang="de-CH"/>
+              <a:t> tune</a:t>
+            </a:r>
+            <a:r>
+              <a:rPr lang="de-CH" dirty="0"/>
+              <a:t>;</a:t>
+            </a:r>
+            <a:r>
+              <a:rPr lang="de-CH"/>
+              <a:t> </a:t>
+            </a:r>
+            <a:r>
+              <a:rPr lang="de-CH" i="1" dirty="0"/>
+              <a:t>Multilabel Classification </a:t>
+            </a:r>
+            <a:r>
+              <a:rPr lang="de-CH" dirty="0" err="1"/>
+              <a:t>to</a:t>
+            </a:r>
+            <a:r>
+              <a:rPr lang="de-CH" dirty="0"/>
+              <a:t> </a:t>
+            </a:r>
+            <a:r>
+              <a:rPr lang="de-CH" dirty="0" err="1"/>
+              <a:t>associate</a:t>
+            </a:r>
+            <a:r>
+              <a:rPr lang="de-CH" dirty="0"/>
               <a:t> an </a:t>
             </a:r>
             <a:r>
-              <a:rPr lang="de-CH" b="1" dirty="0" err="1"/>
+              <a:rPr lang="de-CH" dirty="0" err="1"/>
               <a:t>image</a:t>
             </a:r>
             <a:r>
-              <a:rPr lang="de-CH" b="1" dirty="0"/>
-              <a:t> </a:t>
-            </a:r>
-            <a:r>
-              <a:rPr lang="de-CH" b="1" dirty="0" err="1"/>
+              <a:rPr lang="de-CH" dirty="0"/>
+              <a:t> </a:t>
+            </a:r>
+            <a:r>
+              <a:rPr lang="de-CH" dirty="0" err="1"/>
               <a:t>with</a:t>
             </a:r>
             <a:r>
-              <a:rPr lang="de-CH" b="1" dirty="0"/>
+              <a:rPr lang="de-CH" dirty="0"/>
               <a:t> multiple </a:t>
             </a:r>
             <a:r>
-              <a:rPr lang="de-CH" b="1" dirty="0" err="1"/>
+              <a:rPr lang="de-CH" dirty="0" err="1"/>
               <a:t>attributes</a:t>
             </a:r>
             <a:r>
-              <a:rPr lang="de-CH" b="1" dirty="0"/>
-              <a:t>, </a:t>
-            </a:r>
-            <a:r>
-              <a:rPr lang="de-CH" b="1" dirty="0" err="1"/>
-              <a:t>inseatd</a:t>
-            </a:r>
-            <a:r>
-              <a:rPr lang="de-CH" b="1" dirty="0"/>
-              <a:t> </a:t>
-            </a:r>
-            <a:r>
-              <a:rPr lang="de-CH" b="1" dirty="0" err="1"/>
+              <a:rPr lang="de-CH" dirty="0"/>
+              <a:t> </a:t>
+            </a:r>
+            <a:r>
+              <a:rPr lang="de-CH" dirty="0" err="1"/>
+              <a:t>instead</a:t>
+            </a:r>
+            <a:r>
+              <a:rPr lang="de-CH" dirty="0"/>
+              <a:t> </a:t>
+            </a:r>
+            <a:r>
+              <a:rPr lang="de-CH" dirty="0" err="1"/>
               <a:t>of</a:t>
             </a:r>
             <a:r>
-              <a:rPr lang="de-CH" b="1" dirty="0"/>
-              <a:t> </a:t>
-            </a:r>
-            <a:r>
-              <a:rPr lang="de-CH" b="1" dirty="0" err="1"/>
+              <a:rPr lang="de-CH" dirty="0"/>
+              <a:t> </a:t>
+            </a:r>
+            <a:r>
+              <a:rPr lang="de-CH" dirty="0" err="1"/>
               <a:t>single</a:t>
             </a:r>
             <a:r>
-              <a:rPr lang="de-CH" b="1" dirty="0"/>
-              <a:t> 	</a:t>
-            </a:r>
-            <a:r>
-              <a:rPr lang="de-CH" b="1" dirty="0" err="1"/>
+              <a:rPr lang="de-CH" dirty="0"/>
+              <a:t> </a:t>
+            </a:r>
+            <a:r>
+              <a:rPr lang="de-CH" dirty="0" err="1"/>
               <a:t>attribute</a:t>
             </a:r>
             <a:r>
-              <a:rPr lang="de-CH" b="1" dirty="0"/>
+              <a:rPr lang="de-CH" dirty="0"/>
               <a:t>. </a:t>
             </a:r>
           </a:p>
@@ -36245,58 +36308,58 @@
               <a:rPr lang="de-CH" b="1" dirty="0"/>
             </a:br>
             <a:r>
-              <a:rPr lang="de-CH" b="1" dirty="0" err="1"/>
+              <a:rPr lang="de-CH" dirty="0" err="1"/>
               <a:t>error</a:t>
             </a:r>
             <a:r>
-              <a:rPr lang="de-CH" b="1" dirty="0"/>
-              <a:t> </a:t>
-            </a:r>
-            <a:r>
-              <a:rPr lang="de-CH" b="1" dirty="0" err="1"/>
+              <a:rPr lang="de-CH" dirty="0"/>
+              <a:t> </a:t>
+            </a:r>
+            <a:r>
+              <a:rPr lang="de-CH" dirty="0" err="1"/>
               <a:t>handling</a:t>
             </a:r>
             <a:r>
-              <a:rPr lang="de-CH" b="1" dirty="0"/>
+              <a:rPr lang="de-CH" dirty="0"/>
               <a:t>, UI </a:t>
             </a:r>
             <a:r>
-              <a:rPr lang="de-CH" b="1" dirty="0" err="1"/>
+              <a:rPr lang="de-CH" dirty="0" err="1"/>
               <a:t>enhancements</a:t>
             </a:r>
             <a:r>
-              <a:rPr lang="de-CH" b="1" dirty="0"/>
+              <a:rPr lang="de-CH" dirty="0"/>
               <a:t>, </a:t>
             </a:r>
             <a:r>
-              <a:rPr lang="de-CH" b="1" dirty="0" err="1"/>
+              <a:rPr lang="de-CH" dirty="0" err="1"/>
               <a:t>database</a:t>
             </a:r>
             <a:r>
-              <a:rPr lang="de-CH" b="1" dirty="0"/>
-              <a:t> </a:t>
-            </a:r>
-            <a:r>
-              <a:rPr lang="de-CH" b="1" dirty="0" err="1"/>
+              <a:rPr lang="de-CH" dirty="0"/>
+              <a:t> </a:t>
+            </a:r>
+            <a:r>
+              <a:rPr lang="de-CH" dirty="0" err="1"/>
               <a:t>integration</a:t>
             </a:r>
             <a:r>
-              <a:rPr lang="de-CH" b="1" dirty="0"/>
+              <a:rPr lang="de-CH" dirty="0"/>
               <a:t>, </a:t>
             </a:r>
             <a:r>
-              <a:rPr lang="de-CH" b="1" dirty="0" err="1"/>
+              <a:rPr lang="de-CH" dirty="0" err="1"/>
               <a:t>image</a:t>
             </a:r>
             <a:r>
-              <a:rPr lang="de-CH" b="1" dirty="0"/>
-              <a:t> </a:t>
-            </a:r>
-            <a:r>
-              <a:rPr lang="de-CH" b="1" dirty="0" err="1"/>
+              <a:rPr lang="de-CH" dirty="0"/>
+              <a:t> </a:t>
+            </a:r>
+            <a:r>
+              <a:rPr lang="de-CH" dirty="0" err="1"/>
               <a:t>display</a:t>
             </a:r>
-            <a:endParaRPr lang="de-CH" b="1" dirty="0"/>
+            <a:endParaRPr lang="de-CH" dirty="0"/>
           </a:p>
           <a:p>
             <a:pPr marL="285750" indent="-285750">
@@ -36314,87 +36377,87 @@
               <a:rPr lang="de-CH" b="1" dirty="0"/>
             </a:br>
             <a:r>
-              <a:rPr lang="de-CH" b="1" dirty="0" err="1"/>
+              <a:rPr lang="de-CH" dirty="0" err="1"/>
               <a:t>starting</a:t>
             </a:r>
             <a:r>
-              <a:rPr lang="de-CH" b="1" dirty="0"/>
-              <a:t> </a:t>
-            </a:r>
-            <a:r>
-              <a:rPr lang="de-CH" b="1" dirty="0" err="1"/>
+              <a:rPr lang="de-CH" dirty="0"/>
+              <a:t> </a:t>
+            </a:r>
+            <a:r>
+              <a:rPr lang="de-CH" dirty="0" err="1"/>
               <a:t>with</a:t>
             </a:r>
             <a:r>
-              <a:rPr lang="de-CH" b="1" dirty="0"/>
+              <a:rPr lang="de-CH" dirty="0"/>
               <a:t> a simple </a:t>
             </a:r>
             <a:r>
-              <a:rPr lang="de-CH" b="1" dirty="0" err="1"/>
+              <a:rPr lang="de-CH" dirty="0" err="1"/>
               <a:t>pipeline</a:t>
             </a:r>
             <a:r>
-              <a:rPr lang="de-CH" b="1" dirty="0"/>
+              <a:rPr lang="de-CH" dirty="0"/>
               <a:t> and </a:t>
             </a:r>
             <a:r>
-              <a:rPr lang="de-CH" b="1" dirty="0" err="1"/>
+              <a:rPr lang="de-CH" dirty="0" err="1"/>
               <a:t>gradually</a:t>
             </a:r>
             <a:r>
-              <a:rPr lang="de-CH" b="1" dirty="0"/>
-              <a:t> </a:t>
-            </a:r>
-            <a:r>
-              <a:rPr lang="de-CH" b="1" dirty="0" err="1"/>
+              <a:rPr lang="de-CH" dirty="0"/>
+              <a:t> </a:t>
+            </a:r>
+            <a:r>
+              <a:rPr lang="de-CH" dirty="0" err="1"/>
               <a:t>increase</a:t>
             </a:r>
             <a:r>
-              <a:rPr lang="de-CH" b="1" dirty="0"/>
+              <a:rPr lang="de-CH" dirty="0"/>
               <a:t> ist </a:t>
             </a:r>
             <a:r>
-              <a:rPr lang="de-CH" b="1" dirty="0" err="1"/>
+              <a:rPr lang="de-CH" dirty="0" err="1"/>
               <a:t>complexity</a:t>
             </a:r>
             <a:r>
-              <a:rPr lang="de-CH" b="1" dirty="0"/>
-              <a:t> </a:t>
-            </a:r>
-            <a:r>
-              <a:rPr lang="de-CH" b="1" dirty="0" err="1"/>
+              <a:rPr lang="de-CH" dirty="0"/>
+              <a:t> </a:t>
+            </a:r>
+            <a:r>
+              <a:rPr lang="de-CH" dirty="0" err="1"/>
               <a:t>to</a:t>
             </a:r>
             <a:r>
-              <a:rPr lang="de-CH" b="1" dirty="0"/>
-              <a:t> </a:t>
-            </a:r>
-            <a:r>
-              <a:rPr lang="de-CH" b="1" dirty="0" err="1"/>
+              <a:rPr lang="de-CH" dirty="0"/>
+              <a:t> </a:t>
+            </a:r>
+            <a:r>
+              <a:rPr lang="de-CH" dirty="0" err="1"/>
               <a:t>better</a:t>
             </a:r>
             <a:r>
-              <a:rPr lang="de-CH" b="1" dirty="0"/>
-              <a:t> </a:t>
-            </a:r>
-            <a:r>
-              <a:rPr lang="de-CH" b="1" dirty="0" err="1"/>
+              <a:rPr lang="de-CH" dirty="0"/>
+              <a:t> </a:t>
+            </a:r>
+            <a:r>
+              <a:rPr lang="de-CH" dirty="0" err="1"/>
               <a:t>understand</a:t>
             </a:r>
             <a:r>
-              <a:rPr lang="de-CH" b="1" dirty="0"/>
-              <a:t> </a:t>
-            </a:r>
-            <a:r>
-              <a:rPr lang="de-CH" b="1" dirty="0" err="1"/>
+              <a:rPr lang="de-CH" dirty="0"/>
+              <a:t> </a:t>
+            </a:r>
+            <a:r>
+              <a:rPr lang="de-CH" dirty="0" err="1"/>
               <a:t>arising</a:t>
             </a:r>
             <a:r>
-              <a:rPr lang="de-CH" b="1" dirty="0"/>
-              <a:t> </a:t>
-            </a:r>
-            <a:r>
-              <a:rPr lang="de-CH" b="1" dirty="0" err="1"/>
+              <a:rPr lang="de-CH" dirty="0"/>
+              <a:t> </a:t>
+            </a:r>
+            <a:r>
+              <a:rPr lang="de-CH" dirty="0" err="1"/>
               <a:t>problems</a:t>
             </a:r>
             <a:endParaRPr lang="de-CH" dirty="0"/>
@@ -36426,14 +36489,14 @@
           <a:noFill/>
           <a:extLst>
             <a:ext uri="{909E8E84-426E-40dd-AFC4-6F175D3DCCD1}">
-              <a14:hiddenFill xmlns="" xmlns:a14="http://schemas.microsoft.com/office/drawing/2010/main">
+              <a14:hiddenFill xmlns:a14="http://schemas.microsoft.com/office/drawing/2010/main" xmlns="">
                 <a:solidFill>
                   <a:srgbClr val="FFFFFF"/>
                 </a:solidFill>
               </a14:hiddenFill>
             </a:ext>
             <a:ext uri="{91240B29-F687-4f45-9708-019B960494DF}">
-              <a14:hiddenLine xmlns="" xmlns:a14="http://schemas.microsoft.com/office/drawing/2010/main" w="9525">
+              <a14:hiddenLine xmlns:a14="http://schemas.microsoft.com/office/drawing/2010/main" xmlns="" w="9525">
                 <a:solidFill>
                   <a:srgbClr val="000000"/>
                 </a:solidFill>
@@ -36443,7 +36506,7 @@
               </a14:hiddenLine>
             </a:ext>
             <a:ext uri="{FAA26D3D-D897-4be2-8F04-BA451C77F1D7}">
-              <ma14:placeholderFlag xmlns="" xmlns:ma14="http://schemas.microsoft.com/office/mac/drawingml/2011/main" val="1"/>
+              <ma14:placeholderFlag xmlns:ma14="http://schemas.microsoft.com/office/mac/drawingml/2011/main" xmlns="" val="1"/>
             </a:ext>
           </a:extLst>
         </p:spPr>
@@ -36522,14 +36585,14 @@
           <a:noFill/>
           <a:extLst>
             <a:ext uri="{909E8E84-426E-40dd-AFC4-6F175D3DCCD1}">
-              <a14:hiddenFill xmlns="" xmlns:a14="http://schemas.microsoft.com/office/drawing/2010/main">
+              <a14:hiddenFill xmlns:a14="http://schemas.microsoft.com/office/drawing/2010/main" xmlns="">
                 <a:solidFill>
                   <a:srgbClr val="FFFFFF"/>
                 </a:solidFill>
               </a14:hiddenFill>
             </a:ext>
             <a:ext uri="{91240B29-F687-4f45-9708-019B960494DF}">
-              <a14:hiddenLine xmlns="" xmlns:a14="http://schemas.microsoft.com/office/drawing/2010/main" w="9525">
+              <a14:hiddenLine xmlns:a14="http://schemas.microsoft.com/office/drawing/2010/main" xmlns="" w="9525">
                 <a:solidFill>
                   <a:srgbClr val="000000"/>
                 </a:solidFill>
@@ -36612,14 +36675,14 @@
           <a:noFill/>
           <a:extLst>
             <a:ext uri="{909E8E84-426E-40dd-AFC4-6F175D3DCCD1}">
-              <a14:hiddenFill xmlns="" xmlns:a14="http://schemas.microsoft.com/office/drawing/2010/main">
+              <a14:hiddenFill xmlns:a14="http://schemas.microsoft.com/office/drawing/2010/main" xmlns="">
                 <a:solidFill>
                   <a:srgbClr val="FFFFFF"/>
                 </a:solidFill>
               </a14:hiddenFill>
             </a:ext>
             <a:ext uri="{91240B29-F687-4f45-9708-019B960494DF}">
-              <a14:hiddenLine xmlns="" xmlns:a14="http://schemas.microsoft.com/office/drawing/2010/main" w="9525">
+              <a14:hiddenLine xmlns:a14="http://schemas.microsoft.com/office/drawing/2010/main" xmlns="" w="9525">
                 <a:solidFill>
                   <a:srgbClr val="000000"/>
                 </a:solidFill>
@@ -36958,7 +37021,7 @@
         <a:effectLst/>
         <a:extLst>
           <a:ext uri="{AF507438-7753-43e0-B8FC-AC1667EBCBE1}">
-            <a14:hiddenEffects xmlns="" xmlns:a14="http://schemas.microsoft.com/office/drawing/2010/main">
+            <a14:hiddenEffects xmlns:a14="http://schemas.microsoft.com/office/drawing/2010/main" xmlns="">
               <a:effectLst>
                 <a:outerShdw blurRad="63500" dist="38099" dir="2700000" algn="ctr" rotWithShape="0">
                   <a:schemeClr val="bg2">
@@ -37036,7 +37099,7 @@
         <a:effectLst/>
         <a:extLst>
           <a:ext uri="{AF507438-7753-43e0-B8FC-AC1667EBCBE1}">
-            <a14:hiddenEffects xmlns="" xmlns:a14="http://schemas.microsoft.com/office/drawing/2010/main">
+            <a14:hiddenEffects xmlns:a14="http://schemas.microsoft.com/office/drawing/2010/main" xmlns="">
               <a:effectLst>
                 <a:outerShdw blurRad="63500" dist="38099" dir="2700000" algn="ctr" rotWithShape="0">
                   <a:schemeClr val="bg2">
